--- a/Final presentation.pptx
+++ b/Final presentation.pptx
@@ -116,6 +116,11 @@
       </a:defRPr>
     </a:lvl9pPr>
   </p:defaultTextStyle>
+  <p:extLst>
+    <p:ext uri="{EFAFB233-063F-42B5-8137-9DF3F51BA10A}">
+      <p15:sldGuideLst xmlns:p15="http://schemas.microsoft.com/office/powerpoint/2012/main"/>
+    </p:ext>
+  </p:extLst>
 </p:presentation>
 </file>
 
@@ -266,7 +271,7 @@
           <a:p>
             <a:fld id="{4EC51A3C-8C6E-416D-86EA-9A0F7B61F8CD}" type="datetimeFigureOut">
               <a:rPr lang="en-US" smtClean="0"/>
-              <a:t>4/9/2025</a:t>
+              <a:t>4/10/25</a:t>
             </a:fld>
             <a:endParaRPr lang="en-US"/>
           </a:p>
@@ -464,7 +469,7 @@
           <a:p>
             <a:fld id="{4EC51A3C-8C6E-416D-86EA-9A0F7B61F8CD}" type="datetimeFigureOut">
               <a:rPr lang="en-US" smtClean="0"/>
-              <a:t>4/9/2025</a:t>
+              <a:t>4/10/25</a:t>
             </a:fld>
             <a:endParaRPr lang="en-US"/>
           </a:p>
@@ -672,7 +677,7 @@
           <a:p>
             <a:fld id="{4EC51A3C-8C6E-416D-86EA-9A0F7B61F8CD}" type="datetimeFigureOut">
               <a:rPr lang="en-US" smtClean="0"/>
-              <a:t>4/9/2025</a:t>
+              <a:t>4/10/25</a:t>
             </a:fld>
             <a:endParaRPr lang="en-US"/>
           </a:p>
@@ -870,7 +875,7 @@
           <a:p>
             <a:fld id="{4EC51A3C-8C6E-416D-86EA-9A0F7B61F8CD}" type="datetimeFigureOut">
               <a:rPr lang="en-US" smtClean="0"/>
-              <a:t>4/9/2025</a:t>
+              <a:t>4/10/25</a:t>
             </a:fld>
             <a:endParaRPr lang="en-US"/>
           </a:p>
@@ -1145,7 +1150,7 @@
           <a:p>
             <a:fld id="{4EC51A3C-8C6E-416D-86EA-9A0F7B61F8CD}" type="datetimeFigureOut">
               <a:rPr lang="en-US" smtClean="0"/>
-              <a:t>4/9/2025</a:t>
+              <a:t>4/10/25</a:t>
             </a:fld>
             <a:endParaRPr lang="en-US"/>
           </a:p>
@@ -1410,7 +1415,7 @@
           <a:p>
             <a:fld id="{4EC51A3C-8C6E-416D-86EA-9A0F7B61F8CD}" type="datetimeFigureOut">
               <a:rPr lang="en-US" smtClean="0"/>
-              <a:t>4/9/2025</a:t>
+              <a:t>4/10/25</a:t>
             </a:fld>
             <a:endParaRPr lang="en-US"/>
           </a:p>
@@ -1822,7 +1827,7 @@
           <a:p>
             <a:fld id="{4EC51A3C-8C6E-416D-86EA-9A0F7B61F8CD}" type="datetimeFigureOut">
               <a:rPr lang="en-US" smtClean="0"/>
-              <a:t>4/9/2025</a:t>
+              <a:t>4/10/25</a:t>
             </a:fld>
             <a:endParaRPr lang="en-US"/>
           </a:p>
@@ -1963,7 +1968,7 @@
           <a:p>
             <a:fld id="{4EC51A3C-8C6E-416D-86EA-9A0F7B61F8CD}" type="datetimeFigureOut">
               <a:rPr lang="en-US" smtClean="0"/>
-              <a:t>4/9/2025</a:t>
+              <a:t>4/10/25</a:t>
             </a:fld>
             <a:endParaRPr lang="en-US"/>
           </a:p>
@@ -2076,7 +2081,7 @@
           <a:p>
             <a:fld id="{4EC51A3C-8C6E-416D-86EA-9A0F7B61F8CD}" type="datetimeFigureOut">
               <a:rPr lang="en-US" smtClean="0"/>
-              <a:t>4/9/2025</a:t>
+              <a:t>4/10/25</a:t>
             </a:fld>
             <a:endParaRPr lang="en-US"/>
           </a:p>
@@ -2387,7 +2392,7 @@
           <a:p>
             <a:fld id="{4EC51A3C-8C6E-416D-86EA-9A0F7B61F8CD}" type="datetimeFigureOut">
               <a:rPr lang="en-US" smtClean="0"/>
-              <a:t>4/9/2025</a:t>
+              <a:t>4/10/25</a:t>
             </a:fld>
             <a:endParaRPr lang="en-US"/>
           </a:p>
@@ -2675,7 +2680,7 @@
           <a:p>
             <a:fld id="{4EC51A3C-8C6E-416D-86EA-9A0F7B61F8CD}" type="datetimeFigureOut">
               <a:rPr lang="en-US" smtClean="0"/>
-              <a:t>4/9/2025</a:t>
+              <a:t>4/10/25</a:t>
             </a:fld>
             <a:endParaRPr lang="en-US"/>
           </a:p>
@@ -2916,7 +2921,7 @@
           <a:p>
             <a:fld id="{4EC51A3C-8C6E-416D-86EA-9A0F7B61F8CD}" type="datetimeFigureOut">
               <a:rPr lang="en-US" smtClean="0"/>
-              <a:t>4/9/2025</a:t>
+              <a:t>4/10/25</a:t>
             </a:fld>
             <a:endParaRPr lang="en-US"/>
           </a:p>
@@ -5507,7 +5512,7 @@
           <a:p>
             <a:r>
               <a:rPr lang="en-US" dirty="0"/>
-              <a:t>Visualization of neural trajectory: 1D &amp; 2D version, Trial path length.</a:t>
+              <a:t>Visualization of trajectory: 1D &amp; 2D version, Trial path length.</a:t>
             </a:r>
           </a:p>
           <a:p>
@@ -5577,7 +5582,7 @@
           <a:p>
             <a:r>
               <a:rPr lang="en-US" dirty="0"/>
-              <a:t>Goal, not just covert into python</a:t>
+              <a:t>Goal</a:t>
             </a:r>
           </a:p>
         </p:txBody>
@@ -5603,7 +5608,25 @@
           <a:bodyPr/>
           <a:lstStyle/>
           <a:p>
-            <a:endParaRPr lang="en-US"/>
+            <a:r>
+              <a:rPr lang="en-US" dirty="0"/>
+              <a:t>Output the same figures and files regarding the same input CSV file.</a:t>
+            </a:r>
+          </a:p>
+          <a:p>
+            <a:r>
+              <a:rPr lang="en-US" dirty="0"/>
+              <a:t>List the necessary functions for processing the data frame and write them as def functions.</a:t>
+            </a:r>
+          </a:p>
+          <a:p>
+            <a:r>
+              <a:rPr lang="en-US" dirty="0"/>
+              <a:t>Have the notation of each def function to ensure modification in the future. </a:t>
+            </a:r>
+          </a:p>
+          <a:p>
+            <a:endParaRPr lang="en-US" dirty="0"/>
           </a:p>
         </p:txBody>
       </p:sp>

--- a/Final presentation.pptx
+++ b/Final presentation.pptx
@@ -18,6 +18,15 @@
     <p:sldId id="262" r:id="rId12"/>
     <p:sldId id="263" r:id="rId13"/>
     <p:sldId id="264" r:id="rId14"/>
+    <p:sldId id="269" r:id="rId15"/>
+    <p:sldId id="270" r:id="rId16"/>
+    <p:sldId id="277" r:id="rId17"/>
+    <p:sldId id="271" r:id="rId18"/>
+    <p:sldId id="272" r:id="rId19"/>
+    <p:sldId id="273" r:id="rId20"/>
+    <p:sldId id="274" r:id="rId21"/>
+    <p:sldId id="275" r:id="rId22"/>
+    <p:sldId id="276" r:id="rId23"/>
   </p:sldIdLst>
   <p:sldSz cx="12192000" cy="6858000"/>
   <p:notesSz cx="6858000" cy="9144000"/>
@@ -3445,32 +3454,498 @@
           <a:bodyPr/>
           <a:lstStyle/>
           <a:p>
-            <a:endParaRPr lang="en-US"/>
-          </a:p>
-        </p:txBody>
-      </p:sp>
-      <p:sp>
-        <p:nvSpPr>
-          <p:cNvPr id="3" name="Content Placeholder 2">
-            <a:extLst>
-              <a:ext uri="{FF2B5EF4-FFF2-40B4-BE49-F238E27FC236}">
-                <a16:creationId xmlns:a16="http://schemas.microsoft.com/office/drawing/2014/main" id="{A4BAA147-489A-7FEE-E032-6BE9F76CC53A}"/>
-              </a:ext>
-            </a:extLst>
-          </p:cNvPr>
-          <p:cNvSpPr>
-            <a:spLocks noGrp="1"/>
-          </p:cNvSpPr>
+            <a:r>
+              <a:rPr lang="en-US" dirty="0"/>
+              <a:t>Function 1: </a:t>
+            </a:r>
+            <a:r>
+              <a:rPr lang="en-US" dirty="0" err="1"/>
+              <a:t>time_to_seconds</a:t>
+            </a:r>
+            <a:endParaRPr lang="en-US" dirty="0"/>
+          </a:p>
+        </p:txBody>
+      </p:sp>
+      <p:pic>
+        <p:nvPicPr>
+          <p:cNvPr id="5" name="內容版面配置區 4">
+            <a:extLst>
+              <a:ext uri="{FF2B5EF4-FFF2-40B4-BE49-F238E27FC236}">
+                <a16:creationId xmlns:a16="http://schemas.microsoft.com/office/drawing/2014/main" id="{B49BBAF1-16C4-2D1F-FD72-39429AEDA01E}"/>
+              </a:ext>
+            </a:extLst>
+          </p:cNvPr>
+          <p:cNvPicPr>
+            <a:picLocks noGrp="1" noChangeAspect="1"/>
+          </p:cNvPicPr>
           <p:nvPr>
             <p:ph idx="1"/>
           </p:nvPr>
-        </p:nvSpPr>
-        <p:spPr/>
-        <p:txBody>
-          <a:bodyPr/>
-          <a:lstStyle/>
-          <a:p>
-            <a:endParaRPr lang="en-US"/>
+        </p:nvPicPr>
+        <p:blipFill>
+          <a:blip r:embed="rId2">
+            <a:extLst>
+              <a:ext uri="{28A0092B-C50C-407E-A947-70E740481C1C}">
+                <a14:useLocalDpi xmlns:a14="http://schemas.microsoft.com/office/drawing/2010/main" val="0"/>
+              </a:ext>
+            </a:extLst>
+          </a:blip>
+          <a:stretch>
+            <a:fillRect/>
+          </a:stretch>
+        </p:blipFill>
+        <p:spPr>
+          <a:xfrm>
+            <a:off x="6458192" y="2007121"/>
+            <a:ext cx="5471085" cy="3886147"/>
+          </a:xfrm>
+        </p:spPr>
+      </p:pic>
+      <p:pic>
+        <p:nvPicPr>
+          <p:cNvPr id="6" name="Picture 4">
+            <a:extLst>
+              <a:ext uri="{FF2B5EF4-FFF2-40B4-BE49-F238E27FC236}">
+                <a16:creationId xmlns:a16="http://schemas.microsoft.com/office/drawing/2014/main" id="{EE9C8A1C-2058-A75D-4198-FD052EEC4EF2}"/>
+              </a:ext>
+            </a:extLst>
+          </p:cNvPr>
+          <p:cNvPicPr>
+            <a:picLocks noChangeAspect="1"/>
+          </p:cNvPicPr>
+          <p:nvPr/>
+        </p:nvPicPr>
+        <p:blipFill>
+          <a:blip r:embed="rId3"/>
+          <a:srcRect r="93659"/>
+          <a:stretch/>
+        </p:blipFill>
+        <p:spPr>
+          <a:xfrm>
+            <a:off x="5273745" y="1568155"/>
+            <a:ext cx="920128" cy="4740078"/>
+          </a:xfrm>
+          <a:prstGeom prst="rect">
+            <a:avLst/>
+          </a:prstGeom>
+        </p:spPr>
+      </p:pic>
+      <p:sp>
+        <p:nvSpPr>
+          <p:cNvPr id="9" name="Content Placeholder 2">
+            <a:extLst>
+              <a:ext uri="{FF2B5EF4-FFF2-40B4-BE49-F238E27FC236}">
+                <a16:creationId xmlns:a16="http://schemas.microsoft.com/office/drawing/2014/main" id="{15A4163C-AC32-2E41-DC97-144519E83A00}"/>
+              </a:ext>
+            </a:extLst>
+          </p:cNvPr>
+          <p:cNvSpPr txBox="1">
+            <a:spLocks/>
+          </p:cNvSpPr>
+          <p:nvPr/>
+        </p:nvSpPr>
+        <p:spPr>
+          <a:xfrm>
+            <a:off x="3219660" y="1858364"/>
+            <a:ext cx="5529105" cy="4351338"/>
+          </a:xfrm>
+          <a:prstGeom prst="rect">
+            <a:avLst/>
+          </a:prstGeom>
+        </p:spPr>
+        <p:txBody>
+          <a:bodyPr vert="horz" lIns="91440" tIns="45720" rIns="91440" bIns="45720" rtlCol="0">
+            <a:normAutofit/>
+          </a:bodyPr>
+          <a:lstStyle>
+            <a:lvl1pPr marL="228600" indent="-228600" algn="l" defTabSz="914400" rtl="0" eaLnBrk="1" latinLnBrk="0" hangingPunct="1">
+              <a:lnSpc>
+                <a:spcPct val="90000"/>
+              </a:lnSpc>
+              <a:spcBef>
+                <a:spcPts val="1000"/>
+              </a:spcBef>
+              <a:buFont typeface="Arial" panose="020B0604020202020204" pitchFamily="34" charset="0"/>
+              <a:buChar char="•"/>
+              <a:defRPr sz="2800" kern="1200">
+                <a:solidFill>
+                  <a:schemeClr val="tx1"/>
+                </a:solidFill>
+                <a:latin typeface="+mn-lt"/>
+                <a:ea typeface="+mn-ea"/>
+                <a:cs typeface="+mn-cs"/>
+              </a:defRPr>
+            </a:lvl1pPr>
+            <a:lvl2pPr marL="685800" indent="-228600" algn="l" defTabSz="914400" rtl="0" eaLnBrk="1" latinLnBrk="0" hangingPunct="1">
+              <a:lnSpc>
+                <a:spcPct val="90000"/>
+              </a:lnSpc>
+              <a:spcBef>
+                <a:spcPts val="500"/>
+              </a:spcBef>
+              <a:buFont typeface="Arial" panose="020B0604020202020204" pitchFamily="34" charset="0"/>
+              <a:buChar char="•"/>
+              <a:defRPr sz="2400" kern="1200">
+                <a:solidFill>
+                  <a:schemeClr val="tx1"/>
+                </a:solidFill>
+                <a:latin typeface="+mn-lt"/>
+                <a:ea typeface="+mn-ea"/>
+                <a:cs typeface="+mn-cs"/>
+              </a:defRPr>
+            </a:lvl2pPr>
+            <a:lvl3pPr marL="1143000" indent="-228600" algn="l" defTabSz="914400" rtl="0" eaLnBrk="1" latinLnBrk="0" hangingPunct="1">
+              <a:lnSpc>
+                <a:spcPct val="90000"/>
+              </a:lnSpc>
+              <a:spcBef>
+                <a:spcPts val="500"/>
+              </a:spcBef>
+              <a:buFont typeface="Arial" panose="020B0604020202020204" pitchFamily="34" charset="0"/>
+              <a:buChar char="•"/>
+              <a:defRPr sz="2000" kern="1200">
+                <a:solidFill>
+                  <a:schemeClr val="tx1"/>
+                </a:solidFill>
+                <a:latin typeface="+mn-lt"/>
+                <a:ea typeface="+mn-ea"/>
+                <a:cs typeface="+mn-cs"/>
+              </a:defRPr>
+            </a:lvl3pPr>
+            <a:lvl4pPr marL="1600200" indent="-228600" algn="l" defTabSz="914400" rtl="0" eaLnBrk="1" latinLnBrk="0" hangingPunct="1">
+              <a:lnSpc>
+                <a:spcPct val="90000"/>
+              </a:lnSpc>
+              <a:spcBef>
+                <a:spcPts val="500"/>
+              </a:spcBef>
+              <a:buFont typeface="Arial" panose="020B0604020202020204" pitchFamily="34" charset="0"/>
+              <a:buChar char="•"/>
+              <a:defRPr sz="1800" kern="1200">
+                <a:solidFill>
+                  <a:schemeClr val="tx1"/>
+                </a:solidFill>
+                <a:latin typeface="+mn-lt"/>
+                <a:ea typeface="+mn-ea"/>
+                <a:cs typeface="+mn-cs"/>
+              </a:defRPr>
+            </a:lvl4pPr>
+            <a:lvl5pPr marL="2057400" indent="-228600" algn="l" defTabSz="914400" rtl="0" eaLnBrk="1" latinLnBrk="0" hangingPunct="1">
+              <a:lnSpc>
+                <a:spcPct val="90000"/>
+              </a:lnSpc>
+              <a:spcBef>
+                <a:spcPts val="500"/>
+              </a:spcBef>
+              <a:buFont typeface="Arial" panose="020B0604020202020204" pitchFamily="34" charset="0"/>
+              <a:buChar char="•"/>
+              <a:defRPr sz="1800" kern="1200">
+                <a:solidFill>
+                  <a:schemeClr val="tx1"/>
+                </a:solidFill>
+                <a:latin typeface="+mn-lt"/>
+                <a:ea typeface="+mn-ea"/>
+                <a:cs typeface="+mn-cs"/>
+              </a:defRPr>
+            </a:lvl5pPr>
+            <a:lvl6pPr marL="2514600" indent="-228600" algn="l" defTabSz="914400" rtl="0" eaLnBrk="1" latinLnBrk="0" hangingPunct="1">
+              <a:lnSpc>
+                <a:spcPct val="90000"/>
+              </a:lnSpc>
+              <a:spcBef>
+                <a:spcPts val="500"/>
+              </a:spcBef>
+              <a:buFont typeface="Arial" panose="020B0604020202020204" pitchFamily="34" charset="0"/>
+              <a:buChar char="•"/>
+              <a:defRPr sz="1800" kern="1200">
+                <a:solidFill>
+                  <a:schemeClr val="tx1"/>
+                </a:solidFill>
+                <a:latin typeface="+mn-lt"/>
+                <a:ea typeface="+mn-ea"/>
+                <a:cs typeface="+mn-cs"/>
+              </a:defRPr>
+            </a:lvl6pPr>
+            <a:lvl7pPr marL="2971800" indent="-228600" algn="l" defTabSz="914400" rtl="0" eaLnBrk="1" latinLnBrk="0" hangingPunct="1">
+              <a:lnSpc>
+                <a:spcPct val="90000"/>
+              </a:lnSpc>
+              <a:spcBef>
+                <a:spcPts val="500"/>
+              </a:spcBef>
+              <a:buFont typeface="Arial" panose="020B0604020202020204" pitchFamily="34" charset="0"/>
+              <a:buChar char="•"/>
+              <a:defRPr sz="1800" kern="1200">
+                <a:solidFill>
+                  <a:schemeClr val="tx1"/>
+                </a:solidFill>
+                <a:latin typeface="+mn-lt"/>
+                <a:ea typeface="+mn-ea"/>
+                <a:cs typeface="+mn-cs"/>
+              </a:defRPr>
+            </a:lvl7pPr>
+            <a:lvl8pPr marL="3429000" indent="-228600" algn="l" defTabSz="914400" rtl="0" eaLnBrk="1" latinLnBrk="0" hangingPunct="1">
+              <a:lnSpc>
+                <a:spcPct val="90000"/>
+              </a:lnSpc>
+              <a:spcBef>
+                <a:spcPts val="500"/>
+              </a:spcBef>
+              <a:buFont typeface="Arial" panose="020B0604020202020204" pitchFamily="34" charset="0"/>
+              <a:buChar char="•"/>
+              <a:defRPr sz="1800" kern="1200">
+                <a:solidFill>
+                  <a:schemeClr val="tx1"/>
+                </a:solidFill>
+                <a:latin typeface="+mn-lt"/>
+                <a:ea typeface="+mn-ea"/>
+                <a:cs typeface="+mn-cs"/>
+              </a:defRPr>
+            </a:lvl8pPr>
+            <a:lvl9pPr marL="3886200" indent="-228600" algn="l" defTabSz="914400" rtl="0" eaLnBrk="1" latinLnBrk="0" hangingPunct="1">
+              <a:lnSpc>
+                <a:spcPct val="90000"/>
+              </a:lnSpc>
+              <a:spcBef>
+                <a:spcPts val="500"/>
+              </a:spcBef>
+              <a:buFont typeface="Arial" panose="020B0604020202020204" pitchFamily="34" charset="0"/>
+              <a:buChar char="•"/>
+              <a:defRPr sz="1800" kern="1200">
+                <a:solidFill>
+                  <a:schemeClr val="tx1"/>
+                </a:solidFill>
+                <a:latin typeface="+mn-lt"/>
+                <a:ea typeface="+mn-ea"/>
+                <a:cs typeface="+mn-cs"/>
+              </a:defRPr>
+            </a:lvl9pPr>
+          </a:lstStyle>
+          <a:p>
+            <a:endParaRPr lang="en-US" dirty="0"/>
+          </a:p>
+        </p:txBody>
+      </p:sp>
+      <p:sp>
+        <p:nvSpPr>
+          <p:cNvPr id="10" name="Content Placeholder 2">
+            <a:extLst>
+              <a:ext uri="{FF2B5EF4-FFF2-40B4-BE49-F238E27FC236}">
+                <a16:creationId xmlns:a16="http://schemas.microsoft.com/office/drawing/2014/main" id="{A60B76B6-B0D3-B90C-BD2F-1AD18C79BB16}"/>
+              </a:ext>
+            </a:extLst>
+          </p:cNvPr>
+          <p:cNvSpPr txBox="1">
+            <a:spLocks/>
+          </p:cNvSpPr>
+          <p:nvPr/>
+        </p:nvSpPr>
+        <p:spPr>
+          <a:xfrm>
+            <a:off x="551128" y="2202899"/>
+            <a:ext cx="4590457" cy="3690369"/>
+          </a:xfrm>
+          <a:prstGeom prst="rect">
+            <a:avLst/>
+          </a:prstGeom>
+        </p:spPr>
+        <p:txBody>
+          <a:bodyPr vert="horz" lIns="91440" tIns="45720" rIns="91440" bIns="45720" rtlCol="0">
+            <a:normAutofit lnSpcReduction="10000"/>
+          </a:bodyPr>
+          <a:lstStyle>
+            <a:lvl1pPr marL="228600" indent="-228600" algn="l" defTabSz="914400" rtl="0" eaLnBrk="1" latinLnBrk="0" hangingPunct="1">
+              <a:lnSpc>
+                <a:spcPct val="90000"/>
+              </a:lnSpc>
+              <a:spcBef>
+                <a:spcPts val="1000"/>
+              </a:spcBef>
+              <a:buFont typeface="Arial" panose="020B0604020202020204" pitchFamily="34" charset="0"/>
+              <a:buChar char="•"/>
+              <a:defRPr sz="2800" kern="1200">
+                <a:solidFill>
+                  <a:schemeClr val="tx1"/>
+                </a:solidFill>
+                <a:latin typeface="+mn-lt"/>
+                <a:ea typeface="+mn-ea"/>
+                <a:cs typeface="+mn-cs"/>
+              </a:defRPr>
+            </a:lvl1pPr>
+            <a:lvl2pPr marL="685800" indent="-228600" algn="l" defTabSz="914400" rtl="0" eaLnBrk="1" latinLnBrk="0" hangingPunct="1">
+              <a:lnSpc>
+                <a:spcPct val="90000"/>
+              </a:lnSpc>
+              <a:spcBef>
+                <a:spcPts val="500"/>
+              </a:spcBef>
+              <a:buFont typeface="Arial" panose="020B0604020202020204" pitchFamily="34" charset="0"/>
+              <a:buChar char="•"/>
+              <a:defRPr sz="2400" kern="1200">
+                <a:solidFill>
+                  <a:schemeClr val="tx1"/>
+                </a:solidFill>
+                <a:latin typeface="+mn-lt"/>
+                <a:ea typeface="+mn-ea"/>
+                <a:cs typeface="+mn-cs"/>
+              </a:defRPr>
+            </a:lvl2pPr>
+            <a:lvl3pPr marL="1143000" indent="-228600" algn="l" defTabSz="914400" rtl="0" eaLnBrk="1" latinLnBrk="0" hangingPunct="1">
+              <a:lnSpc>
+                <a:spcPct val="90000"/>
+              </a:lnSpc>
+              <a:spcBef>
+                <a:spcPts val="500"/>
+              </a:spcBef>
+              <a:buFont typeface="Arial" panose="020B0604020202020204" pitchFamily="34" charset="0"/>
+              <a:buChar char="•"/>
+              <a:defRPr sz="2000" kern="1200">
+                <a:solidFill>
+                  <a:schemeClr val="tx1"/>
+                </a:solidFill>
+                <a:latin typeface="+mn-lt"/>
+                <a:ea typeface="+mn-ea"/>
+                <a:cs typeface="+mn-cs"/>
+              </a:defRPr>
+            </a:lvl3pPr>
+            <a:lvl4pPr marL="1600200" indent="-228600" algn="l" defTabSz="914400" rtl="0" eaLnBrk="1" latinLnBrk="0" hangingPunct="1">
+              <a:lnSpc>
+                <a:spcPct val="90000"/>
+              </a:lnSpc>
+              <a:spcBef>
+                <a:spcPts val="500"/>
+              </a:spcBef>
+              <a:buFont typeface="Arial" panose="020B0604020202020204" pitchFamily="34" charset="0"/>
+              <a:buChar char="•"/>
+              <a:defRPr sz="1800" kern="1200">
+                <a:solidFill>
+                  <a:schemeClr val="tx1"/>
+                </a:solidFill>
+                <a:latin typeface="+mn-lt"/>
+                <a:ea typeface="+mn-ea"/>
+                <a:cs typeface="+mn-cs"/>
+              </a:defRPr>
+            </a:lvl4pPr>
+            <a:lvl5pPr marL="2057400" indent="-228600" algn="l" defTabSz="914400" rtl="0" eaLnBrk="1" latinLnBrk="0" hangingPunct="1">
+              <a:lnSpc>
+                <a:spcPct val="90000"/>
+              </a:lnSpc>
+              <a:spcBef>
+                <a:spcPts val="500"/>
+              </a:spcBef>
+              <a:buFont typeface="Arial" panose="020B0604020202020204" pitchFamily="34" charset="0"/>
+              <a:buChar char="•"/>
+              <a:defRPr sz="1800" kern="1200">
+                <a:solidFill>
+                  <a:schemeClr val="tx1"/>
+                </a:solidFill>
+                <a:latin typeface="+mn-lt"/>
+                <a:ea typeface="+mn-ea"/>
+                <a:cs typeface="+mn-cs"/>
+              </a:defRPr>
+            </a:lvl5pPr>
+            <a:lvl6pPr marL="2514600" indent="-228600" algn="l" defTabSz="914400" rtl="0" eaLnBrk="1" latinLnBrk="0" hangingPunct="1">
+              <a:lnSpc>
+                <a:spcPct val="90000"/>
+              </a:lnSpc>
+              <a:spcBef>
+                <a:spcPts val="500"/>
+              </a:spcBef>
+              <a:buFont typeface="Arial" panose="020B0604020202020204" pitchFamily="34" charset="0"/>
+              <a:buChar char="•"/>
+              <a:defRPr sz="1800" kern="1200">
+                <a:solidFill>
+                  <a:schemeClr val="tx1"/>
+                </a:solidFill>
+                <a:latin typeface="+mn-lt"/>
+                <a:ea typeface="+mn-ea"/>
+                <a:cs typeface="+mn-cs"/>
+              </a:defRPr>
+            </a:lvl6pPr>
+            <a:lvl7pPr marL="2971800" indent="-228600" algn="l" defTabSz="914400" rtl="0" eaLnBrk="1" latinLnBrk="0" hangingPunct="1">
+              <a:lnSpc>
+                <a:spcPct val="90000"/>
+              </a:lnSpc>
+              <a:spcBef>
+                <a:spcPts val="500"/>
+              </a:spcBef>
+              <a:buFont typeface="Arial" panose="020B0604020202020204" pitchFamily="34" charset="0"/>
+              <a:buChar char="•"/>
+              <a:defRPr sz="1800" kern="1200">
+                <a:solidFill>
+                  <a:schemeClr val="tx1"/>
+                </a:solidFill>
+                <a:latin typeface="+mn-lt"/>
+                <a:ea typeface="+mn-ea"/>
+                <a:cs typeface="+mn-cs"/>
+              </a:defRPr>
+            </a:lvl7pPr>
+            <a:lvl8pPr marL="3429000" indent="-228600" algn="l" defTabSz="914400" rtl="0" eaLnBrk="1" latinLnBrk="0" hangingPunct="1">
+              <a:lnSpc>
+                <a:spcPct val="90000"/>
+              </a:lnSpc>
+              <a:spcBef>
+                <a:spcPts val="500"/>
+              </a:spcBef>
+              <a:buFont typeface="Arial" panose="020B0604020202020204" pitchFamily="34" charset="0"/>
+              <a:buChar char="•"/>
+              <a:defRPr sz="1800" kern="1200">
+                <a:solidFill>
+                  <a:schemeClr val="tx1"/>
+                </a:solidFill>
+                <a:latin typeface="+mn-lt"/>
+                <a:ea typeface="+mn-ea"/>
+                <a:cs typeface="+mn-cs"/>
+              </a:defRPr>
+            </a:lvl8pPr>
+            <a:lvl9pPr marL="3886200" indent="-228600" algn="l" defTabSz="914400" rtl="0" eaLnBrk="1" latinLnBrk="0" hangingPunct="1">
+              <a:lnSpc>
+                <a:spcPct val="90000"/>
+              </a:lnSpc>
+              <a:spcBef>
+                <a:spcPts val="500"/>
+              </a:spcBef>
+              <a:buFont typeface="Arial" panose="020B0604020202020204" pitchFamily="34" charset="0"/>
+              <a:buChar char="•"/>
+              <a:defRPr sz="1800" kern="1200">
+                <a:solidFill>
+                  <a:schemeClr val="tx1"/>
+                </a:solidFill>
+                <a:latin typeface="+mn-lt"/>
+                <a:ea typeface="+mn-ea"/>
+                <a:cs typeface="+mn-cs"/>
+              </a:defRPr>
+            </a:lvl9pPr>
+          </a:lstStyle>
+          <a:p>
+            <a:r>
+              <a:rPr lang="en-US" sz="2400" dirty="0"/>
+              <a:t>Ensure input is the string.</a:t>
+            </a:r>
+          </a:p>
+          <a:p>
+            <a:r>
+              <a:rPr lang="en-US" sz="2400" dirty="0"/>
+              <a:t>Remove any extra space by .strip()</a:t>
+            </a:r>
+          </a:p>
+          <a:p>
+            <a:r>
+              <a:rPr lang="en-US" sz="2400" dirty="0"/>
+              <a:t>Split the time string into [‘HH’, ‘MM’, ‘SS’]</a:t>
+            </a:r>
+          </a:p>
+          <a:p>
+            <a:r>
+              <a:rPr lang="en-US" sz="2400" dirty="0"/>
+              <a:t>Covert them into second unit and compute the total duration.</a:t>
+            </a:r>
+          </a:p>
+          <a:p>
+            <a:r>
+              <a:rPr lang="en-US" sz="2400" dirty="0"/>
+              <a:t>Use this to calculate the average &amp; standard deviation of trial duration.</a:t>
+            </a:r>
           </a:p>
         </p:txBody>
       </p:sp>
@@ -3525,7 +4000,15 @@
           <a:bodyPr/>
           <a:lstStyle/>
           <a:p>
-            <a:endParaRPr lang="en-US"/>
+            <a:r>
+              <a:rPr lang="en-US" dirty="0"/>
+              <a:t>Function 2: </a:t>
+            </a:r>
+            <a:r>
+              <a:rPr lang="en-US" dirty="0" err="1"/>
+              <a:t>clean_behavior_dataframe</a:t>
+            </a:r>
+            <a:endParaRPr lang="en-US" dirty="0"/>
           </a:p>
         </p:txBody>
       </p:sp>
@@ -3545,15 +4028,76 @@
             <p:ph idx="1"/>
           </p:nvPr>
         </p:nvSpPr>
-        <p:spPr/>
-        <p:txBody>
-          <a:bodyPr/>
-          <a:lstStyle/>
-          <a:p>
-            <a:endParaRPr lang="en-US"/>
-          </a:p>
-        </p:txBody>
-      </p:sp>
+        <p:spPr>
+          <a:xfrm>
+            <a:off x="2751992" y="4231175"/>
+            <a:ext cx="6527242" cy="2113329"/>
+          </a:xfrm>
+        </p:spPr>
+        <p:txBody>
+          <a:bodyPr>
+            <a:normAutofit/>
+          </a:bodyPr>
+          <a:lstStyle/>
+          <a:p>
+            <a:r>
+              <a:rPr lang="en" altLang="zh-TW" sz="2400" dirty="0"/>
+              <a:t>Strips whitespace from both ends of each column name</a:t>
+            </a:r>
+          </a:p>
+          <a:p>
+            <a:r>
+              <a:rPr lang="en" altLang="zh-TW" sz="2400" dirty="0"/>
+              <a:t>Convert ‘event’ column names to lowercase. (e.g. Target Reached -&gt; target reached)</a:t>
+            </a:r>
+          </a:p>
+          <a:p>
+            <a:r>
+              <a:rPr lang="en" altLang="zh-TW" sz="2400" dirty="0"/>
+              <a:t>Convert ‘Trial’ column to numeric.</a:t>
+            </a:r>
+          </a:p>
+          <a:p>
+            <a:endParaRPr lang="en-US" sz="2000" dirty="0"/>
+          </a:p>
+        </p:txBody>
+      </p:sp>
+      <p:pic>
+        <p:nvPicPr>
+          <p:cNvPr id="5" name="圖片 4">
+            <a:extLst>
+              <a:ext uri="{FF2B5EF4-FFF2-40B4-BE49-F238E27FC236}">
+                <a16:creationId xmlns:a16="http://schemas.microsoft.com/office/drawing/2014/main" id="{DE1E4DDC-7CCF-D66E-A2EB-C7BB50E1E156}"/>
+              </a:ext>
+            </a:extLst>
+          </p:cNvPr>
+          <p:cNvPicPr>
+            <a:picLocks noChangeAspect="1"/>
+          </p:cNvPicPr>
+          <p:nvPr/>
+        </p:nvPicPr>
+        <p:blipFill>
+          <a:blip r:embed="rId2">
+            <a:extLst>
+              <a:ext uri="{28A0092B-C50C-407E-A947-70E740481C1C}">
+                <a14:useLocalDpi xmlns:a14="http://schemas.microsoft.com/office/drawing/2010/main" val="0"/>
+              </a:ext>
+            </a:extLst>
+          </a:blip>
+          <a:stretch>
+            <a:fillRect/>
+          </a:stretch>
+        </p:blipFill>
+        <p:spPr>
+          <a:xfrm>
+            <a:off x="2885063" y="1756490"/>
+            <a:ext cx="6261100" cy="2082800"/>
+          </a:xfrm>
+          <a:prstGeom prst="rect">
+            <a:avLst/>
+          </a:prstGeom>
+        </p:spPr>
+      </p:pic>
     </p:spTree>
     <p:extLst>
       <p:ext uri="{BB962C8B-B14F-4D97-AF65-F5344CB8AC3E}">
@@ -3605,32 +4149,258 @@
           <a:bodyPr/>
           <a:lstStyle/>
           <a:p>
-            <a:endParaRPr lang="en-US"/>
-          </a:p>
-        </p:txBody>
-      </p:sp>
-      <p:sp>
-        <p:nvSpPr>
-          <p:cNvPr id="3" name="Content Placeholder 2">
-            <a:extLst>
-              <a:ext uri="{FF2B5EF4-FFF2-40B4-BE49-F238E27FC236}">
-                <a16:creationId xmlns:a16="http://schemas.microsoft.com/office/drawing/2014/main" id="{2E0BFEF7-43EE-D7DD-F627-87096A8C44D4}"/>
-              </a:ext>
-            </a:extLst>
-          </p:cNvPr>
-          <p:cNvSpPr>
-            <a:spLocks noGrp="1"/>
-          </p:cNvSpPr>
-          <p:nvPr>
-            <p:ph idx="1"/>
-          </p:nvPr>
-        </p:nvSpPr>
-        <p:spPr/>
-        <p:txBody>
-          <a:bodyPr/>
-          <a:lstStyle/>
-          <a:p>
-            <a:endParaRPr lang="en-US"/>
+            <a:r>
+              <a:rPr lang="en-US" dirty="0"/>
+              <a:t>Function 3: </a:t>
+            </a:r>
+            <a:r>
+              <a:rPr lang="en-US" dirty="0" err="1"/>
+              <a:t>analyze_behavior_data</a:t>
+            </a:r>
+            <a:endParaRPr lang="en-US" dirty="0"/>
+          </a:p>
+        </p:txBody>
+      </p:sp>
+      <p:sp>
+        <p:nvSpPr>
+          <p:cNvPr id="6" name="Content Placeholder 2">
+            <a:extLst>
+              <a:ext uri="{FF2B5EF4-FFF2-40B4-BE49-F238E27FC236}">
+                <a16:creationId xmlns:a16="http://schemas.microsoft.com/office/drawing/2014/main" id="{B37E20E5-CC2A-3C3C-DDEB-BEDCD12AB58A}"/>
+              </a:ext>
+            </a:extLst>
+          </p:cNvPr>
+          <p:cNvSpPr txBox="1">
+            <a:spLocks/>
+          </p:cNvSpPr>
+          <p:nvPr/>
+        </p:nvSpPr>
+        <p:spPr>
+          <a:xfrm>
+            <a:off x="838200" y="1961994"/>
+            <a:ext cx="10515600" cy="4378516"/>
+          </a:xfrm>
+          <a:prstGeom prst="rect">
+            <a:avLst/>
+          </a:prstGeom>
+        </p:spPr>
+        <p:txBody>
+          <a:bodyPr vert="horz" lIns="91440" tIns="45720" rIns="91440" bIns="45720" rtlCol="0">
+            <a:noAutofit/>
+          </a:bodyPr>
+          <a:lstStyle>
+            <a:lvl1pPr marL="228600" indent="-228600" algn="l" defTabSz="914400" rtl="0" eaLnBrk="1" latinLnBrk="0" hangingPunct="1">
+              <a:lnSpc>
+                <a:spcPct val="90000"/>
+              </a:lnSpc>
+              <a:spcBef>
+                <a:spcPts val="1000"/>
+              </a:spcBef>
+              <a:buFont typeface="Arial" panose="020B0604020202020204" pitchFamily="34" charset="0"/>
+              <a:buChar char="•"/>
+              <a:defRPr sz="2800" kern="1200">
+                <a:solidFill>
+                  <a:schemeClr val="tx1"/>
+                </a:solidFill>
+                <a:latin typeface="+mn-lt"/>
+                <a:ea typeface="+mn-ea"/>
+                <a:cs typeface="+mn-cs"/>
+              </a:defRPr>
+            </a:lvl1pPr>
+            <a:lvl2pPr marL="685800" indent="-228600" algn="l" defTabSz="914400" rtl="0" eaLnBrk="1" latinLnBrk="0" hangingPunct="1">
+              <a:lnSpc>
+                <a:spcPct val="90000"/>
+              </a:lnSpc>
+              <a:spcBef>
+                <a:spcPts val="500"/>
+              </a:spcBef>
+              <a:buFont typeface="Arial" panose="020B0604020202020204" pitchFamily="34" charset="0"/>
+              <a:buChar char="•"/>
+              <a:defRPr sz="2400" kern="1200">
+                <a:solidFill>
+                  <a:schemeClr val="tx1"/>
+                </a:solidFill>
+                <a:latin typeface="+mn-lt"/>
+                <a:ea typeface="+mn-ea"/>
+                <a:cs typeface="+mn-cs"/>
+              </a:defRPr>
+            </a:lvl2pPr>
+            <a:lvl3pPr marL="1143000" indent="-228600" algn="l" defTabSz="914400" rtl="0" eaLnBrk="1" latinLnBrk="0" hangingPunct="1">
+              <a:lnSpc>
+                <a:spcPct val="90000"/>
+              </a:lnSpc>
+              <a:spcBef>
+                <a:spcPts val="500"/>
+              </a:spcBef>
+              <a:buFont typeface="Arial" panose="020B0604020202020204" pitchFamily="34" charset="0"/>
+              <a:buChar char="•"/>
+              <a:defRPr sz="2000" kern="1200">
+                <a:solidFill>
+                  <a:schemeClr val="tx1"/>
+                </a:solidFill>
+                <a:latin typeface="+mn-lt"/>
+                <a:ea typeface="+mn-ea"/>
+                <a:cs typeface="+mn-cs"/>
+              </a:defRPr>
+            </a:lvl3pPr>
+            <a:lvl4pPr marL="1600200" indent="-228600" algn="l" defTabSz="914400" rtl="0" eaLnBrk="1" latinLnBrk="0" hangingPunct="1">
+              <a:lnSpc>
+                <a:spcPct val="90000"/>
+              </a:lnSpc>
+              <a:spcBef>
+                <a:spcPts val="500"/>
+              </a:spcBef>
+              <a:buFont typeface="Arial" panose="020B0604020202020204" pitchFamily="34" charset="0"/>
+              <a:buChar char="•"/>
+              <a:defRPr sz="1800" kern="1200">
+                <a:solidFill>
+                  <a:schemeClr val="tx1"/>
+                </a:solidFill>
+                <a:latin typeface="+mn-lt"/>
+                <a:ea typeface="+mn-ea"/>
+                <a:cs typeface="+mn-cs"/>
+              </a:defRPr>
+            </a:lvl4pPr>
+            <a:lvl5pPr marL="2057400" indent="-228600" algn="l" defTabSz="914400" rtl="0" eaLnBrk="1" latinLnBrk="0" hangingPunct="1">
+              <a:lnSpc>
+                <a:spcPct val="90000"/>
+              </a:lnSpc>
+              <a:spcBef>
+                <a:spcPts val="500"/>
+              </a:spcBef>
+              <a:buFont typeface="Arial" panose="020B0604020202020204" pitchFamily="34" charset="0"/>
+              <a:buChar char="•"/>
+              <a:defRPr sz="1800" kern="1200">
+                <a:solidFill>
+                  <a:schemeClr val="tx1"/>
+                </a:solidFill>
+                <a:latin typeface="+mn-lt"/>
+                <a:ea typeface="+mn-ea"/>
+                <a:cs typeface="+mn-cs"/>
+              </a:defRPr>
+            </a:lvl5pPr>
+            <a:lvl6pPr marL="2514600" indent="-228600" algn="l" defTabSz="914400" rtl="0" eaLnBrk="1" latinLnBrk="0" hangingPunct="1">
+              <a:lnSpc>
+                <a:spcPct val="90000"/>
+              </a:lnSpc>
+              <a:spcBef>
+                <a:spcPts val="500"/>
+              </a:spcBef>
+              <a:buFont typeface="Arial" panose="020B0604020202020204" pitchFamily="34" charset="0"/>
+              <a:buChar char="•"/>
+              <a:defRPr sz="1800" kern="1200">
+                <a:solidFill>
+                  <a:schemeClr val="tx1"/>
+                </a:solidFill>
+                <a:latin typeface="+mn-lt"/>
+                <a:ea typeface="+mn-ea"/>
+                <a:cs typeface="+mn-cs"/>
+              </a:defRPr>
+            </a:lvl6pPr>
+            <a:lvl7pPr marL="2971800" indent="-228600" algn="l" defTabSz="914400" rtl="0" eaLnBrk="1" latinLnBrk="0" hangingPunct="1">
+              <a:lnSpc>
+                <a:spcPct val="90000"/>
+              </a:lnSpc>
+              <a:spcBef>
+                <a:spcPts val="500"/>
+              </a:spcBef>
+              <a:buFont typeface="Arial" panose="020B0604020202020204" pitchFamily="34" charset="0"/>
+              <a:buChar char="•"/>
+              <a:defRPr sz="1800" kern="1200">
+                <a:solidFill>
+                  <a:schemeClr val="tx1"/>
+                </a:solidFill>
+                <a:latin typeface="+mn-lt"/>
+                <a:ea typeface="+mn-ea"/>
+                <a:cs typeface="+mn-cs"/>
+              </a:defRPr>
+            </a:lvl7pPr>
+            <a:lvl8pPr marL="3429000" indent="-228600" algn="l" defTabSz="914400" rtl="0" eaLnBrk="1" latinLnBrk="0" hangingPunct="1">
+              <a:lnSpc>
+                <a:spcPct val="90000"/>
+              </a:lnSpc>
+              <a:spcBef>
+                <a:spcPts val="500"/>
+              </a:spcBef>
+              <a:buFont typeface="Arial" panose="020B0604020202020204" pitchFamily="34" charset="0"/>
+              <a:buChar char="•"/>
+              <a:defRPr sz="1800" kern="1200">
+                <a:solidFill>
+                  <a:schemeClr val="tx1"/>
+                </a:solidFill>
+                <a:latin typeface="+mn-lt"/>
+                <a:ea typeface="+mn-ea"/>
+                <a:cs typeface="+mn-cs"/>
+              </a:defRPr>
+            </a:lvl8pPr>
+            <a:lvl9pPr marL="3886200" indent="-228600" algn="l" defTabSz="914400" rtl="0" eaLnBrk="1" latinLnBrk="0" hangingPunct="1">
+              <a:lnSpc>
+                <a:spcPct val="90000"/>
+              </a:lnSpc>
+              <a:spcBef>
+                <a:spcPts val="500"/>
+              </a:spcBef>
+              <a:buFont typeface="Arial" panose="020B0604020202020204" pitchFamily="34" charset="0"/>
+              <a:buChar char="•"/>
+              <a:defRPr sz="1800" kern="1200">
+                <a:solidFill>
+                  <a:schemeClr val="tx1"/>
+                </a:solidFill>
+                <a:latin typeface="+mn-lt"/>
+                <a:ea typeface="+mn-ea"/>
+                <a:cs typeface="+mn-cs"/>
+              </a:defRPr>
+            </a:lvl9pPr>
+          </a:lstStyle>
+          <a:p>
+            <a:r>
+              <a:rPr lang="en-US" sz="2400" dirty="0"/>
+              <a:t>Clean the data by the previous functions. </a:t>
+            </a:r>
+            <a:r>
+              <a:rPr lang="en" altLang="zh-TW" sz="2400" dirty="0"/>
+              <a:t>Measures total time span (in seconds) from the first to last timestamp in the file</a:t>
+            </a:r>
+          </a:p>
+          <a:p>
+            <a:r>
+              <a:rPr lang="en" altLang="zh-TW" sz="2400" dirty="0"/>
+              <a:t>Extracts all unique trial IDs (excluding any </a:t>
+            </a:r>
+            <a:r>
+              <a:rPr lang="en" altLang="zh-TW" sz="2400" dirty="0" err="1"/>
+              <a:t>NaNs</a:t>
+            </a:r>
+            <a:r>
+              <a:rPr lang="en" altLang="zh-TW" sz="2400" dirty="0"/>
+              <a:t>) and counts how many total trials occurred in the file</a:t>
+            </a:r>
+          </a:p>
+          <a:p>
+            <a:r>
+              <a:rPr lang="en" altLang="zh-TW" sz="2400" dirty="0"/>
+              <a:t>Filters for rows where the event was "target reached” and counts the number of distinct trials that had a successful outcome</a:t>
+            </a:r>
+          </a:p>
+          <a:p>
+            <a:pPr>
+              <a:buFont typeface="Arial" panose="020B0604020202020204" pitchFamily="34" charset="0"/>
+              <a:buChar char="•"/>
+            </a:pPr>
+            <a:r>
+              <a:rPr lang="en" altLang="zh-TW" sz="2400" dirty="0"/>
+              <a:t>Success Rate: % of trials that ended in success. Reward Frequency: how many successful trials occurred per minute</a:t>
+            </a:r>
+          </a:p>
+          <a:p>
+            <a:pPr>
+              <a:buFont typeface="Arial" panose="020B0604020202020204" pitchFamily="34" charset="0"/>
+              <a:buChar char="•"/>
+            </a:pPr>
+            <a:r>
+              <a:rPr lang="en" altLang="zh-TW" sz="2400" dirty="0"/>
+              <a:t>For each trial: Gets its start and end time and calculates how long the trial lasted (in seconds)</a:t>
+            </a:r>
           </a:p>
         </p:txBody>
       </p:sp>
@@ -3685,39 +4455,1397 @@
           <a:bodyPr/>
           <a:lstStyle/>
           <a:p>
-            <a:endParaRPr lang="en-US"/>
-          </a:p>
-        </p:txBody>
-      </p:sp>
-      <p:sp>
-        <p:nvSpPr>
-          <p:cNvPr id="3" name="Content Placeholder 2">
-            <a:extLst>
-              <a:ext uri="{FF2B5EF4-FFF2-40B4-BE49-F238E27FC236}">
-                <a16:creationId xmlns:a16="http://schemas.microsoft.com/office/drawing/2014/main" id="{BA45E826-5A65-755C-C6C3-A6B75A58163B}"/>
-              </a:ext>
-            </a:extLst>
-          </p:cNvPr>
-          <p:cNvSpPr>
-            <a:spLocks noGrp="1"/>
-          </p:cNvSpPr>
-          <p:nvPr>
-            <p:ph idx="1"/>
-          </p:nvPr>
-        </p:nvSpPr>
-        <p:spPr/>
-        <p:txBody>
-          <a:bodyPr/>
-          <a:lstStyle/>
-          <a:p>
-            <a:endParaRPr lang="en-US"/>
-          </a:p>
-        </p:txBody>
-      </p:sp>
+            <a:r>
+              <a:rPr lang="en-US" altLang="zh-TW" dirty="0"/>
+              <a:t>Function 3: </a:t>
+            </a:r>
+            <a:r>
+              <a:rPr lang="en-US" altLang="zh-TW" dirty="0" err="1"/>
+              <a:t>analyze_behavior_data</a:t>
+            </a:r>
+            <a:endParaRPr lang="en-US" dirty="0"/>
+          </a:p>
+        </p:txBody>
+      </p:sp>
+      <p:pic>
+        <p:nvPicPr>
+          <p:cNvPr id="4" name="內容版面配置區 4">
+            <a:extLst>
+              <a:ext uri="{FF2B5EF4-FFF2-40B4-BE49-F238E27FC236}">
+                <a16:creationId xmlns:a16="http://schemas.microsoft.com/office/drawing/2014/main" id="{931FE030-C2EE-1CAC-91DC-B786B7A99269}"/>
+              </a:ext>
+            </a:extLst>
+          </p:cNvPr>
+          <p:cNvPicPr>
+            <a:picLocks noChangeAspect="1"/>
+          </p:cNvPicPr>
+          <p:nvPr/>
+        </p:nvPicPr>
+        <p:blipFill>
+          <a:blip r:embed="rId2">
+            <a:extLst>
+              <a:ext uri="{28A0092B-C50C-407E-A947-70E740481C1C}">
+                <a14:useLocalDpi xmlns:a14="http://schemas.microsoft.com/office/drawing/2010/main" val="0"/>
+              </a:ext>
+            </a:extLst>
+          </a:blip>
+          <a:srcRect b="55510"/>
+          <a:stretch/>
+        </p:blipFill>
+        <p:spPr>
+          <a:xfrm>
+            <a:off x="902413" y="1934272"/>
+            <a:ext cx="10387173" cy="3702854"/>
+          </a:xfrm>
+          <a:prstGeom prst="rect">
+            <a:avLst/>
+          </a:prstGeom>
+        </p:spPr>
+      </p:pic>
     </p:spTree>
     <p:extLst>
       <p:ext uri="{BB962C8B-B14F-4D97-AF65-F5344CB8AC3E}">
         <p14:creationId xmlns:p14="http://schemas.microsoft.com/office/powerpoint/2010/main" val="3049086164"/>
+      </p:ext>
+    </p:extLst>
+  </p:cSld>
+  <p:clrMapOvr>
+    <a:masterClrMapping/>
+  </p:clrMapOvr>
+</p:sld>
+</file>
+
+<file path=ppt/slides/slide14.xml><?xml version="1.0" encoding="utf-8"?>
+<p:sld xmlns:a="http://schemas.openxmlformats.org/drawingml/2006/main" xmlns:r="http://schemas.openxmlformats.org/officeDocument/2006/relationships" xmlns:p="http://schemas.openxmlformats.org/presentationml/2006/main">
+  <p:cSld>
+    <p:spTree>
+      <p:nvGrpSpPr>
+        <p:cNvPr id="1" name=""/>
+        <p:cNvGrpSpPr/>
+        <p:nvPr/>
+      </p:nvGrpSpPr>
+      <p:grpSpPr>
+        <a:xfrm>
+          <a:off x="0" y="0"/>
+          <a:ext cx="0" cy="0"/>
+          <a:chOff x="0" y="0"/>
+          <a:chExt cx="0" cy="0"/>
+        </a:xfrm>
+      </p:grpSpPr>
+      <p:sp>
+        <p:nvSpPr>
+          <p:cNvPr id="2" name="標題 1">
+            <a:extLst>
+              <a:ext uri="{FF2B5EF4-FFF2-40B4-BE49-F238E27FC236}">
+                <a16:creationId xmlns:a16="http://schemas.microsoft.com/office/drawing/2014/main" id="{882DA514-DD18-DB93-8098-21CEF7A0ABE7}"/>
+              </a:ext>
+            </a:extLst>
+          </p:cNvPr>
+          <p:cNvSpPr>
+            <a:spLocks noGrp="1"/>
+          </p:cNvSpPr>
+          <p:nvPr>
+            <p:ph type="title"/>
+          </p:nvPr>
+        </p:nvSpPr>
+        <p:spPr/>
+        <p:txBody>
+          <a:bodyPr/>
+          <a:lstStyle/>
+          <a:p>
+            <a:r>
+              <a:rPr kumimoji="1" lang="en-US" altLang="zh-TW" dirty="0"/>
+              <a:t>Function 4 &amp; 5: Visualization </a:t>
+            </a:r>
+            <a:endParaRPr kumimoji="1" lang="zh-TW" altLang="en-US" dirty="0"/>
+          </a:p>
+        </p:txBody>
+      </p:sp>
+      <p:sp>
+        <p:nvSpPr>
+          <p:cNvPr id="3" name="內容版面配置區 2">
+            <a:extLst>
+              <a:ext uri="{FF2B5EF4-FFF2-40B4-BE49-F238E27FC236}">
+                <a16:creationId xmlns:a16="http://schemas.microsoft.com/office/drawing/2014/main" id="{00D37186-0DEC-E76F-EEE6-51CD28C29F92}"/>
+              </a:ext>
+            </a:extLst>
+          </p:cNvPr>
+          <p:cNvSpPr>
+            <a:spLocks noGrp="1"/>
+          </p:cNvSpPr>
+          <p:nvPr>
+            <p:ph idx="1"/>
+          </p:nvPr>
+        </p:nvSpPr>
+        <p:spPr/>
+        <p:txBody>
+          <a:bodyPr>
+            <a:normAutofit/>
+          </a:bodyPr>
+          <a:lstStyle/>
+          <a:p>
+            <a:r>
+              <a:rPr lang="en" altLang="zh-TW" sz="2400" dirty="0"/>
+              <a:t>Visualize each trial as a 1D line of movement, using Position vs. Trial Number.</a:t>
+            </a:r>
+          </a:p>
+          <a:p>
+            <a:r>
+              <a:rPr lang="en" altLang="zh-TW" sz="2400" dirty="0"/>
+              <a:t>Get a list of unique trial IDs.</a:t>
+            </a:r>
+            <a:r>
+              <a:rPr kumimoji="1" lang="en-US" altLang="zh-TW" sz="2400" dirty="0"/>
+              <a:t> </a:t>
+            </a:r>
+            <a:r>
+              <a:rPr lang="en" altLang="zh-TW" sz="2400" dirty="0"/>
+              <a:t>Loop ( for and if loop) through each trial to plot its trajectory.</a:t>
+            </a:r>
+          </a:p>
+        </p:txBody>
+      </p:sp>
+      <p:pic>
+        <p:nvPicPr>
+          <p:cNvPr id="5" name="圖片 4">
+            <a:extLst>
+              <a:ext uri="{FF2B5EF4-FFF2-40B4-BE49-F238E27FC236}">
+                <a16:creationId xmlns:a16="http://schemas.microsoft.com/office/drawing/2014/main" id="{3AA8A512-9E5B-B138-016E-E68EBC83D750}"/>
+              </a:ext>
+            </a:extLst>
+          </p:cNvPr>
+          <p:cNvPicPr>
+            <a:picLocks noChangeAspect="1"/>
+          </p:cNvPicPr>
+          <p:nvPr/>
+        </p:nvPicPr>
+        <p:blipFill>
+          <a:blip r:embed="rId2">
+            <a:extLst>
+              <a:ext uri="{28A0092B-C50C-407E-A947-70E740481C1C}">
+                <a14:useLocalDpi xmlns:a14="http://schemas.microsoft.com/office/drawing/2010/main" val="0"/>
+              </a:ext>
+            </a:extLst>
+          </a:blip>
+          <a:stretch>
+            <a:fillRect/>
+          </a:stretch>
+        </p:blipFill>
+        <p:spPr>
+          <a:xfrm>
+            <a:off x="2699239" y="3142044"/>
+            <a:ext cx="6793522" cy="3428806"/>
+          </a:xfrm>
+          <a:prstGeom prst="rect">
+            <a:avLst/>
+          </a:prstGeom>
+        </p:spPr>
+      </p:pic>
+    </p:spTree>
+    <p:extLst>
+      <p:ext uri="{BB962C8B-B14F-4D97-AF65-F5344CB8AC3E}">
+        <p14:creationId xmlns:p14="http://schemas.microsoft.com/office/powerpoint/2010/main" val="1440765152"/>
+      </p:ext>
+    </p:extLst>
+  </p:cSld>
+  <p:clrMapOvr>
+    <a:masterClrMapping/>
+  </p:clrMapOvr>
+</p:sld>
+</file>
+
+<file path=ppt/slides/slide15.xml><?xml version="1.0" encoding="utf-8"?>
+<p:sld xmlns:a="http://schemas.openxmlformats.org/drawingml/2006/main" xmlns:r="http://schemas.openxmlformats.org/officeDocument/2006/relationships" xmlns:p="http://schemas.openxmlformats.org/presentationml/2006/main">
+  <p:cSld>
+    <p:spTree>
+      <p:nvGrpSpPr>
+        <p:cNvPr id="1" name=""/>
+        <p:cNvGrpSpPr/>
+        <p:nvPr/>
+      </p:nvGrpSpPr>
+      <p:grpSpPr>
+        <a:xfrm>
+          <a:off x="0" y="0"/>
+          <a:ext cx="0" cy="0"/>
+          <a:chOff x="0" y="0"/>
+          <a:chExt cx="0" cy="0"/>
+        </a:xfrm>
+      </p:grpSpPr>
+      <p:sp>
+        <p:nvSpPr>
+          <p:cNvPr id="2" name="標題 1">
+            <a:extLst>
+              <a:ext uri="{FF2B5EF4-FFF2-40B4-BE49-F238E27FC236}">
+                <a16:creationId xmlns:a16="http://schemas.microsoft.com/office/drawing/2014/main" id="{E6A07899-371F-4F19-AA14-61AFE5E3AEAE}"/>
+              </a:ext>
+            </a:extLst>
+          </p:cNvPr>
+          <p:cNvSpPr>
+            <a:spLocks noGrp="1"/>
+          </p:cNvSpPr>
+          <p:nvPr>
+            <p:ph type="title"/>
+          </p:nvPr>
+        </p:nvSpPr>
+        <p:spPr/>
+        <p:txBody>
+          <a:bodyPr/>
+          <a:lstStyle/>
+          <a:p>
+            <a:r>
+              <a:rPr kumimoji="1" lang="en-US" altLang="zh-TW" dirty="0"/>
+              <a:t>Function 4 &amp; 5: Visualization </a:t>
+            </a:r>
+            <a:endParaRPr kumimoji="1" lang="zh-TW" altLang="en-US" dirty="0"/>
+          </a:p>
+        </p:txBody>
+      </p:sp>
+      <p:sp>
+        <p:nvSpPr>
+          <p:cNvPr id="3" name="內容版面配置區 2">
+            <a:extLst>
+              <a:ext uri="{FF2B5EF4-FFF2-40B4-BE49-F238E27FC236}">
+                <a16:creationId xmlns:a16="http://schemas.microsoft.com/office/drawing/2014/main" id="{A340574A-4DC8-85A1-C24B-53F150FC3EAD}"/>
+              </a:ext>
+            </a:extLst>
+          </p:cNvPr>
+          <p:cNvSpPr>
+            <a:spLocks noGrp="1"/>
+          </p:cNvSpPr>
+          <p:nvPr>
+            <p:ph idx="1"/>
+          </p:nvPr>
+        </p:nvSpPr>
+        <p:spPr>
+          <a:xfrm>
+            <a:off x="838200" y="1601054"/>
+            <a:ext cx="10515600" cy="4351338"/>
+          </a:xfrm>
+        </p:spPr>
+        <p:txBody>
+          <a:bodyPr/>
+          <a:lstStyle/>
+          <a:p>
+            <a:r>
+              <a:rPr kumimoji="1" lang="en-US" altLang="zh-TW" dirty="0"/>
+              <a:t>Assign a distinct color to each trial.</a:t>
+            </a:r>
+          </a:p>
+          <a:p>
+            <a:endParaRPr kumimoji="1" lang="en-US" altLang="zh-TW" dirty="0"/>
+          </a:p>
+          <a:p>
+            <a:endParaRPr kumimoji="1" lang="en-US" altLang="zh-TW" dirty="0"/>
+          </a:p>
+          <a:p>
+            <a:endParaRPr kumimoji="1" lang="en-US" altLang="zh-TW" dirty="0"/>
+          </a:p>
+          <a:p>
+            <a:r>
+              <a:rPr kumimoji="1" lang="en-US" altLang="zh-TW" dirty="0"/>
+              <a:t>’target reached’ is the sign for successful trial. ‘timeout start’ for failed trial. </a:t>
+            </a:r>
+            <a:endParaRPr kumimoji="1" lang="zh-TW" altLang="en-US" dirty="0"/>
+          </a:p>
+        </p:txBody>
+      </p:sp>
+      <p:pic>
+        <p:nvPicPr>
+          <p:cNvPr id="5" name="圖片 4">
+            <a:extLst>
+              <a:ext uri="{FF2B5EF4-FFF2-40B4-BE49-F238E27FC236}">
+                <a16:creationId xmlns:a16="http://schemas.microsoft.com/office/drawing/2014/main" id="{B61E5C14-B5DE-F837-5ACE-D66FAB8FBDB1}"/>
+              </a:ext>
+            </a:extLst>
+          </p:cNvPr>
+          <p:cNvPicPr>
+            <a:picLocks noChangeAspect="1"/>
+          </p:cNvPicPr>
+          <p:nvPr/>
+        </p:nvPicPr>
+        <p:blipFill>
+          <a:blip r:embed="rId2">
+            <a:extLst>
+              <a:ext uri="{28A0092B-C50C-407E-A947-70E740481C1C}">
+                <a14:useLocalDpi xmlns:a14="http://schemas.microsoft.com/office/drawing/2010/main" val="0"/>
+              </a:ext>
+            </a:extLst>
+          </a:blip>
+          <a:stretch>
+            <a:fillRect/>
+          </a:stretch>
+        </p:blipFill>
+        <p:spPr>
+          <a:xfrm>
+            <a:off x="2933700" y="2141537"/>
+            <a:ext cx="6324600" cy="1422400"/>
+          </a:xfrm>
+          <a:prstGeom prst="rect">
+            <a:avLst/>
+          </a:prstGeom>
+        </p:spPr>
+      </p:pic>
+      <p:pic>
+        <p:nvPicPr>
+          <p:cNvPr id="7" name="圖片 6">
+            <a:extLst>
+              <a:ext uri="{FF2B5EF4-FFF2-40B4-BE49-F238E27FC236}">
+                <a16:creationId xmlns:a16="http://schemas.microsoft.com/office/drawing/2014/main" id="{6476C4DD-8D1A-1ED3-EBF1-47096FB90B15}"/>
+              </a:ext>
+            </a:extLst>
+          </p:cNvPr>
+          <p:cNvPicPr>
+            <a:picLocks noChangeAspect="1"/>
+          </p:cNvPicPr>
+          <p:nvPr/>
+        </p:nvPicPr>
+        <p:blipFill>
+          <a:blip r:embed="rId3">
+            <a:extLst>
+              <a:ext uri="{28A0092B-C50C-407E-A947-70E740481C1C}">
+                <a14:useLocalDpi xmlns:a14="http://schemas.microsoft.com/office/drawing/2010/main" val="0"/>
+              </a:ext>
+            </a:extLst>
+          </a:blip>
+          <a:stretch>
+            <a:fillRect/>
+          </a:stretch>
+        </p:blipFill>
+        <p:spPr>
+          <a:xfrm>
+            <a:off x="2933700" y="4496739"/>
+            <a:ext cx="6324600" cy="1996136"/>
+          </a:xfrm>
+          <a:prstGeom prst="rect">
+            <a:avLst/>
+          </a:prstGeom>
+        </p:spPr>
+      </p:pic>
+    </p:spTree>
+    <p:extLst>
+      <p:ext uri="{BB962C8B-B14F-4D97-AF65-F5344CB8AC3E}">
+        <p14:creationId xmlns:p14="http://schemas.microsoft.com/office/powerpoint/2010/main" val="2873755953"/>
+      </p:ext>
+    </p:extLst>
+  </p:cSld>
+  <p:clrMapOvr>
+    <a:masterClrMapping/>
+  </p:clrMapOvr>
+</p:sld>
+</file>
+
+<file path=ppt/slides/slide16.xml><?xml version="1.0" encoding="utf-8"?>
+<p:sld xmlns:a="http://schemas.openxmlformats.org/drawingml/2006/main" xmlns:r="http://schemas.openxmlformats.org/officeDocument/2006/relationships" xmlns:p="http://schemas.openxmlformats.org/presentationml/2006/main">
+  <p:cSld>
+    <p:spTree>
+      <p:nvGrpSpPr>
+        <p:cNvPr id="1" name="">
+          <a:extLst>
+            <a:ext uri="{FF2B5EF4-FFF2-40B4-BE49-F238E27FC236}">
+              <a16:creationId xmlns:a16="http://schemas.microsoft.com/office/drawing/2014/main" id="{E79664A0-43DF-4FF6-55F1-4855FA460B2E}"/>
+            </a:ext>
+          </a:extLst>
+        </p:cNvPr>
+        <p:cNvGrpSpPr/>
+        <p:nvPr/>
+      </p:nvGrpSpPr>
+      <p:grpSpPr>
+        <a:xfrm>
+          <a:off x="0" y="0"/>
+          <a:ext cx="0" cy="0"/>
+          <a:chOff x="0" y="0"/>
+          <a:chExt cx="0" cy="0"/>
+        </a:xfrm>
+      </p:grpSpPr>
+      <p:sp>
+        <p:nvSpPr>
+          <p:cNvPr id="2" name="Title 1">
+            <a:extLst>
+              <a:ext uri="{FF2B5EF4-FFF2-40B4-BE49-F238E27FC236}">
+                <a16:creationId xmlns:a16="http://schemas.microsoft.com/office/drawing/2014/main" id="{AE3CBE22-1915-ED90-DC78-2943DF96666E}"/>
+              </a:ext>
+            </a:extLst>
+          </p:cNvPr>
+          <p:cNvSpPr>
+            <a:spLocks noGrp="1"/>
+          </p:cNvSpPr>
+          <p:nvPr>
+            <p:ph type="title"/>
+          </p:nvPr>
+        </p:nvSpPr>
+        <p:spPr/>
+        <p:txBody>
+          <a:bodyPr/>
+          <a:lstStyle/>
+          <a:p>
+            <a:r>
+              <a:rPr lang="en-US" dirty="0"/>
+              <a:t>Behavioral data format</a:t>
+            </a:r>
+          </a:p>
+        </p:txBody>
+      </p:sp>
+      <p:pic>
+        <p:nvPicPr>
+          <p:cNvPr id="5" name="Picture 4">
+            <a:extLst>
+              <a:ext uri="{FF2B5EF4-FFF2-40B4-BE49-F238E27FC236}">
+                <a16:creationId xmlns:a16="http://schemas.microsoft.com/office/drawing/2014/main" id="{22EAAD55-4BF0-A56A-CBF6-573AF52FD3D0}"/>
+              </a:ext>
+            </a:extLst>
+          </p:cNvPr>
+          <p:cNvPicPr>
+            <a:picLocks noChangeAspect="1"/>
+          </p:cNvPicPr>
+          <p:nvPr/>
+        </p:nvPicPr>
+        <p:blipFill>
+          <a:blip r:embed="rId2"/>
+          <a:stretch>
+            <a:fillRect/>
+          </a:stretch>
+        </p:blipFill>
+        <p:spPr>
+          <a:xfrm>
+            <a:off x="162619" y="2218817"/>
+            <a:ext cx="11866761" cy="3876607"/>
+          </a:xfrm>
+          <a:prstGeom prst="rect">
+            <a:avLst/>
+          </a:prstGeom>
+        </p:spPr>
+      </p:pic>
+      <p:sp>
+        <p:nvSpPr>
+          <p:cNvPr id="6" name="Rectangle 5">
+            <a:extLst>
+              <a:ext uri="{FF2B5EF4-FFF2-40B4-BE49-F238E27FC236}">
+                <a16:creationId xmlns:a16="http://schemas.microsoft.com/office/drawing/2014/main" id="{1CE8B612-F0D1-179D-BC6E-7D3D584D68E9}"/>
+              </a:ext>
+            </a:extLst>
+          </p:cNvPr>
+          <p:cNvSpPr/>
+          <p:nvPr/>
+        </p:nvSpPr>
+        <p:spPr>
+          <a:xfrm>
+            <a:off x="73153" y="2120457"/>
+            <a:ext cx="12051792" cy="348424"/>
+          </a:xfrm>
+          <a:prstGeom prst="rect">
+            <a:avLst/>
+          </a:prstGeom>
+          <a:noFill/>
+          <a:ln>
+            <a:solidFill>
+              <a:srgbClr val="0070C0"/>
+            </a:solidFill>
+          </a:ln>
+        </p:spPr>
+        <p:style>
+          <a:lnRef idx="2">
+            <a:schemeClr val="accent1">
+              <a:shade val="15000"/>
+            </a:schemeClr>
+          </a:lnRef>
+          <a:fillRef idx="1">
+            <a:schemeClr val="accent1"/>
+          </a:fillRef>
+          <a:effectRef idx="0">
+            <a:schemeClr val="accent1"/>
+          </a:effectRef>
+          <a:fontRef idx="minor">
+            <a:schemeClr val="lt1"/>
+          </a:fontRef>
+        </p:style>
+        <p:txBody>
+          <a:bodyPr rtlCol="0" anchor="ctr"/>
+          <a:lstStyle/>
+          <a:p>
+            <a:pPr algn="ctr"/>
+            <a:endParaRPr lang="en-US"/>
+          </a:p>
+        </p:txBody>
+      </p:sp>
+      <p:sp>
+        <p:nvSpPr>
+          <p:cNvPr id="7" name="TextBox 6">
+            <a:extLst>
+              <a:ext uri="{FF2B5EF4-FFF2-40B4-BE49-F238E27FC236}">
+                <a16:creationId xmlns:a16="http://schemas.microsoft.com/office/drawing/2014/main" id="{717D3E9D-7AB5-6B44-19E9-5CC621AFCC70}"/>
+              </a:ext>
+            </a:extLst>
+          </p:cNvPr>
+          <p:cNvSpPr txBox="1"/>
+          <p:nvPr/>
+        </p:nvSpPr>
+        <p:spPr>
+          <a:xfrm>
+            <a:off x="338328" y="1789048"/>
+            <a:ext cx="3224601" cy="369332"/>
+          </a:xfrm>
+          <a:prstGeom prst="rect">
+            <a:avLst/>
+          </a:prstGeom>
+          <a:noFill/>
+        </p:spPr>
+        <p:txBody>
+          <a:bodyPr wrap="none" rtlCol="0">
+            <a:spAutoFit/>
+          </a:bodyPr>
+          <a:lstStyle/>
+          <a:p>
+            <a:r>
+              <a:rPr lang="en-US" dirty="0">
+                <a:solidFill>
+                  <a:srgbClr val="0070C0"/>
+                </a:solidFill>
+              </a:rPr>
+              <a:t>Behavioral experiment set up </a:t>
+            </a:r>
+          </a:p>
+        </p:txBody>
+      </p:sp>
+      <p:sp>
+        <p:nvSpPr>
+          <p:cNvPr id="8" name="Rectangle 7">
+            <a:extLst>
+              <a:ext uri="{FF2B5EF4-FFF2-40B4-BE49-F238E27FC236}">
+                <a16:creationId xmlns:a16="http://schemas.microsoft.com/office/drawing/2014/main" id="{3278D767-4289-2B15-3A72-CD123D35CC1C}"/>
+              </a:ext>
+            </a:extLst>
+          </p:cNvPr>
+          <p:cNvSpPr/>
+          <p:nvPr/>
+        </p:nvSpPr>
+        <p:spPr>
+          <a:xfrm>
+            <a:off x="2843784" y="2827722"/>
+            <a:ext cx="3355848" cy="1232214"/>
+          </a:xfrm>
+          <a:prstGeom prst="rect">
+            <a:avLst/>
+          </a:prstGeom>
+          <a:noFill/>
+          <a:ln>
+            <a:solidFill>
+              <a:srgbClr val="FF0000"/>
+            </a:solidFill>
+          </a:ln>
+        </p:spPr>
+        <p:style>
+          <a:lnRef idx="2">
+            <a:schemeClr val="accent1">
+              <a:shade val="15000"/>
+            </a:schemeClr>
+          </a:lnRef>
+          <a:fillRef idx="1">
+            <a:schemeClr val="accent1"/>
+          </a:fillRef>
+          <a:effectRef idx="0">
+            <a:schemeClr val="accent1"/>
+          </a:effectRef>
+          <a:fontRef idx="minor">
+            <a:schemeClr val="lt1"/>
+          </a:fontRef>
+        </p:style>
+        <p:txBody>
+          <a:bodyPr rtlCol="0" anchor="ctr"/>
+          <a:lstStyle/>
+          <a:p>
+            <a:pPr algn="ctr"/>
+            <a:endParaRPr lang="en-US"/>
+          </a:p>
+        </p:txBody>
+      </p:sp>
+      <p:sp>
+        <p:nvSpPr>
+          <p:cNvPr id="9" name="Rectangle 8">
+            <a:extLst>
+              <a:ext uri="{FF2B5EF4-FFF2-40B4-BE49-F238E27FC236}">
+                <a16:creationId xmlns:a16="http://schemas.microsoft.com/office/drawing/2014/main" id="{A584A8D2-A381-37C5-EBAC-4CAF5D2C8D84}"/>
+              </a:ext>
+            </a:extLst>
+          </p:cNvPr>
+          <p:cNvSpPr/>
+          <p:nvPr/>
+        </p:nvSpPr>
+        <p:spPr>
+          <a:xfrm>
+            <a:off x="2840736" y="4105656"/>
+            <a:ext cx="3355848" cy="978408"/>
+          </a:xfrm>
+          <a:prstGeom prst="rect">
+            <a:avLst/>
+          </a:prstGeom>
+          <a:noFill/>
+          <a:ln>
+            <a:solidFill>
+              <a:srgbClr val="FF0000"/>
+            </a:solidFill>
+          </a:ln>
+        </p:spPr>
+        <p:style>
+          <a:lnRef idx="2">
+            <a:schemeClr val="accent1">
+              <a:shade val="15000"/>
+            </a:schemeClr>
+          </a:lnRef>
+          <a:fillRef idx="1">
+            <a:schemeClr val="accent1"/>
+          </a:fillRef>
+          <a:effectRef idx="0">
+            <a:schemeClr val="accent1"/>
+          </a:effectRef>
+          <a:fontRef idx="minor">
+            <a:schemeClr val="lt1"/>
+          </a:fontRef>
+        </p:style>
+        <p:txBody>
+          <a:bodyPr rtlCol="0" anchor="ctr"/>
+          <a:lstStyle/>
+          <a:p>
+            <a:pPr algn="ctr"/>
+            <a:endParaRPr lang="en-US"/>
+          </a:p>
+        </p:txBody>
+      </p:sp>
+      <p:sp>
+        <p:nvSpPr>
+          <p:cNvPr id="10" name="TextBox 9">
+            <a:extLst>
+              <a:ext uri="{FF2B5EF4-FFF2-40B4-BE49-F238E27FC236}">
+                <a16:creationId xmlns:a16="http://schemas.microsoft.com/office/drawing/2014/main" id="{A1D4E5AB-5DF6-7CA3-213C-A9ACF67B86C5}"/>
+              </a:ext>
+            </a:extLst>
+          </p:cNvPr>
+          <p:cNvSpPr txBox="1"/>
+          <p:nvPr/>
+        </p:nvSpPr>
+        <p:spPr>
+          <a:xfrm>
+            <a:off x="5227320" y="2827722"/>
+            <a:ext cx="768993" cy="369332"/>
+          </a:xfrm>
+          <a:prstGeom prst="rect">
+            <a:avLst/>
+          </a:prstGeom>
+          <a:noFill/>
+        </p:spPr>
+        <p:txBody>
+          <a:bodyPr wrap="none" rtlCol="0">
+            <a:spAutoFit/>
+          </a:bodyPr>
+          <a:lstStyle/>
+          <a:p>
+            <a:r>
+              <a:rPr lang="en-US" dirty="0">
+                <a:solidFill>
+                  <a:srgbClr val="FF0000"/>
+                </a:solidFill>
+              </a:rPr>
+              <a:t>Trial 1</a:t>
+            </a:r>
+          </a:p>
+        </p:txBody>
+      </p:sp>
+      <p:sp>
+        <p:nvSpPr>
+          <p:cNvPr id="11" name="TextBox 10">
+            <a:extLst>
+              <a:ext uri="{FF2B5EF4-FFF2-40B4-BE49-F238E27FC236}">
+                <a16:creationId xmlns:a16="http://schemas.microsoft.com/office/drawing/2014/main" id="{0F5E4A77-B37E-763E-CDF0-F90F3C598ED1}"/>
+              </a:ext>
+            </a:extLst>
+          </p:cNvPr>
+          <p:cNvSpPr txBox="1"/>
+          <p:nvPr/>
+        </p:nvSpPr>
+        <p:spPr>
+          <a:xfrm>
+            <a:off x="5227319" y="4157120"/>
+            <a:ext cx="768993" cy="369332"/>
+          </a:xfrm>
+          <a:prstGeom prst="rect">
+            <a:avLst/>
+          </a:prstGeom>
+          <a:noFill/>
+        </p:spPr>
+        <p:txBody>
+          <a:bodyPr wrap="none" rtlCol="0">
+            <a:spAutoFit/>
+          </a:bodyPr>
+          <a:lstStyle/>
+          <a:p>
+            <a:r>
+              <a:rPr lang="en-US" dirty="0">
+                <a:solidFill>
+                  <a:srgbClr val="FF0000"/>
+                </a:solidFill>
+              </a:rPr>
+              <a:t>Trial 2</a:t>
+            </a:r>
+          </a:p>
+        </p:txBody>
+      </p:sp>
+      <p:sp>
+        <p:nvSpPr>
+          <p:cNvPr id="19" name="Rectangle 18">
+            <a:extLst>
+              <a:ext uri="{FF2B5EF4-FFF2-40B4-BE49-F238E27FC236}">
+                <a16:creationId xmlns:a16="http://schemas.microsoft.com/office/drawing/2014/main" id="{80AA11A4-12F2-7ECF-D2D0-8A8B02576F33}"/>
+              </a:ext>
+            </a:extLst>
+          </p:cNvPr>
+          <p:cNvSpPr/>
+          <p:nvPr/>
+        </p:nvSpPr>
+        <p:spPr>
+          <a:xfrm>
+            <a:off x="3959351" y="4649724"/>
+            <a:ext cx="1222248" cy="256672"/>
+          </a:xfrm>
+          <a:prstGeom prst="rect">
+            <a:avLst/>
+          </a:prstGeom>
+          <a:noFill/>
+          <a:ln>
+            <a:solidFill>
+              <a:srgbClr val="FF0000"/>
+            </a:solidFill>
+          </a:ln>
+        </p:spPr>
+        <p:style>
+          <a:lnRef idx="2">
+            <a:schemeClr val="accent1">
+              <a:shade val="15000"/>
+            </a:schemeClr>
+          </a:lnRef>
+          <a:fillRef idx="1">
+            <a:schemeClr val="accent1"/>
+          </a:fillRef>
+          <a:effectRef idx="0">
+            <a:schemeClr val="accent1"/>
+          </a:effectRef>
+          <a:fontRef idx="minor">
+            <a:schemeClr val="lt1"/>
+          </a:fontRef>
+        </p:style>
+        <p:txBody>
+          <a:bodyPr rtlCol="0" anchor="ctr"/>
+          <a:lstStyle/>
+          <a:p>
+            <a:pPr algn="ctr"/>
+            <a:endParaRPr lang="en-US"/>
+          </a:p>
+        </p:txBody>
+      </p:sp>
+      <p:sp>
+        <p:nvSpPr>
+          <p:cNvPr id="20" name="Rectangle 19">
+            <a:extLst>
+              <a:ext uri="{FF2B5EF4-FFF2-40B4-BE49-F238E27FC236}">
+                <a16:creationId xmlns:a16="http://schemas.microsoft.com/office/drawing/2014/main" id="{FE0E528C-5A7C-353F-02A5-BE6727988416}"/>
+              </a:ext>
+            </a:extLst>
+          </p:cNvPr>
+          <p:cNvSpPr/>
+          <p:nvPr/>
+        </p:nvSpPr>
+        <p:spPr>
+          <a:xfrm>
+            <a:off x="3959351" y="3632572"/>
+            <a:ext cx="1222248" cy="256672"/>
+          </a:xfrm>
+          <a:prstGeom prst="rect">
+            <a:avLst/>
+          </a:prstGeom>
+          <a:noFill/>
+          <a:ln>
+            <a:solidFill>
+              <a:srgbClr val="FF0000"/>
+            </a:solidFill>
+          </a:ln>
+        </p:spPr>
+        <p:style>
+          <a:lnRef idx="2">
+            <a:schemeClr val="accent1">
+              <a:shade val="15000"/>
+            </a:schemeClr>
+          </a:lnRef>
+          <a:fillRef idx="1">
+            <a:schemeClr val="accent1"/>
+          </a:fillRef>
+          <a:effectRef idx="0">
+            <a:schemeClr val="accent1"/>
+          </a:effectRef>
+          <a:fontRef idx="minor">
+            <a:schemeClr val="lt1"/>
+          </a:fontRef>
+        </p:style>
+        <p:txBody>
+          <a:bodyPr rtlCol="0" anchor="ctr"/>
+          <a:lstStyle/>
+          <a:p>
+            <a:pPr algn="ctr"/>
+            <a:endParaRPr lang="en-US"/>
+          </a:p>
+        </p:txBody>
+      </p:sp>
+      <p:sp>
+        <p:nvSpPr>
+          <p:cNvPr id="3" name="Rectangle 8">
+            <a:extLst>
+              <a:ext uri="{FF2B5EF4-FFF2-40B4-BE49-F238E27FC236}">
+                <a16:creationId xmlns:a16="http://schemas.microsoft.com/office/drawing/2014/main" id="{A04FFE87-5849-DA95-977E-BB91D94D99FE}"/>
+              </a:ext>
+            </a:extLst>
+          </p:cNvPr>
+          <p:cNvSpPr/>
+          <p:nvPr/>
+        </p:nvSpPr>
+        <p:spPr>
+          <a:xfrm>
+            <a:off x="7886683" y="2827722"/>
+            <a:ext cx="2422926" cy="1232214"/>
+          </a:xfrm>
+          <a:prstGeom prst="rect">
+            <a:avLst/>
+          </a:prstGeom>
+          <a:noFill/>
+          <a:ln>
+            <a:solidFill>
+              <a:srgbClr val="FF0000"/>
+            </a:solidFill>
+          </a:ln>
+        </p:spPr>
+        <p:style>
+          <a:lnRef idx="2">
+            <a:schemeClr val="accent1">
+              <a:shade val="15000"/>
+            </a:schemeClr>
+          </a:lnRef>
+          <a:fillRef idx="1">
+            <a:schemeClr val="accent1"/>
+          </a:fillRef>
+          <a:effectRef idx="0">
+            <a:schemeClr val="accent1"/>
+          </a:effectRef>
+          <a:fontRef idx="minor">
+            <a:schemeClr val="lt1"/>
+          </a:fontRef>
+        </p:style>
+        <p:txBody>
+          <a:bodyPr rtlCol="0" anchor="ctr"/>
+          <a:lstStyle/>
+          <a:p>
+            <a:pPr algn="ctr"/>
+            <a:endParaRPr lang="en-US"/>
+          </a:p>
+        </p:txBody>
+      </p:sp>
+      <p:sp>
+        <p:nvSpPr>
+          <p:cNvPr id="4" name="Rectangle 8">
+            <a:extLst>
+              <a:ext uri="{FF2B5EF4-FFF2-40B4-BE49-F238E27FC236}">
+                <a16:creationId xmlns:a16="http://schemas.microsoft.com/office/drawing/2014/main" id="{23F6B798-1BEC-1F41-448E-417F0865B5F7}"/>
+              </a:ext>
+            </a:extLst>
+          </p:cNvPr>
+          <p:cNvSpPr/>
+          <p:nvPr/>
+        </p:nvSpPr>
+        <p:spPr>
+          <a:xfrm>
+            <a:off x="7886683" y="4105656"/>
+            <a:ext cx="2422926" cy="978408"/>
+          </a:xfrm>
+          <a:prstGeom prst="rect">
+            <a:avLst/>
+          </a:prstGeom>
+          <a:noFill/>
+          <a:ln>
+            <a:solidFill>
+              <a:srgbClr val="FF0000"/>
+            </a:solidFill>
+          </a:ln>
+        </p:spPr>
+        <p:style>
+          <a:lnRef idx="2">
+            <a:schemeClr val="accent1">
+              <a:shade val="15000"/>
+            </a:schemeClr>
+          </a:lnRef>
+          <a:fillRef idx="1">
+            <a:schemeClr val="accent1"/>
+          </a:fillRef>
+          <a:effectRef idx="0">
+            <a:schemeClr val="accent1"/>
+          </a:effectRef>
+          <a:fontRef idx="minor">
+            <a:schemeClr val="lt1"/>
+          </a:fontRef>
+        </p:style>
+        <p:txBody>
+          <a:bodyPr rtlCol="0" anchor="ctr"/>
+          <a:lstStyle/>
+          <a:p>
+            <a:pPr algn="ctr"/>
+            <a:endParaRPr lang="en-US"/>
+          </a:p>
+        </p:txBody>
+      </p:sp>
+      <p:sp>
+        <p:nvSpPr>
+          <p:cNvPr id="17" name="向右箭號 16">
+            <a:extLst>
+              <a:ext uri="{FF2B5EF4-FFF2-40B4-BE49-F238E27FC236}">
+                <a16:creationId xmlns:a16="http://schemas.microsoft.com/office/drawing/2014/main" id="{B23AD28C-97A0-329B-4CCE-9F423E4B56A7}"/>
+              </a:ext>
+            </a:extLst>
+          </p:cNvPr>
+          <p:cNvSpPr/>
+          <p:nvPr/>
+        </p:nvSpPr>
+        <p:spPr>
+          <a:xfrm>
+            <a:off x="6557788" y="3788229"/>
+            <a:ext cx="964642" cy="600891"/>
+          </a:xfrm>
+          <a:prstGeom prst="rightArrow">
+            <a:avLst/>
+          </a:prstGeom>
+        </p:spPr>
+        <p:style>
+          <a:lnRef idx="2">
+            <a:schemeClr val="accent1">
+              <a:shade val="15000"/>
+            </a:schemeClr>
+          </a:lnRef>
+          <a:fillRef idx="1">
+            <a:schemeClr val="accent1"/>
+          </a:fillRef>
+          <a:effectRef idx="0">
+            <a:schemeClr val="accent1"/>
+          </a:effectRef>
+          <a:fontRef idx="minor">
+            <a:schemeClr val="lt1"/>
+          </a:fontRef>
+        </p:style>
+        <p:txBody>
+          <a:bodyPr rtlCol="0" anchor="ctr"/>
+          <a:lstStyle/>
+          <a:p>
+            <a:pPr algn="ctr"/>
+            <a:endParaRPr kumimoji="1" lang="zh-TW" altLang="en-US"/>
+          </a:p>
+        </p:txBody>
+      </p:sp>
+      <p:sp>
+        <p:nvSpPr>
+          <p:cNvPr id="18" name="TextBox 10">
+            <a:extLst>
+              <a:ext uri="{FF2B5EF4-FFF2-40B4-BE49-F238E27FC236}">
+                <a16:creationId xmlns:a16="http://schemas.microsoft.com/office/drawing/2014/main" id="{80DF22A2-B72B-2E63-FE23-DCDF5F6E3B91}"/>
+              </a:ext>
+            </a:extLst>
+          </p:cNvPr>
+          <p:cNvSpPr txBox="1"/>
+          <p:nvPr/>
+        </p:nvSpPr>
+        <p:spPr>
+          <a:xfrm>
+            <a:off x="7396249" y="2827722"/>
+            <a:ext cx="2515497" cy="369332"/>
+          </a:xfrm>
+          <a:prstGeom prst="rect">
+            <a:avLst/>
+          </a:prstGeom>
+          <a:noFill/>
+        </p:spPr>
+        <p:txBody>
+          <a:bodyPr wrap="none" rtlCol="0">
+            <a:spAutoFit/>
+          </a:bodyPr>
+          <a:lstStyle/>
+          <a:p>
+            <a:r>
+              <a:rPr lang="en-US" dirty="0">
+                <a:solidFill>
+                  <a:srgbClr val="FF0000"/>
+                </a:solidFill>
+              </a:rPr>
+              <a:t>Corresponding position</a:t>
+            </a:r>
+          </a:p>
+        </p:txBody>
+      </p:sp>
+    </p:spTree>
+    <p:extLst>
+      <p:ext uri="{BB962C8B-B14F-4D97-AF65-F5344CB8AC3E}">
+        <p14:creationId xmlns:p14="http://schemas.microsoft.com/office/powerpoint/2010/main" val="1662355300"/>
+      </p:ext>
+    </p:extLst>
+  </p:cSld>
+  <p:clrMapOvr>
+    <a:masterClrMapping/>
+  </p:clrMapOvr>
+</p:sld>
+</file>
+
+<file path=ppt/slides/slide17.xml><?xml version="1.0" encoding="utf-8"?>
+<p:sld xmlns:a="http://schemas.openxmlformats.org/drawingml/2006/main" xmlns:r="http://schemas.openxmlformats.org/officeDocument/2006/relationships" xmlns:p="http://schemas.openxmlformats.org/presentationml/2006/main">
+  <p:cSld>
+    <p:spTree>
+      <p:nvGrpSpPr>
+        <p:cNvPr id="1" name=""/>
+        <p:cNvGrpSpPr/>
+        <p:nvPr/>
+      </p:nvGrpSpPr>
+      <p:grpSpPr>
+        <a:xfrm>
+          <a:off x="0" y="0"/>
+          <a:ext cx="0" cy="0"/>
+          <a:chOff x="0" y="0"/>
+          <a:chExt cx="0" cy="0"/>
+        </a:xfrm>
+      </p:grpSpPr>
+      <p:sp>
+        <p:nvSpPr>
+          <p:cNvPr id="2" name="標題 1">
+            <a:extLst>
+              <a:ext uri="{FF2B5EF4-FFF2-40B4-BE49-F238E27FC236}">
+                <a16:creationId xmlns:a16="http://schemas.microsoft.com/office/drawing/2014/main" id="{9EFC7377-AE20-3136-6ABE-D93C39396965}"/>
+              </a:ext>
+            </a:extLst>
+          </p:cNvPr>
+          <p:cNvSpPr>
+            <a:spLocks noGrp="1"/>
+          </p:cNvSpPr>
+          <p:nvPr>
+            <p:ph type="title"/>
+          </p:nvPr>
+        </p:nvSpPr>
+        <p:spPr/>
+        <p:txBody>
+          <a:bodyPr/>
+          <a:lstStyle/>
+          <a:p>
+            <a:r>
+              <a:rPr kumimoji="1" lang="en-US" altLang="zh-TW" dirty="0"/>
+              <a:t>Function 4 &amp; 5: Visualization </a:t>
+            </a:r>
+            <a:endParaRPr kumimoji="1" lang="zh-TW" altLang="en-US" dirty="0"/>
+          </a:p>
+        </p:txBody>
+      </p:sp>
+      <p:sp>
+        <p:nvSpPr>
+          <p:cNvPr id="3" name="內容版面配置區 2">
+            <a:extLst>
+              <a:ext uri="{FF2B5EF4-FFF2-40B4-BE49-F238E27FC236}">
+                <a16:creationId xmlns:a16="http://schemas.microsoft.com/office/drawing/2014/main" id="{AA1FA220-95D3-364A-E247-191B020E8922}"/>
+              </a:ext>
+            </a:extLst>
+          </p:cNvPr>
+          <p:cNvSpPr>
+            <a:spLocks noGrp="1"/>
+          </p:cNvSpPr>
+          <p:nvPr>
+            <p:ph idx="1"/>
+          </p:nvPr>
+        </p:nvSpPr>
+        <p:spPr/>
+        <p:txBody>
+          <a:bodyPr/>
+          <a:lstStyle/>
+          <a:p>
+            <a:pPr>
+              <a:buFont typeface="Arial" panose="020B0604020202020204" pitchFamily="34" charset="0"/>
+              <a:buChar char="•"/>
+            </a:pPr>
+            <a:r>
+              <a:rPr lang="en" altLang="zh-TW" dirty="0"/>
+              <a:t>Extracts all rows between the start and end of a trial. This is the time window from "control applied" to "target reached" or "timeout start”</a:t>
+            </a:r>
+          </a:p>
+          <a:p>
+            <a:pPr>
+              <a:buFont typeface="Arial" panose="020B0604020202020204" pitchFamily="34" charset="0"/>
+              <a:buChar char="•"/>
+            </a:pPr>
+            <a:r>
+              <a:rPr lang="en" altLang="zh-TW" dirty="0"/>
+              <a:t>Converts absolute time → time relative to trial start. Sets the time at control applied to 0.0 seconds. This helps normalize across trials of different start times.</a:t>
+            </a:r>
+          </a:p>
+          <a:p>
+            <a:pPr>
+              <a:buFont typeface="Arial" panose="020B0604020202020204" pitchFamily="34" charset="0"/>
+              <a:buChar char="•"/>
+            </a:pPr>
+            <a:r>
+              <a:rPr lang="en" altLang="zh-TW" dirty="0"/>
+              <a:t>Extract position data and plot. </a:t>
+            </a:r>
+          </a:p>
+          <a:p>
+            <a:pPr>
+              <a:buFont typeface="Arial" panose="020B0604020202020204" pitchFamily="34" charset="0"/>
+              <a:buChar char="•"/>
+            </a:pPr>
+            <a:endParaRPr lang="en" altLang="zh-TW" dirty="0"/>
+          </a:p>
+          <a:p>
+            <a:endParaRPr kumimoji="1" lang="zh-TW" altLang="en-US" dirty="0"/>
+          </a:p>
+        </p:txBody>
+      </p:sp>
+      <p:pic>
+        <p:nvPicPr>
+          <p:cNvPr id="5" name="圖片 4">
+            <a:extLst>
+              <a:ext uri="{FF2B5EF4-FFF2-40B4-BE49-F238E27FC236}">
+                <a16:creationId xmlns:a16="http://schemas.microsoft.com/office/drawing/2014/main" id="{5E737EE6-286C-810E-2F51-DF90841B6771}"/>
+              </a:ext>
+            </a:extLst>
+          </p:cNvPr>
+          <p:cNvPicPr>
+            <a:picLocks noChangeAspect="1"/>
+          </p:cNvPicPr>
+          <p:nvPr/>
+        </p:nvPicPr>
+        <p:blipFill>
+          <a:blip r:embed="rId2">
+            <a:extLst>
+              <a:ext uri="{28A0092B-C50C-407E-A947-70E740481C1C}">
+                <a14:useLocalDpi xmlns:a14="http://schemas.microsoft.com/office/drawing/2010/main" val="0"/>
+              </a:ext>
+            </a:extLst>
+          </a:blip>
+          <a:stretch>
+            <a:fillRect/>
+          </a:stretch>
+        </p:blipFill>
+        <p:spPr>
+          <a:xfrm>
+            <a:off x="907337" y="4953768"/>
+            <a:ext cx="10377326" cy="1464356"/>
+          </a:xfrm>
+          <a:prstGeom prst="rect">
+            <a:avLst/>
+          </a:prstGeom>
+        </p:spPr>
+      </p:pic>
+    </p:spTree>
+    <p:extLst>
+      <p:ext uri="{BB962C8B-B14F-4D97-AF65-F5344CB8AC3E}">
+        <p14:creationId xmlns:p14="http://schemas.microsoft.com/office/powerpoint/2010/main" val="2251052323"/>
+      </p:ext>
+    </p:extLst>
+  </p:cSld>
+  <p:clrMapOvr>
+    <a:masterClrMapping/>
+  </p:clrMapOvr>
+</p:sld>
+</file>
+
+<file path=ppt/slides/slide18.xml><?xml version="1.0" encoding="utf-8"?>
+<p:sld xmlns:a="http://schemas.openxmlformats.org/drawingml/2006/main" xmlns:r="http://schemas.openxmlformats.org/officeDocument/2006/relationships" xmlns:p="http://schemas.openxmlformats.org/presentationml/2006/main">
+  <p:cSld>
+    <p:spTree>
+      <p:nvGrpSpPr>
+        <p:cNvPr id="1" name=""/>
+        <p:cNvGrpSpPr/>
+        <p:nvPr/>
+      </p:nvGrpSpPr>
+      <p:grpSpPr>
+        <a:xfrm>
+          <a:off x="0" y="0"/>
+          <a:ext cx="0" cy="0"/>
+          <a:chOff x="0" y="0"/>
+          <a:chExt cx="0" cy="0"/>
+        </a:xfrm>
+      </p:grpSpPr>
+      <p:pic>
+        <p:nvPicPr>
+          <p:cNvPr id="4" name="圖片 3">
+            <a:extLst>
+              <a:ext uri="{FF2B5EF4-FFF2-40B4-BE49-F238E27FC236}">
+                <a16:creationId xmlns:a16="http://schemas.microsoft.com/office/drawing/2014/main" id="{993F6C3F-8B31-FA4B-14F3-F469C5904BB9}"/>
+              </a:ext>
+            </a:extLst>
+          </p:cNvPr>
+          <p:cNvPicPr>
+            <a:picLocks noChangeAspect="1"/>
+          </p:cNvPicPr>
+          <p:nvPr/>
+        </p:nvPicPr>
+        <p:blipFill>
+          <a:blip r:embed="rId2"/>
+          <a:stretch>
+            <a:fillRect/>
+          </a:stretch>
+        </p:blipFill>
+        <p:spPr>
+          <a:xfrm>
+            <a:off x="286239" y="1445937"/>
+            <a:ext cx="4960166" cy="3966125"/>
+          </a:xfrm>
+          <a:prstGeom prst="rect">
+            <a:avLst/>
+          </a:prstGeom>
+        </p:spPr>
+      </p:pic>
+      <p:pic>
+        <p:nvPicPr>
+          <p:cNvPr id="5" name="圖片 4">
+            <a:extLst>
+              <a:ext uri="{FF2B5EF4-FFF2-40B4-BE49-F238E27FC236}">
+                <a16:creationId xmlns:a16="http://schemas.microsoft.com/office/drawing/2014/main" id="{FC0B230F-0E42-9182-103E-82D3BA28C177}"/>
+              </a:ext>
+            </a:extLst>
+          </p:cNvPr>
+          <p:cNvPicPr>
+            <a:picLocks noChangeAspect="1"/>
+          </p:cNvPicPr>
+          <p:nvPr/>
+        </p:nvPicPr>
+        <p:blipFill>
+          <a:blip r:embed="rId3"/>
+          <a:stretch>
+            <a:fillRect/>
+          </a:stretch>
+        </p:blipFill>
+        <p:spPr>
+          <a:xfrm>
+            <a:off x="5666408" y="1445937"/>
+            <a:ext cx="5964247" cy="3966124"/>
+          </a:xfrm>
+          <a:prstGeom prst="rect">
+            <a:avLst/>
+          </a:prstGeom>
+        </p:spPr>
+      </p:pic>
+      <p:sp>
+        <p:nvSpPr>
+          <p:cNvPr id="6" name="標題 1">
+            <a:extLst>
+              <a:ext uri="{FF2B5EF4-FFF2-40B4-BE49-F238E27FC236}">
+                <a16:creationId xmlns:a16="http://schemas.microsoft.com/office/drawing/2014/main" id="{0222716A-A0CF-D06D-3044-F70AD1BF74CA}"/>
+              </a:ext>
+            </a:extLst>
+          </p:cNvPr>
+          <p:cNvSpPr>
+            <a:spLocks noGrp="1"/>
+          </p:cNvSpPr>
+          <p:nvPr>
+            <p:ph type="title"/>
+          </p:nvPr>
+        </p:nvSpPr>
+        <p:spPr>
+          <a:xfrm>
+            <a:off x="838200" y="365125"/>
+            <a:ext cx="10515600" cy="1325563"/>
+          </a:xfrm>
+        </p:spPr>
+        <p:txBody>
+          <a:bodyPr/>
+          <a:lstStyle/>
+          <a:p>
+            <a:r>
+              <a:rPr kumimoji="1" lang="en-US" altLang="zh-TW" dirty="0"/>
+              <a:t>Trajectory plot: 1D &amp; 2D versions</a:t>
+            </a:r>
+            <a:endParaRPr kumimoji="1" lang="zh-TW" altLang="en-US" dirty="0"/>
+          </a:p>
+        </p:txBody>
+      </p:sp>
+    </p:spTree>
+    <p:extLst>
+      <p:ext uri="{BB962C8B-B14F-4D97-AF65-F5344CB8AC3E}">
+        <p14:creationId xmlns:p14="http://schemas.microsoft.com/office/powerpoint/2010/main" val="166285624"/>
+      </p:ext>
+    </p:extLst>
+  </p:cSld>
+  <p:clrMapOvr>
+    <a:masterClrMapping/>
+  </p:clrMapOvr>
+</p:sld>
+</file>
+
+<file path=ppt/slides/slide19.xml><?xml version="1.0" encoding="utf-8"?>
+<p:sld xmlns:a="http://schemas.openxmlformats.org/drawingml/2006/main" xmlns:r="http://schemas.openxmlformats.org/officeDocument/2006/relationships" xmlns:p="http://schemas.openxmlformats.org/presentationml/2006/main">
+  <p:cSld>
+    <p:spTree>
+      <p:nvGrpSpPr>
+        <p:cNvPr id="1" name=""/>
+        <p:cNvGrpSpPr/>
+        <p:nvPr/>
+      </p:nvGrpSpPr>
+      <p:grpSpPr>
+        <a:xfrm>
+          <a:off x="0" y="0"/>
+          <a:ext cx="0" cy="0"/>
+          <a:chOff x="0" y="0"/>
+          <a:chExt cx="0" cy="0"/>
+        </a:xfrm>
+      </p:grpSpPr>
+      <p:sp>
+        <p:nvSpPr>
+          <p:cNvPr id="2" name="標題 1">
+            <a:extLst>
+              <a:ext uri="{FF2B5EF4-FFF2-40B4-BE49-F238E27FC236}">
+                <a16:creationId xmlns:a16="http://schemas.microsoft.com/office/drawing/2014/main" id="{D77EDE95-4E27-959E-2AC8-BFADBCCC21B1}"/>
+              </a:ext>
+            </a:extLst>
+          </p:cNvPr>
+          <p:cNvSpPr>
+            <a:spLocks noGrp="1"/>
+          </p:cNvSpPr>
+          <p:nvPr>
+            <p:ph type="title"/>
+          </p:nvPr>
+        </p:nvSpPr>
+        <p:spPr/>
+        <p:txBody>
+          <a:bodyPr/>
+          <a:lstStyle/>
+          <a:p>
+            <a:endParaRPr kumimoji="1" lang="zh-TW" altLang="en-US"/>
+          </a:p>
+        </p:txBody>
+      </p:sp>
+      <p:sp>
+        <p:nvSpPr>
+          <p:cNvPr id="3" name="內容版面配置區 2">
+            <a:extLst>
+              <a:ext uri="{FF2B5EF4-FFF2-40B4-BE49-F238E27FC236}">
+                <a16:creationId xmlns:a16="http://schemas.microsoft.com/office/drawing/2014/main" id="{F8A1C7F7-C308-BF40-FF4C-2DEC594F0C5D}"/>
+              </a:ext>
+            </a:extLst>
+          </p:cNvPr>
+          <p:cNvSpPr>
+            <a:spLocks noGrp="1"/>
+          </p:cNvSpPr>
+          <p:nvPr>
+            <p:ph idx="1"/>
+          </p:nvPr>
+        </p:nvSpPr>
+        <p:spPr/>
+        <p:txBody>
+          <a:bodyPr/>
+          <a:lstStyle/>
+          <a:p>
+            <a:endParaRPr kumimoji="1" lang="zh-TW" altLang="en-US"/>
+          </a:p>
+        </p:txBody>
+      </p:sp>
+    </p:spTree>
+    <p:extLst>
+      <p:ext uri="{BB962C8B-B14F-4D97-AF65-F5344CB8AC3E}">
+        <p14:creationId xmlns:p14="http://schemas.microsoft.com/office/powerpoint/2010/main" val="3119669004"/>
       </p:ext>
     </p:extLst>
   </p:cSld>
@@ -3803,6 +5931,246 @@
     <p:extLst>
       <p:ext uri="{BB962C8B-B14F-4D97-AF65-F5344CB8AC3E}">
         <p14:creationId xmlns:p14="http://schemas.microsoft.com/office/powerpoint/2010/main" val="50243880"/>
+      </p:ext>
+    </p:extLst>
+  </p:cSld>
+  <p:clrMapOvr>
+    <a:masterClrMapping/>
+  </p:clrMapOvr>
+</p:sld>
+</file>
+
+<file path=ppt/slides/slide20.xml><?xml version="1.0" encoding="utf-8"?>
+<p:sld xmlns:a="http://schemas.openxmlformats.org/drawingml/2006/main" xmlns:r="http://schemas.openxmlformats.org/officeDocument/2006/relationships" xmlns:p="http://schemas.openxmlformats.org/presentationml/2006/main">
+  <p:cSld>
+    <p:spTree>
+      <p:nvGrpSpPr>
+        <p:cNvPr id="1" name=""/>
+        <p:cNvGrpSpPr/>
+        <p:nvPr/>
+      </p:nvGrpSpPr>
+      <p:grpSpPr>
+        <a:xfrm>
+          <a:off x="0" y="0"/>
+          <a:ext cx="0" cy="0"/>
+          <a:chOff x="0" y="0"/>
+          <a:chExt cx="0" cy="0"/>
+        </a:xfrm>
+      </p:grpSpPr>
+      <p:sp>
+        <p:nvSpPr>
+          <p:cNvPr id="2" name="標題 1">
+            <a:extLst>
+              <a:ext uri="{FF2B5EF4-FFF2-40B4-BE49-F238E27FC236}">
+                <a16:creationId xmlns:a16="http://schemas.microsoft.com/office/drawing/2014/main" id="{BC68BF26-A33E-1CC6-FC65-9E833D97AD15}"/>
+              </a:ext>
+            </a:extLst>
+          </p:cNvPr>
+          <p:cNvSpPr>
+            <a:spLocks noGrp="1"/>
+          </p:cNvSpPr>
+          <p:nvPr>
+            <p:ph type="title"/>
+          </p:nvPr>
+        </p:nvSpPr>
+        <p:spPr/>
+        <p:txBody>
+          <a:bodyPr/>
+          <a:lstStyle/>
+          <a:p>
+            <a:endParaRPr kumimoji="1" lang="zh-TW" altLang="en-US"/>
+          </a:p>
+        </p:txBody>
+      </p:sp>
+      <p:sp>
+        <p:nvSpPr>
+          <p:cNvPr id="3" name="內容版面配置區 2">
+            <a:extLst>
+              <a:ext uri="{FF2B5EF4-FFF2-40B4-BE49-F238E27FC236}">
+                <a16:creationId xmlns:a16="http://schemas.microsoft.com/office/drawing/2014/main" id="{24764045-DDB4-6742-FD28-4AC14A9F557E}"/>
+              </a:ext>
+            </a:extLst>
+          </p:cNvPr>
+          <p:cNvSpPr>
+            <a:spLocks noGrp="1"/>
+          </p:cNvSpPr>
+          <p:nvPr>
+            <p:ph idx="1"/>
+          </p:nvPr>
+        </p:nvSpPr>
+        <p:spPr/>
+        <p:txBody>
+          <a:bodyPr/>
+          <a:lstStyle/>
+          <a:p>
+            <a:endParaRPr kumimoji="1" lang="zh-TW" altLang="en-US"/>
+          </a:p>
+        </p:txBody>
+      </p:sp>
+    </p:spTree>
+    <p:extLst>
+      <p:ext uri="{BB962C8B-B14F-4D97-AF65-F5344CB8AC3E}">
+        <p14:creationId xmlns:p14="http://schemas.microsoft.com/office/powerpoint/2010/main" val="3060196481"/>
+      </p:ext>
+    </p:extLst>
+  </p:cSld>
+  <p:clrMapOvr>
+    <a:masterClrMapping/>
+  </p:clrMapOvr>
+</p:sld>
+</file>
+
+<file path=ppt/slides/slide21.xml><?xml version="1.0" encoding="utf-8"?>
+<p:sld xmlns:a="http://schemas.openxmlformats.org/drawingml/2006/main" xmlns:r="http://schemas.openxmlformats.org/officeDocument/2006/relationships" xmlns:p="http://schemas.openxmlformats.org/presentationml/2006/main">
+  <p:cSld>
+    <p:spTree>
+      <p:nvGrpSpPr>
+        <p:cNvPr id="1" name=""/>
+        <p:cNvGrpSpPr/>
+        <p:nvPr/>
+      </p:nvGrpSpPr>
+      <p:grpSpPr>
+        <a:xfrm>
+          <a:off x="0" y="0"/>
+          <a:ext cx="0" cy="0"/>
+          <a:chOff x="0" y="0"/>
+          <a:chExt cx="0" cy="0"/>
+        </a:xfrm>
+      </p:grpSpPr>
+      <p:sp>
+        <p:nvSpPr>
+          <p:cNvPr id="2" name="標題 1">
+            <a:extLst>
+              <a:ext uri="{FF2B5EF4-FFF2-40B4-BE49-F238E27FC236}">
+                <a16:creationId xmlns:a16="http://schemas.microsoft.com/office/drawing/2014/main" id="{48043BE9-3F71-38EE-11E5-8E5D5BFEE669}"/>
+              </a:ext>
+            </a:extLst>
+          </p:cNvPr>
+          <p:cNvSpPr>
+            <a:spLocks noGrp="1"/>
+          </p:cNvSpPr>
+          <p:nvPr>
+            <p:ph type="title"/>
+          </p:nvPr>
+        </p:nvSpPr>
+        <p:spPr/>
+        <p:txBody>
+          <a:bodyPr/>
+          <a:lstStyle/>
+          <a:p>
+            <a:endParaRPr kumimoji="1" lang="zh-TW" altLang="en-US"/>
+          </a:p>
+        </p:txBody>
+      </p:sp>
+      <p:sp>
+        <p:nvSpPr>
+          <p:cNvPr id="3" name="內容版面配置區 2">
+            <a:extLst>
+              <a:ext uri="{FF2B5EF4-FFF2-40B4-BE49-F238E27FC236}">
+                <a16:creationId xmlns:a16="http://schemas.microsoft.com/office/drawing/2014/main" id="{268C706E-41C8-DA29-0447-5427F547E82A}"/>
+              </a:ext>
+            </a:extLst>
+          </p:cNvPr>
+          <p:cNvSpPr>
+            <a:spLocks noGrp="1"/>
+          </p:cNvSpPr>
+          <p:nvPr>
+            <p:ph idx="1"/>
+          </p:nvPr>
+        </p:nvSpPr>
+        <p:spPr/>
+        <p:txBody>
+          <a:bodyPr/>
+          <a:lstStyle/>
+          <a:p>
+            <a:endParaRPr kumimoji="1" lang="zh-TW" altLang="en-US"/>
+          </a:p>
+        </p:txBody>
+      </p:sp>
+    </p:spTree>
+    <p:extLst>
+      <p:ext uri="{BB962C8B-B14F-4D97-AF65-F5344CB8AC3E}">
+        <p14:creationId xmlns:p14="http://schemas.microsoft.com/office/powerpoint/2010/main" val="280484079"/>
+      </p:ext>
+    </p:extLst>
+  </p:cSld>
+  <p:clrMapOvr>
+    <a:masterClrMapping/>
+  </p:clrMapOvr>
+</p:sld>
+</file>
+
+<file path=ppt/slides/slide22.xml><?xml version="1.0" encoding="utf-8"?>
+<p:sld xmlns:a="http://schemas.openxmlformats.org/drawingml/2006/main" xmlns:r="http://schemas.openxmlformats.org/officeDocument/2006/relationships" xmlns:p="http://schemas.openxmlformats.org/presentationml/2006/main">
+  <p:cSld>
+    <p:spTree>
+      <p:nvGrpSpPr>
+        <p:cNvPr id="1" name=""/>
+        <p:cNvGrpSpPr/>
+        <p:nvPr/>
+      </p:nvGrpSpPr>
+      <p:grpSpPr>
+        <a:xfrm>
+          <a:off x="0" y="0"/>
+          <a:ext cx="0" cy="0"/>
+          <a:chOff x="0" y="0"/>
+          <a:chExt cx="0" cy="0"/>
+        </a:xfrm>
+      </p:grpSpPr>
+      <p:sp>
+        <p:nvSpPr>
+          <p:cNvPr id="2" name="標題 1">
+            <a:extLst>
+              <a:ext uri="{FF2B5EF4-FFF2-40B4-BE49-F238E27FC236}">
+                <a16:creationId xmlns:a16="http://schemas.microsoft.com/office/drawing/2014/main" id="{D69F0F36-5CC6-1D5C-D865-17C37FC8D899}"/>
+              </a:ext>
+            </a:extLst>
+          </p:cNvPr>
+          <p:cNvSpPr>
+            <a:spLocks noGrp="1"/>
+          </p:cNvSpPr>
+          <p:nvPr>
+            <p:ph type="title"/>
+          </p:nvPr>
+        </p:nvSpPr>
+        <p:spPr/>
+        <p:txBody>
+          <a:bodyPr/>
+          <a:lstStyle/>
+          <a:p>
+            <a:endParaRPr kumimoji="1" lang="zh-TW" altLang="en-US"/>
+          </a:p>
+        </p:txBody>
+      </p:sp>
+      <p:sp>
+        <p:nvSpPr>
+          <p:cNvPr id="3" name="內容版面配置區 2">
+            <a:extLst>
+              <a:ext uri="{FF2B5EF4-FFF2-40B4-BE49-F238E27FC236}">
+                <a16:creationId xmlns:a16="http://schemas.microsoft.com/office/drawing/2014/main" id="{80E2A928-544C-A1BF-3C79-65CC40E6B9DC}"/>
+              </a:ext>
+            </a:extLst>
+          </p:cNvPr>
+          <p:cNvSpPr>
+            <a:spLocks noGrp="1"/>
+          </p:cNvSpPr>
+          <p:nvPr>
+            <p:ph idx="1"/>
+          </p:nvPr>
+        </p:nvSpPr>
+        <p:spPr/>
+        <p:txBody>
+          <a:bodyPr/>
+          <a:lstStyle/>
+          <a:p>
+            <a:endParaRPr kumimoji="1" lang="zh-TW" altLang="en-US"/>
+          </a:p>
+        </p:txBody>
+      </p:sp>
+    </p:spTree>
+    <p:extLst>
+      <p:ext uri="{BB962C8B-B14F-4D97-AF65-F5344CB8AC3E}">
+        <p14:creationId xmlns:p14="http://schemas.microsoft.com/office/powerpoint/2010/main" val="3817538779"/>
       </p:ext>
     </p:extLst>
   </p:cSld>
@@ -5603,7 +7971,12 @@
             <p:ph idx="1"/>
           </p:nvPr>
         </p:nvSpPr>
-        <p:spPr/>
+        <p:spPr>
+          <a:xfrm>
+            <a:off x="838200" y="1825625"/>
+            <a:ext cx="10515600" cy="4414401"/>
+          </a:xfrm>
+        </p:spPr>
         <p:txBody>
           <a:bodyPr/>
           <a:lstStyle/>

--- a/Final presentation.pptx
+++ b/Final presentation.pptx
@@ -280,7 +280,7 @@
           <a:p>
             <a:fld id="{4EC51A3C-8C6E-416D-86EA-9A0F7B61F8CD}" type="datetimeFigureOut">
               <a:rPr lang="en-US" smtClean="0"/>
-              <a:t>4/10/25</a:t>
+              <a:t>4/11/2025</a:t>
             </a:fld>
             <a:endParaRPr lang="en-US"/>
           </a:p>
@@ -478,7 +478,7 @@
           <a:p>
             <a:fld id="{4EC51A3C-8C6E-416D-86EA-9A0F7B61F8CD}" type="datetimeFigureOut">
               <a:rPr lang="en-US" smtClean="0"/>
-              <a:t>4/10/25</a:t>
+              <a:t>4/11/2025</a:t>
             </a:fld>
             <a:endParaRPr lang="en-US"/>
           </a:p>
@@ -686,7 +686,7 @@
           <a:p>
             <a:fld id="{4EC51A3C-8C6E-416D-86EA-9A0F7B61F8CD}" type="datetimeFigureOut">
               <a:rPr lang="en-US" smtClean="0"/>
-              <a:t>4/10/25</a:t>
+              <a:t>4/11/2025</a:t>
             </a:fld>
             <a:endParaRPr lang="en-US"/>
           </a:p>
@@ -884,7 +884,7 @@
           <a:p>
             <a:fld id="{4EC51A3C-8C6E-416D-86EA-9A0F7B61F8CD}" type="datetimeFigureOut">
               <a:rPr lang="en-US" smtClean="0"/>
-              <a:t>4/10/25</a:t>
+              <a:t>4/11/2025</a:t>
             </a:fld>
             <a:endParaRPr lang="en-US"/>
           </a:p>
@@ -1159,7 +1159,7 @@
           <a:p>
             <a:fld id="{4EC51A3C-8C6E-416D-86EA-9A0F7B61F8CD}" type="datetimeFigureOut">
               <a:rPr lang="en-US" smtClean="0"/>
-              <a:t>4/10/25</a:t>
+              <a:t>4/11/2025</a:t>
             </a:fld>
             <a:endParaRPr lang="en-US"/>
           </a:p>
@@ -1424,7 +1424,7 @@
           <a:p>
             <a:fld id="{4EC51A3C-8C6E-416D-86EA-9A0F7B61F8CD}" type="datetimeFigureOut">
               <a:rPr lang="en-US" smtClean="0"/>
-              <a:t>4/10/25</a:t>
+              <a:t>4/11/2025</a:t>
             </a:fld>
             <a:endParaRPr lang="en-US"/>
           </a:p>
@@ -1836,7 +1836,7 @@
           <a:p>
             <a:fld id="{4EC51A3C-8C6E-416D-86EA-9A0F7B61F8CD}" type="datetimeFigureOut">
               <a:rPr lang="en-US" smtClean="0"/>
-              <a:t>4/10/25</a:t>
+              <a:t>4/11/2025</a:t>
             </a:fld>
             <a:endParaRPr lang="en-US"/>
           </a:p>
@@ -1977,7 +1977,7 @@
           <a:p>
             <a:fld id="{4EC51A3C-8C6E-416D-86EA-9A0F7B61F8CD}" type="datetimeFigureOut">
               <a:rPr lang="en-US" smtClean="0"/>
-              <a:t>4/10/25</a:t>
+              <a:t>4/11/2025</a:t>
             </a:fld>
             <a:endParaRPr lang="en-US"/>
           </a:p>
@@ -2090,7 +2090,7 @@
           <a:p>
             <a:fld id="{4EC51A3C-8C6E-416D-86EA-9A0F7B61F8CD}" type="datetimeFigureOut">
               <a:rPr lang="en-US" smtClean="0"/>
-              <a:t>4/10/25</a:t>
+              <a:t>4/11/2025</a:t>
             </a:fld>
             <a:endParaRPr lang="en-US"/>
           </a:p>
@@ -2401,7 +2401,7 @@
           <a:p>
             <a:fld id="{4EC51A3C-8C6E-416D-86EA-9A0F7B61F8CD}" type="datetimeFigureOut">
               <a:rPr lang="en-US" smtClean="0"/>
-              <a:t>4/10/25</a:t>
+              <a:t>4/11/2025</a:t>
             </a:fld>
             <a:endParaRPr lang="en-US"/>
           </a:p>
@@ -2689,7 +2689,7 @@
           <a:p>
             <a:fld id="{4EC51A3C-8C6E-416D-86EA-9A0F7B61F8CD}" type="datetimeFigureOut">
               <a:rPr lang="en-US" smtClean="0"/>
-              <a:t>4/10/25</a:t>
+              <a:t>4/11/2025</a:t>
             </a:fld>
             <a:endParaRPr lang="en-US"/>
           </a:p>
@@ -2930,7 +2930,7 @@
           <a:p>
             <a:fld id="{4EC51A3C-8C6E-416D-86EA-9A0F7B61F8CD}" type="datetimeFigureOut">
               <a:rPr lang="en-US" smtClean="0"/>
-              <a:t>4/10/25</a:t>
+              <a:t>4/11/2025</a:t>
             </a:fld>
             <a:endParaRPr lang="en-US"/>
           </a:p>
@@ -5902,28 +5902,106 @@
           </a:p>
         </p:txBody>
       </p:sp>
-      <p:sp>
-        <p:nvSpPr>
-          <p:cNvPr id="3" name="Content Placeholder 2">
-            <a:extLst>
-              <a:ext uri="{FF2B5EF4-FFF2-40B4-BE49-F238E27FC236}">
-                <a16:creationId xmlns:a16="http://schemas.microsoft.com/office/drawing/2014/main" id="{4AEE7600-97B4-737B-56DF-D2FF8413AA84}"/>
-              </a:ext>
-            </a:extLst>
-          </p:cNvPr>
-          <p:cNvSpPr>
-            <a:spLocks noGrp="1"/>
-          </p:cNvSpPr>
-          <p:nvPr>
-            <p:ph idx="1"/>
-          </p:nvPr>
-        </p:nvSpPr>
-        <p:spPr/>
-        <p:txBody>
-          <a:bodyPr/>
-          <a:lstStyle/>
-          <a:p>
-            <a:endParaRPr lang="en-US" dirty="0"/>
+      <p:pic>
+        <p:nvPicPr>
+          <p:cNvPr id="5" name="Picture 4">
+            <a:extLst>
+              <a:ext uri="{FF2B5EF4-FFF2-40B4-BE49-F238E27FC236}">
+                <a16:creationId xmlns:a16="http://schemas.microsoft.com/office/drawing/2014/main" id="{54A5C60E-2B2D-693D-D7D0-6D0D6CFA230B}"/>
+              </a:ext>
+            </a:extLst>
+          </p:cNvPr>
+          <p:cNvPicPr>
+            <a:picLocks noChangeAspect="1"/>
+          </p:cNvPicPr>
+          <p:nvPr/>
+        </p:nvPicPr>
+        <p:blipFill>
+          <a:blip r:embed="rId2"/>
+          <a:stretch>
+            <a:fillRect/>
+          </a:stretch>
+        </p:blipFill>
+        <p:spPr>
+          <a:xfrm>
+            <a:off x="4463074" y="1384975"/>
+            <a:ext cx="7591050" cy="4877067"/>
+          </a:xfrm>
+          <a:prstGeom prst="rect">
+            <a:avLst/>
+          </a:prstGeom>
+        </p:spPr>
+      </p:pic>
+      <p:sp>
+        <p:nvSpPr>
+          <p:cNvPr id="7" name="TextBox 6">
+            <a:extLst>
+              <a:ext uri="{FF2B5EF4-FFF2-40B4-BE49-F238E27FC236}">
+                <a16:creationId xmlns:a16="http://schemas.microsoft.com/office/drawing/2014/main" id="{ADCA1689-6ACE-2ECE-9C91-4DB89E34B13E}"/>
+              </a:ext>
+            </a:extLst>
+          </p:cNvPr>
+          <p:cNvSpPr txBox="1"/>
+          <p:nvPr/>
+        </p:nvSpPr>
+        <p:spPr>
+          <a:xfrm>
+            <a:off x="4463074" y="6262042"/>
+            <a:ext cx="6097554" cy="461665"/>
+          </a:xfrm>
+          <a:prstGeom prst="rect">
+            <a:avLst/>
+          </a:prstGeom>
+          <a:noFill/>
+        </p:spPr>
+        <p:txBody>
+          <a:bodyPr wrap="square">
+            <a:spAutoFit/>
+          </a:bodyPr>
+          <a:lstStyle/>
+          <a:p>
+            <a:r>
+              <a:rPr lang="en-US" sz="1200" dirty="0">
+                <a:latin typeface="Times New Roman" panose="02020603050405020304" pitchFamily="18" charset="0"/>
+                <a:cs typeface="Times New Roman" panose="02020603050405020304" pitchFamily="18" charset="0"/>
+              </a:rPr>
+              <a:t>Chueh, S.-Y., et al. (2025). </a:t>
+            </a:r>
+            <a:r>
+              <a:rPr lang="en-US" sz="1200" i="1" dirty="0" err="1">
+                <a:latin typeface="Times New Roman" panose="02020603050405020304" pitchFamily="18" charset="0"/>
+                <a:cs typeface="Times New Roman" panose="02020603050405020304" pitchFamily="18" charset="0"/>
+              </a:rPr>
+              <a:t>Metaplasticity</a:t>
+            </a:r>
+            <a:r>
+              <a:rPr lang="en-US" sz="1200" i="1" dirty="0">
+                <a:latin typeface="Times New Roman" panose="02020603050405020304" pitchFamily="18" charset="0"/>
+                <a:cs typeface="Times New Roman" panose="02020603050405020304" pitchFamily="18" charset="0"/>
+              </a:rPr>
+              <a:t> and continual learning: Mechanisms subserving brain computer interface proficiency</a:t>
+            </a:r>
+            <a:r>
+              <a:rPr lang="en-US" sz="1200" dirty="0">
+                <a:latin typeface="Times New Roman" panose="02020603050405020304" pitchFamily="18" charset="0"/>
+                <a:cs typeface="Times New Roman" panose="02020603050405020304" pitchFamily="18" charset="0"/>
+              </a:rPr>
+              <a:t>. </a:t>
+            </a:r>
+            <a:r>
+              <a:rPr lang="en-US" sz="1200" dirty="0" err="1">
+                <a:latin typeface="Times New Roman" panose="02020603050405020304" pitchFamily="18" charset="0"/>
+                <a:cs typeface="Times New Roman" panose="02020603050405020304" pitchFamily="18" charset="0"/>
+              </a:rPr>
+              <a:t>bioRxiv</a:t>
+            </a:r>
+            <a:r>
+              <a:rPr lang="en-US" sz="1200" dirty="0">
+                <a:latin typeface="Times New Roman" panose="02020603050405020304" pitchFamily="18" charset="0"/>
+                <a:cs typeface="Times New Roman" panose="02020603050405020304" pitchFamily="18" charset="0"/>
+              </a:rPr>
+              <a:t>.</a:t>
+            </a:r>
           </a:p>
         </p:txBody>
       </p:sp>

--- a/Final presentation.pptx
+++ b/Final presentation.pptx
@@ -16,15 +16,16 @@
     <p:sldId id="262" r:id="rId10"/>
     <p:sldId id="263" r:id="rId11"/>
     <p:sldId id="264" r:id="rId12"/>
-    <p:sldId id="269" r:id="rId13"/>
-    <p:sldId id="270" r:id="rId14"/>
-    <p:sldId id="277" r:id="rId15"/>
-    <p:sldId id="271" r:id="rId16"/>
-    <p:sldId id="272" r:id="rId17"/>
-    <p:sldId id="273" r:id="rId18"/>
-    <p:sldId id="274" r:id="rId19"/>
-    <p:sldId id="276" r:id="rId20"/>
-    <p:sldId id="275" r:id="rId21"/>
+    <p:sldId id="279" r:id="rId13"/>
+    <p:sldId id="269" r:id="rId14"/>
+    <p:sldId id="270" r:id="rId15"/>
+    <p:sldId id="277" r:id="rId16"/>
+    <p:sldId id="271" r:id="rId17"/>
+    <p:sldId id="272" r:id="rId18"/>
+    <p:sldId id="273" r:id="rId19"/>
+    <p:sldId id="274" r:id="rId20"/>
+    <p:sldId id="276" r:id="rId21"/>
+    <p:sldId id="275" r:id="rId22"/>
   </p:sldIdLst>
   <p:sldSz cx="12192000" cy="6858000"/>
   <p:notesSz cx="6858000" cy="9144000"/>
@@ -278,7 +279,7 @@
           <a:p>
             <a:fld id="{4EC51A3C-8C6E-416D-86EA-9A0F7B61F8CD}" type="datetimeFigureOut">
               <a:rPr lang="en-US" smtClean="0"/>
-              <a:t>4/11/2025</a:t>
+              <a:t>4/28/25</a:t>
             </a:fld>
             <a:endParaRPr lang="en-US"/>
           </a:p>
@@ -476,7 +477,7 @@
           <a:p>
             <a:fld id="{4EC51A3C-8C6E-416D-86EA-9A0F7B61F8CD}" type="datetimeFigureOut">
               <a:rPr lang="en-US" smtClean="0"/>
-              <a:t>4/11/2025</a:t>
+              <a:t>4/28/25</a:t>
             </a:fld>
             <a:endParaRPr lang="en-US"/>
           </a:p>
@@ -684,7 +685,7 @@
           <a:p>
             <a:fld id="{4EC51A3C-8C6E-416D-86EA-9A0F7B61F8CD}" type="datetimeFigureOut">
               <a:rPr lang="en-US" smtClean="0"/>
-              <a:t>4/11/2025</a:t>
+              <a:t>4/28/25</a:t>
             </a:fld>
             <a:endParaRPr lang="en-US"/>
           </a:p>
@@ -882,7 +883,7 @@
           <a:p>
             <a:fld id="{4EC51A3C-8C6E-416D-86EA-9A0F7B61F8CD}" type="datetimeFigureOut">
               <a:rPr lang="en-US" smtClean="0"/>
-              <a:t>4/11/2025</a:t>
+              <a:t>4/28/25</a:t>
             </a:fld>
             <a:endParaRPr lang="en-US"/>
           </a:p>
@@ -1157,7 +1158,7 @@
           <a:p>
             <a:fld id="{4EC51A3C-8C6E-416D-86EA-9A0F7B61F8CD}" type="datetimeFigureOut">
               <a:rPr lang="en-US" smtClean="0"/>
-              <a:t>4/11/2025</a:t>
+              <a:t>4/28/25</a:t>
             </a:fld>
             <a:endParaRPr lang="en-US"/>
           </a:p>
@@ -1422,7 +1423,7 @@
           <a:p>
             <a:fld id="{4EC51A3C-8C6E-416D-86EA-9A0F7B61F8CD}" type="datetimeFigureOut">
               <a:rPr lang="en-US" smtClean="0"/>
-              <a:t>4/11/2025</a:t>
+              <a:t>4/28/25</a:t>
             </a:fld>
             <a:endParaRPr lang="en-US"/>
           </a:p>
@@ -1834,7 +1835,7 @@
           <a:p>
             <a:fld id="{4EC51A3C-8C6E-416D-86EA-9A0F7B61F8CD}" type="datetimeFigureOut">
               <a:rPr lang="en-US" smtClean="0"/>
-              <a:t>4/11/2025</a:t>
+              <a:t>4/28/25</a:t>
             </a:fld>
             <a:endParaRPr lang="en-US"/>
           </a:p>
@@ -1975,7 +1976,7 @@
           <a:p>
             <a:fld id="{4EC51A3C-8C6E-416D-86EA-9A0F7B61F8CD}" type="datetimeFigureOut">
               <a:rPr lang="en-US" smtClean="0"/>
-              <a:t>4/11/2025</a:t>
+              <a:t>4/28/25</a:t>
             </a:fld>
             <a:endParaRPr lang="en-US"/>
           </a:p>
@@ -2088,7 +2089,7 @@
           <a:p>
             <a:fld id="{4EC51A3C-8C6E-416D-86EA-9A0F7B61F8CD}" type="datetimeFigureOut">
               <a:rPr lang="en-US" smtClean="0"/>
-              <a:t>4/11/2025</a:t>
+              <a:t>4/28/25</a:t>
             </a:fld>
             <a:endParaRPr lang="en-US"/>
           </a:p>
@@ -2399,7 +2400,7 @@
           <a:p>
             <a:fld id="{4EC51A3C-8C6E-416D-86EA-9A0F7B61F8CD}" type="datetimeFigureOut">
               <a:rPr lang="en-US" smtClean="0"/>
-              <a:t>4/11/2025</a:t>
+              <a:t>4/28/25</a:t>
             </a:fld>
             <a:endParaRPr lang="en-US"/>
           </a:p>
@@ -2687,7 +2688,7 @@
           <a:p>
             <a:fld id="{4EC51A3C-8C6E-416D-86EA-9A0F7B61F8CD}" type="datetimeFigureOut">
               <a:rPr lang="en-US" smtClean="0"/>
-              <a:t>4/11/2025</a:t>
+              <a:t>4/28/25</a:t>
             </a:fld>
             <a:endParaRPr lang="en-US"/>
           </a:p>
@@ -2928,7 +2929,7 @@
           <a:p>
             <a:fld id="{4EC51A3C-8C6E-416D-86EA-9A0F7B61F8CD}" type="datetimeFigureOut">
               <a:rPr lang="en-US" smtClean="0"/>
-              <a:t>4/11/2025</a:t>
+              <a:t>4/28/25</a:t>
             </a:fld>
             <a:endParaRPr lang="en-US"/>
           </a:p>
@@ -3840,7 +3841,7 @@
           <p:cNvPr id="2" name="標題 1">
             <a:extLst>
               <a:ext uri="{FF2B5EF4-FFF2-40B4-BE49-F238E27FC236}">
-                <a16:creationId xmlns:a16="http://schemas.microsoft.com/office/drawing/2014/main" id="{882DA514-DD18-DB93-8098-21CEF7A0ABE7}"/>
+                <a16:creationId xmlns:a16="http://schemas.microsoft.com/office/drawing/2014/main" id="{55A39CCA-DA4C-C890-B15E-D0F943650CC7}"/>
               </a:ext>
             </a:extLst>
           </p:cNvPr>
@@ -3856,11 +3857,7 @@
           <a:bodyPr/>
           <a:lstStyle/>
           <a:p>
-            <a:r>
-              <a:rPr kumimoji="1" lang="en-US" altLang="zh-TW" dirty="0"/>
-              <a:t>Function 4 &amp; 5: Visualization </a:t>
-            </a:r>
-            <a:endParaRPr kumimoji="1" lang="zh-TW" altLang="en-US" dirty="0"/>
+            <a:endParaRPr kumimoji="1" lang="zh-TW" altLang="en-US"/>
           </a:p>
         </p:txBody>
       </p:sp>
@@ -3869,7 +3866,7 @@
           <p:cNvPr id="3" name="內容版面配置區 2">
             <a:extLst>
               <a:ext uri="{FF2B5EF4-FFF2-40B4-BE49-F238E27FC236}">
-                <a16:creationId xmlns:a16="http://schemas.microsoft.com/office/drawing/2014/main" id="{00D37186-0DEC-E76F-EEE6-51CD28C29F92}"/>
+                <a16:creationId xmlns:a16="http://schemas.microsoft.com/office/drawing/2014/main" id="{BF2B454F-DF97-7062-DABA-4196DA7FACDE}"/>
               </a:ext>
             </a:extLst>
           </p:cNvPr>
@@ -3882,38 +3879,19 @@
         </p:nvSpPr>
         <p:spPr/>
         <p:txBody>
-          <a:bodyPr>
-            <a:normAutofit/>
-          </a:bodyPr>
-          <a:lstStyle/>
-          <a:p>
-            <a:r>
-              <a:rPr lang="en" altLang="zh-TW" sz="2400" dirty="0"/>
-              <a:t>Visualize each trial as a 1D line of movement, using Position vs. Trial Number.</a:t>
-            </a:r>
-          </a:p>
-          <a:p>
-            <a:r>
-              <a:rPr lang="en" altLang="zh-TW" sz="2400" dirty="0"/>
-              <a:t>Get a list of unique trial IDs.</a:t>
-            </a:r>
-            <a:r>
-              <a:rPr kumimoji="1" lang="en-US" altLang="zh-TW" sz="2400" dirty="0"/>
-              <a:t> </a:t>
-            </a:r>
-            <a:r>
-              <a:rPr lang="en" altLang="zh-TW" sz="2400" dirty="0"/>
-              <a:t>Loop ( for and if loop) through each trial to plot its trajectory.</a:t>
-            </a:r>
+          <a:bodyPr/>
+          <a:lstStyle/>
+          <a:p>
+            <a:endParaRPr kumimoji="1" lang="zh-TW" altLang="en-US"/>
           </a:p>
         </p:txBody>
       </p:sp>
       <p:pic>
         <p:nvPicPr>
-          <p:cNvPr id="5" name="圖片 4">
-            <a:extLst>
-              <a:ext uri="{FF2B5EF4-FFF2-40B4-BE49-F238E27FC236}">
-                <a16:creationId xmlns:a16="http://schemas.microsoft.com/office/drawing/2014/main" id="{3AA8A512-9E5B-B138-016E-E68EBC83D750}"/>
+          <p:cNvPr id="4" name="圖片 3">
+            <a:extLst>
+              <a:ext uri="{FF2B5EF4-FFF2-40B4-BE49-F238E27FC236}">
+                <a16:creationId xmlns:a16="http://schemas.microsoft.com/office/drawing/2014/main" id="{63F55B7A-2236-19B5-8861-ACB2CBF544C9}"/>
               </a:ext>
             </a:extLst>
           </p:cNvPr>
@@ -3936,8 +3914,44 @@
         </p:blipFill>
         <p:spPr>
           <a:xfrm>
-            <a:off x="2699239" y="3142044"/>
-            <a:ext cx="6793522" cy="3428806"/>
+            <a:off x="427990" y="681037"/>
+            <a:ext cx="6946900" cy="5638800"/>
+          </a:xfrm>
+          <a:prstGeom prst="rect">
+            <a:avLst/>
+          </a:prstGeom>
+        </p:spPr>
+      </p:pic>
+      <p:pic>
+        <p:nvPicPr>
+          <p:cNvPr id="5" name="圖片 4">
+            <a:extLst>
+              <a:ext uri="{FF2B5EF4-FFF2-40B4-BE49-F238E27FC236}">
+                <a16:creationId xmlns:a16="http://schemas.microsoft.com/office/drawing/2014/main" id="{90079EA4-7F29-91DC-09DB-AE2DDDF6F6F8}"/>
+              </a:ext>
+            </a:extLst>
+          </p:cNvPr>
+          <p:cNvPicPr>
+            <a:picLocks noChangeAspect="1"/>
+          </p:cNvPicPr>
+          <p:nvPr/>
+        </p:nvPicPr>
+        <p:blipFill>
+          <a:blip r:embed="rId3">
+            <a:extLst>
+              <a:ext uri="{28A0092B-C50C-407E-A947-70E740481C1C}">
+                <a14:useLocalDpi xmlns:a14="http://schemas.microsoft.com/office/drawing/2010/main" val="0"/>
+              </a:ext>
+            </a:extLst>
+          </a:blip>
+          <a:stretch>
+            <a:fillRect/>
+          </a:stretch>
+        </p:blipFill>
+        <p:spPr>
+          <a:xfrm>
+            <a:off x="129865" y="261332"/>
+            <a:ext cx="11932269" cy="839410"/>
           </a:xfrm>
           <a:prstGeom prst="rect">
             <a:avLst/>
@@ -3947,13 +3961,88 @@
     </p:spTree>
     <p:extLst>
       <p:ext uri="{BB962C8B-B14F-4D97-AF65-F5344CB8AC3E}">
-        <p14:creationId xmlns:p14="http://schemas.microsoft.com/office/powerpoint/2010/main" val="1440765152"/>
+        <p14:creationId xmlns:p14="http://schemas.microsoft.com/office/powerpoint/2010/main" val="2694383348"/>
       </p:ext>
     </p:extLst>
   </p:cSld>
   <p:clrMapOvr>
     <a:masterClrMapping/>
   </p:clrMapOvr>
+  <p:timing>
+    <p:tnLst>
+      <p:par>
+        <p:cTn id="1" dur="indefinite" restart="never" nodeType="tmRoot">
+          <p:childTnLst>
+            <p:seq concurrent="1" nextAc="seek">
+              <p:cTn id="2" dur="indefinite" nodeType="mainSeq">
+                <p:childTnLst>
+                  <p:par>
+                    <p:cTn id="3" fill="hold">
+                      <p:stCondLst>
+                        <p:cond delay="indefinite"/>
+                      </p:stCondLst>
+                      <p:childTnLst>
+                        <p:par>
+                          <p:cTn id="4" fill="hold">
+                            <p:stCondLst>
+                              <p:cond delay="0"/>
+                            </p:stCondLst>
+                            <p:childTnLst>
+                              <p:par>
+                                <p:cTn id="5" presetID="1" presetClass="entr" presetSubtype="0" fill="hold" nodeType="clickEffect">
+                                  <p:stCondLst>
+                                    <p:cond delay="0"/>
+                                  </p:stCondLst>
+                                  <p:childTnLst>
+                                    <p:set>
+                                      <p:cBhvr>
+                                        <p:cTn id="6" dur="1" fill="hold">
+                                          <p:stCondLst>
+                                            <p:cond delay="0"/>
+                                          </p:stCondLst>
+                                        </p:cTn>
+                                        <p:tgtEl>
+                                          <p:spTgt spid="5"/>
+                                        </p:tgtEl>
+                                        <p:attrNameLst>
+                                          <p:attrName>style.visibility</p:attrName>
+                                        </p:attrNameLst>
+                                      </p:cBhvr>
+                                      <p:to>
+                                        <p:strVal val="visible"/>
+                                      </p:to>
+                                    </p:set>
+                                  </p:childTnLst>
+                                </p:cTn>
+                              </p:par>
+                            </p:childTnLst>
+                          </p:cTn>
+                        </p:par>
+                      </p:childTnLst>
+                    </p:cTn>
+                  </p:par>
+                </p:childTnLst>
+              </p:cTn>
+              <p:prevCondLst>
+                <p:cond evt="onPrev" delay="0">
+                  <p:tgtEl>
+                    <p:sldTgt/>
+                  </p:tgtEl>
+                </p:cond>
+              </p:prevCondLst>
+              <p:nextCondLst>
+                <p:cond evt="onNext" delay="0">
+                  <p:tgtEl>
+                    <p:sldTgt/>
+                  </p:tgtEl>
+                </p:cond>
+              </p:nextCondLst>
+            </p:seq>
+          </p:childTnLst>
+        </p:cTn>
+      </p:par>
+    </p:tnLst>
+  </p:timing>
 </p:sld>
 </file>
 
@@ -3979,6 +4068,145 @@
           <p:cNvPr id="2" name="標題 1">
             <a:extLst>
               <a:ext uri="{FF2B5EF4-FFF2-40B4-BE49-F238E27FC236}">
+                <a16:creationId xmlns:a16="http://schemas.microsoft.com/office/drawing/2014/main" id="{882DA514-DD18-DB93-8098-21CEF7A0ABE7}"/>
+              </a:ext>
+            </a:extLst>
+          </p:cNvPr>
+          <p:cNvSpPr>
+            <a:spLocks noGrp="1"/>
+          </p:cNvSpPr>
+          <p:nvPr>
+            <p:ph type="title"/>
+          </p:nvPr>
+        </p:nvSpPr>
+        <p:spPr/>
+        <p:txBody>
+          <a:bodyPr/>
+          <a:lstStyle/>
+          <a:p>
+            <a:r>
+              <a:rPr kumimoji="1" lang="en-US" altLang="zh-TW" dirty="0"/>
+              <a:t>Function 4 &amp; 5: Visualization </a:t>
+            </a:r>
+            <a:endParaRPr kumimoji="1" lang="zh-TW" altLang="en-US" dirty="0"/>
+          </a:p>
+        </p:txBody>
+      </p:sp>
+      <p:sp>
+        <p:nvSpPr>
+          <p:cNvPr id="3" name="內容版面配置區 2">
+            <a:extLst>
+              <a:ext uri="{FF2B5EF4-FFF2-40B4-BE49-F238E27FC236}">
+                <a16:creationId xmlns:a16="http://schemas.microsoft.com/office/drawing/2014/main" id="{00D37186-0DEC-E76F-EEE6-51CD28C29F92}"/>
+              </a:ext>
+            </a:extLst>
+          </p:cNvPr>
+          <p:cNvSpPr>
+            <a:spLocks noGrp="1"/>
+          </p:cNvSpPr>
+          <p:nvPr>
+            <p:ph idx="1"/>
+          </p:nvPr>
+        </p:nvSpPr>
+        <p:spPr/>
+        <p:txBody>
+          <a:bodyPr>
+            <a:normAutofit/>
+          </a:bodyPr>
+          <a:lstStyle/>
+          <a:p>
+            <a:r>
+              <a:rPr lang="en" altLang="zh-TW" sz="2400" dirty="0"/>
+              <a:t>Visualize each trial as a 1D line of movement, using Position vs. Trial Number.</a:t>
+            </a:r>
+          </a:p>
+          <a:p>
+            <a:r>
+              <a:rPr lang="en" altLang="zh-TW" sz="2400" dirty="0"/>
+              <a:t>Get a list of unique trial IDs.</a:t>
+            </a:r>
+            <a:r>
+              <a:rPr kumimoji="1" lang="en-US" altLang="zh-TW" sz="2400" dirty="0"/>
+              <a:t> </a:t>
+            </a:r>
+            <a:r>
+              <a:rPr lang="en" altLang="zh-TW" sz="2400" dirty="0"/>
+              <a:t>Loop ( for and if loop) through each trial to plot its trajectory.</a:t>
+            </a:r>
+          </a:p>
+        </p:txBody>
+      </p:sp>
+      <p:pic>
+        <p:nvPicPr>
+          <p:cNvPr id="5" name="圖片 4">
+            <a:extLst>
+              <a:ext uri="{FF2B5EF4-FFF2-40B4-BE49-F238E27FC236}">
+                <a16:creationId xmlns:a16="http://schemas.microsoft.com/office/drawing/2014/main" id="{3AA8A512-9E5B-B138-016E-E68EBC83D750}"/>
+              </a:ext>
+            </a:extLst>
+          </p:cNvPr>
+          <p:cNvPicPr>
+            <a:picLocks noChangeAspect="1"/>
+          </p:cNvPicPr>
+          <p:nvPr/>
+        </p:nvPicPr>
+        <p:blipFill>
+          <a:blip r:embed="rId2">
+            <a:extLst>
+              <a:ext uri="{28A0092B-C50C-407E-A947-70E740481C1C}">
+                <a14:useLocalDpi xmlns:a14="http://schemas.microsoft.com/office/drawing/2010/main" val="0"/>
+              </a:ext>
+            </a:extLst>
+          </a:blip>
+          <a:stretch>
+            <a:fillRect/>
+          </a:stretch>
+        </p:blipFill>
+        <p:spPr>
+          <a:xfrm>
+            <a:off x="2699239" y="3142044"/>
+            <a:ext cx="6793522" cy="3428806"/>
+          </a:xfrm>
+          <a:prstGeom prst="rect">
+            <a:avLst/>
+          </a:prstGeom>
+        </p:spPr>
+      </p:pic>
+    </p:spTree>
+    <p:extLst>
+      <p:ext uri="{BB962C8B-B14F-4D97-AF65-F5344CB8AC3E}">
+        <p14:creationId xmlns:p14="http://schemas.microsoft.com/office/powerpoint/2010/main" val="1440765152"/>
+      </p:ext>
+    </p:extLst>
+  </p:cSld>
+  <p:clrMapOvr>
+    <a:masterClrMapping/>
+  </p:clrMapOvr>
+</p:sld>
+</file>
+
+<file path=ppt/slides/slide14.xml><?xml version="1.0" encoding="utf-8"?>
+<p:sld xmlns:a="http://schemas.openxmlformats.org/drawingml/2006/main" xmlns:r="http://schemas.openxmlformats.org/officeDocument/2006/relationships" xmlns:p="http://schemas.openxmlformats.org/presentationml/2006/main">
+  <p:cSld>
+    <p:spTree>
+      <p:nvGrpSpPr>
+        <p:cNvPr id="1" name=""/>
+        <p:cNvGrpSpPr/>
+        <p:nvPr/>
+      </p:nvGrpSpPr>
+      <p:grpSpPr>
+        <a:xfrm>
+          <a:off x="0" y="0"/>
+          <a:ext cx="0" cy="0"/>
+          <a:chOff x="0" y="0"/>
+          <a:chExt cx="0" cy="0"/>
+        </a:xfrm>
+      </p:grpSpPr>
+      <p:sp>
+        <p:nvSpPr>
+          <p:cNvPr id="2" name="標題 1">
+            <a:extLst>
+              <a:ext uri="{FF2B5EF4-FFF2-40B4-BE49-F238E27FC236}">
                 <a16:creationId xmlns:a16="http://schemas.microsoft.com/office/drawing/2014/main" id="{E6A07899-371F-4F19-AA14-61AFE5E3AEAE}"/>
               </a:ext>
             </a:extLst>
@@ -4137,7 +4365,7 @@
 </p:sld>
 </file>
 
-<file path=ppt/slides/slide14.xml><?xml version="1.0" encoding="utf-8"?>
+<file path=ppt/slides/slide15.xml><?xml version="1.0" encoding="utf-8"?>
 <p:sld xmlns:a="http://schemas.openxmlformats.org/drawingml/2006/main" xmlns:r="http://schemas.openxmlformats.org/officeDocument/2006/relationships" xmlns:p="http://schemas.openxmlformats.org/presentationml/2006/main">
   <p:cSld>
     <p:spTree>
@@ -4788,163 +5016,6 @@
     <p:extLst>
       <p:ext uri="{BB962C8B-B14F-4D97-AF65-F5344CB8AC3E}">
         <p14:creationId xmlns:p14="http://schemas.microsoft.com/office/powerpoint/2010/main" val="1662355300"/>
-      </p:ext>
-    </p:extLst>
-  </p:cSld>
-  <p:clrMapOvr>
-    <a:masterClrMapping/>
-  </p:clrMapOvr>
-</p:sld>
-</file>
-
-<file path=ppt/slides/slide15.xml><?xml version="1.0" encoding="utf-8"?>
-<p:sld xmlns:a="http://schemas.openxmlformats.org/drawingml/2006/main" xmlns:r="http://schemas.openxmlformats.org/officeDocument/2006/relationships" xmlns:p="http://schemas.openxmlformats.org/presentationml/2006/main">
-  <p:cSld>
-    <p:spTree>
-      <p:nvGrpSpPr>
-        <p:cNvPr id="1" name=""/>
-        <p:cNvGrpSpPr/>
-        <p:nvPr/>
-      </p:nvGrpSpPr>
-      <p:grpSpPr>
-        <a:xfrm>
-          <a:off x="0" y="0"/>
-          <a:ext cx="0" cy="0"/>
-          <a:chOff x="0" y="0"/>
-          <a:chExt cx="0" cy="0"/>
-        </a:xfrm>
-      </p:grpSpPr>
-      <p:sp>
-        <p:nvSpPr>
-          <p:cNvPr id="2" name="標題 1">
-            <a:extLst>
-              <a:ext uri="{FF2B5EF4-FFF2-40B4-BE49-F238E27FC236}">
-                <a16:creationId xmlns:a16="http://schemas.microsoft.com/office/drawing/2014/main" id="{9EFC7377-AE20-3136-6ABE-D93C39396965}"/>
-              </a:ext>
-            </a:extLst>
-          </p:cNvPr>
-          <p:cNvSpPr>
-            <a:spLocks noGrp="1"/>
-          </p:cNvSpPr>
-          <p:nvPr>
-            <p:ph type="title"/>
-          </p:nvPr>
-        </p:nvSpPr>
-        <p:spPr/>
-        <p:txBody>
-          <a:bodyPr/>
-          <a:lstStyle/>
-          <a:p>
-            <a:r>
-              <a:rPr kumimoji="1" lang="en-US" altLang="zh-TW" dirty="0"/>
-              <a:t>Function 4 &amp; 5: Visualization </a:t>
-            </a:r>
-            <a:endParaRPr kumimoji="1" lang="zh-TW" altLang="en-US" dirty="0"/>
-          </a:p>
-        </p:txBody>
-      </p:sp>
-      <p:sp>
-        <p:nvSpPr>
-          <p:cNvPr id="3" name="內容版面配置區 2">
-            <a:extLst>
-              <a:ext uri="{FF2B5EF4-FFF2-40B4-BE49-F238E27FC236}">
-                <a16:creationId xmlns:a16="http://schemas.microsoft.com/office/drawing/2014/main" id="{AA1FA220-95D3-364A-E247-191B020E8922}"/>
-              </a:ext>
-            </a:extLst>
-          </p:cNvPr>
-          <p:cNvSpPr>
-            <a:spLocks noGrp="1"/>
-          </p:cNvSpPr>
-          <p:nvPr>
-            <p:ph idx="1"/>
-          </p:nvPr>
-        </p:nvSpPr>
-        <p:spPr/>
-        <p:txBody>
-          <a:bodyPr/>
-          <a:lstStyle/>
-          <a:p>
-            <a:pPr>
-              <a:buFont typeface="Arial" panose="020B0604020202020204" pitchFamily="34" charset="0"/>
-              <a:buChar char="•"/>
-            </a:pPr>
-            <a:r>
-              <a:rPr lang="en" altLang="zh-TW" dirty="0"/>
-              <a:t>Extracts all rows between the start and end of a trial. This is the time window from "control applied" to "target reached" or "timeout start”</a:t>
-            </a:r>
-          </a:p>
-          <a:p>
-            <a:pPr>
-              <a:buFont typeface="Arial" panose="020B0604020202020204" pitchFamily="34" charset="0"/>
-              <a:buChar char="•"/>
-            </a:pPr>
-            <a:r>
-              <a:rPr lang="en" altLang="zh-TW" dirty="0"/>
-              <a:t>Converts absolute time → time relative to trial start. Sets the time at control applied to 0.0 seconds. This helps normalize across trials of different start times.</a:t>
-            </a:r>
-          </a:p>
-          <a:p>
-            <a:pPr>
-              <a:buFont typeface="Arial" panose="020B0604020202020204" pitchFamily="34" charset="0"/>
-              <a:buChar char="•"/>
-            </a:pPr>
-            <a:r>
-              <a:rPr lang="en" altLang="zh-TW" dirty="0"/>
-              <a:t>Extract position data and plot. </a:t>
-            </a:r>
-          </a:p>
-          <a:p>
-            <a:pPr>
-              <a:buFont typeface="Arial" panose="020B0604020202020204" pitchFamily="34" charset="0"/>
-              <a:buChar char="•"/>
-            </a:pPr>
-            <a:endParaRPr lang="en" altLang="zh-TW" dirty="0"/>
-          </a:p>
-          <a:p>
-            <a:endParaRPr kumimoji="1" lang="zh-TW" altLang="en-US" dirty="0"/>
-          </a:p>
-        </p:txBody>
-      </p:sp>
-      <p:pic>
-        <p:nvPicPr>
-          <p:cNvPr id="5" name="圖片 4">
-            <a:extLst>
-              <a:ext uri="{FF2B5EF4-FFF2-40B4-BE49-F238E27FC236}">
-                <a16:creationId xmlns:a16="http://schemas.microsoft.com/office/drawing/2014/main" id="{5E737EE6-286C-810E-2F51-DF90841B6771}"/>
-              </a:ext>
-            </a:extLst>
-          </p:cNvPr>
-          <p:cNvPicPr>
-            <a:picLocks noChangeAspect="1"/>
-          </p:cNvPicPr>
-          <p:nvPr/>
-        </p:nvPicPr>
-        <p:blipFill>
-          <a:blip r:embed="rId2">
-            <a:extLst>
-              <a:ext uri="{28A0092B-C50C-407E-A947-70E740481C1C}">
-                <a14:useLocalDpi xmlns:a14="http://schemas.microsoft.com/office/drawing/2010/main" val="0"/>
-              </a:ext>
-            </a:extLst>
-          </a:blip>
-          <a:stretch>
-            <a:fillRect/>
-          </a:stretch>
-        </p:blipFill>
-        <p:spPr>
-          <a:xfrm>
-            <a:off x="907337" y="4953768"/>
-            <a:ext cx="10377326" cy="1464356"/>
-          </a:xfrm>
-          <a:prstGeom prst="rect">
-            <a:avLst/>
-          </a:prstGeom>
-        </p:spPr>
-      </p:pic>
-    </p:spTree>
-    <p:extLst>
-      <p:ext uri="{BB962C8B-B14F-4D97-AF65-F5344CB8AC3E}">
-        <p14:creationId xmlns:p14="http://schemas.microsoft.com/office/powerpoint/2010/main" val="2251052323"/>
       </p:ext>
     </p:extLst>
   </p:cSld>
@@ -4971,12 +5042,103 @@
           <a:chExt cx="0" cy="0"/>
         </a:xfrm>
       </p:grpSpPr>
+      <p:sp>
+        <p:nvSpPr>
+          <p:cNvPr id="2" name="標題 1">
+            <a:extLst>
+              <a:ext uri="{FF2B5EF4-FFF2-40B4-BE49-F238E27FC236}">
+                <a16:creationId xmlns:a16="http://schemas.microsoft.com/office/drawing/2014/main" id="{9EFC7377-AE20-3136-6ABE-D93C39396965}"/>
+              </a:ext>
+            </a:extLst>
+          </p:cNvPr>
+          <p:cNvSpPr>
+            <a:spLocks noGrp="1"/>
+          </p:cNvSpPr>
+          <p:nvPr>
+            <p:ph type="title"/>
+          </p:nvPr>
+        </p:nvSpPr>
+        <p:spPr/>
+        <p:txBody>
+          <a:bodyPr/>
+          <a:lstStyle/>
+          <a:p>
+            <a:r>
+              <a:rPr kumimoji="1" lang="en-US" altLang="zh-TW" dirty="0"/>
+              <a:t>Function 4 &amp; 5: Visualization </a:t>
+            </a:r>
+            <a:endParaRPr kumimoji="1" lang="zh-TW" altLang="en-US" dirty="0"/>
+          </a:p>
+        </p:txBody>
+      </p:sp>
+      <p:sp>
+        <p:nvSpPr>
+          <p:cNvPr id="3" name="內容版面配置區 2">
+            <a:extLst>
+              <a:ext uri="{FF2B5EF4-FFF2-40B4-BE49-F238E27FC236}">
+                <a16:creationId xmlns:a16="http://schemas.microsoft.com/office/drawing/2014/main" id="{AA1FA220-95D3-364A-E247-191B020E8922}"/>
+              </a:ext>
+            </a:extLst>
+          </p:cNvPr>
+          <p:cNvSpPr>
+            <a:spLocks noGrp="1"/>
+          </p:cNvSpPr>
+          <p:nvPr>
+            <p:ph idx="1"/>
+          </p:nvPr>
+        </p:nvSpPr>
+        <p:spPr/>
+        <p:txBody>
+          <a:bodyPr/>
+          <a:lstStyle/>
+          <a:p>
+            <a:pPr>
+              <a:buFont typeface="Arial" panose="020B0604020202020204" pitchFamily="34" charset="0"/>
+              <a:buChar char="•"/>
+            </a:pPr>
+            <a:r>
+              <a:rPr lang="en" altLang="zh-TW" dirty="0"/>
+              <a:t>Extracts all rows between the start and end of a trial. This is the time window from "control applied" to "target reached" or "timeout start”</a:t>
+            </a:r>
+          </a:p>
+          <a:p>
+            <a:pPr>
+              <a:buFont typeface="Arial" panose="020B0604020202020204" pitchFamily="34" charset="0"/>
+              <a:buChar char="•"/>
+            </a:pPr>
+            <a:r>
+              <a:rPr lang="en" altLang="zh-TW" dirty="0"/>
+              <a:t>Converts absolute time → time relative to trial start. Sets the time at control applied to 0.0 seconds. This helps normalize across trials of different start times.</a:t>
+            </a:r>
+          </a:p>
+          <a:p>
+            <a:pPr>
+              <a:buFont typeface="Arial" panose="020B0604020202020204" pitchFamily="34" charset="0"/>
+              <a:buChar char="•"/>
+            </a:pPr>
+            <a:r>
+              <a:rPr lang="en" altLang="zh-TW" dirty="0"/>
+              <a:t>Extract position data and plot. </a:t>
+            </a:r>
+          </a:p>
+          <a:p>
+            <a:pPr>
+              <a:buFont typeface="Arial" panose="020B0604020202020204" pitchFamily="34" charset="0"/>
+              <a:buChar char="•"/>
+            </a:pPr>
+            <a:endParaRPr lang="en" altLang="zh-TW" dirty="0"/>
+          </a:p>
+          <a:p>
+            <a:endParaRPr kumimoji="1" lang="zh-TW" altLang="en-US" dirty="0"/>
+          </a:p>
+        </p:txBody>
+      </p:sp>
       <p:pic>
         <p:nvPicPr>
-          <p:cNvPr id="4" name="圖片 3">
-            <a:extLst>
-              <a:ext uri="{FF2B5EF4-FFF2-40B4-BE49-F238E27FC236}">
-                <a16:creationId xmlns:a16="http://schemas.microsoft.com/office/drawing/2014/main" id="{993F6C3F-8B31-FA4B-14F3-F469C5904BB9}"/>
+          <p:cNvPr id="5" name="圖片 4">
+            <a:extLst>
+              <a:ext uri="{FF2B5EF4-FFF2-40B4-BE49-F238E27FC236}">
+                <a16:creationId xmlns:a16="http://schemas.microsoft.com/office/drawing/2014/main" id="{5E737EE6-286C-810E-2F51-DF90841B6771}"/>
               </a:ext>
             </a:extLst>
           </p:cNvPr>
@@ -4986,89 +5148,31 @@
           <p:nvPr/>
         </p:nvPicPr>
         <p:blipFill>
-          <a:blip r:embed="rId2"/>
+          <a:blip r:embed="rId2">
+            <a:extLst>
+              <a:ext uri="{28A0092B-C50C-407E-A947-70E740481C1C}">
+                <a14:useLocalDpi xmlns:a14="http://schemas.microsoft.com/office/drawing/2010/main" val="0"/>
+              </a:ext>
+            </a:extLst>
+          </a:blip>
           <a:stretch>
             <a:fillRect/>
           </a:stretch>
         </p:blipFill>
         <p:spPr>
           <a:xfrm>
-            <a:off x="286239" y="1445937"/>
-            <a:ext cx="4960166" cy="3966125"/>
+            <a:off x="907337" y="4953768"/>
+            <a:ext cx="10377326" cy="1464356"/>
           </a:xfrm>
           <a:prstGeom prst="rect">
             <a:avLst/>
           </a:prstGeom>
         </p:spPr>
       </p:pic>
-      <p:pic>
-        <p:nvPicPr>
-          <p:cNvPr id="5" name="圖片 4">
-            <a:extLst>
-              <a:ext uri="{FF2B5EF4-FFF2-40B4-BE49-F238E27FC236}">
-                <a16:creationId xmlns:a16="http://schemas.microsoft.com/office/drawing/2014/main" id="{FC0B230F-0E42-9182-103E-82D3BA28C177}"/>
-              </a:ext>
-            </a:extLst>
-          </p:cNvPr>
-          <p:cNvPicPr>
-            <a:picLocks noChangeAspect="1"/>
-          </p:cNvPicPr>
-          <p:nvPr/>
-        </p:nvPicPr>
-        <p:blipFill>
-          <a:blip r:embed="rId3"/>
-          <a:stretch>
-            <a:fillRect/>
-          </a:stretch>
-        </p:blipFill>
-        <p:spPr>
-          <a:xfrm>
-            <a:off x="5666408" y="1445937"/>
-            <a:ext cx="5964247" cy="3966124"/>
-          </a:xfrm>
-          <a:prstGeom prst="rect">
-            <a:avLst/>
-          </a:prstGeom>
-        </p:spPr>
-      </p:pic>
-      <p:sp>
-        <p:nvSpPr>
-          <p:cNvPr id="6" name="標題 1">
-            <a:extLst>
-              <a:ext uri="{FF2B5EF4-FFF2-40B4-BE49-F238E27FC236}">
-                <a16:creationId xmlns:a16="http://schemas.microsoft.com/office/drawing/2014/main" id="{0222716A-A0CF-D06D-3044-F70AD1BF74CA}"/>
-              </a:ext>
-            </a:extLst>
-          </p:cNvPr>
-          <p:cNvSpPr>
-            <a:spLocks noGrp="1"/>
-          </p:cNvSpPr>
-          <p:nvPr>
-            <p:ph type="title"/>
-          </p:nvPr>
-        </p:nvSpPr>
-        <p:spPr>
-          <a:xfrm>
-            <a:off x="838200" y="365125"/>
-            <a:ext cx="10515600" cy="1325563"/>
-          </a:xfrm>
-        </p:spPr>
-        <p:txBody>
-          <a:bodyPr/>
-          <a:lstStyle/>
-          <a:p>
-            <a:r>
-              <a:rPr kumimoji="1" lang="en-US" altLang="zh-TW" dirty="0"/>
-              <a:t>Trajectory plot: 1D &amp; 2D versions</a:t>
-            </a:r>
-            <a:endParaRPr kumimoji="1" lang="zh-TW" altLang="en-US" dirty="0"/>
-          </a:p>
-        </p:txBody>
-      </p:sp>
     </p:spTree>
     <p:extLst>
       <p:ext uri="{BB962C8B-B14F-4D97-AF65-F5344CB8AC3E}">
-        <p14:creationId xmlns:p14="http://schemas.microsoft.com/office/powerpoint/2010/main" val="166285624"/>
+        <p14:creationId xmlns:p14="http://schemas.microsoft.com/office/powerpoint/2010/main" val="2251052323"/>
       </p:ext>
     </p:extLst>
   </p:cSld>
@@ -5095,107 +5199,12 @@
           <a:chExt cx="0" cy="0"/>
         </a:xfrm>
       </p:grpSpPr>
-      <p:sp>
-        <p:nvSpPr>
-          <p:cNvPr id="2" name="標題 1">
-            <a:extLst>
-              <a:ext uri="{FF2B5EF4-FFF2-40B4-BE49-F238E27FC236}">
-                <a16:creationId xmlns:a16="http://schemas.microsoft.com/office/drawing/2014/main" id="{D77EDE95-4E27-959E-2AC8-BFADBCCC21B1}"/>
-              </a:ext>
-            </a:extLst>
-          </p:cNvPr>
-          <p:cNvSpPr>
-            <a:spLocks noGrp="1"/>
-          </p:cNvSpPr>
-          <p:nvPr>
-            <p:ph type="title"/>
-          </p:nvPr>
-        </p:nvSpPr>
-        <p:spPr/>
-        <p:txBody>
-          <a:bodyPr/>
-          <a:lstStyle/>
-          <a:p>
-            <a:r>
-              <a:rPr kumimoji="1" lang="en-US" altLang="zh-TW" dirty="0"/>
-              <a:t>Function 6: </a:t>
-            </a:r>
-            <a:r>
-              <a:rPr kumimoji="1" lang="en-US" altLang="zh-TW" dirty="0" err="1"/>
-              <a:t>calculate_path_lengths</a:t>
-            </a:r>
-            <a:r>
-              <a:rPr kumimoji="1" lang="en-US" altLang="zh-TW" dirty="0"/>
-              <a:t> </a:t>
-            </a:r>
-            <a:endParaRPr kumimoji="1" lang="zh-TW" altLang="en-US" dirty="0"/>
-          </a:p>
-        </p:txBody>
-      </p:sp>
-      <p:sp>
-        <p:nvSpPr>
-          <p:cNvPr id="3" name="內容版面配置區 2">
-            <a:extLst>
-              <a:ext uri="{FF2B5EF4-FFF2-40B4-BE49-F238E27FC236}">
-                <a16:creationId xmlns:a16="http://schemas.microsoft.com/office/drawing/2014/main" id="{F8A1C7F7-C308-BF40-FF4C-2DEC594F0C5D}"/>
-              </a:ext>
-            </a:extLst>
-          </p:cNvPr>
-          <p:cNvSpPr>
-            <a:spLocks noGrp="1"/>
-          </p:cNvSpPr>
-          <p:nvPr>
-            <p:ph idx="1"/>
-          </p:nvPr>
-        </p:nvSpPr>
-        <p:spPr>
-          <a:xfrm>
-            <a:off x="838200" y="1825625"/>
-            <a:ext cx="4501896" cy="4351338"/>
-          </a:xfrm>
-        </p:spPr>
-        <p:txBody>
-          <a:bodyPr>
-            <a:normAutofit/>
-          </a:bodyPr>
-          <a:lstStyle/>
-          <a:p>
-            <a:r>
-              <a:rPr kumimoji="1" lang="en-US" altLang="zh-TW" sz="2000" dirty="0"/>
-              <a:t>Use “controlled applied” or “ITI start” events as the time point of start.</a:t>
-            </a:r>
-          </a:p>
-          <a:p>
-            <a:r>
-              <a:rPr kumimoji="1" lang="en-US" altLang="zh-TW" sz="2000" dirty="0"/>
-              <a:t>“target reached” is the end of successful trial. “timeout start” is the end of failed trial.</a:t>
-            </a:r>
-          </a:p>
-          <a:p>
-            <a:r>
-              <a:rPr kumimoji="1" lang="en-US" altLang="zh-TW" sz="2000" dirty="0"/>
-              <a:t>Loop each trial and s</a:t>
-            </a:r>
-            <a:r>
-              <a:rPr lang="en-US" sz="2000" dirty="0"/>
-              <a:t>elects the continuous sequence of position values from the trial start to the end.</a:t>
-            </a:r>
-          </a:p>
-          <a:p>
-            <a:r>
-              <a:rPr lang="en-US" sz="2000" dirty="0"/>
-              <a:t>computes the difference between each position point and the add them all up</a:t>
-            </a:r>
-            <a:endParaRPr kumimoji="1" lang="zh-TW" altLang="en-US" sz="2000" dirty="0"/>
-          </a:p>
-        </p:txBody>
-      </p:sp>
       <p:pic>
         <p:nvPicPr>
-          <p:cNvPr id="5" name="Picture 4">
-            <a:extLst>
-              <a:ext uri="{FF2B5EF4-FFF2-40B4-BE49-F238E27FC236}">
-                <a16:creationId xmlns:a16="http://schemas.microsoft.com/office/drawing/2014/main" id="{363263A1-871D-2444-8FFC-29E3B0BF67C1}"/>
+          <p:cNvPr id="4" name="圖片 3">
+            <a:extLst>
+              <a:ext uri="{FF2B5EF4-FFF2-40B4-BE49-F238E27FC236}">
+                <a16:creationId xmlns:a16="http://schemas.microsoft.com/office/drawing/2014/main" id="{993F6C3F-8B31-FA4B-14F3-F469C5904BB9}"/>
               </a:ext>
             </a:extLst>
           </p:cNvPr>
@@ -5212,8 +5221,8 @@
         </p:blipFill>
         <p:spPr>
           <a:xfrm>
-            <a:off x="5894604" y="1504391"/>
-            <a:ext cx="5545667" cy="3011446"/>
+            <a:off x="286239" y="1445937"/>
+            <a:ext cx="4960166" cy="3966125"/>
           </a:xfrm>
           <a:prstGeom prst="rect">
             <a:avLst/>
@@ -5222,10 +5231,10 @@
       </p:pic>
       <p:pic>
         <p:nvPicPr>
-          <p:cNvPr id="8" name="Picture 7">
-            <a:extLst>
-              <a:ext uri="{FF2B5EF4-FFF2-40B4-BE49-F238E27FC236}">
-                <a16:creationId xmlns:a16="http://schemas.microsoft.com/office/drawing/2014/main" id="{7E2514B2-AA66-8FF4-FA29-7BDBD326112F}"/>
+          <p:cNvPr id="5" name="圖片 4">
+            <a:extLst>
+              <a:ext uri="{FF2B5EF4-FFF2-40B4-BE49-F238E27FC236}">
+                <a16:creationId xmlns:a16="http://schemas.microsoft.com/office/drawing/2014/main" id="{FC0B230F-0E42-9182-103E-82D3BA28C177}"/>
               </a:ext>
             </a:extLst>
           </p:cNvPr>
@@ -5242,18 +5251,52 @@
         </p:blipFill>
         <p:spPr>
           <a:xfrm>
-            <a:off x="6009529" y="4515837"/>
-            <a:ext cx="5344271" cy="2057687"/>
+            <a:off x="5666408" y="1445937"/>
+            <a:ext cx="5964247" cy="3966124"/>
           </a:xfrm>
           <a:prstGeom prst="rect">
             <a:avLst/>
           </a:prstGeom>
         </p:spPr>
       </p:pic>
+      <p:sp>
+        <p:nvSpPr>
+          <p:cNvPr id="6" name="標題 1">
+            <a:extLst>
+              <a:ext uri="{FF2B5EF4-FFF2-40B4-BE49-F238E27FC236}">
+                <a16:creationId xmlns:a16="http://schemas.microsoft.com/office/drawing/2014/main" id="{0222716A-A0CF-D06D-3044-F70AD1BF74CA}"/>
+              </a:ext>
+            </a:extLst>
+          </p:cNvPr>
+          <p:cNvSpPr>
+            <a:spLocks noGrp="1"/>
+          </p:cNvSpPr>
+          <p:nvPr>
+            <p:ph type="title"/>
+          </p:nvPr>
+        </p:nvSpPr>
+        <p:spPr>
+          <a:xfrm>
+            <a:off x="838200" y="365125"/>
+            <a:ext cx="10515600" cy="1325563"/>
+          </a:xfrm>
+        </p:spPr>
+        <p:txBody>
+          <a:bodyPr/>
+          <a:lstStyle/>
+          <a:p>
+            <a:r>
+              <a:rPr kumimoji="1" lang="en-US" altLang="zh-TW" dirty="0"/>
+              <a:t>Trajectory plot: 1D &amp; 2D versions</a:t>
+            </a:r>
+            <a:endParaRPr kumimoji="1" lang="zh-TW" altLang="en-US" dirty="0"/>
+          </a:p>
+        </p:txBody>
+      </p:sp>
     </p:spTree>
     <p:extLst>
       <p:ext uri="{BB962C8B-B14F-4D97-AF65-F5344CB8AC3E}">
-        <p14:creationId xmlns:p14="http://schemas.microsoft.com/office/powerpoint/2010/main" val="3119669004"/>
+        <p14:creationId xmlns:p14="http://schemas.microsoft.com/office/powerpoint/2010/main" val="166285624"/>
       </p:ext>
     </p:extLst>
   </p:cSld>
@@ -5285,7 +5328,7 @@
           <p:cNvPr id="2" name="標題 1">
             <a:extLst>
               <a:ext uri="{FF2B5EF4-FFF2-40B4-BE49-F238E27FC236}">
-                <a16:creationId xmlns:a16="http://schemas.microsoft.com/office/drawing/2014/main" id="{BC68BF26-A33E-1CC6-FC65-9E833D97AD15}"/>
+                <a16:creationId xmlns:a16="http://schemas.microsoft.com/office/drawing/2014/main" id="{D77EDE95-4E27-959E-2AC8-BFADBCCC21B1}"/>
               </a:ext>
             </a:extLst>
           </p:cNvPr>
@@ -5303,20 +5346,15 @@
           <a:p>
             <a:r>
               <a:rPr kumimoji="1" lang="en-US" altLang="zh-TW" dirty="0"/>
-              <a:t>Function 7: </a:t>
-            </a:r>
-            <a:r>
-              <a:rPr lang="en-US" b="0" dirty="0" err="1">
-                <a:solidFill>
-                  <a:srgbClr val="000000"/>
-                </a:solidFill>
-                <a:effectLst/>
-                <a:highlight>
-                  <a:srgbClr val="FFFFFF"/>
-                </a:highlight>
-                <a:latin typeface="Consolas" panose="020B0609020204030204" pitchFamily="49" charset="0"/>
-              </a:rPr>
-              <a:t>plot_ensemble_barplots</a:t>
+              <a:t>Function 6: </a:t>
+            </a:r>
+            <a:r>
+              <a:rPr kumimoji="1" lang="en-US" altLang="zh-TW" dirty="0" err="1"/>
+              <a:t>calculate_path_lengths</a:t>
+            </a:r>
+            <a:r>
+              <a:rPr kumimoji="1" lang="en-US" altLang="zh-TW" dirty="0"/>
+              <a:t> </a:t>
             </a:r>
             <a:endParaRPr kumimoji="1" lang="zh-TW" altLang="en-US" dirty="0"/>
           </a:p>
@@ -5327,7 +5365,7 @@
           <p:cNvPr id="3" name="內容版面配置區 2">
             <a:extLst>
               <a:ext uri="{FF2B5EF4-FFF2-40B4-BE49-F238E27FC236}">
-                <a16:creationId xmlns:a16="http://schemas.microsoft.com/office/drawing/2014/main" id="{24764045-DDB4-6742-FD28-4AC14A9F557E}"/>
+                <a16:creationId xmlns:a16="http://schemas.microsoft.com/office/drawing/2014/main" id="{F8A1C7F7-C308-BF40-FF4C-2DEC594F0C5D}"/>
               </a:ext>
             </a:extLst>
           </p:cNvPr>
@@ -5340,8 +5378,8 @@
         </p:nvSpPr>
         <p:spPr>
           <a:xfrm>
-            <a:off x="838200" y="3236975"/>
-            <a:ext cx="10515600" cy="2939987"/>
+            <a:off x="838200" y="1825625"/>
+            <a:ext cx="4501896" cy="4351338"/>
           </a:xfrm>
         </p:spPr>
         <p:txBody>
@@ -5351,153 +5389,32 @@
           <a:lstStyle/>
           <a:p>
             <a:r>
-              <a:rPr kumimoji="1" lang="en-US" altLang="zh-TW" sz="2400" dirty="0"/>
-              <a:t>Add the “Ensemble” column manually.</a:t>
-            </a:r>
-          </a:p>
-          <a:p>
-            <a:r>
-              <a:rPr kumimoji="0" lang="en-US" altLang="en-US" sz="2400" b="0" i="0" u="none" strike="noStrike" cap="none" normalizeH="0" baseline="0" dirty="0" err="1">
-                <a:ln>
-                  <a:noFill/>
-                </a:ln>
-                <a:solidFill>
-                  <a:schemeClr val="tx1"/>
-                </a:solidFill>
-                <a:effectLst/>
-                <a:latin typeface="+mj-lt"/>
-              </a:rPr>
-              <a:t>DataFrame</a:t>
-            </a:r>
-            <a:r>
-              <a:rPr kumimoji="0" lang="en-US" altLang="en-US" sz="2400" b="0" i="0" u="none" strike="noStrike" cap="none" normalizeH="0" baseline="0" dirty="0">
-                <a:ln>
-                  <a:noFill/>
-                </a:ln>
-                <a:solidFill>
-                  <a:schemeClr val="tx1"/>
-                </a:solidFill>
-                <a:effectLst/>
-                <a:latin typeface="+mj-lt"/>
-              </a:rPr>
-              <a:t> </a:t>
-            </a:r>
-            <a:r>
-              <a:rPr kumimoji="0" lang="en-US" altLang="en-US" sz="2400" b="0" i="0" u="none" strike="noStrike" cap="none" normalizeH="0" baseline="0" dirty="0" err="1">
-                <a:ln>
-                  <a:noFill/>
-                </a:ln>
-                <a:solidFill>
-                  <a:schemeClr val="tx1"/>
-                </a:solidFill>
-                <a:effectLst/>
-                <a:latin typeface="+mj-lt"/>
-              </a:rPr>
-              <a:t>df</a:t>
-            </a:r>
-            <a:r>
-              <a:rPr kumimoji="0" lang="en-US" altLang="en-US" sz="2400" b="0" i="0" u="none" strike="noStrike" cap="none" normalizeH="0" baseline="0" dirty="0">
-                <a:ln>
-                  <a:noFill/>
-                </a:ln>
-                <a:solidFill>
-                  <a:schemeClr val="tx1"/>
-                </a:solidFill>
-                <a:effectLst/>
-                <a:latin typeface="+mj-lt"/>
-              </a:rPr>
-              <a:t> must include these columns: 'Ensemble’, '</a:t>
-            </a:r>
-            <a:r>
-              <a:rPr kumimoji="0" lang="en-US" altLang="en-US" sz="2400" b="0" i="0" u="none" strike="noStrike" cap="none" normalizeH="0" baseline="0" dirty="0" err="1">
-                <a:ln>
-                  <a:noFill/>
-                </a:ln>
-                <a:solidFill>
-                  <a:schemeClr val="tx1"/>
-                </a:solidFill>
-                <a:effectLst/>
-                <a:latin typeface="+mj-lt"/>
-              </a:rPr>
-              <a:t>SuccessRate</a:t>
-            </a:r>
-            <a:r>
-              <a:rPr kumimoji="0" lang="en-US" altLang="en-US" sz="2400" b="0" i="0" u="none" strike="noStrike" cap="none" normalizeH="0" baseline="0" dirty="0">
-                <a:ln>
-                  <a:noFill/>
-                </a:ln>
-                <a:solidFill>
-                  <a:schemeClr val="tx1"/>
-                </a:solidFill>
-                <a:effectLst/>
-                <a:latin typeface="+mj-lt"/>
-              </a:rPr>
-              <a:t>’, '</a:t>
-            </a:r>
-            <a:r>
-              <a:rPr kumimoji="0" lang="en-US" altLang="en-US" sz="2400" b="0" i="0" u="none" strike="noStrike" cap="none" normalizeH="0" baseline="0" dirty="0" err="1">
-                <a:ln>
-                  <a:noFill/>
-                </a:ln>
-                <a:solidFill>
-                  <a:schemeClr val="tx1"/>
-                </a:solidFill>
-                <a:effectLst/>
-                <a:latin typeface="+mj-lt"/>
-              </a:rPr>
-              <a:t>RewardFrequencyPerMin</a:t>
-            </a:r>
-            <a:r>
-              <a:rPr kumimoji="0" lang="en-US" altLang="en-US" sz="2400" b="0" i="0" u="none" strike="noStrike" cap="none" normalizeH="0" baseline="0" dirty="0">
-                <a:ln>
-                  <a:noFill/>
-                </a:ln>
-                <a:solidFill>
-                  <a:schemeClr val="tx1"/>
-                </a:solidFill>
-                <a:effectLst/>
-                <a:latin typeface="+mj-lt"/>
-              </a:rPr>
-              <a:t>’, '</a:t>
-            </a:r>
-            <a:r>
-              <a:rPr kumimoji="0" lang="en-US" altLang="en-US" sz="2400" b="0" i="0" u="none" strike="noStrike" cap="none" normalizeH="0" baseline="0" dirty="0" err="1">
-                <a:ln>
-                  <a:noFill/>
-                </a:ln>
-                <a:solidFill>
-                  <a:schemeClr val="tx1"/>
-                </a:solidFill>
-                <a:effectLst/>
-                <a:latin typeface="+mj-lt"/>
-              </a:rPr>
-              <a:t>AverageTrialTime</a:t>
-            </a:r>
-            <a:r>
-              <a:rPr kumimoji="0" lang="en-US" altLang="en-US" sz="2400" b="0" i="0" u="none" strike="noStrike" cap="none" normalizeH="0" baseline="0" dirty="0">
-                <a:ln>
-                  <a:noFill/>
-                </a:ln>
-                <a:solidFill>
-                  <a:schemeClr val="tx1"/>
-                </a:solidFill>
-                <a:effectLst/>
-                <a:latin typeface="+mj-lt"/>
-              </a:rPr>
-              <a:t>’</a:t>
-            </a:r>
-          </a:p>
-          <a:p>
-            <a:r>
-              <a:rPr lang="en-US" sz="2400" dirty="0"/>
-              <a:t>Assigns each ensemble group a unique color for plotting</a:t>
-            </a:r>
-          </a:p>
-          <a:p>
-            <a:r>
-              <a:rPr lang="en-US" sz="2400" dirty="0"/>
-              <a:t>For each group: Compute mean and standard error, store sample size for plotting</a:t>
-            </a:r>
+              <a:rPr kumimoji="1" lang="en-US" altLang="zh-TW" sz="2000" dirty="0"/>
+              <a:t>Use “controlled applied” or “ITI start” events as the time point of start.</a:t>
+            </a:r>
+          </a:p>
+          <a:p>
+            <a:r>
+              <a:rPr kumimoji="1" lang="en-US" altLang="zh-TW" sz="2000" dirty="0"/>
+              <a:t>“target reached” is the end of successful trial. “timeout start” is the end of failed trial.</a:t>
+            </a:r>
+          </a:p>
+          <a:p>
+            <a:r>
+              <a:rPr kumimoji="1" lang="en-US" altLang="zh-TW" sz="2000" dirty="0"/>
+              <a:t>Loop each trial and s</a:t>
+            </a:r>
+            <a:r>
+              <a:rPr lang="en-US" sz="2000" dirty="0"/>
+              <a:t>elects the continuous sequence of position values from the trial start to the end.</a:t>
+            </a:r>
+          </a:p>
+          <a:p>
+            <a:r>
+              <a:rPr lang="en-US" sz="2000" dirty="0"/>
+              <a:t>computes the difference between each position point and the add them all up</a:t>
+            </a:r>
+            <a:endParaRPr kumimoji="1" lang="zh-TW" altLang="en-US" sz="2000" dirty="0"/>
           </a:p>
         </p:txBody>
       </p:sp>
@@ -5506,7 +5423,7 @@
           <p:cNvPr id="5" name="Picture 4">
             <a:extLst>
               <a:ext uri="{FF2B5EF4-FFF2-40B4-BE49-F238E27FC236}">
-                <a16:creationId xmlns:a16="http://schemas.microsoft.com/office/drawing/2014/main" id="{FC2985B7-8A03-188E-C3ED-39C44B06E425}"/>
+                <a16:creationId xmlns:a16="http://schemas.microsoft.com/office/drawing/2014/main" id="{363263A1-871D-2444-8FFC-29E3B0BF67C1}"/>
               </a:ext>
             </a:extLst>
           </p:cNvPr>
@@ -5523,70 +5440,48 @@
         </p:blipFill>
         <p:spPr>
           <a:xfrm>
-            <a:off x="628261" y="1789356"/>
-            <a:ext cx="10935478" cy="908660"/>
+            <a:off x="5894604" y="1504391"/>
+            <a:ext cx="5545667" cy="3011446"/>
           </a:xfrm>
           <a:prstGeom prst="rect">
             <a:avLst/>
           </a:prstGeom>
         </p:spPr>
       </p:pic>
-      <p:sp>
-        <p:nvSpPr>
-          <p:cNvPr id="7" name="Rectangle 6">
-            <a:extLst>
-              <a:ext uri="{FF2B5EF4-FFF2-40B4-BE49-F238E27FC236}">
-                <a16:creationId xmlns:a16="http://schemas.microsoft.com/office/drawing/2014/main" id="{81D53F77-E8B2-124D-2CEC-4FA3A1382710}"/>
-              </a:ext>
-            </a:extLst>
-          </p:cNvPr>
-          <p:cNvSpPr/>
+      <p:pic>
+        <p:nvPicPr>
+          <p:cNvPr id="8" name="Picture 7">
+            <a:extLst>
+              <a:ext uri="{FF2B5EF4-FFF2-40B4-BE49-F238E27FC236}">
+                <a16:creationId xmlns:a16="http://schemas.microsoft.com/office/drawing/2014/main" id="{7E2514B2-AA66-8FF4-FA29-7BDBD326112F}"/>
+              </a:ext>
+            </a:extLst>
+          </p:cNvPr>
+          <p:cNvPicPr>
+            <a:picLocks noChangeAspect="1"/>
+          </p:cNvPicPr>
           <p:nvPr/>
-        </p:nvSpPr>
-        <p:spPr>
-          <a:xfrm>
-            <a:off x="10890504" y="1554480"/>
-            <a:ext cx="896112" cy="1325563"/>
+        </p:nvPicPr>
+        <p:blipFill>
+          <a:blip r:embed="rId3"/>
+          <a:stretch>
+            <a:fillRect/>
+          </a:stretch>
+        </p:blipFill>
+        <p:spPr>
+          <a:xfrm>
+            <a:off x="6009529" y="4515837"/>
+            <a:ext cx="5344271" cy="2057687"/>
           </a:xfrm>
           <a:prstGeom prst="rect">
             <a:avLst/>
           </a:prstGeom>
-          <a:noFill/>
-          <a:ln>
-            <a:solidFill>
-              <a:srgbClr val="FF0000"/>
-            </a:solidFill>
-          </a:ln>
-        </p:spPr>
-        <p:style>
-          <a:lnRef idx="2">
-            <a:schemeClr val="accent1">
-              <a:shade val="15000"/>
-            </a:schemeClr>
-          </a:lnRef>
-          <a:fillRef idx="1">
-            <a:schemeClr val="accent1"/>
-          </a:fillRef>
-          <a:effectRef idx="0">
-            <a:schemeClr val="accent1"/>
-          </a:effectRef>
-          <a:fontRef idx="minor">
-            <a:schemeClr val="lt1"/>
-          </a:fontRef>
-        </p:style>
-        <p:txBody>
-          <a:bodyPr rtlCol="0" anchor="ctr"/>
-          <a:lstStyle/>
-          <a:p>
-            <a:pPr algn="ctr"/>
-            <a:endParaRPr lang="en-US"/>
-          </a:p>
-        </p:txBody>
-      </p:sp>
+        </p:spPr>
+      </p:pic>
     </p:spTree>
     <p:extLst>
       <p:ext uri="{BB962C8B-B14F-4D97-AF65-F5344CB8AC3E}">
-        <p14:creationId xmlns:p14="http://schemas.microsoft.com/office/powerpoint/2010/main" val="3060196481"/>
+        <p14:creationId xmlns:p14="http://schemas.microsoft.com/office/powerpoint/2010/main" val="3119669004"/>
       </p:ext>
     </p:extLst>
   </p:cSld>
@@ -5618,7 +5513,7 @@
           <p:cNvPr id="2" name="標題 1">
             <a:extLst>
               <a:ext uri="{FF2B5EF4-FFF2-40B4-BE49-F238E27FC236}">
-                <a16:creationId xmlns:a16="http://schemas.microsoft.com/office/drawing/2014/main" id="{D69F0F36-5CC6-1D5C-D865-17C37FC8D899}"/>
+                <a16:creationId xmlns:a16="http://schemas.microsoft.com/office/drawing/2014/main" id="{BC68BF26-A33E-1CC6-FC65-9E833D97AD15}"/>
               </a:ext>
             </a:extLst>
           </p:cNvPr>
@@ -5634,7 +5529,24 @@
           <a:bodyPr/>
           <a:lstStyle/>
           <a:p>
-            <a:endParaRPr kumimoji="1" lang="zh-TW" altLang="en-US"/>
+            <a:r>
+              <a:rPr kumimoji="1" lang="en-US" altLang="zh-TW" dirty="0"/>
+              <a:t>Function 7: </a:t>
+            </a:r>
+            <a:r>
+              <a:rPr lang="en-US" b="0" dirty="0" err="1">
+                <a:solidFill>
+                  <a:srgbClr val="000000"/>
+                </a:solidFill>
+                <a:effectLst/>
+                <a:highlight>
+                  <a:srgbClr val="FFFFFF"/>
+                </a:highlight>
+                <a:latin typeface="Consolas" panose="020B0609020204030204" pitchFamily="49" charset="0"/>
+              </a:rPr>
+              <a:t>plot_ensemble_barplots</a:t>
+            </a:r>
+            <a:endParaRPr kumimoji="1" lang="zh-TW" altLang="en-US" dirty="0"/>
           </a:p>
         </p:txBody>
       </p:sp>
@@ -5643,7 +5555,7 @@
           <p:cNvPr id="3" name="內容版面配置區 2">
             <a:extLst>
               <a:ext uri="{FF2B5EF4-FFF2-40B4-BE49-F238E27FC236}">
-                <a16:creationId xmlns:a16="http://schemas.microsoft.com/office/drawing/2014/main" id="{80E2A928-544C-A1BF-3C79-65CC40E6B9DC}"/>
+                <a16:creationId xmlns:a16="http://schemas.microsoft.com/office/drawing/2014/main" id="{24764045-DDB4-6742-FD28-4AC14A9F557E}"/>
               </a:ext>
             </a:extLst>
           </p:cNvPr>
@@ -5656,8 +5568,8 @@
         </p:nvSpPr>
         <p:spPr>
           <a:xfrm>
-            <a:off x="838200" y="4533349"/>
-            <a:ext cx="10515600" cy="1959526"/>
+            <a:off x="838200" y="3236975"/>
+            <a:ext cx="10515600" cy="2939987"/>
           </a:xfrm>
         </p:spPr>
         <p:txBody>
@@ -5667,33 +5579,13 @@
           <a:lstStyle/>
           <a:p>
             <a:r>
-              <a:rPr lang="en-US" altLang="zh-TW" sz="2000" dirty="0">
-                <a:latin typeface="+mj-lt"/>
-              </a:rPr>
-              <a:t>I</a:t>
-            </a:r>
-            <a:r>
-              <a:rPr lang="en-US" sz="2000" dirty="0">
-                <a:latin typeface="+mj-lt"/>
-              </a:rPr>
-              <a:t>nitializes a dictionary that will be used to collect statistics per ensemble:</a:t>
-            </a:r>
-            <a:r>
-              <a:rPr lang="zh-TW" altLang="en-US" sz="2000" dirty="0">
-                <a:latin typeface="+mj-lt"/>
-              </a:rPr>
-              <a:t> </a:t>
-            </a:r>
-            <a:r>
-              <a:rPr lang="en-US" sz="2000" dirty="0">
-                <a:latin typeface="+mj-lt"/>
-              </a:rPr>
-              <a:t>Average values (mean), Standard error (SE), Sample size (n)</a:t>
-            </a:r>
-          </a:p>
-          <a:p>
-            <a:r>
-              <a:rPr kumimoji="0" lang="en-US" altLang="en-US" sz="2000" b="0" i="0" u="none" strike="noStrike" cap="none" normalizeH="0" baseline="0" dirty="0">
+              <a:rPr kumimoji="1" lang="en-US" altLang="zh-TW" sz="2400" dirty="0"/>
+              <a:t>Add the “Ensemble” column manually.</a:t>
+            </a:r>
+          </a:p>
+          <a:p>
+            <a:r>
+              <a:rPr kumimoji="0" lang="en-US" altLang="en-US" sz="2400" b="0" i="0" u="none" strike="noStrike" cap="none" normalizeH="0" baseline="0" dirty="0" err="1">
                 <a:ln>
                   <a:noFill/>
                 </a:ln>
@@ -5703,15 +5595,10 @@
                 <a:effectLst/>
                 <a:latin typeface="+mj-lt"/>
               </a:rPr>
-              <a:t>Loops through each unique Ensemble (experiment group).</a:t>
-            </a:r>
-            <a:endParaRPr lang="en-US" altLang="en-US" sz="2000" dirty="0">
-              <a:latin typeface="+mj-lt"/>
-            </a:endParaRPr>
-          </a:p>
-          <a:p>
-            <a:r>
-              <a:rPr kumimoji="0" lang="en-US" altLang="en-US" sz="2000" b="0" i="0" u="none" strike="noStrike" cap="none" normalizeH="0" baseline="0" dirty="0">
+              <a:t>DataFrame</a:t>
+            </a:r>
+            <a:r>
+              <a:rPr kumimoji="0" lang="en-US" altLang="en-US" sz="2400" b="0" i="0" u="none" strike="noStrike" cap="none" normalizeH="0" baseline="0" dirty="0">
                 <a:ln>
                   <a:noFill/>
                 </a:ln>
@@ -5721,10 +5608,10 @@
                 <a:effectLst/>
                 <a:latin typeface="+mj-lt"/>
               </a:rPr>
-              <a:t>Filters the </a:t>
-            </a:r>
-            <a:r>
-              <a:rPr kumimoji="0" lang="en-US" altLang="en-US" sz="2000" b="0" i="0" u="none" strike="noStrike" cap="none" normalizeH="0" baseline="0" dirty="0" err="1">
+              <a:t> </a:t>
+            </a:r>
+            <a:r>
+              <a:rPr kumimoji="0" lang="en-US" altLang="en-US" sz="2400" b="0" i="0" u="none" strike="noStrike" cap="none" normalizeH="0" baseline="0" dirty="0" err="1">
                 <a:ln>
                   <a:noFill/>
                 </a:ln>
@@ -5734,10 +5621,10 @@
                 <a:effectLst/>
                 <a:latin typeface="+mj-lt"/>
               </a:rPr>
-              <a:t>dataframe</a:t>
-            </a:r>
-            <a:r>
-              <a:rPr kumimoji="0" lang="en-US" altLang="en-US" sz="2000" b="0" i="0" u="none" strike="noStrike" cap="none" normalizeH="0" baseline="0" dirty="0">
+              <a:t>df</a:t>
+            </a:r>
+            <a:r>
+              <a:rPr kumimoji="0" lang="en-US" altLang="en-US" sz="2400" b="0" i="0" u="none" strike="noStrike" cap="none" normalizeH="0" baseline="0" dirty="0">
                 <a:ln>
                   <a:noFill/>
                 </a:ln>
@@ -5747,15 +5634,10 @@
                 <a:effectLst/>
                 <a:latin typeface="+mj-lt"/>
               </a:rPr>
-              <a:t> to only rows matching that ensemble (group)</a:t>
-            </a:r>
-            <a:endParaRPr lang="en-US" altLang="en-US" sz="2000" dirty="0">
-              <a:latin typeface="+mj-lt"/>
-            </a:endParaRPr>
-          </a:p>
-          <a:p>
-            <a:r>
-              <a:rPr kumimoji="0" lang="en-US" altLang="en-US" sz="2000" b="0" i="0" u="none" strike="noStrike" cap="none" normalizeH="0" baseline="0" dirty="0">
+              <a:t> must include these columns: 'Ensemble’, '</a:t>
+            </a:r>
+            <a:r>
+              <a:rPr kumimoji="0" lang="en-US" altLang="en-US" sz="2400" b="0" i="0" u="none" strike="noStrike" cap="none" normalizeH="0" baseline="0" dirty="0" err="1">
                 <a:ln>
                   <a:noFill/>
                 </a:ln>
@@ -5765,7 +5647,84 @@
                 <a:effectLst/>
                 <a:latin typeface="+mj-lt"/>
               </a:rPr>
-              <a:t>Stores how many rows there are (n) — used for SE and bar annotation.</a:t>
+              <a:t>SuccessRate</a:t>
+            </a:r>
+            <a:r>
+              <a:rPr kumimoji="0" lang="en-US" altLang="en-US" sz="2400" b="0" i="0" u="none" strike="noStrike" cap="none" normalizeH="0" baseline="0" dirty="0">
+                <a:ln>
+                  <a:noFill/>
+                </a:ln>
+                <a:solidFill>
+                  <a:schemeClr val="tx1"/>
+                </a:solidFill>
+                <a:effectLst/>
+                <a:latin typeface="+mj-lt"/>
+              </a:rPr>
+              <a:t>’, '</a:t>
+            </a:r>
+            <a:r>
+              <a:rPr kumimoji="0" lang="en-US" altLang="en-US" sz="2400" b="0" i="0" u="none" strike="noStrike" cap="none" normalizeH="0" baseline="0" dirty="0" err="1">
+                <a:ln>
+                  <a:noFill/>
+                </a:ln>
+                <a:solidFill>
+                  <a:schemeClr val="tx1"/>
+                </a:solidFill>
+                <a:effectLst/>
+                <a:latin typeface="+mj-lt"/>
+              </a:rPr>
+              <a:t>RewardFrequencyPerMin</a:t>
+            </a:r>
+            <a:r>
+              <a:rPr kumimoji="0" lang="en-US" altLang="en-US" sz="2400" b="0" i="0" u="none" strike="noStrike" cap="none" normalizeH="0" baseline="0" dirty="0">
+                <a:ln>
+                  <a:noFill/>
+                </a:ln>
+                <a:solidFill>
+                  <a:schemeClr val="tx1"/>
+                </a:solidFill>
+                <a:effectLst/>
+                <a:latin typeface="+mj-lt"/>
+              </a:rPr>
+              <a:t>’, '</a:t>
+            </a:r>
+            <a:r>
+              <a:rPr kumimoji="0" lang="en-US" altLang="en-US" sz="2400" b="0" i="0" u="none" strike="noStrike" cap="none" normalizeH="0" baseline="0" dirty="0" err="1">
+                <a:ln>
+                  <a:noFill/>
+                </a:ln>
+                <a:solidFill>
+                  <a:schemeClr val="tx1"/>
+                </a:solidFill>
+                <a:effectLst/>
+                <a:latin typeface="+mj-lt"/>
+              </a:rPr>
+              <a:t>AverageTrialTime</a:t>
+            </a:r>
+            <a:r>
+              <a:rPr kumimoji="0" lang="en-US" altLang="en-US" sz="2400" b="0" i="0" u="none" strike="noStrike" cap="none" normalizeH="0" baseline="0" dirty="0">
+                <a:ln>
+                  <a:noFill/>
+                </a:ln>
+                <a:solidFill>
+                  <a:schemeClr val="tx1"/>
+                </a:solidFill>
+                <a:effectLst/>
+                <a:latin typeface="+mj-lt"/>
+              </a:rPr>
+              <a:t>’</a:t>
+            </a:r>
+          </a:p>
+          <a:p>
+            <a:r>
+              <a:rPr lang="en-US" sz="2400" dirty="0"/>
+              <a:t>Assigns each ensemble group a unique color for plotting</a:t>
+            </a:r>
+          </a:p>
+          <a:p>
+            <a:r>
+              <a:rPr lang="en-US" sz="2400" dirty="0"/>
+              <a:t>For each group: Compute mean and standard error, store sample size for plotting</a:t>
             </a:r>
           </a:p>
         </p:txBody>
@@ -5775,7 +5734,7 @@
           <p:cNvPr id="5" name="Picture 4">
             <a:extLst>
               <a:ext uri="{FF2B5EF4-FFF2-40B4-BE49-F238E27FC236}">
-                <a16:creationId xmlns:a16="http://schemas.microsoft.com/office/drawing/2014/main" id="{1268EB56-C1A0-5FE1-4251-43967CFFE2A4}"/>
+                <a16:creationId xmlns:a16="http://schemas.microsoft.com/office/drawing/2014/main" id="{FC2985B7-8A03-188E-C3ED-39C44B06E425}"/>
               </a:ext>
             </a:extLst>
           </p:cNvPr>
@@ -5792,18 +5751,70 @@
         </p:blipFill>
         <p:spPr>
           <a:xfrm>
-            <a:off x="2547652" y="676021"/>
-            <a:ext cx="7440063" cy="3600953"/>
+            <a:off x="628261" y="1789356"/>
+            <a:ext cx="10935478" cy="908660"/>
           </a:xfrm>
           <a:prstGeom prst="rect">
             <a:avLst/>
           </a:prstGeom>
         </p:spPr>
       </p:pic>
+      <p:sp>
+        <p:nvSpPr>
+          <p:cNvPr id="7" name="Rectangle 6">
+            <a:extLst>
+              <a:ext uri="{FF2B5EF4-FFF2-40B4-BE49-F238E27FC236}">
+                <a16:creationId xmlns:a16="http://schemas.microsoft.com/office/drawing/2014/main" id="{81D53F77-E8B2-124D-2CEC-4FA3A1382710}"/>
+              </a:ext>
+            </a:extLst>
+          </p:cNvPr>
+          <p:cNvSpPr/>
+          <p:nvPr/>
+        </p:nvSpPr>
+        <p:spPr>
+          <a:xfrm>
+            <a:off x="10890504" y="1554480"/>
+            <a:ext cx="896112" cy="1325563"/>
+          </a:xfrm>
+          <a:prstGeom prst="rect">
+            <a:avLst/>
+          </a:prstGeom>
+          <a:noFill/>
+          <a:ln>
+            <a:solidFill>
+              <a:srgbClr val="FF0000"/>
+            </a:solidFill>
+          </a:ln>
+        </p:spPr>
+        <p:style>
+          <a:lnRef idx="2">
+            <a:schemeClr val="accent1">
+              <a:shade val="15000"/>
+            </a:schemeClr>
+          </a:lnRef>
+          <a:fillRef idx="1">
+            <a:schemeClr val="accent1"/>
+          </a:fillRef>
+          <a:effectRef idx="0">
+            <a:schemeClr val="accent1"/>
+          </a:effectRef>
+          <a:fontRef idx="minor">
+            <a:schemeClr val="lt1"/>
+          </a:fontRef>
+        </p:style>
+        <p:txBody>
+          <a:bodyPr rtlCol="0" anchor="ctr"/>
+          <a:lstStyle/>
+          <a:p>
+            <a:pPr algn="ctr"/>
+            <a:endParaRPr lang="en-US"/>
+          </a:p>
+        </p:txBody>
+      </p:sp>
     </p:spTree>
     <p:extLst>
       <p:ext uri="{BB962C8B-B14F-4D97-AF65-F5344CB8AC3E}">
-        <p14:creationId xmlns:p14="http://schemas.microsoft.com/office/powerpoint/2010/main" val="3817538779"/>
+        <p14:creationId xmlns:p14="http://schemas.microsoft.com/office/powerpoint/2010/main" val="3060196481"/>
       </p:ext>
     </p:extLst>
   </p:cSld>
@@ -5981,7 +5992,7 @@
         </p:nvSpPr>
         <p:spPr>
           <a:xfrm>
-            <a:off x="585216" y="2483993"/>
+            <a:off x="552089" y="1478153"/>
             <a:ext cx="3977640" cy="2846959"/>
           </a:xfrm>
         </p:spPr>
@@ -6066,12 +6077,169 @@
           <a:chExt cx="0" cy="0"/>
         </a:xfrm>
       </p:grpSpPr>
+      <p:sp>
+        <p:nvSpPr>
+          <p:cNvPr id="2" name="標題 1">
+            <a:extLst>
+              <a:ext uri="{FF2B5EF4-FFF2-40B4-BE49-F238E27FC236}">
+                <a16:creationId xmlns:a16="http://schemas.microsoft.com/office/drawing/2014/main" id="{D69F0F36-5CC6-1D5C-D865-17C37FC8D899}"/>
+              </a:ext>
+            </a:extLst>
+          </p:cNvPr>
+          <p:cNvSpPr>
+            <a:spLocks noGrp="1"/>
+          </p:cNvSpPr>
+          <p:nvPr>
+            <p:ph type="title"/>
+          </p:nvPr>
+        </p:nvSpPr>
+        <p:spPr/>
+        <p:txBody>
+          <a:bodyPr/>
+          <a:lstStyle/>
+          <a:p>
+            <a:endParaRPr kumimoji="1" lang="zh-TW" altLang="en-US"/>
+          </a:p>
+        </p:txBody>
+      </p:sp>
+      <p:sp>
+        <p:nvSpPr>
+          <p:cNvPr id="3" name="內容版面配置區 2">
+            <a:extLst>
+              <a:ext uri="{FF2B5EF4-FFF2-40B4-BE49-F238E27FC236}">
+                <a16:creationId xmlns:a16="http://schemas.microsoft.com/office/drawing/2014/main" id="{80E2A928-544C-A1BF-3C79-65CC40E6B9DC}"/>
+              </a:ext>
+            </a:extLst>
+          </p:cNvPr>
+          <p:cNvSpPr>
+            <a:spLocks noGrp="1"/>
+          </p:cNvSpPr>
+          <p:nvPr>
+            <p:ph idx="1"/>
+          </p:nvPr>
+        </p:nvSpPr>
+        <p:spPr>
+          <a:xfrm>
+            <a:off x="838200" y="4533349"/>
+            <a:ext cx="10515600" cy="1959526"/>
+          </a:xfrm>
+        </p:spPr>
+        <p:txBody>
+          <a:bodyPr>
+            <a:normAutofit/>
+          </a:bodyPr>
+          <a:lstStyle/>
+          <a:p>
+            <a:r>
+              <a:rPr lang="en-US" altLang="zh-TW" sz="2000" dirty="0">
+                <a:latin typeface="+mj-lt"/>
+              </a:rPr>
+              <a:t>I</a:t>
+            </a:r>
+            <a:r>
+              <a:rPr lang="en-US" sz="2000" dirty="0">
+                <a:latin typeface="+mj-lt"/>
+              </a:rPr>
+              <a:t>nitializes a dictionary that will be used to collect statistics per ensemble:</a:t>
+            </a:r>
+            <a:r>
+              <a:rPr lang="zh-TW" altLang="en-US" sz="2000" dirty="0">
+                <a:latin typeface="+mj-lt"/>
+              </a:rPr>
+              <a:t> </a:t>
+            </a:r>
+            <a:r>
+              <a:rPr lang="en-US" sz="2000" dirty="0">
+                <a:latin typeface="+mj-lt"/>
+              </a:rPr>
+              <a:t>Average values (mean), Standard error (SE), Sample size (n)</a:t>
+            </a:r>
+          </a:p>
+          <a:p>
+            <a:r>
+              <a:rPr kumimoji="0" lang="en-US" altLang="en-US" sz="2000" b="0" i="0" u="none" strike="noStrike" cap="none" normalizeH="0" baseline="0" dirty="0">
+                <a:ln>
+                  <a:noFill/>
+                </a:ln>
+                <a:solidFill>
+                  <a:schemeClr val="tx1"/>
+                </a:solidFill>
+                <a:effectLst/>
+                <a:latin typeface="+mj-lt"/>
+              </a:rPr>
+              <a:t>Loops through each unique Ensemble (experiment group).</a:t>
+            </a:r>
+            <a:endParaRPr lang="en-US" altLang="en-US" sz="2000" dirty="0">
+              <a:latin typeface="+mj-lt"/>
+            </a:endParaRPr>
+          </a:p>
+          <a:p>
+            <a:r>
+              <a:rPr kumimoji="0" lang="en-US" altLang="en-US" sz="2000" b="0" i="0" u="none" strike="noStrike" cap="none" normalizeH="0" baseline="0" dirty="0">
+                <a:ln>
+                  <a:noFill/>
+                </a:ln>
+                <a:solidFill>
+                  <a:schemeClr val="tx1"/>
+                </a:solidFill>
+                <a:effectLst/>
+                <a:latin typeface="+mj-lt"/>
+              </a:rPr>
+              <a:t>Filters the </a:t>
+            </a:r>
+            <a:r>
+              <a:rPr kumimoji="0" lang="en-US" altLang="en-US" sz="2000" b="0" i="0" u="none" strike="noStrike" cap="none" normalizeH="0" baseline="0" dirty="0" err="1">
+                <a:ln>
+                  <a:noFill/>
+                </a:ln>
+                <a:solidFill>
+                  <a:schemeClr val="tx1"/>
+                </a:solidFill>
+                <a:effectLst/>
+                <a:latin typeface="+mj-lt"/>
+              </a:rPr>
+              <a:t>dataframe</a:t>
+            </a:r>
+            <a:r>
+              <a:rPr kumimoji="0" lang="en-US" altLang="en-US" sz="2000" b="0" i="0" u="none" strike="noStrike" cap="none" normalizeH="0" baseline="0" dirty="0">
+                <a:ln>
+                  <a:noFill/>
+                </a:ln>
+                <a:solidFill>
+                  <a:schemeClr val="tx1"/>
+                </a:solidFill>
+                <a:effectLst/>
+                <a:latin typeface="+mj-lt"/>
+              </a:rPr>
+              <a:t> to only rows matching that ensemble (group)</a:t>
+            </a:r>
+            <a:endParaRPr lang="en-US" altLang="en-US" sz="2000" dirty="0">
+              <a:latin typeface="+mj-lt"/>
+            </a:endParaRPr>
+          </a:p>
+          <a:p>
+            <a:r>
+              <a:rPr kumimoji="0" lang="en-US" altLang="en-US" sz="2000" b="0" i="0" u="none" strike="noStrike" cap="none" normalizeH="0" baseline="0" dirty="0">
+                <a:ln>
+                  <a:noFill/>
+                </a:ln>
+                <a:solidFill>
+                  <a:schemeClr val="tx1"/>
+                </a:solidFill>
+                <a:effectLst/>
+                <a:latin typeface="+mj-lt"/>
+              </a:rPr>
+              <a:t>Stores how many rows there are (n) — used for SE and bar annotation.</a:t>
+            </a:r>
+          </a:p>
+        </p:txBody>
+      </p:sp>
       <p:pic>
         <p:nvPicPr>
           <p:cNvPr id="5" name="Picture 4">
             <a:extLst>
               <a:ext uri="{FF2B5EF4-FFF2-40B4-BE49-F238E27FC236}">
-                <a16:creationId xmlns:a16="http://schemas.microsoft.com/office/drawing/2014/main" id="{10AC1C48-FF8C-5A64-59C1-C900FABCCB0A}"/>
+                <a16:creationId xmlns:a16="http://schemas.microsoft.com/office/drawing/2014/main" id="{1268EB56-C1A0-5FE1-4251-43967CFFE2A4}"/>
               </a:ext>
             </a:extLst>
           </p:cNvPr>
@@ -6088,6 +6256,66 @@
         </p:blipFill>
         <p:spPr>
           <a:xfrm>
+            <a:off x="2547652" y="676021"/>
+            <a:ext cx="7440063" cy="3600953"/>
+          </a:xfrm>
+          <a:prstGeom prst="rect">
+            <a:avLst/>
+          </a:prstGeom>
+        </p:spPr>
+      </p:pic>
+    </p:spTree>
+    <p:extLst>
+      <p:ext uri="{BB962C8B-B14F-4D97-AF65-F5344CB8AC3E}">
+        <p14:creationId xmlns:p14="http://schemas.microsoft.com/office/powerpoint/2010/main" val="3817538779"/>
+      </p:ext>
+    </p:extLst>
+  </p:cSld>
+  <p:clrMapOvr>
+    <a:masterClrMapping/>
+  </p:clrMapOvr>
+</p:sld>
+</file>
+
+<file path=ppt/slides/slide21.xml><?xml version="1.0" encoding="utf-8"?>
+<p:sld xmlns:a="http://schemas.openxmlformats.org/drawingml/2006/main" xmlns:r="http://schemas.openxmlformats.org/officeDocument/2006/relationships" xmlns:p="http://schemas.openxmlformats.org/presentationml/2006/main">
+  <p:cSld>
+    <p:spTree>
+      <p:nvGrpSpPr>
+        <p:cNvPr id="1" name=""/>
+        <p:cNvGrpSpPr/>
+        <p:nvPr/>
+      </p:nvGrpSpPr>
+      <p:grpSpPr>
+        <a:xfrm>
+          <a:off x="0" y="0"/>
+          <a:ext cx="0" cy="0"/>
+          <a:chOff x="0" y="0"/>
+          <a:chExt cx="0" cy="0"/>
+        </a:xfrm>
+      </p:grpSpPr>
+      <p:pic>
+        <p:nvPicPr>
+          <p:cNvPr id="5" name="Picture 4">
+            <a:extLst>
+              <a:ext uri="{FF2B5EF4-FFF2-40B4-BE49-F238E27FC236}">
+                <a16:creationId xmlns:a16="http://schemas.microsoft.com/office/drawing/2014/main" id="{10AC1C48-FF8C-5A64-59C1-C900FABCCB0A}"/>
+              </a:ext>
+            </a:extLst>
+          </p:cNvPr>
+          <p:cNvPicPr>
+            <a:picLocks noChangeAspect="1"/>
+          </p:cNvPicPr>
+          <p:nvPr/>
+        </p:nvPicPr>
+        <p:blipFill>
+          <a:blip r:embed="rId2"/>
+          <a:stretch>
+            <a:fillRect/>
+          </a:stretch>
+        </p:blipFill>
+        <p:spPr>
+          <a:xfrm>
             <a:off x="250232" y="1717651"/>
             <a:ext cx="5737370" cy="3422698"/>
           </a:xfrm>
@@ -6126,6 +6354,80 @@
           </a:prstGeom>
         </p:spPr>
       </p:pic>
+      <p:sp>
+        <p:nvSpPr>
+          <p:cNvPr id="2" name="標題 1">
+            <a:extLst>
+              <a:ext uri="{FF2B5EF4-FFF2-40B4-BE49-F238E27FC236}">
+                <a16:creationId xmlns:a16="http://schemas.microsoft.com/office/drawing/2014/main" id="{692489FA-A658-43DB-D656-DFF51D093623}"/>
+              </a:ext>
+            </a:extLst>
+          </p:cNvPr>
+          <p:cNvSpPr>
+            <a:spLocks noGrp="1"/>
+          </p:cNvSpPr>
+          <p:nvPr>
+            <p:ph type="title"/>
+          </p:nvPr>
+        </p:nvSpPr>
+        <p:spPr>
+          <a:xfrm>
+            <a:off x="838200" y="365125"/>
+            <a:ext cx="10515600" cy="1325563"/>
+          </a:xfrm>
+        </p:spPr>
+        <p:txBody>
+          <a:bodyPr/>
+          <a:lstStyle/>
+          <a:p>
+            <a:r>
+              <a:rPr kumimoji="1" lang="en-US" altLang="zh-TW" dirty="0"/>
+              <a:t>The bar chart of success rate &amp; average trial time of each ensemble</a:t>
+            </a:r>
+            <a:endParaRPr kumimoji="1" lang="zh-TW" altLang="en-US" dirty="0"/>
+          </a:p>
+        </p:txBody>
+      </p:sp>
+      <p:sp>
+        <p:nvSpPr>
+          <p:cNvPr id="3" name="文字方塊 2">
+            <a:extLst>
+              <a:ext uri="{FF2B5EF4-FFF2-40B4-BE49-F238E27FC236}">
+                <a16:creationId xmlns:a16="http://schemas.microsoft.com/office/drawing/2014/main" id="{17D9F155-0124-EC77-4E9C-4969FAE0ECA4}"/>
+              </a:ext>
+            </a:extLst>
+          </p:cNvPr>
+          <p:cNvSpPr txBox="1"/>
+          <p:nvPr/>
+        </p:nvSpPr>
+        <p:spPr>
+          <a:xfrm>
+            <a:off x="548640" y="5445760"/>
+            <a:ext cx="9070753" cy="369332"/>
+          </a:xfrm>
+          <a:prstGeom prst="rect">
+            <a:avLst/>
+          </a:prstGeom>
+          <a:noFill/>
+        </p:spPr>
+        <p:txBody>
+          <a:bodyPr wrap="none" rtlCol="0">
+            <a:spAutoFit/>
+          </a:bodyPr>
+          <a:lstStyle/>
+          <a:p>
+            <a:r>
+              <a:rPr kumimoji="1" lang="en-US" altLang="zh-TW" dirty="0"/>
+              <a:t>*Because the sample size of each ensemble is only 1, there is not STD error in </a:t>
+            </a:r>
+            <a:r>
+              <a:rPr kumimoji="1" lang="en-US" altLang="zh-TW"/>
+              <a:t>this figures. </a:t>
+            </a:r>
+            <a:endParaRPr kumimoji="1" lang="zh-TW" altLang="en-US" dirty="0"/>
+          </a:p>
+        </p:txBody>
+      </p:sp>
     </p:spTree>
     <p:extLst>
       <p:ext uri="{BB962C8B-B14F-4D97-AF65-F5344CB8AC3E}">

--- a/Final presentation.pptx
+++ b/Final presentation.pptx
@@ -4,6 +4,9 @@
   <p:sldMasterIdLst>
     <p:sldMasterId id="2147483648" r:id="rId1"/>
   </p:sldMasterIdLst>
+  <p:notesMasterIdLst>
+    <p:notesMasterId r:id="rId24"/>
+  </p:notesMasterIdLst>
   <p:sldIdLst>
     <p:sldId id="256" r:id="rId2"/>
     <p:sldId id="257" r:id="rId3"/>
@@ -25,7 +28,8 @@
     <p:sldId id="273" r:id="rId19"/>
     <p:sldId id="274" r:id="rId20"/>
     <p:sldId id="276" r:id="rId21"/>
-    <p:sldId id="275" r:id="rId22"/>
+    <p:sldId id="280" r:id="rId22"/>
+    <p:sldId id="275" r:id="rId23"/>
   </p:sldIdLst>
   <p:sldSz cx="12192000" cy="6858000"/>
   <p:notesSz cx="6858000" cy="9144000"/>
@@ -132,6 +136,1117 @@
 </p:presentation>
 </file>
 
+<file path=ppt/notesMasters/notesMaster1.xml><?xml version="1.0" encoding="utf-8"?>
+<p:notesMaster xmlns:a="http://schemas.openxmlformats.org/drawingml/2006/main" xmlns:r="http://schemas.openxmlformats.org/officeDocument/2006/relationships" xmlns:p="http://schemas.openxmlformats.org/presentationml/2006/main">
+  <p:cSld>
+    <p:bg>
+      <p:bgRef idx="1001">
+        <a:schemeClr val="bg1"/>
+      </p:bgRef>
+    </p:bg>
+    <p:spTree>
+      <p:nvGrpSpPr>
+        <p:cNvPr id="1" name=""/>
+        <p:cNvGrpSpPr/>
+        <p:nvPr/>
+      </p:nvGrpSpPr>
+      <p:grpSpPr>
+        <a:xfrm>
+          <a:off x="0" y="0"/>
+          <a:ext cx="0" cy="0"/>
+          <a:chOff x="0" y="0"/>
+          <a:chExt cx="0" cy="0"/>
+        </a:xfrm>
+      </p:grpSpPr>
+      <p:sp>
+        <p:nvSpPr>
+          <p:cNvPr id="2" name="Header Placeholder 1"/>
+          <p:cNvSpPr>
+            <a:spLocks noGrp="1"/>
+          </p:cNvSpPr>
+          <p:nvPr>
+            <p:ph type="hdr" sz="quarter"/>
+          </p:nvPr>
+        </p:nvSpPr>
+        <p:spPr>
+          <a:xfrm>
+            <a:off x="0" y="0"/>
+            <a:ext cx="2971800" cy="458788"/>
+          </a:xfrm>
+          <a:prstGeom prst="rect">
+            <a:avLst/>
+          </a:prstGeom>
+        </p:spPr>
+        <p:txBody>
+          <a:bodyPr vert="horz" lIns="91440" tIns="45720" rIns="91440" bIns="45720" rtlCol="0"/>
+          <a:lstStyle>
+            <a:lvl1pPr algn="l">
+              <a:defRPr sz="1200"/>
+            </a:lvl1pPr>
+          </a:lstStyle>
+          <a:p>
+            <a:endParaRPr lang="en-US"/>
+          </a:p>
+        </p:txBody>
+      </p:sp>
+      <p:sp>
+        <p:nvSpPr>
+          <p:cNvPr id="3" name="Date Placeholder 2"/>
+          <p:cNvSpPr>
+            <a:spLocks noGrp="1"/>
+          </p:cNvSpPr>
+          <p:nvPr>
+            <p:ph type="dt" idx="1"/>
+          </p:nvPr>
+        </p:nvSpPr>
+        <p:spPr>
+          <a:xfrm>
+            <a:off x="3884613" y="0"/>
+            <a:ext cx="2971800" cy="458788"/>
+          </a:xfrm>
+          <a:prstGeom prst="rect">
+            <a:avLst/>
+          </a:prstGeom>
+        </p:spPr>
+        <p:txBody>
+          <a:bodyPr vert="horz" lIns="91440" tIns="45720" rIns="91440" bIns="45720" rtlCol="0"/>
+          <a:lstStyle>
+            <a:lvl1pPr algn="r">
+              <a:defRPr sz="1200"/>
+            </a:lvl1pPr>
+          </a:lstStyle>
+          <a:p>
+            <a:fld id="{AF74C931-7FB5-486C-BF14-8B7D8EB4D612}" type="datetimeFigureOut">
+              <a:rPr lang="en-US" smtClean="0"/>
+              <a:t>4/30/2025</a:t>
+            </a:fld>
+            <a:endParaRPr lang="en-US"/>
+          </a:p>
+        </p:txBody>
+      </p:sp>
+      <p:sp>
+        <p:nvSpPr>
+          <p:cNvPr id="4" name="Slide Image Placeholder 3"/>
+          <p:cNvSpPr>
+            <a:spLocks noGrp="1" noRot="1" noChangeAspect="1"/>
+          </p:cNvSpPr>
+          <p:nvPr>
+            <p:ph type="sldImg" idx="2"/>
+          </p:nvPr>
+        </p:nvSpPr>
+        <p:spPr>
+          <a:xfrm>
+            <a:off x="685800" y="1143000"/>
+            <a:ext cx="5486400" cy="3086100"/>
+          </a:xfrm>
+          <a:prstGeom prst="rect">
+            <a:avLst/>
+          </a:prstGeom>
+          <a:noFill/>
+          <a:ln w="12700">
+            <a:solidFill>
+              <a:prstClr val="black"/>
+            </a:solidFill>
+          </a:ln>
+        </p:spPr>
+        <p:txBody>
+          <a:bodyPr vert="horz" lIns="91440" tIns="45720" rIns="91440" bIns="45720" rtlCol="0" anchor="ctr"/>
+          <a:lstStyle/>
+          <a:p>
+            <a:endParaRPr lang="en-US"/>
+          </a:p>
+        </p:txBody>
+      </p:sp>
+      <p:sp>
+        <p:nvSpPr>
+          <p:cNvPr id="5" name="Notes Placeholder 4"/>
+          <p:cNvSpPr>
+            <a:spLocks noGrp="1"/>
+          </p:cNvSpPr>
+          <p:nvPr>
+            <p:ph type="body" sz="quarter" idx="3"/>
+          </p:nvPr>
+        </p:nvSpPr>
+        <p:spPr>
+          <a:xfrm>
+            <a:off x="685800" y="4400550"/>
+            <a:ext cx="5486400" cy="3600450"/>
+          </a:xfrm>
+          <a:prstGeom prst="rect">
+            <a:avLst/>
+          </a:prstGeom>
+        </p:spPr>
+        <p:txBody>
+          <a:bodyPr vert="horz" lIns="91440" tIns="45720" rIns="91440" bIns="45720" rtlCol="0"/>
+          <a:lstStyle/>
+          <a:p>
+            <a:pPr lvl="0"/>
+            <a:r>
+              <a:rPr lang="en-US"/>
+              <a:t>Click to edit Master text styles</a:t>
+            </a:r>
+          </a:p>
+          <a:p>
+            <a:pPr lvl="1"/>
+            <a:r>
+              <a:rPr lang="en-US"/>
+              <a:t>Second level</a:t>
+            </a:r>
+          </a:p>
+          <a:p>
+            <a:pPr lvl="2"/>
+            <a:r>
+              <a:rPr lang="en-US"/>
+              <a:t>Third level</a:t>
+            </a:r>
+          </a:p>
+          <a:p>
+            <a:pPr lvl="3"/>
+            <a:r>
+              <a:rPr lang="en-US"/>
+              <a:t>Fourth level</a:t>
+            </a:r>
+          </a:p>
+          <a:p>
+            <a:pPr lvl="4"/>
+            <a:r>
+              <a:rPr lang="en-US"/>
+              <a:t>Fifth level</a:t>
+            </a:r>
+          </a:p>
+        </p:txBody>
+      </p:sp>
+      <p:sp>
+        <p:nvSpPr>
+          <p:cNvPr id="6" name="Footer Placeholder 5"/>
+          <p:cNvSpPr>
+            <a:spLocks noGrp="1"/>
+          </p:cNvSpPr>
+          <p:nvPr>
+            <p:ph type="ftr" sz="quarter" idx="4"/>
+          </p:nvPr>
+        </p:nvSpPr>
+        <p:spPr>
+          <a:xfrm>
+            <a:off x="0" y="8685213"/>
+            <a:ext cx="2971800" cy="458787"/>
+          </a:xfrm>
+          <a:prstGeom prst="rect">
+            <a:avLst/>
+          </a:prstGeom>
+        </p:spPr>
+        <p:txBody>
+          <a:bodyPr vert="horz" lIns="91440" tIns="45720" rIns="91440" bIns="45720" rtlCol="0" anchor="b"/>
+          <a:lstStyle>
+            <a:lvl1pPr algn="l">
+              <a:defRPr sz="1200"/>
+            </a:lvl1pPr>
+          </a:lstStyle>
+          <a:p>
+            <a:endParaRPr lang="en-US"/>
+          </a:p>
+        </p:txBody>
+      </p:sp>
+      <p:sp>
+        <p:nvSpPr>
+          <p:cNvPr id="7" name="Slide Number Placeholder 6"/>
+          <p:cNvSpPr>
+            <a:spLocks noGrp="1"/>
+          </p:cNvSpPr>
+          <p:nvPr>
+            <p:ph type="sldNum" sz="quarter" idx="5"/>
+          </p:nvPr>
+        </p:nvSpPr>
+        <p:spPr>
+          <a:xfrm>
+            <a:off x="3884613" y="8685213"/>
+            <a:ext cx="2971800" cy="458787"/>
+          </a:xfrm>
+          <a:prstGeom prst="rect">
+            <a:avLst/>
+          </a:prstGeom>
+        </p:spPr>
+        <p:txBody>
+          <a:bodyPr vert="horz" lIns="91440" tIns="45720" rIns="91440" bIns="45720" rtlCol="0" anchor="b"/>
+          <a:lstStyle>
+            <a:lvl1pPr algn="r">
+              <a:defRPr sz="1200"/>
+            </a:lvl1pPr>
+          </a:lstStyle>
+          <a:p>
+            <a:fld id="{37C14BC2-51FC-478A-AC72-0ABEF02B9C71}" type="slidenum">
+              <a:rPr lang="en-US" smtClean="0"/>
+              <a:t>‹#›</a:t>
+            </a:fld>
+            <a:endParaRPr lang="en-US"/>
+          </a:p>
+        </p:txBody>
+      </p:sp>
+    </p:spTree>
+    <p:extLst>
+      <p:ext uri="{BB962C8B-B14F-4D97-AF65-F5344CB8AC3E}">
+        <p14:creationId xmlns:p14="http://schemas.microsoft.com/office/powerpoint/2010/main" val="1448872855"/>
+      </p:ext>
+    </p:extLst>
+  </p:cSld>
+  <p:clrMap bg1="lt1" tx1="dk1" bg2="lt2" tx2="dk2" accent1="accent1" accent2="accent2" accent3="accent3" accent4="accent4" accent5="accent5" accent6="accent6" hlink="hlink" folHlink="folHlink"/>
+  <p:notesStyle>
+    <a:lvl1pPr marL="0" algn="l" defTabSz="914400" rtl="0" eaLnBrk="1" latinLnBrk="0" hangingPunct="1">
+      <a:defRPr sz="1200" kern="1200">
+        <a:solidFill>
+          <a:schemeClr val="tx1"/>
+        </a:solidFill>
+        <a:latin typeface="+mn-lt"/>
+        <a:ea typeface="+mn-ea"/>
+        <a:cs typeface="+mn-cs"/>
+      </a:defRPr>
+    </a:lvl1pPr>
+    <a:lvl2pPr marL="457200" algn="l" defTabSz="914400" rtl="0" eaLnBrk="1" latinLnBrk="0" hangingPunct="1">
+      <a:defRPr sz="1200" kern="1200">
+        <a:solidFill>
+          <a:schemeClr val="tx1"/>
+        </a:solidFill>
+        <a:latin typeface="+mn-lt"/>
+        <a:ea typeface="+mn-ea"/>
+        <a:cs typeface="+mn-cs"/>
+      </a:defRPr>
+    </a:lvl2pPr>
+    <a:lvl3pPr marL="914400" algn="l" defTabSz="914400" rtl="0" eaLnBrk="1" latinLnBrk="0" hangingPunct="1">
+      <a:defRPr sz="1200" kern="1200">
+        <a:solidFill>
+          <a:schemeClr val="tx1"/>
+        </a:solidFill>
+        <a:latin typeface="+mn-lt"/>
+        <a:ea typeface="+mn-ea"/>
+        <a:cs typeface="+mn-cs"/>
+      </a:defRPr>
+    </a:lvl3pPr>
+    <a:lvl4pPr marL="1371600" algn="l" defTabSz="914400" rtl="0" eaLnBrk="1" latinLnBrk="0" hangingPunct="1">
+      <a:defRPr sz="1200" kern="1200">
+        <a:solidFill>
+          <a:schemeClr val="tx1"/>
+        </a:solidFill>
+        <a:latin typeface="+mn-lt"/>
+        <a:ea typeface="+mn-ea"/>
+        <a:cs typeface="+mn-cs"/>
+      </a:defRPr>
+    </a:lvl4pPr>
+    <a:lvl5pPr marL="1828800" algn="l" defTabSz="914400" rtl="0" eaLnBrk="1" latinLnBrk="0" hangingPunct="1">
+      <a:defRPr sz="1200" kern="1200">
+        <a:solidFill>
+          <a:schemeClr val="tx1"/>
+        </a:solidFill>
+        <a:latin typeface="+mn-lt"/>
+        <a:ea typeface="+mn-ea"/>
+        <a:cs typeface="+mn-cs"/>
+      </a:defRPr>
+    </a:lvl5pPr>
+    <a:lvl6pPr marL="2286000" algn="l" defTabSz="914400" rtl="0" eaLnBrk="1" latinLnBrk="0" hangingPunct="1">
+      <a:defRPr sz="1200" kern="1200">
+        <a:solidFill>
+          <a:schemeClr val="tx1"/>
+        </a:solidFill>
+        <a:latin typeface="+mn-lt"/>
+        <a:ea typeface="+mn-ea"/>
+        <a:cs typeface="+mn-cs"/>
+      </a:defRPr>
+    </a:lvl6pPr>
+    <a:lvl7pPr marL="2743200" algn="l" defTabSz="914400" rtl="0" eaLnBrk="1" latinLnBrk="0" hangingPunct="1">
+      <a:defRPr sz="1200" kern="1200">
+        <a:solidFill>
+          <a:schemeClr val="tx1"/>
+        </a:solidFill>
+        <a:latin typeface="+mn-lt"/>
+        <a:ea typeface="+mn-ea"/>
+        <a:cs typeface="+mn-cs"/>
+      </a:defRPr>
+    </a:lvl7pPr>
+    <a:lvl8pPr marL="3200400" algn="l" defTabSz="914400" rtl="0" eaLnBrk="1" latinLnBrk="0" hangingPunct="1">
+      <a:defRPr sz="1200" kern="1200">
+        <a:solidFill>
+          <a:schemeClr val="tx1"/>
+        </a:solidFill>
+        <a:latin typeface="+mn-lt"/>
+        <a:ea typeface="+mn-ea"/>
+        <a:cs typeface="+mn-cs"/>
+      </a:defRPr>
+    </a:lvl8pPr>
+    <a:lvl9pPr marL="3657600" algn="l" defTabSz="914400" rtl="0" eaLnBrk="1" latinLnBrk="0" hangingPunct="1">
+      <a:defRPr sz="1200" kern="1200">
+        <a:solidFill>
+          <a:schemeClr val="tx1"/>
+        </a:solidFill>
+        <a:latin typeface="+mn-lt"/>
+        <a:ea typeface="+mn-ea"/>
+        <a:cs typeface="+mn-cs"/>
+      </a:defRPr>
+    </a:lvl9pPr>
+  </p:notesStyle>
+</p:notesMaster>
+</file>
+
+<file path=ppt/notesSlides/notesSlide1.xml><?xml version="1.0" encoding="utf-8"?>
+<p:notes xmlns:a="http://schemas.openxmlformats.org/drawingml/2006/main" xmlns:r="http://schemas.openxmlformats.org/officeDocument/2006/relationships" xmlns:p="http://schemas.openxmlformats.org/presentationml/2006/main">
+  <p:cSld>
+    <p:spTree>
+      <p:nvGrpSpPr>
+        <p:cNvPr id="1" name=""/>
+        <p:cNvGrpSpPr/>
+        <p:nvPr/>
+      </p:nvGrpSpPr>
+      <p:grpSpPr>
+        <a:xfrm>
+          <a:off x="0" y="0"/>
+          <a:ext cx="0" cy="0"/>
+          <a:chOff x="0" y="0"/>
+          <a:chExt cx="0" cy="0"/>
+        </a:xfrm>
+      </p:grpSpPr>
+      <p:sp>
+        <p:nvSpPr>
+          <p:cNvPr id="2" name="Slide Image Placeholder 1"/>
+          <p:cNvSpPr>
+            <a:spLocks noGrp="1" noRot="1" noChangeAspect="1"/>
+          </p:cNvSpPr>
+          <p:nvPr>
+            <p:ph type="sldImg"/>
+          </p:nvPr>
+        </p:nvSpPr>
+        <p:spPr/>
+      </p:sp>
+      <p:sp>
+        <p:nvSpPr>
+          <p:cNvPr id="3" name="Notes Placeholder 2"/>
+          <p:cNvSpPr>
+            <a:spLocks noGrp="1"/>
+          </p:cNvSpPr>
+          <p:nvPr>
+            <p:ph type="body" idx="1"/>
+          </p:nvPr>
+        </p:nvSpPr>
+        <p:spPr/>
+        <p:txBody>
+          <a:bodyPr/>
+          <a:lstStyle/>
+          <a:p>
+            <a:r>
+              <a:rPr lang="en-US" dirty="0"/>
+              <a:t>This is the experiment that previous people in our lab was doing. </a:t>
+            </a:r>
+          </a:p>
+          <a:p>
+            <a:r>
+              <a:rPr lang="en-US" dirty="0"/>
+              <a:t>It’s called brain computer interface or BCI experiment to investigate the plasticity and excitability change of selected pyramidal neuron in motor cortex L3-L5</a:t>
+            </a:r>
+          </a:p>
+          <a:p>
+            <a:r>
+              <a:rPr lang="en-US" dirty="0" err="1"/>
+              <a:t>Metaplasticity</a:t>
+            </a:r>
+            <a:r>
+              <a:rPr lang="en-US" dirty="0"/>
+              <a:t> model for BCI learning and skill consolidation featuring interaction between three elements: behavioral time scale synaptic plasticity (BTSP), intrinsic plasticity (IP) and synaptic scaling (SS) taking place over a multitude of time scales. </a:t>
+            </a:r>
+            <a:br>
+              <a:rPr lang="en-US" dirty="0"/>
+            </a:br>
+            <a:br>
+              <a:rPr lang="en-US" dirty="0"/>
+            </a:br>
+            <a:r>
+              <a:rPr lang="en-US" dirty="0"/>
+              <a:t>During the first training session, rewarded neural activity patterns result in an increase in their frequency over seconds to minutes. Through </a:t>
+            </a:r>
+            <a:r>
+              <a:rPr lang="en-US" dirty="0" err="1"/>
+              <a:t>neuromodulatory</a:t>
+            </a:r>
+            <a:r>
+              <a:rPr lang="en-US" dirty="0"/>
+              <a:t> influence and repeated activation, changes in intrinsic excitability result and may persist over longer periods of hours, depending on the frequency of training. </a:t>
+            </a:r>
+          </a:p>
+          <a:p>
+            <a:r>
+              <a:rPr lang="en-US" dirty="0"/>
+              <a:t>The shift from this homeostatic state leads to an unbalanced excitation/inhibition (E/I) state within local circuits that could affect non-BCI neurons. </a:t>
+            </a:r>
+          </a:p>
+          <a:p>
+            <a:endParaRPr lang="en-US" dirty="0"/>
+          </a:p>
+          <a:p>
+            <a:r>
+              <a:rPr lang="en-US" dirty="0"/>
+              <a:t>The balance is eventually restored through synaptic scaling over much slower time scales of days and weeks. </a:t>
+            </a:r>
+          </a:p>
+          <a:p>
+            <a:r>
+              <a:rPr lang="en-US" dirty="0"/>
+              <a:t>The restoration of this balance might not re-instate the original excitability state of each individual cell but may result in a new ‘attractor’ state of the ensemble. </a:t>
+            </a:r>
+          </a:p>
+          <a:p>
+            <a:r>
+              <a:rPr lang="en-US" dirty="0"/>
+              <a:t>These changes could explain the representational drift typically observed over similar time scales that adversely affects BCI performance.</a:t>
+            </a:r>
+          </a:p>
+        </p:txBody>
+      </p:sp>
+      <p:sp>
+        <p:nvSpPr>
+          <p:cNvPr id="4" name="Slide Number Placeholder 3"/>
+          <p:cNvSpPr>
+            <a:spLocks noGrp="1"/>
+          </p:cNvSpPr>
+          <p:nvPr>
+            <p:ph type="sldNum" sz="quarter" idx="5"/>
+          </p:nvPr>
+        </p:nvSpPr>
+        <p:spPr/>
+        <p:txBody>
+          <a:bodyPr/>
+          <a:lstStyle/>
+          <a:p>
+            <a:fld id="{37C14BC2-51FC-478A-AC72-0ABEF02B9C71}" type="slidenum">
+              <a:rPr lang="en-US" smtClean="0"/>
+              <a:t>2</a:t>
+            </a:fld>
+            <a:endParaRPr lang="en-US"/>
+          </a:p>
+        </p:txBody>
+      </p:sp>
+    </p:spTree>
+    <p:extLst>
+      <p:ext uri="{BB962C8B-B14F-4D97-AF65-F5344CB8AC3E}">
+        <p14:creationId xmlns:p14="http://schemas.microsoft.com/office/powerpoint/2010/main" val="186189221"/>
+      </p:ext>
+    </p:extLst>
+  </p:cSld>
+  <p:clrMapOvr>
+    <a:masterClrMapping/>
+  </p:clrMapOvr>
+</p:notes>
+</file>
+
+<file path=ppt/notesSlides/notesSlide2.xml><?xml version="1.0" encoding="utf-8"?>
+<p:notes xmlns:a="http://schemas.openxmlformats.org/drawingml/2006/main" xmlns:r="http://schemas.openxmlformats.org/officeDocument/2006/relationships" xmlns:p="http://schemas.openxmlformats.org/presentationml/2006/main">
+  <p:cSld>
+    <p:spTree>
+      <p:nvGrpSpPr>
+        <p:cNvPr id="1" name=""/>
+        <p:cNvGrpSpPr/>
+        <p:nvPr/>
+      </p:nvGrpSpPr>
+      <p:grpSpPr>
+        <a:xfrm>
+          <a:off x="0" y="0"/>
+          <a:ext cx="0" cy="0"/>
+          <a:chOff x="0" y="0"/>
+          <a:chExt cx="0" cy="0"/>
+        </a:xfrm>
+      </p:grpSpPr>
+      <p:sp>
+        <p:nvSpPr>
+          <p:cNvPr id="2" name="Slide Image Placeholder 1"/>
+          <p:cNvSpPr>
+            <a:spLocks noGrp="1" noRot="1" noChangeAspect="1"/>
+          </p:cNvSpPr>
+          <p:nvPr>
+            <p:ph type="sldImg"/>
+          </p:nvPr>
+        </p:nvSpPr>
+        <p:spPr/>
+      </p:sp>
+      <p:sp>
+        <p:nvSpPr>
+          <p:cNvPr id="3" name="Notes Placeholder 2"/>
+          <p:cNvSpPr>
+            <a:spLocks noGrp="1"/>
+          </p:cNvSpPr>
+          <p:nvPr>
+            <p:ph type="body" idx="1"/>
+          </p:nvPr>
+        </p:nvSpPr>
+        <p:spPr/>
+        <p:txBody>
+          <a:bodyPr/>
+          <a:lstStyle/>
+          <a:p>
+            <a:r>
+              <a:rPr lang="en-US" dirty="0"/>
+              <a:t>The brief explanation of the experiment set up.</a:t>
+            </a:r>
+          </a:p>
+          <a:p>
+            <a:r>
+              <a:rPr lang="en-US" dirty="0"/>
+              <a:t>The mouse was head fixed under the two photon microscope and there was a monitor that generated the drift grating pattern. </a:t>
+            </a:r>
+          </a:p>
+          <a:p>
+            <a:endParaRPr lang="en-US" dirty="0"/>
+          </a:p>
+          <a:p>
+            <a:r>
+              <a:rPr lang="en-US" dirty="0"/>
+              <a:t>On two photon side, we selected two or four neurons to form an ensemble. </a:t>
+            </a:r>
+          </a:p>
+          <a:p>
+            <a:r>
+              <a:rPr lang="en-US" dirty="0"/>
+              <a:t>The real time calcium signal would feedforward to the computer to move the drift grating pattern. </a:t>
+            </a:r>
+          </a:p>
+          <a:p>
+            <a:r>
+              <a:rPr lang="en-US" dirty="0"/>
+              <a:t>If there were two neurons, the weight of them would be 1 and -1. So the mouse will be able to modulate the patter in both direction. </a:t>
+            </a:r>
+          </a:p>
+          <a:p>
+            <a:endParaRPr lang="en-US" dirty="0"/>
+          </a:p>
+          <a:p>
+            <a:r>
+              <a:rPr lang="en-US" dirty="0"/>
+              <a:t>These code were made by previous student who already graduated. My goal is analyze the behavioral result like the how long of each section, their success rate, trial numbers….</a:t>
+            </a:r>
+            <a:r>
+              <a:rPr lang="en-US" dirty="0" err="1"/>
+              <a:t>etc</a:t>
+            </a:r>
+            <a:endParaRPr lang="en-US" dirty="0"/>
+          </a:p>
+          <a:p>
+            <a:r>
+              <a:rPr lang="en-US" dirty="0"/>
+              <a:t> </a:t>
+            </a:r>
+          </a:p>
+        </p:txBody>
+      </p:sp>
+      <p:sp>
+        <p:nvSpPr>
+          <p:cNvPr id="4" name="Slide Number Placeholder 3"/>
+          <p:cNvSpPr>
+            <a:spLocks noGrp="1"/>
+          </p:cNvSpPr>
+          <p:nvPr>
+            <p:ph type="sldNum" sz="quarter" idx="5"/>
+          </p:nvPr>
+        </p:nvSpPr>
+        <p:spPr/>
+        <p:txBody>
+          <a:bodyPr/>
+          <a:lstStyle/>
+          <a:p>
+            <a:fld id="{37C14BC2-51FC-478A-AC72-0ABEF02B9C71}" type="slidenum">
+              <a:rPr lang="en-US" smtClean="0"/>
+              <a:t>3</a:t>
+            </a:fld>
+            <a:endParaRPr lang="en-US"/>
+          </a:p>
+        </p:txBody>
+      </p:sp>
+    </p:spTree>
+    <p:extLst>
+      <p:ext uri="{BB962C8B-B14F-4D97-AF65-F5344CB8AC3E}">
+        <p14:creationId xmlns:p14="http://schemas.microsoft.com/office/powerpoint/2010/main" val="194091370"/>
+      </p:ext>
+    </p:extLst>
+  </p:cSld>
+  <p:clrMapOvr>
+    <a:masterClrMapping/>
+  </p:clrMapOvr>
+</p:notes>
+</file>
+
+<file path=ppt/notesSlides/notesSlide3.xml><?xml version="1.0" encoding="utf-8"?>
+<p:notes xmlns:a="http://schemas.openxmlformats.org/drawingml/2006/main" xmlns:r="http://schemas.openxmlformats.org/officeDocument/2006/relationships" xmlns:p="http://schemas.openxmlformats.org/presentationml/2006/main">
+  <p:cSld>
+    <p:spTree>
+      <p:nvGrpSpPr>
+        <p:cNvPr id="1" name=""/>
+        <p:cNvGrpSpPr/>
+        <p:nvPr/>
+      </p:nvGrpSpPr>
+      <p:grpSpPr>
+        <a:xfrm>
+          <a:off x="0" y="0"/>
+          <a:ext cx="0" cy="0"/>
+          <a:chOff x="0" y="0"/>
+          <a:chExt cx="0" cy="0"/>
+        </a:xfrm>
+      </p:grpSpPr>
+      <p:sp>
+        <p:nvSpPr>
+          <p:cNvPr id="2" name="Slide Image Placeholder 1"/>
+          <p:cNvSpPr>
+            <a:spLocks noGrp="1" noRot="1" noChangeAspect="1"/>
+          </p:cNvSpPr>
+          <p:nvPr>
+            <p:ph type="sldImg"/>
+          </p:nvPr>
+        </p:nvSpPr>
+        <p:spPr/>
+      </p:sp>
+      <p:sp>
+        <p:nvSpPr>
+          <p:cNvPr id="3" name="Notes Placeholder 2"/>
+          <p:cNvSpPr>
+            <a:spLocks noGrp="1"/>
+          </p:cNvSpPr>
+          <p:nvPr>
+            <p:ph type="body" idx="1"/>
+          </p:nvPr>
+        </p:nvSpPr>
+        <p:spPr/>
+        <p:txBody>
+          <a:bodyPr/>
+          <a:lstStyle/>
+          <a:p>
+            <a:r>
+              <a:rPr lang="en-US" dirty="0"/>
+              <a:t>After each section is finished, the behavioral data will be saved in this format. </a:t>
+            </a:r>
+          </a:p>
+          <a:p>
+            <a:r>
+              <a:rPr lang="en-US" dirty="0"/>
+              <a:t>You can see the trial number. The starting point will be assigned randomly for the new trial. </a:t>
+            </a:r>
+          </a:p>
+        </p:txBody>
+      </p:sp>
+      <p:sp>
+        <p:nvSpPr>
+          <p:cNvPr id="4" name="Slide Number Placeholder 3"/>
+          <p:cNvSpPr>
+            <a:spLocks noGrp="1"/>
+          </p:cNvSpPr>
+          <p:nvPr>
+            <p:ph type="sldNum" sz="quarter" idx="5"/>
+          </p:nvPr>
+        </p:nvSpPr>
+        <p:spPr/>
+        <p:txBody>
+          <a:bodyPr/>
+          <a:lstStyle/>
+          <a:p>
+            <a:fld id="{37C14BC2-51FC-478A-AC72-0ABEF02B9C71}" type="slidenum">
+              <a:rPr lang="en-US" smtClean="0"/>
+              <a:t>4</a:t>
+            </a:fld>
+            <a:endParaRPr lang="en-US"/>
+          </a:p>
+        </p:txBody>
+      </p:sp>
+    </p:spTree>
+    <p:extLst>
+      <p:ext uri="{BB962C8B-B14F-4D97-AF65-F5344CB8AC3E}">
+        <p14:creationId xmlns:p14="http://schemas.microsoft.com/office/powerpoint/2010/main" val="551791837"/>
+      </p:ext>
+    </p:extLst>
+  </p:cSld>
+  <p:clrMapOvr>
+    <a:masterClrMapping/>
+  </p:clrMapOvr>
+</p:notes>
+</file>
+
+<file path=ppt/notesSlides/notesSlide4.xml><?xml version="1.0" encoding="utf-8"?>
+<p:notes xmlns:a="http://schemas.openxmlformats.org/drawingml/2006/main" xmlns:r="http://schemas.openxmlformats.org/officeDocument/2006/relationships" xmlns:p="http://schemas.openxmlformats.org/presentationml/2006/main">
+  <p:cSld>
+    <p:spTree>
+      <p:nvGrpSpPr>
+        <p:cNvPr id="1" name=""/>
+        <p:cNvGrpSpPr/>
+        <p:nvPr/>
+      </p:nvGrpSpPr>
+      <p:grpSpPr>
+        <a:xfrm>
+          <a:off x="0" y="0"/>
+          <a:ext cx="0" cy="0"/>
+          <a:chOff x="0" y="0"/>
+          <a:chExt cx="0" cy="0"/>
+        </a:xfrm>
+      </p:grpSpPr>
+      <p:sp>
+        <p:nvSpPr>
+          <p:cNvPr id="2" name="Slide Image Placeholder 1"/>
+          <p:cNvSpPr>
+            <a:spLocks noGrp="1" noRot="1" noChangeAspect="1"/>
+          </p:cNvSpPr>
+          <p:nvPr>
+            <p:ph type="sldImg"/>
+          </p:nvPr>
+        </p:nvSpPr>
+        <p:spPr/>
+      </p:sp>
+      <p:sp>
+        <p:nvSpPr>
+          <p:cNvPr id="3" name="Notes Placeholder 2"/>
+          <p:cNvSpPr>
+            <a:spLocks noGrp="1"/>
+          </p:cNvSpPr>
+          <p:nvPr>
+            <p:ph type="body" idx="1"/>
+          </p:nvPr>
+        </p:nvSpPr>
+        <p:spPr/>
+        <p:txBody>
+          <a:bodyPr/>
+          <a:lstStyle/>
+          <a:p>
+            <a:r>
+              <a:rPr lang="en-US" altLang="zh-TW" dirty="0"/>
+              <a:t>ChatGPT suggest to do this part first. </a:t>
+            </a:r>
+            <a:endParaRPr lang="en-US" dirty="0"/>
+          </a:p>
+        </p:txBody>
+      </p:sp>
+      <p:sp>
+        <p:nvSpPr>
+          <p:cNvPr id="4" name="Slide Number Placeholder 3"/>
+          <p:cNvSpPr>
+            <a:spLocks noGrp="1"/>
+          </p:cNvSpPr>
+          <p:nvPr>
+            <p:ph type="sldNum" sz="quarter" idx="5"/>
+          </p:nvPr>
+        </p:nvSpPr>
+        <p:spPr/>
+        <p:txBody>
+          <a:bodyPr/>
+          <a:lstStyle/>
+          <a:p>
+            <a:fld id="{37C14BC2-51FC-478A-AC72-0ABEF02B9C71}" type="slidenum">
+              <a:rPr lang="en-US" smtClean="0"/>
+              <a:t>9</a:t>
+            </a:fld>
+            <a:endParaRPr lang="en-US"/>
+          </a:p>
+        </p:txBody>
+      </p:sp>
+    </p:spTree>
+    <p:extLst>
+      <p:ext uri="{BB962C8B-B14F-4D97-AF65-F5344CB8AC3E}">
+        <p14:creationId xmlns:p14="http://schemas.microsoft.com/office/powerpoint/2010/main" val="1053696049"/>
+      </p:ext>
+    </p:extLst>
+  </p:cSld>
+  <p:clrMapOvr>
+    <a:masterClrMapping/>
+  </p:clrMapOvr>
+</p:notes>
+</file>
+
+<file path=ppt/notesSlides/notesSlide5.xml><?xml version="1.0" encoding="utf-8"?>
+<p:notes xmlns:a="http://schemas.openxmlformats.org/drawingml/2006/main" xmlns:r="http://schemas.openxmlformats.org/officeDocument/2006/relationships" xmlns:p="http://schemas.openxmlformats.org/presentationml/2006/main">
+  <p:cSld>
+    <p:spTree>
+      <p:nvGrpSpPr>
+        <p:cNvPr id="1" name=""/>
+        <p:cNvGrpSpPr/>
+        <p:nvPr/>
+      </p:nvGrpSpPr>
+      <p:grpSpPr>
+        <a:xfrm>
+          <a:off x="0" y="0"/>
+          <a:ext cx="0" cy="0"/>
+          <a:chOff x="0" y="0"/>
+          <a:chExt cx="0" cy="0"/>
+        </a:xfrm>
+      </p:grpSpPr>
+      <p:sp>
+        <p:nvSpPr>
+          <p:cNvPr id="2" name="Slide Image Placeholder 1"/>
+          <p:cNvSpPr>
+            <a:spLocks noGrp="1" noRot="1" noChangeAspect="1"/>
+          </p:cNvSpPr>
+          <p:nvPr>
+            <p:ph type="sldImg"/>
+          </p:nvPr>
+        </p:nvSpPr>
+        <p:spPr/>
+      </p:sp>
+      <p:sp>
+        <p:nvSpPr>
+          <p:cNvPr id="3" name="Notes Placeholder 2"/>
+          <p:cNvSpPr>
+            <a:spLocks noGrp="1"/>
+          </p:cNvSpPr>
+          <p:nvPr>
+            <p:ph type="body" idx="1"/>
+          </p:nvPr>
+        </p:nvSpPr>
+        <p:spPr/>
+        <p:txBody>
+          <a:bodyPr/>
+          <a:lstStyle/>
+          <a:p>
+            <a:r>
+              <a:rPr lang="en-US" dirty="0"/>
+              <a:t>Use this for loop to process several behavior data and combine them together into single CSV file and save it. </a:t>
+            </a:r>
+          </a:p>
+          <a:p>
+            <a:endParaRPr lang="en-US" dirty="0"/>
+          </a:p>
+        </p:txBody>
+      </p:sp>
+      <p:sp>
+        <p:nvSpPr>
+          <p:cNvPr id="4" name="Slide Number Placeholder 3"/>
+          <p:cNvSpPr>
+            <a:spLocks noGrp="1"/>
+          </p:cNvSpPr>
+          <p:nvPr>
+            <p:ph type="sldNum" sz="quarter" idx="5"/>
+          </p:nvPr>
+        </p:nvSpPr>
+        <p:spPr/>
+        <p:txBody>
+          <a:bodyPr/>
+          <a:lstStyle/>
+          <a:p>
+            <a:fld id="{37C14BC2-51FC-478A-AC72-0ABEF02B9C71}" type="slidenum">
+              <a:rPr lang="en-US" smtClean="0"/>
+              <a:t>12</a:t>
+            </a:fld>
+            <a:endParaRPr lang="en-US"/>
+          </a:p>
+        </p:txBody>
+      </p:sp>
+    </p:spTree>
+    <p:extLst>
+      <p:ext uri="{BB962C8B-B14F-4D97-AF65-F5344CB8AC3E}">
+        <p14:creationId xmlns:p14="http://schemas.microsoft.com/office/powerpoint/2010/main" val="1014204830"/>
+      </p:ext>
+    </p:extLst>
+  </p:cSld>
+  <p:clrMapOvr>
+    <a:masterClrMapping/>
+  </p:clrMapOvr>
+</p:notes>
+</file>
+
+<file path=ppt/notesSlides/notesSlide6.xml><?xml version="1.0" encoding="utf-8"?>
+<p:notes xmlns:a="http://schemas.openxmlformats.org/drawingml/2006/main" xmlns:r="http://schemas.openxmlformats.org/officeDocument/2006/relationships" xmlns:p="http://schemas.openxmlformats.org/presentationml/2006/main">
+  <p:cSld>
+    <p:spTree>
+      <p:nvGrpSpPr>
+        <p:cNvPr id="1" name=""/>
+        <p:cNvGrpSpPr/>
+        <p:nvPr/>
+      </p:nvGrpSpPr>
+      <p:grpSpPr>
+        <a:xfrm>
+          <a:off x="0" y="0"/>
+          <a:ext cx="0" cy="0"/>
+          <a:chOff x="0" y="0"/>
+          <a:chExt cx="0" cy="0"/>
+        </a:xfrm>
+      </p:grpSpPr>
+      <p:sp>
+        <p:nvSpPr>
+          <p:cNvPr id="2" name="Slide Image Placeholder 1"/>
+          <p:cNvSpPr>
+            <a:spLocks noGrp="1" noRot="1" noChangeAspect="1"/>
+          </p:cNvSpPr>
+          <p:nvPr>
+            <p:ph type="sldImg"/>
+          </p:nvPr>
+        </p:nvSpPr>
+        <p:spPr/>
+      </p:sp>
+      <p:sp>
+        <p:nvSpPr>
+          <p:cNvPr id="3" name="Notes Placeholder 2"/>
+          <p:cNvSpPr>
+            <a:spLocks noGrp="1"/>
+          </p:cNvSpPr>
+          <p:nvPr>
+            <p:ph type="body" idx="1"/>
+          </p:nvPr>
+        </p:nvSpPr>
+        <p:spPr/>
+        <p:txBody>
+          <a:bodyPr/>
+          <a:lstStyle/>
+          <a:p>
+            <a:r>
+              <a:rPr lang="en-US" dirty="0"/>
+              <a:t>ChatGPT help making the if loop that process the trajectory within each trial</a:t>
+            </a:r>
+          </a:p>
+        </p:txBody>
+      </p:sp>
+      <p:sp>
+        <p:nvSpPr>
+          <p:cNvPr id="4" name="Slide Number Placeholder 3"/>
+          <p:cNvSpPr>
+            <a:spLocks noGrp="1"/>
+          </p:cNvSpPr>
+          <p:nvPr>
+            <p:ph type="sldNum" sz="quarter" idx="5"/>
+          </p:nvPr>
+        </p:nvSpPr>
+        <p:spPr/>
+        <p:txBody>
+          <a:bodyPr/>
+          <a:lstStyle/>
+          <a:p>
+            <a:fld id="{37C14BC2-51FC-478A-AC72-0ABEF02B9C71}" type="slidenum">
+              <a:rPr lang="en-US" smtClean="0"/>
+              <a:t>13</a:t>
+            </a:fld>
+            <a:endParaRPr lang="en-US"/>
+          </a:p>
+        </p:txBody>
+      </p:sp>
+    </p:spTree>
+    <p:extLst>
+      <p:ext uri="{BB962C8B-B14F-4D97-AF65-F5344CB8AC3E}">
+        <p14:creationId xmlns:p14="http://schemas.microsoft.com/office/powerpoint/2010/main" val="968278546"/>
+      </p:ext>
+    </p:extLst>
+  </p:cSld>
+  <p:clrMapOvr>
+    <a:masterClrMapping/>
+  </p:clrMapOvr>
+</p:notes>
+</file>
+
+<file path=ppt/notesSlides/notesSlide7.xml><?xml version="1.0" encoding="utf-8"?>
+<p:notes xmlns:a="http://schemas.openxmlformats.org/drawingml/2006/main" xmlns:r="http://schemas.openxmlformats.org/officeDocument/2006/relationships" xmlns:p="http://schemas.openxmlformats.org/presentationml/2006/main">
+  <p:cSld>
+    <p:spTree>
+      <p:nvGrpSpPr>
+        <p:cNvPr id="1" name=""/>
+        <p:cNvGrpSpPr/>
+        <p:nvPr/>
+      </p:nvGrpSpPr>
+      <p:grpSpPr>
+        <a:xfrm>
+          <a:off x="0" y="0"/>
+          <a:ext cx="0" cy="0"/>
+          <a:chOff x="0" y="0"/>
+          <a:chExt cx="0" cy="0"/>
+        </a:xfrm>
+      </p:grpSpPr>
+      <p:sp>
+        <p:nvSpPr>
+          <p:cNvPr id="2" name="Slide Image Placeholder 1"/>
+          <p:cNvSpPr>
+            <a:spLocks noGrp="1" noRot="1" noChangeAspect="1"/>
+          </p:cNvSpPr>
+          <p:nvPr>
+            <p:ph type="sldImg"/>
+          </p:nvPr>
+        </p:nvSpPr>
+        <p:spPr/>
+      </p:sp>
+      <p:sp>
+        <p:nvSpPr>
+          <p:cNvPr id="3" name="Notes Placeholder 2"/>
+          <p:cNvSpPr>
+            <a:spLocks noGrp="1"/>
+          </p:cNvSpPr>
+          <p:nvPr>
+            <p:ph type="body" idx="1"/>
+          </p:nvPr>
+        </p:nvSpPr>
+        <p:spPr/>
+        <p:txBody>
+          <a:bodyPr/>
+          <a:lstStyle/>
+          <a:p>
+            <a:r>
+              <a:rPr lang="en-US" dirty="0"/>
+              <a:t>Extract the data of this trial (from the beginning to the end)</a:t>
+            </a:r>
+          </a:p>
+          <a:p>
+            <a:endParaRPr lang="en-US" dirty="0"/>
+          </a:p>
+          <a:p>
+            <a:r>
+              <a:rPr lang="en-US" dirty="0"/>
+              <a:t>The time is converted to "seconds relative to when control was applied"</a:t>
+            </a:r>
+          </a:p>
+          <a:p>
+            <a:endParaRPr lang="en-US" dirty="0"/>
+          </a:p>
+          <a:p>
+            <a:r>
+              <a:rPr lang="en-US" dirty="0"/>
+              <a:t>Position is the horizontal axis, time is the vertical axis → Draw the dynamics of behavior</a:t>
+            </a:r>
+          </a:p>
+          <a:p>
+            <a:endParaRPr lang="en-US" dirty="0"/>
+          </a:p>
+          <a:p>
+            <a:r>
+              <a:rPr lang="en-US" dirty="0"/>
+              <a:t>If </a:t>
+            </a:r>
+            <a:r>
+              <a:rPr lang="en-US" dirty="0" err="1"/>
+              <a:t>show_legend</a:t>
+            </a:r>
+            <a:r>
+              <a:rPr lang="en-US" dirty="0"/>
+              <a:t>=True, it indicates which trial each line belongs to.</a:t>
+            </a:r>
+          </a:p>
+        </p:txBody>
+      </p:sp>
+      <p:sp>
+        <p:nvSpPr>
+          <p:cNvPr id="4" name="Slide Number Placeholder 3"/>
+          <p:cNvSpPr>
+            <a:spLocks noGrp="1"/>
+          </p:cNvSpPr>
+          <p:nvPr>
+            <p:ph type="sldNum" sz="quarter" idx="5"/>
+          </p:nvPr>
+        </p:nvSpPr>
+        <p:spPr/>
+        <p:txBody>
+          <a:bodyPr/>
+          <a:lstStyle/>
+          <a:p>
+            <a:fld id="{37C14BC2-51FC-478A-AC72-0ABEF02B9C71}" type="slidenum">
+              <a:rPr lang="en-US" smtClean="0"/>
+              <a:t>16</a:t>
+            </a:fld>
+            <a:endParaRPr lang="en-US"/>
+          </a:p>
+        </p:txBody>
+      </p:sp>
+    </p:spTree>
+    <p:extLst>
+      <p:ext uri="{BB962C8B-B14F-4D97-AF65-F5344CB8AC3E}">
+        <p14:creationId xmlns:p14="http://schemas.microsoft.com/office/powerpoint/2010/main" val="1415540073"/>
+      </p:ext>
+    </p:extLst>
+  </p:cSld>
+  <p:clrMapOvr>
+    <a:masterClrMapping/>
+  </p:clrMapOvr>
+</p:notes>
+</file>
+
 <file path=ppt/slideLayouts/slideLayout1.xml><?xml version="1.0" encoding="utf-8"?>
 <p:sldLayout xmlns:a="http://schemas.openxmlformats.org/drawingml/2006/main" xmlns:r="http://schemas.openxmlformats.org/officeDocument/2006/relationships" xmlns:p="http://schemas.openxmlformats.org/presentationml/2006/main" type="title" preserve="1">
   <p:cSld name="Title Slide">
@@ -279,7 +1394,7 @@
           <a:p>
             <a:fld id="{4EC51A3C-8C6E-416D-86EA-9A0F7B61F8CD}" type="datetimeFigureOut">
               <a:rPr lang="en-US" smtClean="0"/>
-              <a:t>4/28/25</a:t>
+              <a:t>4/30/2025</a:t>
             </a:fld>
             <a:endParaRPr lang="en-US"/>
           </a:p>
@@ -477,7 +1592,7 @@
           <a:p>
             <a:fld id="{4EC51A3C-8C6E-416D-86EA-9A0F7B61F8CD}" type="datetimeFigureOut">
               <a:rPr lang="en-US" smtClean="0"/>
-              <a:t>4/28/25</a:t>
+              <a:t>4/30/2025</a:t>
             </a:fld>
             <a:endParaRPr lang="en-US"/>
           </a:p>
@@ -685,7 +1800,7 @@
           <a:p>
             <a:fld id="{4EC51A3C-8C6E-416D-86EA-9A0F7B61F8CD}" type="datetimeFigureOut">
               <a:rPr lang="en-US" smtClean="0"/>
-              <a:t>4/28/25</a:t>
+              <a:t>4/30/2025</a:t>
             </a:fld>
             <a:endParaRPr lang="en-US"/>
           </a:p>
@@ -883,7 +1998,7 @@
           <a:p>
             <a:fld id="{4EC51A3C-8C6E-416D-86EA-9A0F7B61F8CD}" type="datetimeFigureOut">
               <a:rPr lang="en-US" smtClean="0"/>
-              <a:t>4/28/25</a:t>
+              <a:t>4/30/2025</a:t>
             </a:fld>
             <a:endParaRPr lang="en-US"/>
           </a:p>
@@ -1158,7 +2273,7 @@
           <a:p>
             <a:fld id="{4EC51A3C-8C6E-416D-86EA-9A0F7B61F8CD}" type="datetimeFigureOut">
               <a:rPr lang="en-US" smtClean="0"/>
-              <a:t>4/28/25</a:t>
+              <a:t>4/30/2025</a:t>
             </a:fld>
             <a:endParaRPr lang="en-US"/>
           </a:p>
@@ -1423,7 +2538,7 @@
           <a:p>
             <a:fld id="{4EC51A3C-8C6E-416D-86EA-9A0F7B61F8CD}" type="datetimeFigureOut">
               <a:rPr lang="en-US" smtClean="0"/>
-              <a:t>4/28/25</a:t>
+              <a:t>4/30/2025</a:t>
             </a:fld>
             <a:endParaRPr lang="en-US"/>
           </a:p>
@@ -1835,7 +2950,7 @@
           <a:p>
             <a:fld id="{4EC51A3C-8C6E-416D-86EA-9A0F7B61F8CD}" type="datetimeFigureOut">
               <a:rPr lang="en-US" smtClean="0"/>
-              <a:t>4/28/25</a:t>
+              <a:t>4/30/2025</a:t>
             </a:fld>
             <a:endParaRPr lang="en-US"/>
           </a:p>
@@ -1976,7 +3091,7 @@
           <a:p>
             <a:fld id="{4EC51A3C-8C6E-416D-86EA-9A0F7B61F8CD}" type="datetimeFigureOut">
               <a:rPr lang="en-US" smtClean="0"/>
-              <a:t>4/28/25</a:t>
+              <a:t>4/30/2025</a:t>
             </a:fld>
             <a:endParaRPr lang="en-US"/>
           </a:p>
@@ -2089,7 +3204,7 @@
           <a:p>
             <a:fld id="{4EC51A3C-8C6E-416D-86EA-9A0F7B61F8CD}" type="datetimeFigureOut">
               <a:rPr lang="en-US" smtClean="0"/>
-              <a:t>4/28/25</a:t>
+              <a:t>4/30/2025</a:t>
             </a:fld>
             <a:endParaRPr lang="en-US"/>
           </a:p>
@@ -2400,7 +3515,7 @@
           <a:p>
             <a:fld id="{4EC51A3C-8C6E-416D-86EA-9A0F7B61F8CD}" type="datetimeFigureOut">
               <a:rPr lang="en-US" smtClean="0"/>
-              <a:t>4/28/25</a:t>
+              <a:t>4/30/2025</a:t>
             </a:fld>
             <a:endParaRPr lang="en-US"/>
           </a:p>
@@ -2688,7 +3803,7 @@
           <a:p>
             <a:fld id="{4EC51A3C-8C6E-416D-86EA-9A0F7B61F8CD}" type="datetimeFigureOut">
               <a:rPr lang="en-US" smtClean="0"/>
-              <a:t>4/28/25</a:t>
+              <a:t>4/30/2025</a:t>
             </a:fld>
             <a:endParaRPr lang="en-US"/>
           </a:p>
@@ -2929,7 +4044,7 @@
           <a:p>
             <a:fld id="{4EC51A3C-8C6E-416D-86EA-9A0F7B61F8CD}" type="datetimeFigureOut">
               <a:rPr lang="en-US" smtClean="0"/>
-              <a:t>4/28/25</a:t>
+              <a:t>4/30/2025</a:t>
             </a:fld>
             <a:endParaRPr lang="en-US"/>
           </a:p>
@@ -3798,7 +4913,7 @@
         </p:blipFill>
         <p:spPr>
           <a:xfrm>
-            <a:off x="902413" y="1934272"/>
+            <a:off x="902413" y="1455807"/>
             <a:ext cx="10387173" cy="3702854"/>
           </a:xfrm>
           <a:prstGeom prst="rect">
@@ -3806,6 +4921,59 @@
           </a:prstGeom>
         </p:spPr>
       </p:pic>
+      <p:sp>
+        <p:nvSpPr>
+          <p:cNvPr id="3" name="Content Placeholder 2">
+            <a:extLst>
+              <a:ext uri="{FF2B5EF4-FFF2-40B4-BE49-F238E27FC236}">
+                <a16:creationId xmlns:a16="http://schemas.microsoft.com/office/drawing/2014/main" id="{CA6787C3-E335-047F-AD33-E8E4B9778E6B}"/>
+              </a:ext>
+            </a:extLst>
+          </p:cNvPr>
+          <p:cNvSpPr>
+            <a:spLocks noGrp="1"/>
+          </p:cNvSpPr>
+          <p:nvPr>
+            <p:ph idx="1"/>
+          </p:nvPr>
+        </p:nvSpPr>
+        <p:spPr>
+          <a:xfrm>
+            <a:off x="1108443" y="5307886"/>
+            <a:ext cx="9975112" cy="1184990"/>
+          </a:xfrm>
+        </p:spPr>
+        <p:txBody>
+          <a:bodyPr>
+            <a:normAutofit lnSpcReduction="10000"/>
+          </a:bodyPr>
+          <a:lstStyle/>
+          <a:p>
+            <a:r>
+              <a:rPr lang="en-US" altLang="zh-TW" sz="2400" dirty="0"/>
+              <a:t>Use the clean data frame and calculate the total duration, trial number, total trials in </a:t>
+            </a:r>
+            <a:r>
+              <a:rPr lang="en-US" altLang="zh-TW" sz="2400" dirty="0" err="1"/>
+              <a:t>time_sec</a:t>
+            </a:r>
+            <a:r>
+              <a:rPr lang="en-US" altLang="zh-TW" sz="2400" dirty="0"/>
+              <a:t> column and trial column.</a:t>
+            </a:r>
+          </a:p>
+          <a:p>
+            <a:r>
+              <a:rPr lang="en-US" altLang="zh-TW" sz="2400" dirty="0"/>
+              <a:t>If “target reached” show up, that means a successful trial.</a:t>
+            </a:r>
+            <a:endParaRPr lang="en" altLang="zh-TW" sz="2400" dirty="0"/>
+          </a:p>
+          <a:p>
+            <a:endParaRPr lang="en-US" sz="2000" dirty="0"/>
+          </a:p>
+        </p:txBody>
+      </p:sp>
     </p:spTree>
     <p:extLst>
       <p:ext uri="{BB962C8B-B14F-4D97-AF65-F5344CB8AC3E}">
@@ -3901,7 +5069,7 @@
           <p:nvPr/>
         </p:nvPicPr>
         <p:blipFill>
-          <a:blip r:embed="rId2">
+          <a:blip r:embed="rId3">
             <a:extLst>
               <a:ext uri="{28A0092B-C50C-407E-A947-70E740481C1C}">
                 <a14:useLocalDpi xmlns:a14="http://schemas.microsoft.com/office/drawing/2010/main" val="0"/>
@@ -3914,7 +5082,7 @@
         </p:blipFill>
         <p:spPr>
           <a:xfrm>
-            <a:off x="427990" y="681037"/>
+            <a:off x="2622549" y="1100742"/>
             <a:ext cx="6946900" cy="5638800"/>
           </a:xfrm>
           <a:prstGeom prst="rect">
@@ -3937,7 +5105,7 @@
           <p:nvPr/>
         </p:nvPicPr>
         <p:blipFill>
-          <a:blip r:embed="rId3">
+          <a:blip r:embed="rId4">
             <a:extLst>
               <a:ext uri="{28A0092B-C50C-407E-A947-70E740481C1C}">
                 <a14:useLocalDpi xmlns:a14="http://schemas.microsoft.com/office/drawing/2010/main" val="0"/>
@@ -4108,7 +5276,12 @@
             <p:ph idx="1"/>
           </p:nvPr>
         </p:nvSpPr>
-        <p:spPr/>
+        <p:spPr>
+          <a:xfrm>
+            <a:off x="838200" y="1690688"/>
+            <a:ext cx="10515600" cy="4351338"/>
+          </a:xfrm>
+        </p:spPr>
         <p:txBody>
           <a:bodyPr>
             <a:normAutofit/>
@@ -4151,7 +5324,7 @@
           <p:nvPr/>
         </p:nvPicPr>
         <p:blipFill>
-          <a:blip r:embed="rId2">
+          <a:blip r:embed="rId3">
             <a:extLst>
               <a:ext uri="{28A0092B-C50C-407E-A947-70E740481C1C}">
                 <a14:useLocalDpi xmlns:a14="http://schemas.microsoft.com/office/drawing/2010/main" val="0"/>
@@ -4164,8 +5337,216 @@
         </p:blipFill>
         <p:spPr>
           <a:xfrm>
-            <a:off x="2699239" y="3142044"/>
+            <a:off x="5155360" y="3016251"/>
             <a:ext cx="6793522" cy="3428806"/>
+          </a:xfrm>
+          <a:prstGeom prst="rect">
+            <a:avLst/>
+          </a:prstGeom>
+        </p:spPr>
+      </p:pic>
+      <p:sp>
+        <p:nvSpPr>
+          <p:cNvPr id="4" name="Rectangle 3">
+            <a:extLst>
+              <a:ext uri="{FF2B5EF4-FFF2-40B4-BE49-F238E27FC236}">
+                <a16:creationId xmlns:a16="http://schemas.microsoft.com/office/drawing/2014/main" id="{A0BCDDBB-232F-588A-FE28-CB87320F1FCB}"/>
+              </a:ext>
+            </a:extLst>
+          </p:cNvPr>
+          <p:cNvSpPr/>
+          <p:nvPr/>
+        </p:nvSpPr>
+        <p:spPr>
+          <a:xfrm>
+            <a:off x="5155360" y="3769270"/>
+            <a:ext cx="6880696" cy="1350224"/>
+          </a:xfrm>
+          <a:prstGeom prst="rect">
+            <a:avLst/>
+          </a:prstGeom>
+          <a:noFill/>
+          <a:ln>
+            <a:solidFill>
+              <a:srgbClr val="FF0000"/>
+            </a:solidFill>
+          </a:ln>
+        </p:spPr>
+        <p:style>
+          <a:lnRef idx="2">
+            <a:schemeClr val="accent1">
+              <a:shade val="15000"/>
+            </a:schemeClr>
+          </a:lnRef>
+          <a:fillRef idx="1">
+            <a:schemeClr val="accent1"/>
+          </a:fillRef>
+          <a:effectRef idx="0">
+            <a:schemeClr val="accent1"/>
+          </a:effectRef>
+          <a:fontRef idx="minor">
+            <a:schemeClr val="lt1"/>
+          </a:fontRef>
+        </p:style>
+        <p:txBody>
+          <a:bodyPr rtlCol="0" anchor="ctr"/>
+          <a:lstStyle/>
+          <a:p>
+            <a:pPr algn="ctr"/>
+            <a:endParaRPr lang="en-US"/>
+          </a:p>
+        </p:txBody>
+      </p:sp>
+      <p:sp>
+        <p:nvSpPr>
+          <p:cNvPr id="6" name="TextBox 5">
+            <a:extLst>
+              <a:ext uri="{FF2B5EF4-FFF2-40B4-BE49-F238E27FC236}">
+                <a16:creationId xmlns:a16="http://schemas.microsoft.com/office/drawing/2014/main" id="{8FB73EFA-DDA1-6ECB-2583-FC7743B056DC}"/>
+              </a:ext>
+            </a:extLst>
+          </p:cNvPr>
+          <p:cNvSpPr txBox="1"/>
+          <p:nvPr/>
+        </p:nvSpPr>
+        <p:spPr>
+          <a:xfrm>
+            <a:off x="10085848" y="3312359"/>
+            <a:ext cx="1725152" cy="369332"/>
+          </a:xfrm>
+          <a:prstGeom prst="rect">
+            <a:avLst/>
+          </a:prstGeom>
+          <a:noFill/>
+        </p:spPr>
+        <p:txBody>
+          <a:bodyPr wrap="none" rtlCol="0">
+            <a:spAutoFit/>
+          </a:bodyPr>
+          <a:lstStyle/>
+          <a:p>
+            <a:r>
+              <a:rPr lang="en-US" dirty="0"/>
+              <a:t>Successful trial</a:t>
+            </a:r>
+          </a:p>
+        </p:txBody>
+      </p:sp>
+      <p:sp>
+        <p:nvSpPr>
+          <p:cNvPr id="7" name="Rectangle 6">
+            <a:extLst>
+              <a:ext uri="{FF2B5EF4-FFF2-40B4-BE49-F238E27FC236}">
+                <a16:creationId xmlns:a16="http://schemas.microsoft.com/office/drawing/2014/main" id="{2F33A543-4222-F464-B638-4BB729C43E82}"/>
+              </a:ext>
+            </a:extLst>
+          </p:cNvPr>
+          <p:cNvSpPr/>
+          <p:nvPr/>
+        </p:nvSpPr>
+        <p:spPr>
+          <a:xfrm>
+            <a:off x="5155360" y="5220558"/>
+            <a:ext cx="6880696" cy="1350224"/>
+          </a:xfrm>
+          <a:prstGeom prst="rect">
+            <a:avLst/>
+          </a:prstGeom>
+          <a:noFill/>
+          <a:ln>
+            <a:solidFill>
+              <a:srgbClr val="FF0000"/>
+            </a:solidFill>
+          </a:ln>
+        </p:spPr>
+        <p:style>
+          <a:lnRef idx="2">
+            <a:schemeClr val="accent1">
+              <a:shade val="15000"/>
+            </a:schemeClr>
+          </a:lnRef>
+          <a:fillRef idx="1">
+            <a:schemeClr val="accent1"/>
+          </a:fillRef>
+          <a:effectRef idx="0">
+            <a:schemeClr val="accent1"/>
+          </a:effectRef>
+          <a:fontRef idx="minor">
+            <a:schemeClr val="lt1"/>
+          </a:fontRef>
+        </p:style>
+        <p:txBody>
+          <a:bodyPr rtlCol="0" anchor="ctr"/>
+          <a:lstStyle/>
+          <a:p>
+            <a:pPr algn="ctr"/>
+            <a:endParaRPr lang="en-US"/>
+          </a:p>
+        </p:txBody>
+      </p:sp>
+      <p:sp>
+        <p:nvSpPr>
+          <p:cNvPr id="8" name="TextBox 7">
+            <a:extLst>
+              <a:ext uri="{FF2B5EF4-FFF2-40B4-BE49-F238E27FC236}">
+                <a16:creationId xmlns:a16="http://schemas.microsoft.com/office/drawing/2014/main" id="{AE768477-981A-21B5-FBB8-262AC68B9E81}"/>
+              </a:ext>
+            </a:extLst>
+          </p:cNvPr>
+          <p:cNvSpPr txBox="1"/>
+          <p:nvPr/>
+        </p:nvSpPr>
+        <p:spPr>
+          <a:xfrm>
+            <a:off x="10582394" y="6525888"/>
+            <a:ext cx="1228606" cy="369332"/>
+          </a:xfrm>
+          <a:prstGeom prst="rect">
+            <a:avLst/>
+          </a:prstGeom>
+          <a:noFill/>
+        </p:spPr>
+        <p:txBody>
+          <a:bodyPr wrap="none" rtlCol="0">
+            <a:spAutoFit/>
+          </a:bodyPr>
+          <a:lstStyle/>
+          <a:p>
+            <a:r>
+              <a:rPr lang="en-US" altLang="zh-TW" dirty="0"/>
+              <a:t>Failed</a:t>
+            </a:r>
+            <a:r>
+              <a:rPr lang="en-US" dirty="0"/>
+              <a:t> trial</a:t>
+            </a:r>
+          </a:p>
+        </p:txBody>
+      </p:sp>
+      <p:pic>
+        <p:nvPicPr>
+          <p:cNvPr id="10" name="Picture 9">
+            <a:extLst>
+              <a:ext uri="{FF2B5EF4-FFF2-40B4-BE49-F238E27FC236}">
+                <a16:creationId xmlns:a16="http://schemas.microsoft.com/office/drawing/2014/main" id="{787EFDED-C0FC-B2AF-E154-4DC7A824D8B6}"/>
+              </a:ext>
+            </a:extLst>
+          </p:cNvPr>
+          <p:cNvPicPr>
+            <a:picLocks noChangeAspect="1"/>
+          </p:cNvPicPr>
+          <p:nvPr/>
+        </p:nvPicPr>
+        <p:blipFill>
+          <a:blip r:embed="rId4"/>
+          <a:stretch>
+            <a:fillRect/>
+          </a:stretch>
+        </p:blipFill>
+        <p:spPr>
+          <a:xfrm>
+            <a:off x="353329" y="3016251"/>
+            <a:ext cx="4664149" cy="1936489"/>
           </a:xfrm>
           <a:prstGeom prst="rect">
             <a:avLst/>
@@ -4259,7 +5640,7 @@
           <a:p>
             <a:r>
               <a:rPr kumimoji="1" lang="en-US" altLang="zh-TW" dirty="0"/>
-              <a:t>Assign a distinct color to each trial.</a:t>
+              <a:t>Clean the data frame and assign a distinct color to each trial.</a:t>
             </a:r>
           </a:p>
           <a:p>
@@ -5148,7 +6529,7 @@
           <p:nvPr/>
         </p:nvPicPr>
         <p:blipFill>
-          <a:blip r:embed="rId2">
+          <a:blip r:embed="rId3">
             <a:extLst>
               <a:ext uri="{28A0092B-C50C-407E-A947-70E740481C1C}">
                 <a14:useLocalDpi xmlns:a14="http://schemas.microsoft.com/office/drawing/2010/main" val="0"/>
@@ -5411,8 +6792,18 @@
           </a:p>
           <a:p>
             <a:r>
+              <a:rPr lang="en-US" altLang="zh-TW" sz="2000" dirty="0"/>
+              <a:t>C</a:t>
+            </a:r>
+            <a:r>
               <a:rPr lang="en-US" sz="2000" dirty="0"/>
-              <a:t>computes the difference between each position point and the add them all up</a:t>
+              <a:t>omputes the difference between each position point and the add them all up</a:t>
+            </a:r>
+          </a:p>
+          <a:p>
+            <a:r>
+              <a:rPr kumimoji="1" lang="en-US" altLang="zh-TW" sz="2000" dirty="0"/>
+              <a:t>This part is not included in the summary CSV file.</a:t>
             </a:r>
             <a:endParaRPr kumimoji="1" lang="zh-TW" altLang="en-US" sz="2000" dirty="0"/>
           </a:p>
@@ -5886,7 +7277,7 @@
           <p:nvPr/>
         </p:nvPicPr>
         <p:blipFill>
-          <a:blip r:embed="rId2"/>
+          <a:blip r:embed="rId3"/>
           <a:stretch>
             <a:fillRect/>
           </a:stretch>
@@ -6256,80 +7647,20 @@
         </p:blipFill>
         <p:spPr>
           <a:xfrm>
-            <a:off x="2547652" y="676021"/>
-            <a:ext cx="7440063" cy="3600953"/>
+            <a:off x="5441379" y="661476"/>
+            <a:ext cx="6573411" cy="3181498"/>
           </a:xfrm>
           <a:prstGeom prst="rect">
             <a:avLst/>
           </a:prstGeom>
         </p:spPr>
       </p:pic>
-    </p:spTree>
-    <p:extLst>
-      <p:ext uri="{BB962C8B-B14F-4D97-AF65-F5344CB8AC3E}">
-        <p14:creationId xmlns:p14="http://schemas.microsoft.com/office/powerpoint/2010/main" val="3817538779"/>
-      </p:ext>
-    </p:extLst>
-  </p:cSld>
-  <p:clrMapOvr>
-    <a:masterClrMapping/>
-  </p:clrMapOvr>
-</p:sld>
-</file>
-
-<file path=ppt/slides/slide21.xml><?xml version="1.0" encoding="utf-8"?>
-<p:sld xmlns:a="http://schemas.openxmlformats.org/drawingml/2006/main" xmlns:r="http://schemas.openxmlformats.org/officeDocument/2006/relationships" xmlns:p="http://schemas.openxmlformats.org/presentationml/2006/main">
-  <p:cSld>
-    <p:spTree>
-      <p:nvGrpSpPr>
-        <p:cNvPr id="1" name=""/>
-        <p:cNvGrpSpPr/>
-        <p:nvPr/>
-      </p:nvGrpSpPr>
-      <p:grpSpPr>
-        <a:xfrm>
-          <a:off x="0" y="0"/>
-          <a:ext cx="0" cy="0"/>
-          <a:chOff x="0" y="0"/>
-          <a:chExt cx="0" cy="0"/>
-        </a:xfrm>
-      </p:grpSpPr>
       <p:pic>
         <p:nvPicPr>
-          <p:cNvPr id="5" name="Picture 4">
-            <a:extLst>
-              <a:ext uri="{FF2B5EF4-FFF2-40B4-BE49-F238E27FC236}">
-                <a16:creationId xmlns:a16="http://schemas.microsoft.com/office/drawing/2014/main" id="{10AC1C48-FF8C-5A64-59C1-C900FABCCB0A}"/>
-              </a:ext>
-            </a:extLst>
-          </p:cNvPr>
-          <p:cNvPicPr>
-            <a:picLocks noChangeAspect="1"/>
-          </p:cNvPicPr>
-          <p:nvPr/>
-        </p:nvPicPr>
-        <p:blipFill>
-          <a:blip r:embed="rId2"/>
-          <a:stretch>
-            <a:fillRect/>
-          </a:stretch>
-        </p:blipFill>
-        <p:spPr>
-          <a:xfrm>
-            <a:off x="250232" y="1717651"/>
-            <a:ext cx="5737370" cy="3422698"/>
-          </a:xfrm>
-          <a:prstGeom prst="rect">
-            <a:avLst/>
-          </a:prstGeom>
-        </p:spPr>
-      </p:pic>
-      <p:pic>
-        <p:nvPicPr>
-          <p:cNvPr id="7" name="Picture 6">
-            <a:extLst>
-              <a:ext uri="{FF2B5EF4-FFF2-40B4-BE49-F238E27FC236}">
-                <a16:creationId xmlns:a16="http://schemas.microsoft.com/office/drawing/2014/main" id="{B64F2F28-281C-159B-53BC-C1E52B48A2DF}"/>
+          <p:cNvPr id="6" name="Picture 5">
+            <a:extLst>
+              <a:ext uri="{FF2B5EF4-FFF2-40B4-BE49-F238E27FC236}">
+                <a16:creationId xmlns:a16="http://schemas.microsoft.com/office/drawing/2014/main" id="{3BAC7F9B-5BCD-F73F-F3E2-6E21F96EA47B}"/>
               </a:ext>
             </a:extLst>
           </p:cNvPr>
@@ -6346,8 +7677,8 @@
         </p:blipFill>
         <p:spPr>
           <a:xfrm>
-            <a:off x="6091276" y="1717651"/>
-            <a:ext cx="5737370" cy="3422698"/>
+            <a:off x="59003" y="672711"/>
+            <a:ext cx="5382376" cy="1524213"/>
           </a:xfrm>
           <a:prstGeom prst="rect">
             <a:avLst/>
@@ -6356,2023 +7687,10 @@
       </p:pic>
       <p:sp>
         <p:nvSpPr>
-          <p:cNvPr id="2" name="標題 1">
-            <a:extLst>
-              <a:ext uri="{FF2B5EF4-FFF2-40B4-BE49-F238E27FC236}">
-                <a16:creationId xmlns:a16="http://schemas.microsoft.com/office/drawing/2014/main" id="{692489FA-A658-43DB-D656-DFF51D093623}"/>
-              </a:ext>
-            </a:extLst>
-          </p:cNvPr>
-          <p:cNvSpPr>
-            <a:spLocks noGrp="1"/>
-          </p:cNvSpPr>
-          <p:nvPr>
-            <p:ph type="title"/>
-          </p:nvPr>
-        </p:nvSpPr>
-        <p:spPr>
-          <a:xfrm>
-            <a:off x="838200" y="365125"/>
-            <a:ext cx="10515600" cy="1325563"/>
-          </a:xfrm>
-        </p:spPr>
-        <p:txBody>
-          <a:bodyPr/>
-          <a:lstStyle/>
-          <a:p>
-            <a:r>
-              <a:rPr kumimoji="1" lang="en-US" altLang="zh-TW" dirty="0"/>
-              <a:t>The bar chart of success rate &amp; average trial time of each ensemble</a:t>
-            </a:r>
-            <a:endParaRPr kumimoji="1" lang="zh-TW" altLang="en-US" dirty="0"/>
-          </a:p>
-        </p:txBody>
-      </p:sp>
-      <p:sp>
-        <p:nvSpPr>
-          <p:cNvPr id="3" name="文字方塊 2">
-            <a:extLst>
-              <a:ext uri="{FF2B5EF4-FFF2-40B4-BE49-F238E27FC236}">
-                <a16:creationId xmlns:a16="http://schemas.microsoft.com/office/drawing/2014/main" id="{17D9F155-0124-EC77-4E9C-4969FAE0ECA4}"/>
-              </a:ext>
-            </a:extLst>
-          </p:cNvPr>
-          <p:cNvSpPr txBox="1"/>
-          <p:nvPr/>
-        </p:nvSpPr>
-        <p:spPr>
-          <a:xfrm>
-            <a:off x="548640" y="5445760"/>
-            <a:ext cx="9070753" cy="369332"/>
-          </a:xfrm>
-          <a:prstGeom prst="rect">
-            <a:avLst/>
-          </a:prstGeom>
-          <a:noFill/>
-        </p:spPr>
-        <p:txBody>
-          <a:bodyPr wrap="none" rtlCol="0">
-            <a:spAutoFit/>
-          </a:bodyPr>
-          <a:lstStyle/>
-          <a:p>
-            <a:r>
-              <a:rPr kumimoji="1" lang="en-US" altLang="zh-TW" dirty="0"/>
-              <a:t>*Because the sample size of each ensemble is only 1, there is not STD error in </a:t>
-            </a:r>
-            <a:r>
-              <a:rPr kumimoji="1" lang="en-US" altLang="zh-TW"/>
-              <a:t>this figures. </a:t>
-            </a:r>
-            <a:endParaRPr kumimoji="1" lang="zh-TW" altLang="en-US" dirty="0"/>
-          </a:p>
-        </p:txBody>
-      </p:sp>
-    </p:spTree>
-    <p:extLst>
-      <p:ext uri="{BB962C8B-B14F-4D97-AF65-F5344CB8AC3E}">
-        <p14:creationId xmlns:p14="http://schemas.microsoft.com/office/powerpoint/2010/main" val="280484079"/>
-      </p:ext>
-    </p:extLst>
-  </p:cSld>
-  <p:clrMapOvr>
-    <a:masterClrMapping/>
-  </p:clrMapOvr>
-</p:sld>
-</file>
-
-<file path=ppt/slides/slide3.xml><?xml version="1.0" encoding="utf-8"?>
-<p:sld xmlns:a="http://schemas.openxmlformats.org/drawingml/2006/main" xmlns:r="http://schemas.openxmlformats.org/officeDocument/2006/relationships" xmlns:p="http://schemas.openxmlformats.org/presentationml/2006/main">
-  <p:cSld>
-    <p:spTree>
-      <p:nvGrpSpPr>
-        <p:cNvPr id="1" name=""/>
-        <p:cNvGrpSpPr/>
-        <p:nvPr/>
-      </p:nvGrpSpPr>
-      <p:grpSpPr>
-        <a:xfrm>
-          <a:off x="0" y="0"/>
-          <a:ext cx="0" cy="0"/>
-          <a:chOff x="0" y="0"/>
-          <a:chExt cx="0" cy="0"/>
-        </a:xfrm>
-      </p:grpSpPr>
-      <p:sp>
-        <p:nvSpPr>
-          <p:cNvPr id="2" name="Title 1">
-            <a:extLst>
-              <a:ext uri="{FF2B5EF4-FFF2-40B4-BE49-F238E27FC236}">
-                <a16:creationId xmlns:a16="http://schemas.microsoft.com/office/drawing/2014/main" id="{7124A36F-CBDE-FF87-3359-5617B949C48B}"/>
-              </a:ext>
-            </a:extLst>
-          </p:cNvPr>
-          <p:cNvSpPr>
-            <a:spLocks noGrp="1"/>
-          </p:cNvSpPr>
-          <p:nvPr>
-            <p:ph type="title"/>
-          </p:nvPr>
-        </p:nvSpPr>
-        <p:spPr/>
-        <p:txBody>
-          <a:bodyPr/>
-          <a:lstStyle/>
-          <a:p>
-            <a:r>
-              <a:rPr lang="en-US" altLang="zh-TW" dirty="0"/>
-              <a:t>BCI</a:t>
-            </a:r>
-            <a:r>
-              <a:rPr lang="zh-TW" altLang="en-US" dirty="0"/>
-              <a:t> </a:t>
-            </a:r>
-            <a:r>
-              <a:rPr lang="en-US" altLang="zh-TW" dirty="0"/>
-              <a:t>task set up</a:t>
-            </a:r>
-            <a:endParaRPr lang="en-US" dirty="0"/>
-          </a:p>
-        </p:txBody>
-      </p:sp>
-      <p:sp>
-        <p:nvSpPr>
-          <p:cNvPr id="3" name="Content Placeholder 2">
-            <a:extLst>
-              <a:ext uri="{FF2B5EF4-FFF2-40B4-BE49-F238E27FC236}">
-                <a16:creationId xmlns:a16="http://schemas.microsoft.com/office/drawing/2014/main" id="{8C0FEB6E-D92B-5326-3C30-A7DCC6B059C8}"/>
-              </a:ext>
-            </a:extLst>
-          </p:cNvPr>
-          <p:cNvSpPr>
-            <a:spLocks noGrp="1"/>
-          </p:cNvSpPr>
-          <p:nvPr>
-            <p:ph idx="1"/>
-          </p:nvPr>
-        </p:nvSpPr>
-        <p:spPr>
-          <a:xfrm>
-            <a:off x="838200" y="1825625"/>
-            <a:ext cx="6314489" cy="4351338"/>
-          </a:xfrm>
-        </p:spPr>
-        <p:txBody>
-          <a:bodyPr>
-            <a:normAutofit lnSpcReduction="10000"/>
-          </a:bodyPr>
-          <a:lstStyle/>
-          <a:p>
-            <a:r>
-              <a:rPr lang="en-US" dirty="0"/>
-              <a:t>The monitor will generate drift grating in different angel.</a:t>
-            </a:r>
-          </a:p>
-          <a:p>
-            <a:r>
-              <a:rPr lang="en-US" dirty="0"/>
-              <a:t>If the selected neurons have calcium activity, the signal will be fed in the 2</a:t>
-            </a:r>
-            <a:r>
-              <a:rPr lang="en-US" altLang="zh-TW" dirty="0"/>
-              <a:t>P</a:t>
-            </a:r>
-            <a:r>
-              <a:rPr lang="zh-TW" altLang="en-US" dirty="0"/>
-              <a:t> </a:t>
-            </a:r>
-            <a:r>
-              <a:rPr lang="en-US" altLang="zh-TW" dirty="0"/>
-              <a:t>system and cause the drift grating speed up.</a:t>
-            </a:r>
-          </a:p>
-          <a:p>
-            <a:r>
-              <a:rPr lang="en-US" dirty="0"/>
-              <a:t>There are other selected neurons which have negative weight.</a:t>
-            </a:r>
-          </a:p>
-          <a:p>
-            <a:r>
-              <a:rPr lang="en-US" dirty="0"/>
-              <a:t>The goal is encouraging the mouse to learn to move the grating for certain threshold distance. </a:t>
-            </a:r>
-          </a:p>
-        </p:txBody>
-      </p:sp>
-      <p:pic>
-        <p:nvPicPr>
-          <p:cNvPr id="5" name="Picture 4">
-            <a:extLst>
-              <a:ext uri="{FF2B5EF4-FFF2-40B4-BE49-F238E27FC236}">
-                <a16:creationId xmlns:a16="http://schemas.microsoft.com/office/drawing/2014/main" id="{50F577E3-DEE8-B1B3-24D5-CB7937E8494E}"/>
-              </a:ext>
-            </a:extLst>
-          </p:cNvPr>
-          <p:cNvPicPr>
-            <a:picLocks noChangeAspect="1"/>
-          </p:cNvPicPr>
-          <p:nvPr/>
-        </p:nvPicPr>
-        <p:blipFill>
-          <a:blip r:embed="rId2"/>
-          <a:stretch>
-            <a:fillRect/>
-          </a:stretch>
-        </p:blipFill>
-        <p:spPr>
-          <a:xfrm>
-            <a:off x="7152689" y="1825625"/>
-            <a:ext cx="4201111" cy="4248743"/>
-          </a:xfrm>
-          <a:prstGeom prst="rect">
-            <a:avLst/>
-          </a:prstGeom>
-        </p:spPr>
-      </p:pic>
-      <p:sp>
-        <p:nvSpPr>
-          <p:cNvPr id="7" name="TextBox 6">
-            <a:extLst>
-              <a:ext uri="{FF2B5EF4-FFF2-40B4-BE49-F238E27FC236}">
-                <a16:creationId xmlns:a16="http://schemas.microsoft.com/office/drawing/2014/main" id="{2543966D-A974-FEAE-A322-8492A2451A7F}"/>
-              </a:ext>
-            </a:extLst>
-          </p:cNvPr>
-          <p:cNvSpPr txBox="1"/>
-          <p:nvPr/>
-        </p:nvSpPr>
-        <p:spPr>
-          <a:xfrm>
-            <a:off x="6819036" y="6081067"/>
-            <a:ext cx="4868418" cy="461665"/>
-          </a:xfrm>
-          <a:prstGeom prst="rect">
-            <a:avLst/>
-          </a:prstGeom>
-          <a:noFill/>
-        </p:spPr>
-        <p:txBody>
-          <a:bodyPr wrap="square">
-            <a:spAutoFit/>
-          </a:bodyPr>
-          <a:lstStyle/>
-          <a:p>
-            <a:r>
-              <a:rPr lang="en-US" sz="1200" dirty="0">
-                <a:latin typeface="Times New Roman" panose="02020603050405020304" pitchFamily="18" charset="0"/>
-                <a:cs typeface="Times New Roman" panose="02020603050405020304" pitchFamily="18" charset="0"/>
-              </a:rPr>
-              <a:t>Bounds, H. A., et al. (2023). </a:t>
-            </a:r>
-            <a:r>
-              <a:rPr lang="en-US" sz="1200" i="1" dirty="0">
-                <a:latin typeface="Times New Roman" panose="02020603050405020304" pitchFamily="18" charset="0"/>
-                <a:cs typeface="Times New Roman" panose="02020603050405020304" pitchFamily="18" charset="0"/>
-              </a:rPr>
-              <a:t>All-optical recreation of naturalistic neural activity with a multifunctional transgenic reporter mouse</a:t>
-            </a:r>
-            <a:r>
-              <a:rPr lang="en-US" sz="1200" dirty="0">
-                <a:latin typeface="Times New Roman" panose="02020603050405020304" pitchFamily="18" charset="0"/>
-                <a:cs typeface="Times New Roman" panose="02020603050405020304" pitchFamily="18" charset="0"/>
-              </a:rPr>
-              <a:t>. </a:t>
-            </a:r>
-            <a:r>
-              <a:rPr lang="en-US" sz="1200" i="1" dirty="0">
-                <a:latin typeface="Times New Roman" panose="02020603050405020304" pitchFamily="18" charset="0"/>
-                <a:cs typeface="Times New Roman" panose="02020603050405020304" pitchFamily="18" charset="0"/>
-              </a:rPr>
-              <a:t>Cell Reports</a:t>
-            </a:r>
-            <a:endParaRPr lang="en-US" sz="1200" dirty="0">
-              <a:latin typeface="Times New Roman" panose="02020603050405020304" pitchFamily="18" charset="0"/>
-              <a:cs typeface="Times New Roman" panose="02020603050405020304" pitchFamily="18" charset="0"/>
-            </a:endParaRPr>
-          </a:p>
-        </p:txBody>
-      </p:sp>
-    </p:spTree>
-    <p:extLst>
-      <p:ext uri="{BB962C8B-B14F-4D97-AF65-F5344CB8AC3E}">
-        <p14:creationId xmlns:p14="http://schemas.microsoft.com/office/powerpoint/2010/main" val="2087931565"/>
-      </p:ext>
-    </p:extLst>
-  </p:cSld>
-  <p:clrMapOvr>
-    <a:masterClrMapping/>
-  </p:clrMapOvr>
-</p:sld>
-</file>
-
-<file path=ppt/slides/slide4.xml><?xml version="1.0" encoding="utf-8"?>
-<p:sld xmlns:a="http://schemas.openxmlformats.org/drawingml/2006/main" xmlns:r="http://schemas.openxmlformats.org/officeDocument/2006/relationships" xmlns:p="http://schemas.openxmlformats.org/presentationml/2006/main">
-  <p:cSld>
-    <p:spTree>
-      <p:nvGrpSpPr>
-        <p:cNvPr id="1" name=""/>
-        <p:cNvGrpSpPr/>
-        <p:nvPr/>
-      </p:nvGrpSpPr>
-      <p:grpSpPr>
-        <a:xfrm>
-          <a:off x="0" y="0"/>
-          <a:ext cx="0" cy="0"/>
-          <a:chOff x="0" y="0"/>
-          <a:chExt cx="0" cy="0"/>
-        </a:xfrm>
-      </p:grpSpPr>
-      <p:sp>
-        <p:nvSpPr>
-          <p:cNvPr id="2" name="Title 1">
-            <a:extLst>
-              <a:ext uri="{FF2B5EF4-FFF2-40B4-BE49-F238E27FC236}">
-                <a16:creationId xmlns:a16="http://schemas.microsoft.com/office/drawing/2014/main" id="{00A49728-C638-6F21-462C-2FED68CE1B60}"/>
-              </a:ext>
-            </a:extLst>
-          </p:cNvPr>
-          <p:cNvSpPr>
-            <a:spLocks noGrp="1"/>
-          </p:cNvSpPr>
-          <p:nvPr>
-            <p:ph type="title"/>
-          </p:nvPr>
-        </p:nvSpPr>
-        <p:spPr/>
-        <p:txBody>
-          <a:bodyPr/>
-          <a:lstStyle/>
-          <a:p>
-            <a:r>
-              <a:rPr lang="en-US" dirty="0"/>
-              <a:t>Behavioral data format</a:t>
-            </a:r>
-          </a:p>
-        </p:txBody>
-      </p:sp>
-      <p:pic>
-        <p:nvPicPr>
-          <p:cNvPr id="5" name="Picture 4">
-            <a:extLst>
-              <a:ext uri="{FF2B5EF4-FFF2-40B4-BE49-F238E27FC236}">
-                <a16:creationId xmlns:a16="http://schemas.microsoft.com/office/drawing/2014/main" id="{FCA3732A-D2C7-9F18-CB78-09C4550ED11A}"/>
-              </a:ext>
-            </a:extLst>
-          </p:cNvPr>
-          <p:cNvPicPr>
-            <a:picLocks noChangeAspect="1"/>
-          </p:cNvPicPr>
-          <p:nvPr/>
-        </p:nvPicPr>
-        <p:blipFill>
-          <a:blip r:embed="rId2"/>
-          <a:stretch>
-            <a:fillRect/>
-          </a:stretch>
-        </p:blipFill>
-        <p:spPr>
-          <a:xfrm>
-            <a:off x="162619" y="2218817"/>
-            <a:ext cx="11866761" cy="3876607"/>
-          </a:xfrm>
-          <a:prstGeom prst="rect">
-            <a:avLst/>
-          </a:prstGeom>
-        </p:spPr>
-      </p:pic>
-      <p:sp>
-        <p:nvSpPr>
-          <p:cNvPr id="6" name="Rectangle 5">
-            <a:extLst>
-              <a:ext uri="{FF2B5EF4-FFF2-40B4-BE49-F238E27FC236}">
-                <a16:creationId xmlns:a16="http://schemas.microsoft.com/office/drawing/2014/main" id="{D7C91DAE-59A7-8181-BCF3-B920878C2545}"/>
-              </a:ext>
-            </a:extLst>
-          </p:cNvPr>
-          <p:cNvSpPr/>
-          <p:nvPr/>
-        </p:nvSpPr>
-        <p:spPr>
-          <a:xfrm>
-            <a:off x="73153" y="2120457"/>
-            <a:ext cx="12051792" cy="348424"/>
-          </a:xfrm>
-          <a:prstGeom prst="rect">
-            <a:avLst/>
-          </a:prstGeom>
-          <a:noFill/>
-          <a:ln>
-            <a:solidFill>
-              <a:srgbClr val="0070C0"/>
-            </a:solidFill>
-          </a:ln>
-        </p:spPr>
-        <p:style>
-          <a:lnRef idx="2">
-            <a:schemeClr val="accent1">
-              <a:shade val="15000"/>
-            </a:schemeClr>
-          </a:lnRef>
-          <a:fillRef idx="1">
-            <a:schemeClr val="accent1"/>
-          </a:fillRef>
-          <a:effectRef idx="0">
-            <a:schemeClr val="accent1"/>
-          </a:effectRef>
-          <a:fontRef idx="minor">
-            <a:schemeClr val="lt1"/>
-          </a:fontRef>
-        </p:style>
-        <p:txBody>
-          <a:bodyPr rtlCol="0" anchor="ctr"/>
-          <a:lstStyle/>
-          <a:p>
-            <a:pPr algn="ctr"/>
-            <a:endParaRPr lang="en-US"/>
-          </a:p>
-        </p:txBody>
-      </p:sp>
-      <p:sp>
-        <p:nvSpPr>
-          <p:cNvPr id="7" name="TextBox 6">
-            <a:extLst>
-              <a:ext uri="{FF2B5EF4-FFF2-40B4-BE49-F238E27FC236}">
-                <a16:creationId xmlns:a16="http://schemas.microsoft.com/office/drawing/2014/main" id="{43FA3D57-5FF0-2723-E560-670BFC59521A}"/>
-              </a:ext>
-            </a:extLst>
-          </p:cNvPr>
-          <p:cNvSpPr txBox="1"/>
-          <p:nvPr/>
-        </p:nvSpPr>
-        <p:spPr>
-          <a:xfrm>
-            <a:off x="338328" y="1789048"/>
-            <a:ext cx="3224601" cy="369332"/>
-          </a:xfrm>
-          <a:prstGeom prst="rect">
-            <a:avLst/>
-          </a:prstGeom>
-          <a:noFill/>
-        </p:spPr>
-        <p:txBody>
-          <a:bodyPr wrap="none" rtlCol="0">
-            <a:spAutoFit/>
-          </a:bodyPr>
-          <a:lstStyle/>
-          <a:p>
-            <a:r>
-              <a:rPr lang="en-US" dirty="0">
-                <a:solidFill>
-                  <a:srgbClr val="0070C0"/>
-                </a:solidFill>
-              </a:rPr>
-              <a:t>Behavioral experiment set up </a:t>
-            </a:r>
-          </a:p>
-        </p:txBody>
-      </p:sp>
-      <p:sp>
-        <p:nvSpPr>
-          <p:cNvPr id="8" name="Rectangle 7">
-            <a:extLst>
-              <a:ext uri="{FF2B5EF4-FFF2-40B4-BE49-F238E27FC236}">
-                <a16:creationId xmlns:a16="http://schemas.microsoft.com/office/drawing/2014/main" id="{8C72228A-8404-6557-FB9F-E3D06B481837}"/>
-              </a:ext>
-            </a:extLst>
-          </p:cNvPr>
-          <p:cNvSpPr/>
-          <p:nvPr/>
-        </p:nvSpPr>
-        <p:spPr>
-          <a:xfrm>
-            <a:off x="2843784" y="2827722"/>
-            <a:ext cx="3355848" cy="1232214"/>
-          </a:xfrm>
-          <a:prstGeom prst="rect">
-            <a:avLst/>
-          </a:prstGeom>
-          <a:noFill/>
-          <a:ln>
-            <a:solidFill>
-              <a:srgbClr val="FF0000"/>
-            </a:solidFill>
-          </a:ln>
-        </p:spPr>
-        <p:style>
-          <a:lnRef idx="2">
-            <a:schemeClr val="accent1">
-              <a:shade val="15000"/>
-            </a:schemeClr>
-          </a:lnRef>
-          <a:fillRef idx="1">
-            <a:schemeClr val="accent1"/>
-          </a:fillRef>
-          <a:effectRef idx="0">
-            <a:schemeClr val="accent1"/>
-          </a:effectRef>
-          <a:fontRef idx="minor">
-            <a:schemeClr val="lt1"/>
-          </a:fontRef>
-        </p:style>
-        <p:txBody>
-          <a:bodyPr rtlCol="0" anchor="ctr"/>
-          <a:lstStyle/>
-          <a:p>
-            <a:pPr algn="ctr"/>
-            <a:endParaRPr lang="en-US"/>
-          </a:p>
-        </p:txBody>
-      </p:sp>
-      <p:sp>
-        <p:nvSpPr>
-          <p:cNvPr id="9" name="Rectangle 8">
-            <a:extLst>
-              <a:ext uri="{FF2B5EF4-FFF2-40B4-BE49-F238E27FC236}">
-                <a16:creationId xmlns:a16="http://schemas.microsoft.com/office/drawing/2014/main" id="{A3200F2B-05C4-CF1E-DAC8-0132248395F0}"/>
-              </a:ext>
-            </a:extLst>
-          </p:cNvPr>
-          <p:cNvSpPr/>
-          <p:nvPr/>
-        </p:nvSpPr>
-        <p:spPr>
-          <a:xfrm>
-            <a:off x="2840736" y="4105656"/>
-            <a:ext cx="3355848" cy="978408"/>
-          </a:xfrm>
-          <a:prstGeom prst="rect">
-            <a:avLst/>
-          </a:prstGeom>
-          <a:noFill/>
-          <a:ln>
-            <a:solidFill>
-              <a:srgbClr val="FF0000"/>
-            </a:solidFill>
-          </a:ln>
-        </p:spPr>
-        <p:style>
-          <a:lnRef idx="2">
-            <a:schemeClr val="accent1">
-              <a:shade val="15000"/>
-            </a:schemeClr>
-          </a:lnRef>
-          <a:fillRef idx="1">
-            <a:schemeClr val="accent1"/>
-          </a:fillRef>
-          <a:effectRef idx="0">
-            <a:schemeClr val="accent1"/>
-          </a:effectRef>
-          <a:fontRef idx="minor">
-            <a:schemeClr val="lt1"/>
-          </a:fontRef>
-        </p:style>
-        <p:txBody>
-          <a:bodyPr rtlCol="0" anchor="ctr"/>
-          <a:lstStyle/>
-          <a:p>
-            <a:pPr algn="ctr"/>
-            <a:endParaRPr lang="en-US"/>
-          </a:p>
-        </p:txBody>
-      </p:sp>
-      <p:sp>
-        <p:nvSpPr>
-          <p:cNvPr id="10" name="TextBox 9">
-            <a:extLst>
-              <a:ext uri="{FF2B5EF4-FFF2-40B4-BE49-F238E27FC236}">
-                <a16:creationId xmlns:a16="http://schemas.microsoft.com/office/drawing/2014/main" id="{DCE56AC4-7DA4-DF08-3843-F31CAA4F4990}"/>
-              </a:ext>
-            </a:extLst>
-          </p:cNvPr>
-          <p:cNvSpPr txBox="1"/>
-          <p:nvPr/>
-        </p:nvSpPr>
-        <p:spPr>
-          <a:xfrm>
-            <a:off x="5227320" y="2827722"/>
-            <a:ext cx="768993" cy="369332"/>
-          </a:xfrm>
-          <a:prstGeom prst="rect">
-            <a:avLst/>
-          </a:prstGeom>
-          <a:noFill/>
-        </p:spPr>
-        <p:txBody>
-          <a:bodyPr wrap="none" rtlCol="0">
-            <a:spAutoFit/>
-          </a:bodyPr>
-          <a:lstStyle/>
-          <a:p>
-            <a:r>
-              <a:rPr lang="en-US" dirty="0">
-                <a:solidFill>
-                  <a:srgbClr val="FF0000"/>
-                </a:solidFill>
-              </a:rPr>
-              <a:t>Trial 1</a:t>
-            </a:r>
-          </a:p>
-        </p:txBody>
-      </p:sp>
-      <p:sp>
-        <p:nvSpPr>
-          <p:cNvPr id="11" name="TextBox 10">
-            <a:extLst>
-              <a:ext uri="{FF2B5EF4-FFF2-40B4-BE49-F238E27FC236}">
-                <a16:creationId xmlns:a16="http://schemas.microsoft.com/office/drawing/2014/main" id="{68848258-4FB2-72B8-F974-F69ADE90482B}"/>
-              </a:ext>
-            </a:extLst>
-          </p:cNvPr>
-          <p:cNvSpPr txBox="1"/>
-          <p:nvPr/>
-        </p:nvSpPr>
-        <p:spPr>
-          <a:xfrm>
-            <a:off x="5227319" y="4157120"/>
-            <a:ext cx="768993" cy="369332"/>
-          </a:xfrm>
-          <a:prstGeom prst="rect">
-            <a:avLst/>
-          </a:prstGeom>
-          <a:noFill/>
-        </p:spPr>
-        <p:txBody>
-          <a:bodyPr wrap="none" rtlCol="0">
-            <a:spAutoFit/>
-          </a:bodyPr>
-          <a:lstStyle/>
-          <a:p>
-            <a:r>
-              <a:rPr lang="en-US" dirty="0">
-                <a:solidFill>
-                  <a:srgbClr val="FF0000"/>
-                </a:solidFill>
-              </a:rPr>
-              <a:t>Trial 2</a:t>
-            </a:r>
-          </a:p>
-        </p:txBody>
-      </p:sp>
-      <p:sp>
-        <p:nvSpPr>
-          <p:cNvPr id="12" name="TextBox 11">
-            <a:extLst>
-              <a:ext uri="{FF2B5EF4-FFF2-40B4-BE49-F238E27FC236}">
-                <a16:creationId xmlns:a16="http://schemas.microsoft.com/office/drawing/2014/main" id="{49FDF794-7F06-08C9-593B-6AAC70C2C361}"/>
-              </a:ext>
-            </a:extLst>
-          </p:cNvPr>
-          <p:cNvSpPr txBox="1"/>
-          <p:nvPr/>
-        </p:nvSpPr>
-        <p:spPr>
-          <a:xfrm>
-            <a:off x="7358318" y="3319293"/>
-            <a:ext cx="2096151" cy="369332"/>
-          </a:xfrm>
-          <a:prstGeom prst="rect">
-            <a:avLst/>
-          </a:prstGeom>
-          <a:noFill/>
-        </p:spPr>
-        <p:txBody>
-          <a:bodyPr wrap="none" rtlCol="0">
-            <a:spAutoFit/>
-          </a:bodyPr>
-          <a:lstStyle/>
-          <a:p>
-            <a:r>
-              <a:rPr lang="en-US" dirty="0">
-                <a:solidFill>
-                  <a:srgbClr val="FF0000"/>
-                </a:solidFill>
-              </a:rPr>
-              <a:t>Random start point</a:t>
-            </a:r>
-          </a:p>
-        </p:txBody>
-      </p:sp>
-      <p:cxnSp>
-        <p:nvCxnSpPr>
-          <p:cNvPr id="14" name="Straight Arrow Connector 13">
-            <a:extLst>
-              <a:ext uri="{FF2B5EF4-FFF2-40B4-BE49-F238E27FC236}">
-                <a16:creationId xmlns:a16="http://schemas.microsoft.com/office/drawing/2014/main" id="{38DF3034-F972-AD1D-6C5C-C8E519EC1D5F}"/>
-              </a:ext>
-            </a:extLst>
-          </p:cNvPr>
-          <p:cNvCxnSpPr/>
-          <p:nvPr/>
-        </p:nvCxnSpPr>
-        <p:spPr>
-          <a:xfrm>
-            <a:off x="9134856" y="3694176"/>
-            <a:ext cx="402336" cy="462944"/>
-          </a:xfrm>
-          <a:prstGeom prst="straightConnector1">
-            <a:avLst/>
-          </a:prstGeom>
-          <a:ln>
-            <a:solidFill>
-              <a:srgbClr val="FF0000"/>
-            </a:solidFill>
-            <a:tailEnd type="triangle"/>
-          </a:ln>
-        </p:spPr>
-        <p:style>
-          <a:lnRef idx="2">
-            <a:schemeClr val="accent1"/>
-          </a:lnRef>
-          <a:fillRef idx="0">
-            <a:schemeClr val="accent1"/>
-          </a:fillRef>
-          <a:effectRef idx="1">
-            <a:schemeClr val="accent1"/>
-          </a:effectRef>
-          <a:fontRef idx="minor">
-            <a:schemeClr val="tx1"/>
-          </a:fontRef>
-        </p:style>
-      </p:cxnSp>
-      <p:cxnSp>
-        <p:nvCxnSpPr>
-          <p:cNvPr id="15" name="Straight Arrow Connector 14">
-            <a:extLst>
-              <a:ext uri="{FF2B5EF4-FFF2-40B4-BE49-F238E27FC236}">
-                <a16:creationId xmlns:a16="http://schemas.microsoft.com/office/drawing/2014/main" id="{27EB4C76-A3CD-F409-674F-B6A3244EDB95}"/>
-              </a:ext>
-            </a:extLst>
-          </p:cNvPr>
-          <p:cNvCxnSpPr>
-            <a:cxnSpLocks/>
-          </p:cNvCxnSpPr>
-          <p:nvPr/>
-        </p:nvCxnSpPr>
-        <p:spPr>
-          <a:xfrm>
-            <a:off x="9134856" y="3688625"/>
-            <a:ext cx="402336" cy="1468591"/>
-          </a:xfrm>
-          <a:prstGeom prst="straightConnector1">
-            <a:avLst/>
-          </a:prstGeom>
-          <a:ln>
-            <a:solidFill>
-              <a:srgbClr val="FF0000"/>
-            </a:solidFill>
-            <a:tailEnd type="triangle"/>
-          </a:ln>
-        </p:spPr>
-        <p:style>
-          <a:lnRef idx="2">
-            <a:schemeClr val="accent1"/>
-          </a:lnRef>
-          <a:fillRef idx="0">
-            <a:schemeClr val="accent1"/>
-          </a:fillRef>
-          <a:effectRef idx="1">
-            <a:schemeClr val="accent1"/>
-          </a:effectRef>
-          <a:fontRef idx="minor">
-            <a:schemeClr val="tx1"/>
-          </a:fontRef>
-        </p:style>
-      </p:cxnSp>
-      <p:sp>
-        <p:nvSpPr>
-          <p:cNvPr id="19" name="Rectangle 18">
-            <a:extLst>
-              <a:ext uri="{FF2B5EF4-FFF2-40B4-BE49-F238E27FC236}">
-                <a16:creationId xmlns:a16="http://schemas.microsoft.com/office/drawing/2014/main" id="{9D7EFCE0-1161-00AE-2917-C14839238041}"/>
-              </a:ext>
-            </a:extLst>
-          </p:cNvPr>
-          <p:cNvSpPr/>
-          <p:nvPr/>
-        </p:nvSpPr>
-        <p:spPr>
-          <a:xfrm>
-            <a:off x="3959351" y="4649724"/>
-            <a:ext cx="1222248" cy="256672"/>
-          </a:xfrm>
-          <a:prstGeom prst="rect">
-            <a:avLst/>
-          </a:prstGeom>
-          <a:noFill/>
-          <a:ln>
-            <a:solidFill>
-              <a:srgbClr val="FF0000"/>
-            </a:solidFill>
-          </a:ln>
-        </p:spPr>
-        <p:style>
-          <a:lnRef idx="2">
-            <a:schemeClr val="accent1">
-              <a:shade val="15000"/>
-            </a:schemeClr>
-          </a:lnRef>
-          <a:fillRef idx="1">
-            <a:schemeClr val="accent1"/>
-          </a:fillRef>
-          <a:effectRef idx="0">
-            <a:schemeClr val="accent1"/>
-          </a:effectRef>
-          <a:fontRef idx="minor">
-            <a:schemeClr val="lt1"/>
-          </a:fontRef>
-        </p:style>
-        <p:txBody>
-          <a:bodyPr rtlCol="0" anchor="ctr"/>
-          <a:lstStyle/>
-          <a:p>
-            <a:pPr algn="ctr"/>
-            <a:endParaRPr lang="en-US"/>
-          </a:p>
-        </p:txBody>
-      </p:sp>
-      <p:sp>
-        <p:nvSpPr>
-          <p:cNvPr id="20" name="Rectangle 19">
-            <a:extLst>
-              <a:ext uri="{FF2B5EF4-FFF2-40B4-BE49-F238E27FC236}">
-                <a16:creationId xmlns:a16="http://schemas.microsoft.com/office/drawing/2014/main" id="{22155DC1-DE4D-2B95-1547-BA0D3B398D5E}"/>
-              </a:ext>
-            </a:extLst>
-          </p:cNvPr>
-          <p:cNvSpPr/>
-          <p:nvPr/>
-        </p:nvSpPr>
-        <p:spPr>
-          <a:xfrm>
-            <a:off x="3959351" y="3632572"/>
-            <a:ext cx="1222248" cy="256672"/>
-          </a:xfrm>
-          <a:prstGeom prst="rect">
-            <a:avLst/>
-          </a:prstGeom>
-          <a:noFill/>
-          <a:ln>
-            <a:solidFill>
-              <a:srgbClr val="FF0000"/>
-            </a:solidFill>
-          </a:ln>
-        </p:spPr>
-        <p:style>
-          <a:lnRef idx="2">
-            <a:schemeClr val="accent1">
-              <a:shade val="15000"/>
-            </a:schemeClr>
-          </a:lnRef>
-          <a:fillRef idx="1">
-            <a:schemeClr val="accent1"/>
-          </a:fillRef>
-          <a:effectRef idx="0">
-            <a:schemeClr val="accent1"/>
-          </a:effectRef>
-          <a:fontRef idx="minor">
-            <a:schemeClr val="lt1"/>
-          </a:fontRef>
-        </p:style>
-        <p:txBody>
-          <a:bodyPr rtlCol="0" anchor="ctr"/>
-          <a:lstStyle/>
-          <a:p>
-            <a:pPr algn="ctr"/>
-            <a:endParaRPr lang="en-US"/>
-          </a:p>
-        </p:txBody>
-      </p:sp>
-    </p:spTree>
-    <p:extLst>
-      <p:ext uri="{BB962C8B-B14F-4D97-AF65-F5344CB8AC3E}">
-        <p14:creationId xmlns:p14="http://schemas.microsoft.com/office/powerpoint/2010/main" val="3630173240"/>
-      </p:ext>
-    </p:extLst>
-  </p:cSld>
-  <p:clrMapOvr>
-    <a:masterClrMapping/>
-  </p:clrMapOvr>
-</p:sld>
-</file>
-
-<file path=ppt/slides/slide5.xml><?xml version="1.0" encoding="utf-8"?>
-<p:sld xmlns:a="http://schemas.openxmlformats.org/drawingml/2006/main" xmlns:r="http://schemas.openxmlformats.org/officeDocument/2006/relationships" xmlns:p="http://schemas.openxmlformats.org/presentationml/2006/main">
-  <p:cSld>
-    <p:spTree>
-      <p:nvGrpSpPr>
-        <p:cNvPr id="1" name=""/>
-        <p:cNvGrpSpPr/>
-        <p:nvPr/>
-      </p:nvGrpSpPr>
-      <p:grpSpPr>
-        <a:xfrm>
-          <a:off x="0" y="0"/>
-          <a:ext cx="0" cy="0"/>
-          <a:chOff x="0" y="0"/>
-          <a:chExt cx="0" cy="0"/>
-        </a:xfrm>
-      </p:grpSpPr>
-      <p:sp>
-        <p:nvSpPr>
-          <p:cNvPr id="2" name="Title 1">
-            <a:extLst>
-              <a:ext uri="{FF2B5EF4-FFF2-40B4-BE49-F238E27FC236}">
-                <a16:creationId xmlns:a16="http://schemas.microsoft.com/office/drawing/2014/main" id="{00A49728-C638-6F21-462C-2FED68CE1B60}"/>
-              </a:ext>
-            </a:extLst>
-          </p:cNvPr>
-          <p:cNvSpPr>
-            <a:spLocks noGrp="1"/>
-          </p:cNvSpPr>
-          <p:nvPr>
-            <p:ph type="title"/>
-          </p:nvPr>
-        </p:nvSpPr>
-        <p:spPr/>
-        <p:txBody>
-          <a:bodyPr/>
-          <a:lstStyle/>
-          <a:p>
-            <a:r>
-              <a:rPr lang="en-US" dirty="0"/>
-              <a:t>Behavioral data format</a:t>
-            </a:r>
-          </a:p>
-        </p:txBody>
-      </p:sp>
-      <p:pic>
-        <p:nvPicPr>
-          <p:cNvPr id="5" name="Picture 4">
-            <a:extLst>
-              <a:ext uri="{FF2B5EF4-FFF2-40B4-BE49-F238E27FC236}">
-                <a16:creationId xmlns:a16="http://schemas.microsoft.com/office/drawing/2014/main" id="{FCA3732A-D2C7-9F18-CB78-09C4550ED11A}"/>
-              </a:ext>
-            </a:extLst>
-          </p:cNvPr>
-          <p:cNvPicPr>
-            <a:picLocks noChangeAspect="1"/>
-          </p:cNvPicPr>
-          <p:nvPr/>
-        </p:nvPicPr>
-        <p:blipFill>
-          <a:blip r:embed="rId2"/>
-          <a:stretch>
-            <a:fillRect/>
-          </a:stretch>
-        </p:blipFill>
-        <p:spPr>
-          <a:xfrm>
-            <a:off x="162619" y="2218817"/>
-            <a:ext cx="11866761" cy="3876607"/>
-          </a:xfrm>
-          <a:prstGeom prst="rect">
-            <a:avLst/>
-          </a:prstGeom>
-        </p:spPr>
-      </p:pic>
-      <p:sp>
-        <p:nvSpPr>
-          <p:cNvPr id="6" name="Rectangle 5">
-            <a:extLst>
-              <a:ext uri="{FF2B5EF4-FFF2-40B4-BE49-F238E27FC236}">
-                <a16:creationId xmlns:a16="http://schemas.microsoft.com/office/drawing/2014/main" id="{D7C91DAE-59A7-8181-BCF3-B920878C2545}"/>
-              </a:ext>
-            </a:extLst>
-          </p:cNvPr>
-          <p:cNvSpPr/>
-          <p:nvPr/>
-        </p:nvSpPr>
-        <p:spPr>
-          <a:xfrm>
-            <a:off x="73153" y="2120457"/>
-            <a:ext cx="12051792" cy="348424"/>
-          </a:xfrm>
-          <a:prstGeom prst="rect">
-            <a:avLst/>
-          </a:prstGeom>
-          <a:noFill/>
-          <a:ln>
-            <a:solidFill>
-              <a:srgbClr val="0070C0"/>
-            </a:solidFill>
-          </a:ln>
-        </p:spPr>
-        <p:style>
-          <a:lnRef idx="2">
-            <a:schemeClr val="accent1">
-              <a:shade val="15000"/>
-            </a:schemeClr>
-          </a:lnRef>
-          <a:fillRef idx="1">
-            <a:schemeClr val="accent1"/>
-          </a:fillRef>
-          <a:effectRef idx="0">
-            <a:schemeClr val="accent1"/>
-          </a:effectRef>
-          <a:fontRef idx="minor">
-            <a:schemeClr val="lt1"/>
-          </a:fontRef>
-        </p:style>
-        <p:txBody>
-          <a:bodyPr rtlCol="0" anchor="ctr"/>
-          <a:lstStyle/>
-          <a:p>
-            <a:pPr algn="ctr"/>
-            <a:endParaRPr lang="en-US"/>
-          </a:p>
-        </p:txBody>
-      </p:sp>
-      <p:sp>
-        <p:nvSpPr>
-          <p:cNvPr id="7" name="TextBox 6">
-            <a:extLst>
-              <a:ext uri="{FF2B5EF4-FFF2-40B4-BE49-F238E27FC236}">
-                <a16:creationId xmlns:a16="http://schemas.microsoft.com/office/drawing/2014/main" id="{43FA3D57-5FF0-2723-E560-670BFC59521A}"/>
-              </a:ext>
-            </a:extLst>
-          </p:cNvPr>
-          <p:cNvSpPr txBox="1"/>
-          <p:nvPr/>
-        </p:nvSpPr>
-        <p:spPr>
-          <a:xfrm>
-            <a:off x="338328" y="1789048"/>
-            <a:ext cx="3224601" cy="369332"/>
-          </a:xfrm>
-          <a:prstGeom prst="rect">
-            <a:avLst/>
-          </a:prstGeom>
-          <a:noFill/>
-        </p:spPr>
-        <p:txBody>
-          <a:bodyPr wrap="none" rtlCol="0">
-            <a:spAutoFit/>
-          </a:bodyPr>
-          <a:lstStyle/>
-          <a:p>
-            <a:r>
-              <a:rPr lang="en-US" dirty="0">
-                <a:solidFill>
-                  <a:srgbClr val="0070C0"/>
-                </a:solidFill>
-              </a:rPr>
-              <a:t>Behavioral experiment set up </a:t>
-            </a:r>
-          </a:p>
-        </p:txBody>
-      </p:sp>
-      <p:sp>
-        <p:nvSpPr>
-          <p:cNvPr id="8" name="Rectangle 7">
-            <a:extLst>
-              <a:ext uri="{FF2B5EF4-FFF2-40B4-BE49-F238E27FC236}">
-                <a16:creationId xmlns:a16="http://schemas.microsoft.com/office/drawing/2014/main" id="{8C72228A-8404-6557-FB9F-E3D06B481837}"/>
-              </a:ext>
-            </a:extLst>
-          </p:cNvPr>
-          <p:cNvSpPr/>
-          <p:nvPr/>
-        </p:nvSpPr>
-        <p:spPr>
-          <a:xfrm>
-            <a:off x="2843784" y="2827722"/>
-            <a:ext cx="3355848" cy="1232214"/>
-          </a:xfrm>
-          <a:prstGeom prst="rect">
-            <a:avLst/>
-          </a:prstGeom>
-          <a:noFill/>
-          <a:ln>
-            <a:solidFill>
-              <a:srgbClr val="FF0000"/>
-            </a:solidFill>
-          </a:ln>
-        </p:spPr>
-        <p:style>
-          <a:lnRef idx="2">
-            <a:schemeClr val="accent1">
-              <a:shade val="15000"/>
-            </a:schemeClr>
-          </a:lnRef>
-          <a:fillRef idx="1">
-            <a:schemeClr val="accent1"/>
-          </a:fillRef>
-          <a:effectRef idx="0">
-            <a:schemeClr val="accent1"/>
-          </a:effectRef>
-          <a:fontRef idx="minor">
-            <a:schemeClr val="lt1"/>
-          </a:fontRef>
-        </p:style>
-        <p:txBody>
-          <a:bodyPr rtlCol="0" anchor="ctr"/>
-          <a:lstStyle/>
-          <a:p>
-            <a:pPr algn="ctr"/>
-            <a:endParaRPr lang="en-US"/>
-          </a:p>
-        </p:txBody>
-      </p:sp>
-      <p:sp>
-        <p:nvSpPr>
-          <p:cNvPr id="9" name="Rectangle 8">
-            <a:extLst>
-              <a:ext uri="{FF2B5EF4-FFF2-40B4-BE49-F238E27FC236}">
-                <a16:creationId xmlns:a16="http://schemas.microsoft.com/office/drawing/2014/main" id="{A3200F2B-05C4-CF1E-DAC8-0132248395F0}"/>
-              </a:ext>
-            </a:extLst>
-          </p:cNvPr>
-          <p:cNvSpPr/>
-          <p:nvPr/>
-        </p:nvSpPr>
-        <p:spPr>
-          <a:xfrm>
-            <a:off x="2840736" y="4105656"/>
-            <a:ext cx="3355848" cy="978408"/>
-          </a:xfrm>
-          <a:prstGeom prst="rect">
-            <a:avLst/>
-          </a:prstGeom>
-          <a:noFill/>
-          <a:ln>
-            <a:solidFill>
-              <a:srgbClr val="FF0000"/>
-            </a:solidFill>
-          </a:ln>
-        </p:spPr>
-        <p:style>
-          <a:lnRef idx="2">
-            <a:schemeClr val="accent1">
-              <a:shade val="15000"/>
-            </a:schemeClr>
-          </a:lnRef>
-          <a:fillRef idx="1">
-            <a:schemeClr val="accent1"/>
-          </a:fillRef>
-          <a:effectRef idx="0">
-            <a:schemeClr val="accent1"/>
-          </a:effectRef>
-          <a:fontRef idx="minor">
-            <a:schemeClr val="lt1"/>
-          </a:fontRef>
-        </p:style>
-        <p:txBody>
-          <a:bodyPr rtlCol="0" anchor="ctr"/>
-          <a:lstStyle/>
-          <a:p>
-            <a:pPr algn="ctr"/>
-            <a:endParaRPr lang="en-US"/>
-          </a:p>
-        </p:txBody>
-      </p:sp>
-      <p:sp>
-        <p:nvSpPr>
-          <p:cNvPr id="10" name="TextBox 9">
-            <a:extLst>
-              <a:ext uri="{FF2B5EF4-FFF2-40B4-BE49-F238E27FC236}">
-                <a16:creationId xmlns:a16="http://schemas.microsoft.com/office/drawing/2014/main" id="{DCE56AC4-7DA4-DF08-3843-F31CAA4F4990}"/>
-              </a:ext>
-            </a:extLst>
-          </p:cNvPr>
-          <p:cNvSpPr txBox="1"/>
-          <p:nvPr/>
-        </p:nvSpPr>
-        <p:spPr>
-          <a:xfrm>
-            <a:off x="5227320" y="2827722"/>
-            <a:ext cx="768993" cy="369332"/>
-          </a:xfrm>
-          <a:prstGeom prst="rect">
-            <a:avLst/>
-          </a:prstGeom>
-          <a:noFill/>
-        </p:spPr>
-        <p:txBody>
-          <a:bodyPr wrap="none" rtlCol="0">
-            <a:spAutoFit/>
-          </a:bodyPr>
-          <a:lstStyle/>
-          <a:p>
-            <a:r>
-              <a:rPr lang="en-US" dirty="0">
-                <a:solidFill>
-                  <a:srgbClr val="FF0000"/>
-                </a:solidFill>
-              </a:rPr>
-              <a:t>Trial 1</a:t>
-            </a:r>
-          </a:p>
-        </p:txBody>
-      </p:sp>
-      <p:sp>
-        <p:nvSpPr>
-          <p:cNvPr id="11" name="TextBox 10">
-            <a:extLst>
-              <a:ext uri="{FF2B5EF4-FFF2-40B4-BE49-F238E27FC236}">
-                <a16:creationId xmlns:a16="http://schemas.microsoft.com/office/drawing/2014/main" id="{68848258-4FB2-72B8-F974-F69ADE90482B}"/>
-              </a:ext>
-            </a:extLst>
-          </p:cNvPr>
-          <p:cNvSpPr txBox="1"/>
-          <p:nvPr/>
-        </p:nvSpPr>
-        <p:spPr>
-          <a:xfrm>
-            <a:off x="5227319" y="4157120"/>
-            <a:ext cx="768993" cy="369332"/>
-          </a:xfrm>
-          <a:prstGeom prst="rect">
-            <a:avLst/>
-          </a:prstGeom>
-          <a:noFill/>
-        </p:spPr>
-        <p:txBody>
-          <a:bodyPr wrap="none" rtlCol="0">
-            <a:spAutoFit/>
-          </a:bodyPr>
-          <a:lstStyle/>
-          <a:p>
-            <a:r>
-              <a:rPr lang="en-US" dirty="0">
-                <a:solidFill>
-                  <a:srgbClr val="FF0000"/>
-                </a:solidFill>
-              </a:rPr>
-              <a:t>Trial 2</a:t>
-            </a:r>
-          </a:p>
-        </p:txBody>
-      </p:sp>
-      <p:sp>
-        <p:nvSpPr>
-          <p:cNvPr id="12" name="TextBox 11">
-            <a:extLst>
-              <a:ext uri="{FF2B5EF4-FFF2-40B4-BE49-F238E27FC236}">
-                <a16:creationId xmlns:a16="http://schemas.microsoft.com/office/drawing/2014/main" id="{49FDF794-7F06-08C9-593B-6AAC70C2C361}"/>
-              </a:ext>
-            </a:extLst>
-          </p:cNvPr>
-          <p:cNvSpPr txBox="1"/>
-          <p:nvPr/>
-        </p:nvSpPr>
-        <p:spPr>
-          <a:xfrm>
-            <a:off x="7358318" y="3319293"/>
-            <a:ext cx="2096151" cy="369332"/>
-          </a:xfrm>
-          <a:prstGeom prst="rect">
-            <a:avLst/>
-          </a:prstGeom>
-          <a:noFill/>
-        </p:spPr>
-        <p:txBody>
-          <a:bodyPr wrap="none" rtlCol="0">
-            <a:spAutoFit/>
-          </a:bodyPr>
-          <a:lstStyle/>
-          <a:p>
-            <a:r>
-              <a:rPr lang="en-US" dirty="0">
-                <a:solidFill>
-                  <a:srgbClr val="FF0000"/>
-                </a:solidFill>
-              </a:rPr>
-              <a:t>Random start point</a:t>
-            </a:r>
-          </a:p>
-        </p:txBody>
-      </p:sp>
-      <p:cxnSp>
-        <p:nvCxnSpPr>
-          <p:cNvPr id="14" name="Straight Arrow Connector 13">
-            <a:extLst>
-              <a:ext uri="{FF2B5EF4-FFF2-40B4-BE49-F238E27FC236}">
-                <a16:creationId xmlns:a16="http://schemas.microsoft.com/office/drawing/2014/main" id="{38DF3034-F972-AD1D-6C5C-C8E519EC1D5F}"/>
-              </a:ext>
-            </a:extLst>
-          </p:cNvPr>
-          <p:cNvCxnSpPr/>
-          <p:nvPr/>
-        </p:nvCxnSpPr>
-        <p:spPr>
-          <a:xfrm>
-            <a:off x="9134856" y="3694176"/>
-            <a:ext cx="402336" cy="462944"/>
-          </a:xfrm>
-          <a:prstGeom prst="straightConnector1">
-            <a:avLst/>
-          </a:prstGeom>
-          <a:ln>
-            <a:solidFill>
-              <a:srgbClr val="FF0000"/>
-            </a:solidFill>
-            <a:tailEnd type="triangle"/>
-          </a:ln>
-        </p:spPr>
-        <p:style>
-          <a:lnRef idx="2">
-            <a:schemeClr val="accent1"/>
-          </a:lnRef>
-          <a:fillRef idx="0">
-            <a:schemeClr val="accent1"/>
-          </a:fillRef>
-          <a:effectRef idx="1">
-            <a:schemeClr val="accent1"/>
-          </a:effectRef>
-          <a:fontRef idx="minor">
-            <a:schemeClr val="tx1"/>
-          </a:fontRef>
-        </p:style>
-      </p:cxnSp>
-      <p:cxnSp>
-        <p:nvCxnSpPr>
-          <p:cNvPr id="15" name="Straight Arrow Connector 14">
-            <a:extLst>
-              <a:ext uri="{FF2B5EF4-FFF2-40B4-BE49-F238E27FC236}">
-                <a16:creationId xmlns:a16="http://schemas.microsoft.com/office/drawing/2014/main" id="{27EB4C76-A3CD-F409-674F-B6A3244EDB95}"/>
-              </a:ext>
-            </a:extLst>
-          </p:cNvPr>
-          <p:cNvCxnSpPr>
-            <a:cxnSpLocks/>
-          </p:cNvCxnSpPr>
-          <p:nvPr/>
-        </p:nvCxnSpPr>
-        <p:spPr>
-          <a:xfrm>
-            <a:off x="9134856" y="3688625"/>
-            <a:ext cx="402336" cy="1468591"/>
-          </a:xfrm>
-          <a:prstGeom prst="straightConnector1">
-            <a:avLst/>
-          </a:prstGeom>
-          <a:ln>
-            <a:solidFill>
-              <a:srgbClr val="FF0000"/>
-            </a:solidFill>
-            <a:tailEnd type="triangle"/>
-          </a:ln>
-        </p:spPr>
-        <p:style>
-          <a:lnRef idx="2">
-            <a:schemeClr val="accent1"/>
-          </a:lnRef>
-          <a:fillRef idx="0">
-            <a:schemeClr val="accent1"/>
-          </a:fillRef>
-          <a:effectRef idx="1">
-            <a:schemeClr val="accent1"/>
-          </a:effectRef>
-          <a:fontRef idx="minor">
-            <a:schemeClr val="tx1"/>
-          </a:fontRef>
-        </p:style>
-      </p:cxnSp>
-      <p:sp>
-        <p:nvSpPr>
-          <p:cNvPr id="19" name="Rectangle 18">
-            <a:extLst>
-              <a:ext uri="{FF2B5EF4-FFF2-40B4-BE49-F238E27FC236}">
-                <a16:creationId xmlns:a16="http://schemas.microsoft.com/office/drawing/2014/main" id="{9D7EFCE0-1161-00AE-2917-C14839238041}"/>
-              </a:ext>
-            </a:extLst>
-          </p:cNvPr>
-          <p:cNvSpPr/>
-          <p:nvPr/>
-        </p:nvSpPr>
-        <p:spPr>
-          <a:xfrm>
-            <a:off x="3959351" y="4649724"/>
-            <a:ext cx="1222248" cy="256672"/>
-          </a:xfrm>
-          <a:prstGeom prst="rect">
-            <a:avLst/>
-          </a:prstGeom>
-          <a:noFill/>
-          <a:ln>
-            <a:solidFill>
-              <a:srgbClr val="FF0000"/>
-            </a:solidFill>
-          </a:ln>
-        </p:spPr>
-        <p:style>
-          <a:lnRef idx="2">
-            <a:schemeClr val="accent1">
-              <a:shade val="15000"/>
-            </a:schemeClr>
-          </a:lnRef>
-          <a:fillRef idx="1">
-            <a:schemeClr val="accent1"/>
-          </a:fillRef>
-          <a:effectRef idx="0">
-            <a:schemeClr val="accent1"/>
-          </a:effectRef>
-          <a:fontRef idx="minor">
-            <a:schemeClr val="lt1"/>
-          </a:fontRef>
-        </p:style>
-        <p:txBody>
-          <a:bodyPr rtlCol="0" anchor="ctr"/>
-          <a:lstStyle/>
-          <a:p>
-            <a:pPr algn="ctr"/>
-            <a:endParaRPr lang="en-US"/>
-          </a:p>
-        </p:txBody>
-      </p:sp>
-      <p:sp>
-        <p:nvSpPr>
-          <p:cNvPr id="20" name="Rectangle 19">
-            <a:extLst>
-              <a:ext uri="{FF2B5EF4-FFF2-40B4-BE49-F238E27FC236}">
-                <a16:creationId xmlns:a16="http://schemas.microsoft.com/office/drawing/2014/main" id="{22155DC1-DE4D-2B95-1547-BA0D3B398D5E}"/>
-              </a:ext>
-            </a:extLst>
-          </p:cNvPr>
-          <p:cNvSpPr/>
-          <p:nvPr/>
-        </p:nvSpPr>
-        <p:spPr>
-          <a:xfrm>
-            <a:off x="3959351" y="3632572"/>
-            <a:ext cx="1222248" cy="256672"/>
-          </a:xfrm>
-          <a:prstGeom prst="rect">
-            <a:avLst/>
-          </a:prstGeom>
-          <a:noFill/>
-          <a:ln>
-            <a:solidFill>
-              <a:srgbClr val="FF0000"/>
-            </a:solidFill>
-          </a:ln>
-        </p:spPr>
-        <p:style>
-          <a:lnRef idx="2">
-            <a:schemeClr val="accent1">
-              <a:shade val="15000"/>
-            </a:schemeClr>
-          </a:lnRef>
-          <a:fillRef idx="1">
-            <a:schemeClr val="accent1"/>
-          </a:fillRef>
-          <a:effectRef idx="0">
-            <a:schemeClr val="accent1"/>
-          </a:effectRef>
-          <a:fontRef idx="minor">
-            <a:schemeClr val="lt1"/>
-          </a:fontRef>
-        </p:style>
-        <p:txBody>
-          <a:bodyPr rtlCol="0" anchor="ctr"/>
-          <a:lstStyle/>
-          <a:p>
-            <a:pPr algn="ctr"/>
-            <a:endParaRPr lang="en-US"/>
-          </a:p>
-        </p:txBody>
-      </p:sp>
-      <p:pic>
-        <p:nvPicPr>
-          <p:cNvPr id="22" name="Picture 21">
-            <a:extLst>
-              <a:ext uri="{FF2B5EF4-FFF2-40B4-BE49-F238E27FC236}">
-                <a16:creationId xmlns:a16="http://schemas.microsoft.com/office/drawing/2014/main" id="{A0CC0D0C-3CD4-C67D-F784-BE480A3645E0}"/>
-              </a:ext>
-            </a:extLst>
-          </p:cNvPr>
-          <p:cNvPicPr>
-            <a:picLocks noChangeAspect="1"/>
-          </p:cNvPicPr>
-          <p:nvPr/>
-        </p:nvPicPr>
-        <p:blipFill>
-          <a:blip r:embed="rId3"/>
-          <a:stretch>
-            <a:fillRect/>
-          </a:stretch>
-        </p:blipFill>
-        <p:spPr>
-          <a:xfrm>
-            <a:off x="800293" y="5282526"/>
-            <a:ext cx="2762636" cy="1171739"/>
-          </a:xfrm>
-          <a:prstGeom prst="rect">
-            <a:avLst/>
-          </a:prstGeom>
-        </p:spPr>
-      </p:pic>
-      <p:sp>
-        <p:nvSpPr>
-          <p:cNvPr id="3" name="TextBox 2">
-            <a:extLst>
-              <a:ext uri="{FF2B5EF4-FFF2-40B4-BE49-F238E27FC236}">
-                <a16:creationId xmlns:a16="http://schemas.microsoft.com/office/drawing/2014/main" id="{5C9807C2-13B0-6B84-5046-4B2474150C7E}"/>
-              </a:ext>
-            </a:extLst>
-          </p:cNvPr>
-          <p:cNvSpPr txBox="1"/>
-          <p:nvPr/>
-        </p:nvSpPr>
-        <p:spPr>
-          <a:xfrm>
-            <a:off x="2299917" y="6427169"/>
-            <a:ext cx="2270558" cy="369332"/>
-          </a:xfrm>
-          <a:prstGeom prst="rect">
-            <a:avLst/>
-          </a:prstGeom>
-          <a:noFill/>
-        </p:spPr>
-        <p:txBody>
-          <a:bodyPr wrap="none" rtlCol="0">
-            <a:spAutoFit/>
-          </a:bodyPr>
-          <a:lstStyle/>
-          <a:p>
-            <a:r>
-              <a:rPr lang="en-US" dirty="0">
-                <a:solidFill>
-                  <a:srgbClr val="FF0000"/>
-                </a:solidFill>
-              </a:rPr>
-              <a:t>Failed trial if time out</a:t>
-            </a:r>
-          </a:p>
-        </p:txBody>
-      </p:sp>
-      <p:sp>
-        <p:nvSpPr>
-          <p:cNvPr id="4" name="Rectangle 3">
-            <a:extLst>
-              <a:ext uri="{FF2B5EF4-FFF2-40B4-BE49-F238E27FC236}">
-                <a16:creationId xmlns:a16="http://schemas.microsoft.com/office/drawing/2014/main" id="{62B42067-D157-53B2-DBB9-FC6F5BD567EF}"/>
-              </a:ext>
-            </a:extLst>
-          </p:cNvPr>
-          <p:cNvSpPr/>
-          <p:nvPr/>
-        </p:nvSpPr>
-        <p:spPr>
-          <a:xfrm>
-            <a:off x="5996312" y="5230368"/>
-            <a:ext cx="5836024" cy="1435944"/>
-          </a:xfrm>
-          <a:prstGeom prst="rect">
-            <a:avLst/>
-          </a:prstGeom>
-          <a:solidFill>
-            <a:schemeClr val="bg1"/>
-          </a:solidFill>
-        </p:spPr>
-        <p:style>
-          <a:lnRef idx="2">
-            <a:schemeClr val="accent1">
-              <a:shade val="15000"/>
-            </a:schemeClr>
-          </a:lnRef>
-          <a:fillRef idx="1">
-            <a:schemeClr val="accent1"/>
-          </a:fillRef>
-          <a:effectRef idx="0">
-            <a:schemeClr val="accent1"/>
-          </a:effectRef>
-          <a:fontRef idx="minor">
-            <a:schemeClr val="lt1"/>
-          </a:fontRef>
-        </p:style>
-        <p:txBody>
-          <a:bodyPr rtlCol="0" anchor="ctr"/>
-          <a:lstStyle/>
-          <a:p>
-            <a:r>
-              <a:rPr lang="en-US" dirty="0">
-                <a:solidFill>
-                  <a:schemeClr val="tx1"/>
-                </a:solidFill>
-              </a:rPr>
-              <a:t>There are also other parameters to tune the behavioral set up, e.g. Impulse, </a:t>
-            </a:r>
-            <a:r>
-              <a:rPr lang="en-US" dirty="0" err="1">
-                <a:solidFill>
-                  <a:schemeClr val="tx1"/>
-                </a:solidFill>
-              </a:rPr>
-              <a:t>max_velocity</a:t>
-            </a:r>
-            <a:r>
-              <a:rPr lang="en-US" dirty="0">
-                <a:solidFill>
-                  <a:schemeClr val="tx1"/>
-                </a:solidFill>
-              </a:rPr>
-              <a:t>, stop &amp; start threshold, </a:t>
-            </a:r>
-            <a:r>
-              <a:rPr lang="en-US" dirty="0" err="1">
-                <a:solidFill>
-                  <a:schemeClr val="tx1"/>
-                </a:solidFill>
-              </a:rPr>
-              <a:t>random_start_range</a:t>
-            </a:r>
-            <a:r>
-              <a:rPr lang="en-US" dirty="0">
-                <a:solidFill>
-                  <a:schemeClr val="tx1"/>
-                </a:solidFill>
-              </a:rPr>
-              <a:t>, ITI length…</a:t>
-            </a:r>
-            <a:r>
-              <a:rPr lang="en-US" dirty="0" err="1">
-                <a:solidFill>
-                  <a:schemeClr val="tx1"/>
-                </a:solidFill>
-              </a:rPr>
-              <a:t>etc</a:t>
-            </a:r>
-            <a:endParaRPr lang="en-US" dirty="0">
-              <a:solidFill>
-                <a:schemeClr val="tx1"/>
-              </a:solidFill>
-            </a:endParaRPr>
-          </a:p>
-        </p:txBody>
-      </p:sp>
-    </p:spTree>
-    <p:extLst>
-      <p:ext uri="{BB962C8B-B14F-4D97-AF65-F5344CB8AC3E}">
-        <p14:creationId xmlns:p14="http://schemas.microsoft.com/office/powerpoint/2010/main" val="2992687332"/>
-      </p:ext>
-    </p:extLst>
-  </p:cSld>
-  <p:clrMapOvr>
-    <a:masterClrMapping/>
-  </p:clrMapOvr>
-</p:sld>
-</file>
-
-<file path=ppt/slides/slide6.xml><?xml version="1.0" encoding="utf-8"?>
-<p:sld xmlns:a="http://schemas.openxmlformats.org/drawingml/2006/main" xmlns:r="http://schemas.openxmlformats.org/officeDocument/2006/relationships" xmlns:p="http://schemas.openxmlformats.org/presentationml/2006/main">
-  <p:cSld>
-    <p:spTree>
-      <p:nvGrpSpPr>
-        <p:cNvPr id="1" name=""/>
-        <p:cNvGrpSpPr/>
-        <p:nvPr/>
-      </p:nvGrpSpPr>
-      <p:grpSpPr>
-        <a:xfrm>
-          <a:off x="0" y="0"/>
-          <a:ext cx="0" cy="0"/>
-          <a:chOff x="0" y="0"/>
-          <a:chExt cx="0" cy="0"/>
-        </a:xfrm>
-      </p:grpSpPr>
-      <p:sp>
-        <p:nvSpPr>
-          <p:cNvPr id="2" name="Title 1">
-            <a:extLst>
-              <a:ext uri="{FF2B5EF4-FFF2-40B4-BE49-F238E27FC236}">
-                <a16:creationId xmlns:a16="http://schemas.microsoft.com/office/drawing/2014/main" id="{1F56903E-B7E6-F832-7A18-053F9E7771C2}"/>
-              </a:ext>
-            </a:extLst>
-          </p:cNvPr>
-          <p:cNvSpPr>
-            <a:spLocks noGrp="1"/>
-          </p:cNvSpPr>
-          <p:nvPr>
-            <p:ph type="title"/>
-          </p:nvPr>
-        </p:nvSpPr>
-        <p:spPr/>
-        <p:txBody>
-          <a:bodyPr/>
-          <a:lstStyle/>
-          <a:p>
-            <a:r>
-              <a:rPr lang="en-US" dirty="0"/>
-              <a:t>The purpose of original MATLAB code</a:t>
-            </a:r>
-          </a:p>
-        </p:txBody>
-      </p:sp>
-      <p:sp>
-        <p:nvSpPr>
-          <p:cNvPr id="3" name="Content Placeholder 2">
-            <a:extLst>
-              <a:ext uri="{FF2B5EF4-FFF2-40B4-BE49-F238E27FC236}">
-                <a16:creationId xmlns:a16="http://schemas.microsoft.com/office/drawing/2014/main" id="{E2A9E105-065C-26E1-0525-E00D091384FE}"/>
-              </a:ext>
-            </a:extLst>
-          </p:cNvPr>
-          <p:cNvSpPr>
-            <a:spLocks noGrp="1"/>
-          </p:cNvSpPr>
-          <p:nvPr>
-            <p:ph idx="1"/>
-          </p:nvPr>
-        </p:nvSpPr>
-        <p:spPr/>
-        <p:txBody>
-          <a:bodyPr/>
-          <a:lstStyle/>
-          <a:p>
-            <a:r>
-              <a:rPr lang="en-US" dirty="0"/>
-              <a:t>Extract the basic information: </a:t>
-            </a:r>
-            <a:br>
-              <a:rPr lang="en-US" dirty="0"/>
-            </a:br>
-            <a:r>
-              <a:rPr lang="en-US" dirty="0"/>
-              <a:t>1. Total experiment duration</a:t>
-            </a:r>
-            <a:br>
-              <a:rPr lang="en-US" dirty="0"/>
-            </a:br>
-            <a:r>
-              <a:rPr lang="en-US" dirty="0"/>
-              <a:t>2. Total trials and successful trial count</a:t>
-            </a:r>
-            <a:br>
-              <a:rPr lang="en-US" dirty="0"/>
-            </a:br>
-            <a:r>
-              <a:rPr lang="en-US" dirty="0"/>
-              <a:t>3. Success rate and reward frequency</a:t>
-            </a:r>
-            <a:br>
-              <a:rPr lang="en-US" dirty="0"/>
-            </a:br>
-            <a:r>
-              <a:rPr lang="en-US" dirty="0"/>
-              <a:t>4. Average and standard deviation of trial duration</a:t>
-            </a:r>
-          </a:p>
-          <a:p>
-            <a:r>
-              <a:rPr lang="en-US" dirty="0"/>
-              <a:t>Visualization of trajectory: 1D &amp; 2D version, Trial path length.</a:t>
-            </a:r>
-          </a:p>
-          <a:p>
-            <a:r>
-              <a:rPr lang="en-US" dirty="0"/>
-              <a:t>Batch file analysis: Output a summarization file.</a:t>
-            </a:r>
-          </a:p>
-          <a:p>
-            <a:r>
-              <a:rPr lang="en-US" dirty="0"/>
-              <a:t>Ensemble-based group analysis: plot the bar chart of each neuron ensemble giving the statistics results. </a:t>
-            </a:r>
-          </a:p>
-        </p:txBody>
-      </p:sp>
-    </p:spTree>
-    <p:extLst>
-      <p:ext uri="{BB962C8B-B14F-4D97-AF65-F5344CB8AC3E}">
-        <p14:creationId xmlns:p14="http://schemas.microsoft.com/office/powerpoint/2010/main" val="624843863"/>
-      </p:ext>
-    </p:extLst>
-  </p:cSld>
-  <p:clrMapOvr>
-    <a:masterClrMapping/>
-  </p:clrMapOvr>
-</p:sld>
-</file>
-
-<file path=ppt/slides/slide7.xml><?xml version="1.0" encoding="utf-8"?>
-<p:sld xmlns:a="http://schemas.openxmlformats.org/drawingml/2006/main" xmlns:r="http://schemas.openxmlformats.org/officeDocument/2006/relationships" xmlns:p="http://schemas.openxmlformats.org/presentationml/2006/main">
-  <p:cSld>
-    <p:spTree>
-      <p:nvGrpSpPr>
-        <p:cNvPr id="1" name=""/>
-        <p:cNvGrpSpPr/>
-        <p:nvPr/>
-      </p:nvGrpSpPr>
-      <p:grpSpPr>
-        <a:xfrm>
-          <a:off x="0" y="0"/>
-          <a:ext cx="0" cy="0"/>
-          <a:chOff x="0" y="0"/>
-          <a:chExt cx="0" cy="0"/>
-        </a:xfrm>
-      </p:grpSpPr>
-      <p:sp>
-        <p:nvSpPr>
-          <p:cNvPr id="2" name="Title 1">
-            <a:extLst>
-              <a:ext uri="{FF2B5EF4-FFF2-40B4-BE49-F238E27FC236}">
-                <a16:creationId xmlns:a16="http://schemas.microsoft.com/office/drawing/2014/main" id="{89C3605F-CEC6-7CED-858E-E9E11A704D9A}"/>
-              </a:ext>
-            </a:extLst>
-          </p:cNvPr>
-          <p:cNvSpPr>
-            <a:spLocks noGrp="1"/>
-          </p:cNvSpPr>
-          <p:nvPr>
-            <p:ph type="title"/>
-          </p:nvPr>
-        </p:nvSpPr>
-        <p:spPr/>
-        <p:txBody>
-          <a:bodyPr/>
-          <a:lstStyle/>
-          <a:p>
-            <a:r>
-              <a:rPr lang="en-US" dirty="0"/>
-              <a:t>Goal</a:t>
-            </a:r>
-          </a:p>
-        </p:txBody>
-      </p:sp>
-      <p:sp>
-        <p:nvSpPr>
-          <p:cNvPr id="3" name="Content Placeholder 2">
-            <a:extLst>
-              <a:ext uri="{FF2B5EF4-FFF2-40B4-BE49-F238E27FC236}">
-                <a16:creationId xmlns:a16="http://schemas.microsoft.com/office/drawing/2014/main" id="{B18D5303-20E5-8B2D-FB2A-6077889BEF7D}"/>
-              </a:ext>
-            </a:extLst>
-          </p:cNvPr>
-          <p:cNvSpPr>
-            <a:spLocks noGrp="1"/>
-          </p:cNvSpPr>
-          <p:nvPr>
-            <p:ph idx="1"/>
-          </p:nvPr>
-        </p:nvSpPr>
-        <p:spPr>
-          <a:xfrm>
-            <a:off x="838200" y="1825625"/>
-            <a:ext cx="10515600" cy="4414401"/>
-          </a:xfrm>
-        </p:spPr>
-        <p:txBody>
-          <a:bodyPr/>
-          <a:lstStyle/>
-          <a:p>
-            <a:r>
-              <a:rPr lang="en-US" dirty="0"/>
-              <a:t>Output the same figures and files regarding the same input CSV file.</a:t>
-            </a:r>
-          </a:p>
-          <a:p>
-            <a:r>
-              <a:rPr lang="en-US" dirty="0"/>
-              <a:t>List the necessary functions for processing the data frame and write them as def functions.</a:t>
-            </a:r>
-          </a:p>
-          <a:p>
-            <a:r>
-              <a:rPr lang="en-US" dirty="0"/>
-              <a:t>Have the notation of each def function to ensure modification in the future. </a:t>
-            </a:r>
-          </a:p>
-          <a:p>
-            <a:endParaRPr lang="en-US" dirty="0"/>
-          </a:p>
-        </p:txBody>
-      </p:sp>
-    </p:spTree>
-    <p:extLst>
-      <p:ext uri="{BB962C8B-B14F-4D97-AF65-F5344CB8AC3E}">
-        <p14:creationId xmlns:p14="http://schemas.microsoft.com/office/powerpoint/2010/main" val="351085102"/>
-      </p:ext>
-    </p:extLst>
-  </p:cSld>
-  <p:clrMapOvr>
-    <a:masterClrMapping/>
-  </p:clrMapOvr>
-</p:sld>
-</file>
-
-<file path=ppt/slides/slide8.xml><?xml version="1.0" encoding="utf-8"?>
-<p:sld xmlns:a="http://schemas.openxmlformats.org/drawingml/2006/main" xmlns:r="http://schemas.openxmlformats.org/officeDocument/2006/relationships" xmlns:p="http://schemas.openxmlformats.org/presentationml/2006/main">
-  <p:cSld>
-    <p:spTree>
-      <p:nvGrpSpPr>
-        <p:cNvPr id="1" name=""/>
-        <p:cNvGrpSpPr/>
-        <p:nvPr/>
-      </p:nvGrpSpPr>
-      <p:grpSpPr>
-        <a:xfrm>
-          <a:off x="0" y="0"/>
-          <a:ext cx="0" cy="0"/>
-          <a:chOff x="0" y="0"/>
-          <a:chExt cx="0" cy="0"/>
-        </a:xfrm>
-      </p:grpSpPr>
-      <p:sp>
-        <p:nvSpPr>
-          <p:cNvPr id="2" name="Title 1">
-            <a:extLst>
-              <a:ext uri="{FF2B5EF4-FFF2-40B4-BE49-F238E27FC236}">
-                <a16:creationId xmlns:a16="http://schemas.microsoft.com/office/drawing/2014/main" id="{C999C60A-20D9-0E67-72B7-3DC3BE4C187E}"/>
-              </a:ext>
-            </a:extLst>
-          </p:cNvPr>
-          <p:cNvSpPr>
-            <a:spLocks noGrp="1"/>
-          </p:cNvSpPr>
-          <p:nvPr>
-            <p:ph type="title"/>
-          </p:nvPr>
-        </p:nvSpPr>
-        <p:spPr/>
-        <p:txBody>
-          <a:bodyPr/>
-          <a:lstStyle/>
-          <a:p>
-            <a:r>
-              <a:rPr lang="en-US" dirty="0"/>
-              <a:t>Function 1: </a:t>
-            </a:r>
-            <a:r>
-              <a:rPr lang="en-US" dirty="0" err="1"/>
-              <a:t>time_to_seconds</a:t>
-            </a:r>
-            <a:endParaRPr lang="en-US" dirty="0"/>
-          </a:p>
-        </p:txBody>
-      </p:sp>
-      <p:pic>
-        <p:nvPicPr>
-          <p:cNvPr id="5" name="內容版面配置區 4">
-            <a:extLst>
-              <a:ext uri="{FF2B5EF4-FFF2-40B4-BE49-F238E27FC236}">
-                <a16:creationId xmlns:a16="http://schemas.microsoft.com/office/drawing/2014/main" id="{B49BBAF1-16C4-2D1F-FD72-39429AEDA01E}"/>
-              </a:ext>
-            </a:extLst>
-          </p:cNvPr>
-          <p:cNvPicPr>
-            <a:picLocks noGrp="1" noChangeAspect="1"/>
-          </p:cNvPicPr>
-          <p:nvPr>
-            <p:ph idx="1"/>
-          </p:nvPr>
-        </p:nvPicPr>
-        <p:blipFill>
-          <a:blip r:embed="rId2">
-            <a:extLst>
-              <a:ext uri="{28A0092B-C50C-407E-A947-70E740481C1C}">
-                <a14:useLocalDpi xmlns:a14="http://schemas.microsoft.com/office/drawing/2010/main" val="0"/>
-              </a:ext>
-            </a:extLst>
-          </a:blip>
-          <a:stretch>
-            <a:fillRect/>
-          </a:stretch>
-        </p:blipFill>
-        <p:spPr>
-          <a:xfrm>
-            <a:off x="6458192" y="2007121"/>
-            <a:ext cx="5471085" cy="3886147"/>
-          </a:xfrm>
-        </p:spPr>
-      </p:pic>
-      <p:pic>
-        <p:nvPicPr>
-          <p:cNvPr id="6" name="Picture 4">
-            <a:extLst>
-              <a:ext uri="{FF2B5EF4-FFF2-40B4-BE49-F238E27FC236}">
-                <a16:creationId xmlns:a16="http://schemas.microsoft.com/office/drawing/2014/main" id="{EE9C8A1C-2058-A75D-4198-FD052EEC4EF2}"/>
-              </a:ext>
-            </a:extLst>
-          </p:cNvPr>
-          <p:cNvPicPr>
-            <a:picLocks noChangeAspect="1"/>
-          </p:cNvPicPr>
-          <p:nvPr/>
-        </p:nvPicPr>
-        <p:blipFill>
-          <a:blip r:embed="rId3"/>
-          <a:srcRect r="93659"/>
-          <a:stretch/>
-        </p:blipFill>
-        <p:spPr>
-          <a:xfrm>
-            <a:off x="5273745" y="1568155"/>
-            <a:ext cx="920128" cy="4740078"/>
-          </a:xfrm>
-          <a:prstGeom prst="rect">
-            <a:avLst/>
-          </a:prstGeom>
-        </p:spPr>
-      </p:pic>
-      <p:sp>
-        <p:nvSpPr>
-          <p:cNvPr id="9" name="Content Placeholder 2">
-            <a:extLst>
-              <a:ext uri="{FF2B5EF4-FFF2-40B4-BE49-F238E27FC236}">
-                <a16:creationId xmlns:a16="http://schemas.microsoft.com/office/drawing/2014/main" id="{15A4163C-AC32-2E41-DC97-144519E83A00}"/>
+          <p:cNvPr id="7" name="內容版面配置區 2">
+            <a:extLst>
+              <a:ext uri="{FF2B5EF4-FFF2-40B4-BE49-F238E27FC236}">
+                <a16:creationId xmlns:a16="http://schemas.microsoft.com/office/drawing/2014/main" id="{32A6E8FA-D3EE-1225-286B-1C808974DB99}"/>
               </a:ext>
             </a:extLst>
           </p:cNvPr>
@@ -8383,8 +7701,8 @@
         </p:nvSpPr>
         <p:spPr>
           <a:xfrm>
-            <a:off x="3219660" y="1858364"/>
-            <a:ext cx="5529105" cy="4351338"/>
+            <a:off x="831112" y="2449237"/>
+            <a:ext cx="4474535" cy="1959526"/>
           </a:xfrm>
           <a:prstGeom prst="rect">
             <a:avLst/>
@@ -8559,6 +7877,2526 @@
             </a:lvl9pPr>
           </a:lstStyle>
           <a:p>
+            <a:r>
+              <a:rPr lang="en-US" altLang="zh-TW" sz="2000" dirty="0">
+                <a:latin typeface="+mj-lt"/>
+              </a:rPr>
+              <a:t>Assign different color to each ensemble</a:t>
+            </a:r>
+          </a:p>
+          <a:p>
+            <a:r>
+              <a:rPr lang="en-US" altLang="en-US" sz="2000" dirty="0">
+                <a:latin typeface="+mj-lt"/>
+              </a:rPr>
+              <a:t>Make sure the Ensemble field is in numeric format</a:t>
+            </a:r>
+          </a:p>
+          <a:p>
+            <a:r>
+              <a:rPr lang="en-US" altLang="en-US" sz="2000" dirty="0">
+                <a:latin typeface="+mj-lt"/>
+              </a:rPr>
+              <a:t>Remove any rows that do not have an Ensemble number.</a:t>
+            </a:r>
+          </a:p>
+        </p:txBody>
+      </p:sp>
+    </p:spTree>
+    <p:extLst>
+      <p:ext uri="{BB962C8B-B14F-4D97-AF65-F5344CB8AC3E}">
+        <p14:creationId xmlns:p14="http://schemas.microsoft.com/office/powerpoint/2010/main" val="3817538779"/>
+      </p:ext>
+    </p:extLst>
+  </p:cSld>
+  <p:clrMapOvr>
+    <a:masterClrMapping/>
+  </p:clrMapOvr>
+</p:sld>
+</file>
+
+<file path=ppt/slides/slide21.xml><?xml version="1.0" encoding="utf-8"?>
+<p:sld xmlns:a="http://schemas.openxmlformats.org/drawingml/2006/main" xmlns:r="http://schemas.openxmlformats.org/officeDocument/2006/relationships" xmlns:p="http://schemas.openxmlformats.org/presentationml/2006/main">
+  <p:cSld>
+    <p:spTree>
+      <p:nvGrpSpPr>
+        <p:cNvPr id="1" name=""/>
+        <p:cNvGrpSpPr/>
+        <p:nvPr/>
+      </p:nvGrpSpPr>
+      <p:grpSpPr>
+        <a:xfrm>
+          <a:off x="0" y="0"/>
+          <a:ext cx="0" cy="0"/>
+          <a:chOff x="0" y="0"/>
+          <a:chExt cx="0" cy="0"/>
+        </a:xfrm>
+      </p:grpSpPr>
+      <p:sp>
+        <p:nvSpPr>
+          <p:cNvPr id="2" name="Title 1">
+            <a:extLst>
+              <a:ext uri="{FF2B5EF4-FFF2-40B4-BE49-F238E27FC236}">
+                <a16:creationId xmlns:a16="http://schemas.microsoft.com/office/drawing/2014/main" id="{F7C2D20B-C87D-3F22-0C04-3A62F4D53122}"/>
+              </a:ext>
+            </a:extLst>
+          </p:cNvPr>
+          <p:cNvSpPr>
+            <a:spLocks noGrp="1"/>
+          </p:cNvSpPr>
+          <p:nvPr>
+            <p:ph type="title"/>
+          </p:nvPr>
+        </p:nvSpPr>
+        <p:spPr/>
+        <p:txBody>
+          <a:bodyPr/>
+          <a:lstStyle/>
+          <a:p>
+            <a:endParaRPr lang="en-US"/>
+          </a:p>
+        </p:txBody>
+      </p:sp>
+      <p:sp>
+        <p:nvSpPr>
+          <p:cNvPr id="3" name="Content Placeholder 2">
+            <a:extLst>
+              <a:ext uri="{FF2B5EF4-FFF2-40B4-BE49-F238E27FC236}">
+                <a16:creationId xmlns:a16="http://schemas.microsoft.com/office/drawing/2014/main" id="{B2459730-15FB-2CAA-D501-3271A81847DA}"/>
+              </a:ext>
+            </a:extLst>
+          </p:cNvPr>
+          <p:cNvSpPr>
+            <a:spLocks noGrp="1"/>
+          </p:cNvSpPr>
+          <p:nvPr>
+            <p:ph idx="1"/>
+          </p:nvPr>
+        </p:nvSpPr>
+        <p:spPr>
+          <a:xfrm>
+            <a:off x="838200" y="4170813"/>
+            <a:ext cx="10515600" cy="2006149"/>
+          </a:xfrm>
+        </p:spPr>
+        <p:txBody>
+          <a:bodyPr>
+            <a:normAutofit fontScale="92500" lnSpcReduction="10000"/>
+          </a:bodyPr>
+          <a:lstStyle/>
+          <a:p>
+            <a:r>
+              <a:rPr lang="en-US" dirty="0"/>
+              <a:t>x is the x-axis position of each bar (Ensemble number) and </a:t>
+            </a:r>
+            <a:r>
+              <a:rPr lang="en-US" dirty="0" err="1"/>
+              <a:t>n_labels</a:t>
+            </a:r>
+            <a:r>
+              <a:rPr lang="en-US" dirty="0"/>
+              <a:t> is the number of samples in each group (later used to label the columns)</a:t>
+            </a:r>
+          </a:p>
+          <a:p>
+            <a:r>
+              <a:rPr lang="en-US" dirty="0"/>
+              <a:t>Draw a bar chart: Height y (The parameter value), </a:t>
+            </a:r>
+            <a:r>
+              <a:rPr lang="en-US" dirty="0" err="1"/>
+              <a:t>yerr</a:t>
+            </a:r>
+            <a:r>
+              <a:rPr lang="en-US" dirty="0"/>
+              <a:t> is used as the upper and lower error bars (standard error)</a:t>
+            </a:r>
+          </a:p>
+          <a:p>
+            <a:r>
+              <a:rPr lang="en-US" dirty="0"/>
+              <a:t>This section adds sample number labels above each bar:</a:t>
+            </a:r>
+          </a:p>
+        </p:txBody>
+      </p:sp>
+      <p:pic>
+        <p:nvPicPr>
+          <p:cNvPr id="5" name="Picture 4">
+            <a:extLst>
+              <a:ext uri="{FF2B5EF4-FFF2-40B4-BE49-F238E27FC236}">
+                <a16:creationId xmlns:a16="http://schemas.microsoft.com/office/drawing/2014/main" id="{688052E4-33D9-5BE7-6EB1-36080DD68D68}"/>
+              </a:ext>
+            </a:extLst>
+          </p:cNvPr>
+          <p:cNvPicPr>
+            <a:picLocks noChangeAspect="1"/>
+          </p:cNvPicPr>
+          <p:nvPr/>
+        </p:nvPicPr>
+        <p:blipFill>
+          <a:blip r:embed="rId2"/>
+          <a:stretch>
+            <a:fillRect/>
+          </a:stretch>
+        </p:blipFill>
+        <p:spPr>
+          <a:xfrm>
+            <a:off x="2374883" y="484934"/>
+            <a:ext cx="7442234" cy="3566071"/>
+          </a:xfrm>
+          <a:prstGeom prst="rect">
+            <a:avLst/>
+          </a:prstGeom>
+        </p:spPr>
+      </p:pic>
+      <p:sp>
+        <p:nvSpPr>
+          <p:cNvPr id="6" name="Rectangle 5">
+            <a:extLst>
+              <a:ext uri="{FF2B5EF4-FFF2-40B4-BE49-F238E27FC236}">
+                <a16:creationId xmlns:a16="http://schemas.microsoft.com/office/drawing/2014/main" id="{6F9DA1B0-B602-88F9-13AF-E3D1459B8527}"/>
+              </a:ext>
+            </a:extLst>
+          </p:cNvPr>
+          <p:cNvSpPr/>
+          <p:nvPr/>
+        </p:nvSpPr>
+        <p:spPr>
+          <a:xfrm>
+            <a:off x="2374883" y="1690688"/>
+            <a:ext cx="7442234" cy="744168"/>
+          </a:xfrm>
+          <a:prstGeom prst="rect">
+            <a:avLst/>
+          </a:prstGeom>
+          <a:noFill/>
+          <a:ln>
+            <a:solidFill>
+              <a:srgbClr val="FF0000"/>
+            </a:solidFill>
+          </a:ln>
+        </p:spPr>
+        <p:style>
+          <a:lnRef idx="2">
+            <a:schemeClr val="accent1">
+              <a:shade val="15000"/>
+            </a:schemeClr>
+          </a:lnRef>
+          <a:fillRef idx="1">
+            <a:schemeClr val="accent1"/>
+          </a:fillRef>
+          <a:effectRef idx="0">
+            <a:schemeClr val="accent1"/>
+          </a:effectRef>
+          <a:fontRef idx="minor">
+            <a:schemeClr val="lt1"/>
+          </a:fontRef>
+        </p:style>
+        <p:txBody>
+          <a:bodyPr rtlCol="0" anchor="ctr"/>
+          <a:lstStyle/>
+          <a:p>
+            <a:pPr algn="ctr"/>
+            <a:endParaRPr lang="en-US"/>
+          </a:p>
+        </p:txBody>
+      </p:sp>
+    </p:spTree>
+    <p:extLst>
+      <p:ext uri="{BB962C8B-B14F-4D97-AF65-F5344CB8AC3E}">
+        <p14:creationId xmlns:p14="http://schemas.microsoft.com/office/powerpoint/2010/main" val="81826289"/>
+      </p:ext>
+    </p:extLst>
+  </p:cSld>
+  <p:clrMapOvr>
+    <a:masterClrMapping/>
+  </p:clrMapOvr>
+</p:sld>
+</file>
+
+<file path=ppt/slides/slide22.xml><?xml version="1.0" encoding="utf-8"?>
+<p:sld xmlns:a="http://schemas.openxmlformats.org/drawingml/2006/main" xmlns:r="http://schemas.openxmlformats.org/officeDocument/2006/relationships" xmlns:p="http://schemas.openxmlformats.org/presentationml/2006/main">
+  <p:cSld>
+    <p:spTree>
+      <p:nvGrpSpPr>
+        <p:cNvPr id="1" name=""/>
+        <p:cNvGrpSpPr/>
+        <p:nvPr/>
+      </p:nvGrpSpPr>
+      <p:grpSpPr>
+        <a:xfrm>
+          <a:off x="0" y="0"/>
+          <a:ext cx="0" cy="0"/>
+          <a:chOff x="0" y="0"/>
+          <a:chExt cx="0" cy="0"/>
+        </a:xfrm>
+      </p:grpSpPr>
+      <p:pic>
+        <p:nvPicPr>
+          <p:cNvPr id="5" name="Picture 4">
+            <a:extLst>
+              <a:ext uri="{FF2B5EF4-FFF2-40B4-BE49-F238E27FC236}">
+                <a16:creationId xmlns:a16="http://schemas.microsoft.com/office/drawing/2014/main" id="{10AC1C48-FF8C-5A64-59C1-C900FABCCB0A}"/>
+              </a:ext>
+            </a:extLst>
+          </p:cNvPr>
+          <p:cNvPicPr>
+            <a:picLocks noChangeAspect="1"/>
+          </p:cNvPicPr>
+          <p:nvPr/>
+        </p:nvPicPr>
+        <p:blipFill>
+          <a:blip r:embed="rId2"/>
+          <a:stretch>
+            <a:fillRect/>
+          </a:stretch>
+        </p:blipFill>
+        <p:spPr>
+          <a:xfrm>
+            <a:off x="250232" y="1717651"/>
+            <a:ext cx="5737370" cy="3422698"/>
+          </a:xfrm>
+          <a:prstGeom prst="rect">
+            <a:avLst/>
+          </a:prstGeom>
+        </p:spPr>
+      </p:pic>
+      <p:pic>
+        <p:nvPicPr>
+          <p:cNvPr id="7" name="Picture 6">
+            <a:extLst>
+              <a:ext uri="{FF2B5EF4-FFF2-40B4-BE49-F238E27FC236}">
+                <a16:creationId xmlns:a16="http://schemas.microsoft.com/office/drawing/2014/main" id="{B64F2F28-281C-159B-53BC-C1E52B48A2DF}"/>
+              </a:ext>
+            </a:extLst>
+          </p:cNvPr>
+          <p:cNvPicPr>
+            <a:picLocks noChangeAspect="1"/>
+          </p:cNvPicPr>
+          <p:nvPr/>
+        </p:nvPicPr>
+        <p:blipFill>
+          <a:blip r:embed="rId3"/>
+          <a:stretch>
+            <a:fillRect/>
+          </a:stretch>
+        </p:blipFill>
+        <p:spPr>
+          <a:xfrm>
+            <a:off x="6091276" y="1717651"/>
+            <a:ext cx="5737370" cy="3422698"/>
+          </a:xfrm>
+          <a:prstGeom prst="rect">
+            <a:avLst/>
+          </a:prstGeom>
+        </p:spPr>
+      </p:pic>
+      <p:sp>
+        <p:nvSpPr>
+          <p:cNvPr id="2" name="標題 1">
+            <a:extLst>
+              <a:ext uri="{FF2B5EF4-FFF2-40B4-BE49-F238E27FC236}">
+                <a16:creationId xmlns:a16="http://schemas.microsoft.com/office/drawing/2014/main" id="{692489FA-A658-43DB-D656-DFF51D093623}"/>
+              </a:ext>
+            </a:extLst>
+          </p:cNvPr>
+          <p:cNvSpPr>
+            <a:spLocks noGrp="1"/>
+          </p:cNvSpPr>
+          <p:nvPr>
+            <p:ph type="title"/>
+          </p:nvPr>
+        </p:nvSpPr>
+        <p:spPr>
+          <a:xfrm>
+            <a:off x="838200" y="365125"/>
+            <a:ext cx="10515600" cy="1325563"/>
+          </a:xfrm>
+        </p:spPr>
+        <p:txBody>
+          <a:bodyPr/>
+          <a:lstStyle/>
+          <a:p>
+            <a:r>
+              <a:rPr kumimoji="1" lang="en-US" altLang="zh-TW" dirty="0"/>
+              <a:t>The bar chart of success rate &amp; average trial time of each ensemble</a:t>
+            </a:r>
+            <a:endParaRPr kumimoji="1" lang="zh-TW" altLang="en-US" dirty="0"/>
+          </a:p>
+        </p:txBody>
+      </p:sp>
+      <p:sp>
+        <p:nvSpPr>
+          <p:cNvPr id="3" name="文字方塊 2">
+            <a:extLst>
+              <a:ext uri="{FF2B5EF4-FFF2-40B4-BE49-F238E27FC236}">
+                <a16:creationId xmlns:a16="http://schemas.microsoft.com/office/drawing/2014/main" id="{17D9F155-0124-EC77-4E9C-4969FAE0ECA4}"/>
+              </a:ext>
+            </a:extLst>
+          </p:cNvPr>
+          <p:cNvSpPr txBox="1"/>
+          <p:nvPr/>
+        </p:nvSpPr>
+        <p:spPr>
+          <a:xfrm>
+            <a:off x="548640" y="5445760"/>
+            <a:ext cx="9070753" cy="369332"/>
+          </a:xfrm>
+          <a:prstGeom prst="rect">
+            <a:avLst/>
+          </a:prstGeom>
+          <a:noFill/>
+        </p:spPr>
+        <p:txBody>
+          <a:bodyPr wrap="none" rtlCol="0">
+            <a:spAutoFit/>
+          </a:bodyPr>
+          <a:lstStyle/>
+          <a:p>
+            <a:r>
+              <a:rPr kumimoji="1" lang="en-US" altLang="zh-TW" dirty="0"/>
+              <a:t>*Because the sample size of each ensemble is only 1, there is not STD error in </a:t>
+            </a:r>
+            <a:r>
+              <a:rPr kumimoji="1" lang="en-US" altLang="zh-TW"/>
+              <a:t>this figures. </a:t>
+            </a:r>
+            <a:endParaRPr kumimoji="1" lang="zh-TW" altLang="en-US" dirty="0"/>
+          </a:p>
+        </p:txBody>
+      </p:sp>
+    </p:spTree>
+    <p:extLst>
+      <p:ext uri="{BB962C8B-B14F-4D97-AF65-F5344CB8AC3E}">
+        <p14:creationId xmlns:p14="http://schemas.microsoft.com/office/powerpoint/2010/main" val="280484079"/>
+      </p:ext>
+    </p:extLst>
+  </p:cSld>
+  <p:clrMapOvr>
+    <a:masterClrMapping/>
+  </p:clrMapOvr>
+</p:sld>
+</file>
+
+<file path=ppt/slides/slide3.xml><?xml version="1.0" encoding="utf-8"?>
+<p:sld xmlns:a="http://schemas.openxmlformats.org/drawingml/2006/main" xmlns:r="http://schemas.openxmlformats.org/officeDocument/2006/relationships" xmlns:p="http://schemas.openxmlformats.org/presentationml/2006/main">
+  <p:cSld>
+    <p:spTree>
+      <p:nvGrpSpPr>
+        <p:cNvPr id="1" name=""/>
+        <p:cNvGrpSpPr/>
+        <p:nvPr/>
+      </p:nvGrpSpPr>
+      <p:grpSpPr>
+        <a:xfrm>
+          <a:off x="0" y="0"/>
+          <a:ext cx="0" cy="0"/>
+          <a:chOff x="0" y="0"/>
+          <a:chExt cx="0" cy="0"/>
+        </a:xfrm>
+      </p:grpSpPr>
+      <p:sp>
+        <p:nvSpPr>
+          <p:cNvPr id="2" name="Title 1">
+            <a:extLst>
+              <a:ext uri="{FF2B5EF4-FFF2-40B4-BE49-F238E27FC236}">
+                <a16:creationId xmlns:a16="http://schemas.microsoft.com/office/drawing/2014/main" id="{7124A36F-CBDE-FF87-3359-5617B949C48B}"/>
+              </a:ext>
+            </a:extLst>
+          </p:cNvPr>
+          <p:cNvSpPr>
+            <a:spLocks noGrp="1"/>
+          </p:cNvSpPr>
+          <p:nvPr>
+            <p:ph type="title"/>
+          </p:nvPr>
+        </p:nvSpPr>
+        <p:spPr/>
+        <p:txBody>
+          <a:bodyPr/>
+          <a:lstStyle/>
+          <a:p>
+            <a:r>
+              <a:rPr lang="en-US" altLang="zh-TW" dirty="0"/>
+              <a:t>BCI</a:t>
+            </a:r>
+            <a:r>
+              <a:rPr lang="zh-TW" altLang="en-US" dirty="0"/>
+              <a:t> </a:t>
+            </a:r>
+            <a:r>
+              <a:rPr lang="en-US" altLang="zh-TW" dirty="0"/>
+              <a:t>task set up</a:t>
+            </a:r>
+            <a:endParaRPr lang="en-US" dirty="0"/>
+          </a:p>
+        </p:txBody>
+      </p:sp>
+      <p:sp>
+        <p:nvSpPr>
+          <p:cNvPr id="3" name="Content Placeholder 2">
+            <a:extLst>
+              <a:ext uri="{FF2B5EF4-FFF2-40B4-BE49-F238E27FC236}">
+                <a16:creationId xmlns:a16="http://schemas.microsoft.com/office/drawing/2014/main" id="{8C0FEB6E-D92B-5326-3C30-A7DCC6B059C8}"/>
+              </a:ext>
+            </a:extLst>
+          </p:cNvPr>
+          <p:cNvSpPr>
+            <a:spLocks noGrp="1"/>
+          </p:cNvSpPr>
+          <p:nvPr>
+            <p:ph idx="1"/>
+          </p:nvPr>
+        </p:nvSpPr>
+        <p:spPr>
+          <a:xfrm>
+            <a:off x="838200" y="1825625"/>
+            <a:ext cx="6314489" cy="4351338"/>
+          </a:xfrm>
+        </p:spPr>
+        <p:txBody>
+          <a:bodyPr>
+            <a:normAutofit lnSpcReduction="10000"/>
+          </a:bodyPr>
+          <a:lstStyle/>
+          <a:p>
+            <a:r>
+              <a:rPr lang="en-US" dirty="0"/>
+              <a:t>The monitor will generate drift grating pattern.</a:t>
+            </a:r>
+          </a:p>
+          <a:p>
+            <a:r>
+              <a:rPr lang="en-US" dirty="0"/>
+              <a:t>If the selected neurons have calcium activity, the signal will be fed in the 2</a:t>
+            </a:r>
+            <a:r>
+              <a:rPr lang="en-US" altLang="zh-TW" dirty="0"/>
+              <a:t>P</a:t>
+            </a:r>
+            <a:r>
+              <a:rPr lang="zh-TW" altLang="en-US" dirty="0"/>
+              <a:t> </a:t>
+            </a:r>
+            <a:r>
+              <a:rPr lang="en-US" altLang="zh-TW" dirty="0"/>
+              <a:t>system and cause the drift grating moving faster rightward. </a:t>
+            </a:r>
+          </a:p>
+          <a:p>
+            <a:r>
+              <a:rPr lang="en-US" dirty="0"/>
+              <a:t>There are other selected neurons which have negative weight.</a:t>
+            </a:r>
+          </a:p>
+          <a:p>
+            <a:r>
+              <a:rPr lang="en-US" dirty="0"/>
+              <a:t>The goal is encouraging the mouse to learn to move the grating for certain threshold distance. </a:t>
+            </a:r>
+          </a:p>
+        </p:txBody>
+      </p:sp>
+      <p:pic>
+        <p:nvPicPr>
+          <p:cNvPr id="5" name="Picture 4">
+            <a:extLst>
+              <a:ext uri="{FF2B5EF4-FFF2-40B4-BE49-F238E27FC236}">
+                <a16:creationId xmlns:a16="http://schemas.microsoft.com/office/drawing/2014/main" id="{50F577E3-DEE8-B1B3-24D5-CB7937E8494E}"/>
+              </a:ext>
+            </a:extLst>
+          </p:cNvPr>
+          <p:cNvPicPr>
+            <a:picLocks noChangeAspect="1"/>
+          </p:cNvPicPr>
+          <p:nvPr/>
+        </p:nvPicPr>
+        <p:blipFill>
+          <a:blip r:embed="rId3"/>
+          <a:stretch>
+            <a:fillRect/>
+          </a:stretch>
+        </p:blipFill>
+        <p:spPr>
+          <a:xfrm>
+            <a:off x="7152689" y="1825625"/>
+            <a:ext cx="4201111" cy="4248743"/>
+          </a:xfrm>
+          <a:prstGeom prst="rect">
+            <a:avLst/>
+          </a:prstGeom>
+        </p:spPr>
+      </p:pic>
+      <p:sp>
+        <p:nvSpPr>
+          <p:cNvPr id="7" name="TextBox 6">
+            <a:extLst>
+              <a:ext uri="{FF2B5EF4-FFF2-40B4-BE49-F238E27FC236}">
+                <a16:creationId xmlns:a16="http://schemas.microsoft.com/office/drawing/2014/main" id="{2543966D-A974-FEAE-A322-8492A2451A7F}"/>
+              </a:ext>
+            </a:extLst>
+          </p:cNvPr>
+          <p:cNvSpPr txBox="1"/>
+          <p:nvPr/>
+        </p:nvSpPr>
+        <p:spPr>
+          <a:xfrm>
+            <a:off x="6819036" y="6081067"/>
+            <a:ext cx="4868418" cy="461665"/>
+          </a:xfrm>
+          <a:prstGeom prst="rect">
+            <a:avLst/>
+          </a:prstGeom>
+          <a:noFill/>
+        </p:spPr>
+        <p:txBody>
+          <a:bodyPr wrap="square">
+            <a:spAutoFit/>
+          </a:bodyPr>
+          <a:lstStyle/>
+          <a:p>
+            <a:r>
+              <a:rPr lang="en-US" sz="1200" dirty="0">
+                <a:latin typeface="Times New Roman" panose="02020603050405020304" pitchFamily="18" charset="0"/>
+                <a:cs typeface="Times New Roman" panose="02020603050405020304" pitchFamily="18" charset="0"/>
+              </a:rPr>
+              <a:t>Bounds, H. A., et al. (2023). </a:t>
+            </a:r>
+            <a:r>
+              <a:rPr lang="en-US" sz="1200" i="1" dirty="0">
+                <a:latin typeface="Times New Roman" panose="02020603050405020304" pitchFamily="18" charset="0"/>
+                <a:cs typeface="Times New Roman" panose="02020603050405020304" pitchFamily="18" charset="0"/>
+              </a:rPr>
+              <a:t>All-optical recreation of naturalistic neural activity with a multifunctional transgenic reporter mouse</a:t>
+            </a:r>
+            <a:r>
+              <a:rPr lang="en-US" sz="1200" dirty="0">
+                <a:latin typeface="Times New Roman" panose="02020603050405020304" pitchFamily="18" charset="0"/>
+                <a:cs typeface="Times New Roman" panose="02020603050405020304" pitchFamily="18" charset="0"/>
+              </a:rPr>
+              <a:t>. </a:t>
+            </a:r>
+            <a:r>
+              <a:rPr lang="en-US" sz="1200" i="1" dirty="0">
+                <a:latin typeface="Times New Roman" panose="02020603050405020304" pitchFamily="18" charset="0"/>
+                <a:cs typeface="Times New Roman" panose="02020603050405020304" pitchFamily="18" charset="0"/>
+              </a:rPr>
+              <a:t>Cell Reports</a:t>
+            </a:r>
+            <a:endParaRPr lang="en-US" sz="1200" dirty="0">
+              <a:latin typeface="Times New Roman" panose="02020603050405020304" pitchFamily="18" charset="0"/>
+              <a:cs typeface="Times New Roman" panose="02020603050405020304" pitchFamily="18" charset="0"/>
+            </a:endParaRPr>
+          </a:p>
+        </p:txBody>
+      </p:sp>
+    </p:spTree>
+    <p:extLst>
+      <p:ext uri="{BB962C8B-B14F-4D97-AF65-F5344CB8AC3E}">
+        <p14:creationId xmlns:p14="http://schemas.microsoft.com/office/powerpoint/2010/main" val="2087931565"/>
+      </p:ext>
+    </p:extLst>
+  </p:cSld>
+  <p:clrMapOvr>
+    <a:masterClrMapping/>
+  </p:clrMapOvr>
+</p:sld>
+</file>
+
+<file path=ppt/slides/slide4.xml><?xml version="1.0" encoding="utf-8"?>
+<p:sld xmlns:a="http://schemas.openxmlformats.org/drawingml/2006/main" xmlns:r="http://schemas.openxmlformats.org/officeDocument/2006/relationships" xmlns:p="http://schemas.openxmlformats.org/presentationml/2006/main">
+  <p:cSld>
+    <p:spTree>
+      <p:nvGrpSpPr>
+        <p:cNvPr id="1" name=""/>
+        <p:cNvGrpSpPr/>
+        <p:nvPr/>
+      </p:nvGrpSpPr>
+      <p:grpSpPr>
+        <a:xfrm>
+          <a:off x="0" y="0"/>
+          <a:ext cx="0" cy="0"/>
+          <a:chOff x="0" y="0"/>
+          <a:chExt cx="0" cy="0"/>
+        </a:xfrm>
+      </p:grpSpPr>
+      <p:sp>
+        <p:nvSpPr>
+          <p:cNvPr id="2" name="Title 1">
+            <a:extLst>
+              <a:ext uri="{FF2B5EF4-FFF2-40B4-BE49-F238E27FC236}">
+                <a16:creationId xmlns:a16="http://schemas.microsoft.com/office/drawing/2014/main" id="{00A49728-C638-6F21-462C-2FED68CE1B60}"/>
+              </a:ext>
+            </a:extLst>
+          </p:cNvPr>
+          <p:cNvSpPr>
+            <a:spLocks noGrp="1"/>
+          </p:cNvSpPr>
+          <p:nvPr>
+            <p:ph type="title"/>
+          </p:nvPr>
+        </p:nvSpPr>
+        <p:spPr/>
+        <p:txBody>
+          <a:bodyPr/>
+          <a:lstStyle/>
+          <a:p>
+            <a:r>
+              <a:rPr lang="en-US" dirty="0"/>
+              <a:t>Behavioral data format</a:t>
+            </a:r>
+          </a:p>
+        </p:txBody>
+      </p:sp>
+      <p:pic>
+        <p:nvPicPr>
+          <p:cNvPr id="5" name="Picture 4">
+            <a:extLst>
+              <a:ext uri="{FF2B5EF4-FFF2-40B4-BE49-F238E27FC236}">
+                <a16:creationId xmlns:a16="http://schemas.microsoft.com/office/drawing/2014/main" id="{FCA3732A-D2C7-9F18-CB78-09C4550ED11A}"/>
+              </a:ext>
+            </a:extLst>
+          </p:cNvPr>
+          <p:cNvPicPr>
+            <a:picLocks noChangeAspect="1"/>
+          </p:cNvPicPr>
+          <p:nvPr/>
+        </p:nvPicPr>
+        <p:blipFill>
+          <a:blip r:embed="rId3"/>
+          <a:stretch>
+            <a:fillRect/>
+          </a:stretch>
+        </p:blipFill>
+        <p:spPr>
+          <a:xfrm>
+            <a:off x="162619" y="2218817"/>
+            <a:ext cx="11866761" cy="3876607"/>
+          </a:xfrm>
+          <a:prstGeom prst="rect">
+            <a:avLst/>
+          </a:prstGeom>
+        </p:spPr>
+      </p:pic>
+      <p:sp>
+        <p:nvSpPr>
+          <p:cNvPr id="6" name="Rectangle 5">
+            <a:extLst>
+              <a:ext uri="{FF2B5EF4-FFF2-40B4-BE49-F238E27FC236}">
+                <a16:creationId xmlns:a16="http://schemas.microsoft.com/office/drawing/2014/main" id="{D7C91DAE-59A7-8181-BCF3-B920878C2545}"/>
+              </a:ext>
+            </a:extLst>
+          </p:cNvPr>
+          <p:cNvSpPr/>
+          <p:nvPr/>
+        </p:nvSpPr>
+        <p:spPr>
+          <a:xfrm>
+            <a:off x="73153" y="2120457"/>
+            <a:ext cx="12051792" cy="348424"/>
+          </a:xfrm>
+          <a:prstGeom prst="rect">
+            <a:avLst/>
+          </a:prstGeom>
+          <a:noFill/>
+          <a:ln>
+            <a:solidFill>
+              <a:srgbClr val="0070C0"/>
+            </a:solidFill>
+          </a:ln>
+        </p:spPr>
+        <p:style>
+          <a:lnRef idx="2">
+            <a:schemeClr val="accent1">
+              <a:shade val="15000"/>
+            </a:schemeClr>
+          </a:lnRef>
+          <a:fillRef idx="1">
+            <a:schemeClr val="accent1"/>
+          </a:fillRef>
+          <a:effectRef idx="0">
+            <a:schemeClr val="accent1"/>
+          </a:effectRef>
+          <a:fontRef idx="minor">
+            <a:schemeClr val="lt1"/>
+          </a:fontRef>
+        </p:style>
+        <p:txBody>
+          <a:bodyPr rtlCol="0" anchor="ctr"/>
+          <a:lstStyle/>
+          <a:p>
+            <a:pPr algn="ctr"/>
+            <a:endParaRPr lang="en-US"/>
+          </a:p>
+        </p:txBody>
+      </p:sp>
+      <p:sp>
+        <p:nvSpPr>
+          <p:cNvPr id="7" name="TextBox 6">
+            <a:extLst>
+              <a:ext uri="{FF2B5EF4-FFF2-40B4-BE49-F238E27FC236}">
+                <a16:creationId xmlns:a16="http://schemas.microsoft.com/office/drawing/2014/main" id="{43FA3D57-5FF0-2723-E560-670BFC59521A}"/>
+              </a:ext>
+            </a:extLst>
+          </p:cNvPr>
+          <p:cNvSpPr txBox="1"/>
+          <p:nvPr/>
+        </p:nvSpPr>
+        <p:spPr>
+          <a:xfrm>
+            <a:off x="338328" y="1789048"/>
+            <a:ext cx="3224601" cy="369332"/>
+          </a:xfrm>
+          <a:prstGeom prst="rect">
+            <a:avLst/>
+          </a:prstGeom>
+          <a:noFill/>
+        </p:spPr>
+        <p:txBody>
+          <a:bodyPr wrap="none" rtlCol="0">
+            <a:spAutoFit/>
+          </a:bodyPr>
+          <a:lstStyle/>
+          <a:p>
+            <a:r>
+              <a:rPr lang="en-US" dirty="0">
+                <a:solidFill>
+                  <a:srgbClr val="0070C0"/>
+                </a:solidFill>
+              </a:rPr>
+              <a:t>Behavioral experiment set up </a:t>
+            </a:r>
+          </a:p>
+        </p:txBody>
+      </p:sp>
+      <p:sp>
+        <p:nvSpPr>
+          <p:cNvPr id="8" name="Rectangle 7">
+            <a:extLst>
+              <a:ext uri="{FF2B5EF4-FFF2-40B4-BE49-F238E27FC236}">
+                <a16:creationId xmlns:a16="http://schemas.microsoft.com/office/drawing/2014/main" id="{8C72228A-8404-6557-FB9F-E3D06B481837}"/>
+              </a:ext>
+            </a:extLst>
+          </p:cNvPr>
+          <p:cNvSpPr/>
+          <p:nvPr/>
+        </p:nvSpPr>
+        <p:spPr>
+          <a:xfrm>
+            <a:off x="2843784" y="2827722"/>
+            <a:ext cx="3355848" cy="1232214"/>
+          </a:xfrm>
+          <a:prstGeom prst="rect">
+            <a:avLst/>
+          </a:prstGeom>
+          <a:noFill/>
+          <a:ln>
+            <a:solidFill>
+              <a:srgbClr val="FF0000"/>
+            </a:solidFill>
+          </a:ln>
+        </p:spPr>
+        <p:style>
+          <a:lnRef idx="2">
+            <a:schemeClr val="accent1">
+              <a:shade val="15000"/>
+            </a:schemeClr>
+          </a:lnRef>
+          <a:fillRef idx="1">
+            <a:schemeClr val="accent1"/>
+          </a:fillRef>
+          <a:effectRef idx="0">
+            <a:schemeClr val="accent1"/>
+          </a:effectRef>
+          <a:fontRef idx="minor">
+            <a:schemeClr val="lt1"/>
+          </a:fontRef>
+        </p:style>
+        <p:txBody>
+          <a:bodyPr rtlCol="0" anchor="ctr"/>
+          <a:lstStyle/>
+          <a:p>
+            <a:pPr algn="ctr"/>
+            <a:endParaRPr lang="en-US"/>
+          </a:p>
+        </p:txBody>
+      </p:sp>
+      <p:sp>
+        <p:nvSpPr>
+          <p:cNvPr id="9" name="Rectangle 8">
+            <a:extLst>
+              <a:ext uri="{FF2B5EF4-FFF2-40B4-BE49-F238E27FC236}">
+                <a16:creationId xmlns:a16="http://schemas.microsoft.com/office/drawing/2014/main" id="{A3200F2B-05C4-CF1E-DAC8-0132248395F0}"/>
+              </a:ext>
+            </a:extLst>
+          </p:cNvPr>
+          <p:cNvSpPr/>
+          <p:nvPr/>
+        </p:nvSpPr>
+        <p:spPr>
+          <a:xfrm>
+            <a:off x="2840736" y="4105656"/>
+            <a:ext cx="3355848" cy="978408"/>
+          </a:xfrm>
+          <a:prstGeom prst="rect">
+            <a:avLst/>
+          </a:prstGeom>
+          <a:noFill/>
+          <a:ln>
+            <a:solidFill>
+              <a:srgbClr val="FF0000"/>
+            </a:solidFill>
+          </a:ln>
+        </p:spPr>
+        <p:style>
+          <a:lnRef idx="2">
+            <a:schemeClr val="accent1">
+              <a:shade val="15000"/>
+            </a:schemeClr>
+          </a:lnRef>
+          <a:fillRef idx="1">
+            <a:schemeClr val="accent1"/>
+          </a:fillRef>
+          <a:effectRef idx="0">
+            <a:schemeClr val="accent1"/>
+          </a:effectRef>
+          <a:fontRef idx="minor">
+            <a:schemeClr val="lt1"/>
+          </a:fontRef>
+        </p:style>
+        <p:txBody>
+          <a:bodyPr rtlCol="0" anchor="ctr"/>
+          <a:lstStyle/>
+          <a:p>
+            <a:pPr algn="ctr"/>
+            <a:endParaRPr lang="en-US"/>
+          </a:p>
+        </p:txBody>
+      </p:sp>
+      <p:sp>
+        <p:nvSpPr>
+          <p:cNvPr id="10" name="TextBox 9">
+            <a:extLst>
+              <a:ext uri="{FF2B5EF4-FFF2-40B4-BE49-F238E27FC236}">
+                <a16:creationId xmlns:a16="http://schemas.microsoft.com/office/drawing/2014/main" id="{DCE56AC4-7DA4-DF08-3843-F31CAA4F4990}"/>
+              </a:ext>
+            </a:extLst>
+          </p:cNvPr>
+          <p:cNvSpPr txBox="1"/>
+          <p:nvPr/>
+        </p:nvSpPr>
+        <p:spPr>
+          <a:xfrm>
+            <a:off x="5227320" y="2827722"/>
+            <a:ext cx="768993" cy="369332"/>
+          </a:xfrm>
+          <a:prstGeom prst="rect">
+            <a:avLst/>
+          </a:prstGeom>
+          <a:noFill/>
+        </p:spPr>
+        <p:txBody>
+          <a:bodyPr wrap="none" rtlCol="0">
+            <a:spAutoFit/>
+          </a:bodyPr>
+          <a:lstStyle/>
+          <a:p>
+            <a:r>
+              <a:rPr lang="en-US" dirty="0">
+                <a:solidFill>
+                  <a:srgbClr val="FF0000"/>
+                </a:solidFill>
+              </a:rPr>
+              <a:t>Trial 1</a:t>
+            </a:r>
+          </a:p>
+        </p:txBody>
+      </p:sp>
+      <p:sp>
+        <p:nvSpPr>
+          <p:cNvPr id="11" name="TextBox 10">
+            <a:extLst>
+              <a:ext uri="{FF2B5EF4-FFF2-40B4-BE49-F238E27FC236}">
+                <a16:creationId xmlns:a16="http://schemas.microsoft.com/office/drawing/2014/main" id="{68848258-4FB2-72B8-F974-F69ADE90482B}"/>
+              </a:ext>
+            </a:extLst>
+          </p:cNvPr>
+          <p:cNvSpPr txBox="1"/>
+          <p:nvPr/>
+        </p:nvSpPr>
+        <p:spPr>
+          <a:xfrm>
+            <a:off x="5227319" y="4157120"/>
+            <a:ext cx="768993" cy="369332"/>
+          </a:xfrm>
+          <a:prstGeom prst="rect">
+            <a:avLst/>
+          </a:prstGeom>
+          <a:noFill/>
+        </p:spPr>
+        <p:txBody>
+          <a:bodyPr wrap="none" rtlCol="0">
+            <a:spAutoFit/>
+          </a:bodyPr>
+          <a:lstStyle/>
+          <a:p>
+            <a:r>
+              <a:rPr lang="en-US" dirty="0">
+                <a:solidFill>
+                  <a:srgbClr val="FF0000"/>
+                </a:solidFill>
+              </a:rPr>
+              <a:t>Trial 2</a:t>
+            </a:r>
+          </a:p>
+        </p:txBody>
+      </p:sp>
+      <p:sp>
+        <p:nvSpPr>
+          <p:cNvPr id="12" name="TextBox 11">
+            <a:extLst>
+              <a:ext uri="{FF2B5EF4-FFF2-40B4-BE49-F238E27FC236}">
+                <a16:creationId xmlns:a16="http://schemas.microsoft.com/office/drawing/2014/main" id="{49FDF794-7F06-08C9-593B-6AAC70C2C361}"/>
+              </a:ext>
+            </a:extLst>
+          </p:cNvPr>
+          <p:cNvSpPr txBox="1"/>
+          <p:nvPr/>
+        </p:nvSpPr>
+        <p:spPr>
+          <a:xfrm>
+            <a:off x="7358318" y="3319293"/>
+            <a:ext cx="2096151" cy="369332"/>
+          </a:xfrm>
+          <a:prstGeom prst="rect">
+            <a:avLst/>
+          </a:prstGeom>
+          <a:noFill/>
+        </p:spPr>
+        <p:txBody>
+          <a:bodyPr wrap="none" rtlCol="0">
+            <a:spAutoFit/>
+          </a:bodyPr>
+          <a:lstStyle/>
+          <a:p>
+            <a:r>
+              <a:rPr lang="en-US" dirty="0">
+                <a:solidFill>
+                  <a:srgbClr val="FF0000"/>
+                </a:solidFill>
+              </a:rPr>
+              <a:t>Random start point</a:t>
+            </a:r>
+          </a:p>
+        </p:txBody>
+      </p:sp>
+      <p:cxnSp>
+        <p:nvCxnSpPr>
+          <p:cNvPr id="14" name="Straight Arrow Connector 13">
+            <a:extLst>
+              <a:ext uri="{FF2B5EF4-FFF2-40B4-BE49-F238E27FC236}">
+                <a16:creationId xmlns:a16="http://schemas.microsoft.com/office/drawing/2014/main" id="{38DF3034-F972-AD1D-6C5C-C8E519EC1D5F}"/>
+              </a:ext>
+            </a:extLst>
+          </p:cNvPr>
+          <p:cNvCxnSpPr/>
+          <p:nvPr/>
+        </p:nvCxnSpPr>
+        <p:spPr>
+          <a:xfrm>
+            <a:off x="9134856" y="3694176"/>
+            <a:ext cx="402336" cy="462944"/>
+          </a:xfrm>
+          <a:prstGeom prst="straightConnector1">
+            <a:avLst/>
+          </a:prstGeom>
+          <a:ln>
+            <a:solidFill>
+              <a:srgbClr val="FF0000"/>
+            </a:solidFill>
+            <a:tailEnd type="triangle"/>
+          </a:ln>
+        </p:spPr>
+        <p:style>
+          <a:lnRef idx="2">
+            <a:schemeClr val="accent1"/>
+          </a:lnRef>
+          <a:fillRef idx="0">
+            <a:schemeClr val="accent1"/>
+          </a:fillRef>
+          <a:effectRef idx="1">
+            <a:schemeClr val="accent1"/>
+          </a:effectRef>
+          <a:fontRef idx="minor">
+            <a:schemeClr val="tx1"/>
+          </a:fontRef>
+        </p:style>
+      </p:cxnSp>
+      <p:cxnSp>
+        <p:nvCxnSpPr>
+          <p:cNvPr id="15" name="Straight Arrow Connector 14">
+            <a:extLst>
+              <a:ext uri="{FF2B5EF4-FFF2-40B4-BE49-F238E27FC236}">
+                <a16:creationId xmlns:a16="http://schemas.microsoft.com/office/drawing/2014/main" id="{27EB4C76-A3CD-F409-674F-B6A3244EDB95}"/>
+              </a:ext>
+            </a:extLst>
+          </p:cNvPr>
+          <p:cNvCxnSpPr>
+            <a:cxnSpLocks/>
+          </p:cNvCxnSpPr>
+          <p:nvPr/>
+        </p:nvCxnSpPr>
+        <p:spPr>
+          <a:xfrm>
+            <a:off x="9134856" y="3688625"/>
+            <a:ext cx="402336" cy="1468591"/>
+          </a:xfrm>
+          <a:prstGeom prst="straightConnector1">
+            <a:avLst/>
+          </a:prstGeom>
+          <a:ln>
+            <a:solidFill>
+              <a:srgbClr val="FF0000"/>
+            </a:solidFill>
+            <a:tailEnd type="triangle"/>
+          </a:ln>
+        </p:spPr>
+        <p:style>
+          <a:lnRef idx="2">
+            <a:schemeClr val="accent1"/>
+          </a:lnRef>
+          <a:fillRef idx="0">
+            <a:schemeClr val="accent1"/>
+          </a:fillRef>
+          <a:effectRef idx="1">
+            <a:schemeClr val="accent1"/>
+          </a:effectRef>
+          <a:fontRef idx="minor">
+            <a:schemeClr val="tx1"/>
+          </a:fontRef>
+        </p:style>
+      </p:cxnSp>
+      <p:sp>
+        <p:nvSpPr>
+          <p:cNvPr id="19" name="Rectangle 18">
+            <a:extLst>
+              <a:ext uri="{FF2B5EF4-FFF2-40B4-BE49-F238E27FC236}">
+                <a16:creationId xmlns:a16="http://schemas.microsoft.com/office/drawing/2014/main" id="{9D7EFCE0-1161-00AE-2917-C14839238041}"/>
+              </a:ext>
+            </a:extLst>
+          </p:cNvPr>
+          <p:cNvSpPr/>
+          <p:nvPr/>
+        </p:nvSpPr>
+        <p:spPr>
+          <a:xfrm>
+            <a:off x="3959351" y="4649724"/>
+            <a:ext cx="1222248" cy="256672"/>
+          </a:xfrm>
+          <a:prstGeom prst="rect">
+            <a:avLst/>
+          </a:prstGeom>
+          <a:noFill/>
+          <a:ln>
+            <a:solidFill>
+              <a:srgbClr val="FF0000"/>
+            </a:solidFill>
+          </a:ln>
+        </p:spPr>
+        <p:style>
+          <a:lnRef idx="2">
+            <a:schemeClr val="accent1">
+              <a:shade val="15000"/>
+            </a:schemeClr>
+          </a:lnRef>
+          <a:fillRef idx="1">
+            <a:schemeClr val="accent1"/>
+          </a:fillRef>
+          <a:effectRef idx="0">
+            <a:schemeClr val="accent1"/>
+          </a:effectRef>
+          <a:fontRef idx="minor">
+            <a:schemeClr val="lt1"/>
+          </a:fontRef>
+        </p:style>
+        <p:txBody>
+          <a:bodyPr rtlCol="0" anchor="ctr"/>
+          <a:lstStyle/>
+          <a:p>
+            <a:pPr algn="ctr"/>
+            <a:endParaRPr lang="en-US"/>
+          </a:p>
+        </p:txBody>
+      </p:sp>
+      <p:sp>
+        <p:nvSpPr>
+          <p:cNvPr id="20" name="Rectangle 19">
+            <a:extLst>
+              <a:ext uri="{FF2B5EF4-FFF2-40B4-BE49-F238E27FC236}">
+                <a16:creationId xmlns:a16="http://schemas.microsoft.com/office/drawing/2014/main" id="{22155DC1-DE4D-2B95-1547-BA0D3B398D5E}"/>
+              </a:ext>
+            </a:extLst>
+          </p:cNvPr>
+          <p:cNvSpPr/>
+          <p:nvPr/>
+        </p:nvSpPr>
+        <p:spPr>
+          <a:xfrm>
+            <a:off x="3959351" y="3632572"/>
+            <a:ext cx="1222248" cy="256672"/>
+          </a:xfrm>
+          <a:prstGeom prst="rect">
+            <a:avLst/>
+          </a:prstGeom>
+          <a:noFill/>
+          <a:ln>
+            <a:solidFill>
+              <a:srgbClr val="FF0000"/>
+            </a:solidFill>
+          </a:ln>
+        </p:spPr>
+        <p:style>
+          <a:lnRef idx="2">
+            <a:schemeClr val="accent1">
+              <a:shade val="15000"/>
+            </a:schemeClr>
+          </a:lnRef>
+          <a:fillRef idx="1">
+            <a:schemeClr val="accent1"/>
+          </a:fillRef>
+          <a:effectRef idx="0">
+            <a:schemeClr val="accent1"/>
+          </a:effectRef>
+          <a:fontRef idx="minor">
+            <a:schemeClr val="lt1"/>
+          </a:fontRef>
+        </p:style>
+        <p:txBody>
+          <a:bodyPr rtlCol="0" anchor="ctr"/>
+          <a:lstStyle/>
+          <a:p>
+            <a:pPr algn="ctr"/>
+            <a:endParaRPr lang="en-US"/>
+          </a:p>
+        </p:txBody>
+      </p:sp>
+    </p:spTree>
+    <p:extLst>
+      <p:ext uri="{BB962C8B-B14F-4D97-AF65-F5344CB8AC3E}">
+        <p14:creationId xmlns:p14="http://schemas.microsoft.com/office/powerpoint/2010/main" val="3630173240"/>
+      </p:ext>
+    </p:extLst>
+  </p:cSld>
+  <p:clrMapOvr>
+    <a:masterClrMapping/>
+  </p:clrMapOvr>
+</p:sld>
+</file>
+
+<file path=ppt/slides/slide5.xml><?xml version="1.0" encoding="utf-8"?>
+<p:sld xmlns:a="http://schemas.openxmlformats.org/drawingml/2006/main" xmlns:r="http://schemas.openxmlformats.org/officeDocument/2006/relationships" xmlns:p="http://schemas.openxmlformats.org/presentationml/2006/main">
+  <p:cSld>
+    <p:spTree>
+      <p:nvGrpSpPr>
+        <p:cNvPr id="1" name=""/>
+        <p:cNvGrpSpPr/>
+        <p:nvPr/>
+      </p:nvGrpSpPr>
+      <p:grpSpPr>
+        <a:xfrm>
+          <a:off x="0" y="0"/>
+          <a:ext cx="0" cy="0"/>
+          <a:chOff x="0" y="0"/>
+          <a:chExt cx="0" cy="0"/>
+        </a:xfrm>
+      </p:grpSpPr>
+      <p:sp>
+        <p:nvSpPr>
+          <p:cNvPr id="2" name="Title 1">
+            <a:extLst>
+              <a:ext uri="{FF2B5EF4-FFF2-40B4-BE49-F238E27FC236}">
+                <a16:creationId xmlns:a16="http://schemas.microsoft.com/office/drawing/2014/main" id="{00A49728-C638-6F21-462C-2FED68CE1B60}"/>
+              </a:ext>
+            </a:extLst>
+          </p:cNvPr>
+          <p:cNvSpPr>
+            <a:spLocks noGrp="1"/>
+          </p:cNvSpPr>
+          <p:nvPr>
+            <p:ph type="title"/>
+          </p:nvPr>
+        </p:nvSpPr>
+        <p:spPr/>
+        <p:txBody>
+          <a:bodyPr/>
+          <a:lstStyle/>
+          <a:p>
+            <a:r>
+              <a:rPr lang="en-US" dirty="0"/>
+              <a:t>Behavioral data format</a:t>
+            </a:r>
+          </a:p>
+        </p:txBody>
+      </p:sp>
+      <p:pic>
+        <p:nvPicPr>
+          <p:cNvPr id="5" name="Picture 4">
+            <a:extLst>
+              <a:ext uri="{FF2B5EF4-FFF2-40B4-BE49-F238E27FC236}">
+                <a16:creationId xmlns:a16="http://schemas.microsoft.com/office/drawing/2014/main" id="{FCA3732A-D2C7-9F18-CB78-09C4550ED11A}"/>
+              </a:ext>
+            </a:extLst>
+          </p:cNvPr>
+          <p:cNvPicPr>
+            <a:picLocks noChangeAspect="1"/>
+          </p:cNvPicPr>
+          <p:nvPr/>
+        </p:nvPicPr>
+        <p:blipFill>
+          <a:blip r:embed="rId2"/>
+          <a:stretch>
+            <a:fillRect/>
+          </a:stretch>
+        </p:blipFill>
+        <p:spPr>
+          <a:xfrm>
+            <a:off x="162619" y="2218817"/>
+            <a:ext cx="11866761" cy="3876607"/>
+          </a:xfrm>
+          <a:prstGeom prst="rect">
+            <a:avLst/>
+          </a:prstGeom>
+        </p:spPr>
+      </p:pic>
+      <p:sp>
+        <p:nvSpPr>
+          <p:cNvPr id="6" name="Rectangle 5">
+            <a:extLst>
+              <a:ext uri="{FF2B5EF4-FFF2-40B4-BE49-F238E27FC236}">
+                <a16:creationId xmlns:a16="http://schemas.microsoft.com/office/drawing/2014/main" id="{D7C91DAE-59A7-8181-BCF3-B920878C2545}"/>
+              </a:ext>
+            </a:extLst>
+          </p:cNvPr>
+          <p:cNvSpPr/>
+          <p:nvPr/>
+        </p:nvSpPr>
+        <p:spPr>
+          <a:xfrm>
+            <a:off x="73153" y="2120457"/>
+            <a:ext cx="12051792" cy="348424"/>
+          </a:xfrm>
+          <a:prstGeom prst="rect">
+            <a:avLst/>
+          </a:prstGeom>
+          <a:noFill/>
+          <a:ln>
+            <a:solidFill>
+              <a:srgbClr val="0070C0"/>
+            </a:solidFill>
+          </a:ln>
+        </p:spPr>
+        <p:style>
+          <a:lnRef idx="2">
+            <a:schemeClr val="accent1">
+              <a:shade val="15000"/>
+            </a:schemeClr>
+          </a:lnRef>
+          <a:fillRef idx="1">
+            <a:schemeClr val="accent1"/>
+          </a:fillRef>
+          <a:effectRef idx="0">
+            <a:schemeClr val="accent1"/>
+          </a:effectRef>
+          <a:fontRef idx="minor">
+            <a:schemeClr val="lt1"/>
+          </a:fontRef>
+        </p:style>
+        <p:txBody>
+          <a:bodyPr rtlCol="0" anchor="ctr"/>
+          <a:lstStyle/>
+          <a:p>
+            <a:pPr algn="ctr"/>
+            <a:endParaRPr lang="en-US"/>
+          </a:p>
+        </p:txBody>
+      </p:sp>
+      <p:sp>
+        <p:nvSpPr>
+          <p:cNvPr id="7" name="TextBox 6">
+            <a:extLst>
+              <a:ext uri="{FF2B5EF4-FFF2-40B4-BE49-F238E27FC236}">
+                <a16:creationId xmlns:a16="http://schemas.microsoft.com/office/drawing/2014/main" id="{43FA3D57-5FF0-2723-E560-670BFC59521A}"/>
+              </a:ext>
+            </a:extLst>
+          </p:cNvPr>
+          <p:cNvSpPr txBox="1"/>
+          <p:nvPr/>
+        </p:nvSpPr>
+        <p:spPr>
+          <a:xfrm>
+            <a:off x="338328" y="1789048"/>
+            <a:ext cx="3224601" cy="369332"/>
+          </a:xfrm>
+          <a:prstGeom prst="rect">
+            <a:avLst/>
+          </a:prstGeom>
+          <a:noFill/>
+        </p:spPr>
+        <p:txBody>
+          <a:bodyPr wrap="none" rtlCol="0">
+            <a:spAutoFit/>
+          </a:bodyPr>
+          <a:lstStyle/>
+          <a:p>
+            <a:r>
+              <a:rPr lang="en-US" dirty="0">
+                <a:solidFill>
+                  <a:srgbClr val="0070C0"/>
+                </a:solidFill>
+              </a:rPr>
+              <a:t>Behavioral experiment set up </a:t>
+            </a:r>
+          </a:p>
+        </p:txBody>
+      </p:sp>
+      <p:sp>
+        <p:nvSpPr>
+          <p:cNvPr id="8" name="Rectangle 7">
+            <a:extLst>
+              <a:ext uri="{FF2B5EF4-FFF2-40B4-BE49-F238E27FC236}">
+                <a16:creationId xmlns:a16="http://schemas.microsoft.com/office/drawing/2014/main" id="{8C72228A-8404-6557-FB9F-E3D06B481837}"/>
+              </a:ext>
+            </a:extLst>
+          </p:cNvPr>
+          <p:cNvSpPr/>
+          <p:nvPr/>
+        </p:nvSpPr>
+        <p:spPr>
+          <a:xfrm>
+            <a:off x="2843784" y="2827722"/>
+            <a:ext cx="3355848" cy="1232214"/>
+          </a:xfrm>
+          <a:prstGeom prst="rect">
+            <a:avLst/>
+          </a:prstGeom>
+          <a:noFill/>
+          <a:ln>
+            <a:solidFill>
+              <a:srgbClr val="FF0000"/>
+            </a:solidFill>
+          </a:ln>
+        </p:spPr>
+        <p:style>
+          <a:lnRef idx="2">
+            <a:schemeClr val="accent1">
+              <a:shade val="15000"/>
+            </a:schemeClr>
+          </a:lnRef>
+          <a:fillRef idx="1">
+            <a:schemeClr val="accent1"/>
+          </a:fillRef>
+          <a:effectRef idx="0">
+            <a:schemeClr val="accent1"/>
+          </a:effectRef>
+          <a:fontRef idx="minor">
+            <a:schemeClr val="lt1"/>
+          </a:fontRef>
+        </p:style>
+        <p:txBody>
+          <a:bodyPr rtlCol="0" anchor="ctr"/>
+          <a:lstStyle/>
+          <a:p>
+            <a:pPr algn="ctr"/>
+            <a:endParaRPr lang="en-US"/>
+          </a:p>
+        </p:txBody>
+      </p:sp>
+      <p:sp>
+        <p:nvSpPr>
+          <p:cNvPr id="9" name="Rectangle 8">
+            <a:extLst>
+              <a:ext uri="{FF2B5EF4-FFF2-40B4-BE49-F238E27FC236}">
+                <a16:creationId xmlns:a16="http://schemas.microsoft.com/office/drawing/2014/main" id="{A3200F2B-05C4-CF1E-DAC8-0132248395F0}"/>
+              </a:ext>
+            </a:extLst>
+          </p:cNvPr>
+          <p:cNvSpPr/>
+          <p:nvPr/>
+        </p:nvSpPr>
+        <p:spPr>
+          <a:xfrm>
+            <a:off x="2840736" y="4105656"/>
+            <a:ext cx="3355848" cy="978408"/>
+          </a:xfrm>
+          <a:prstGeom prst="rect">
+            <a:avLst/>
+          </a:prstGeom>
+          <a:noFill/>
+          <a:ln>
+            <a:solidFill>
+              <a:srgbClr val="FF0000"/>
+            </a:solidFill>
+          </a:ln>
+        </p:spPr>
+        <p:style>
+          <a:lnRef idx="2">
+            <a:schemeClr val="accent1">
+              <a:shade val="15000"/>
+            </a:schemeClr>
+          </a:lnRef>
+          <a:fillRef idx="1">
+            <a:schemeClr val="accent1"/>
+          </a:fillRef>
+          <a:effectRef idx="0">
+            <a:schemeClr val="accent1"/>
+          </a:effectRef>
+          <a:fontRef idx="minor">
+            <a:schemeClr val="lt1"/>
+          </a:fontRef>
+        </p:style>
+        <p:txBody>
+          <a:bodyPr rtlCol="0" anchor="ctr"/>
+          <a:lstStyle/>
+          <a:p>
+            <a:pPr algn="ctr"/>
+            <a:endParaRPr lang="en-US"/>
+          </a:p>
+        </p:txBody>
+      </p:sp>
+      <p:sp>
+        <p:nvSpPr>
+          <p:cNvPr id="10" name="TextBox 9">
+            <a:extLst>
+              <a:ext uri="{FF2B5EF4-FFF2-40B4-BE49-F238E27FC236}">
+                <a16:creationId xmlns:a16="http://schemas.microsoft.com/office/drawing/2014/main" id="{DCE56AC4-7DA4-DF08-3843-F31CAA4F4990}"/>
+              </a:ext>
+            </a:extLst>
+          </p:cNvPr>
+          <p:cNvSpPr txBox="1"/>
+          <p:nvPr/>
+        </p:nvSpPr>
+        <p:spPr>
+          <a:xfrm>
+            <a:off x="5227320" y="2827722"/>
+            <a:ext cx="768993" cy="369332"/>
+          </a:xfrm>
+          <a:prstGeom prst="rect">
+            <a:avLst/>
+          </a:prstGeom>
+          <a:noFill/>
+        </p:spPr>
+        <p:txBody>
+          <a:bodyPr wrap="none" rtlCol="0">
+            <a:spAutoFit/>
+          </a:bodyPr>
+          <a:lstStyle/>
+          <a:p>
+            <a:r>
+              <a:rPr lang="en-US" dirty="0">
+                <a:solidFill>
+                  <a:srgbClr val="FF0000"/>
+                </a:solidFill>
+              </a:rPr>
+              <a:t>Trial 1</a:t>
+            </a:r>
+          </a:p>
+        </p:txBody>
+      </p:sp>
+      <p:sp>
+        <p:nvSpPr>
+          <p:cNvPr id="11" name="TextBox 10">
+            <a:extLst>
+              <a:ext uri="{FF2B5EF4-FFF2-40B4-BE49-F238E27FC236}">
+                <a16:creationId xmlns:a16="http://schemas.microsoft.com/office/drawing/2014/main" id="{68848258-4FB2-72B8-F974-F69ADE90482B}"/>
+              </a:ext>
+            </a:extLst>
+          </p:cNvPr>
+          <p:cNvSpPr txBox="1"/>
+          <p:nvPr/>
+        </p:nvSpPr>
+        <p:spPr>
+          <a:xfrm>
+            <a:off x="5227319" y="4157120"/>
+            <a:ext cx="768993" cy="369332"/>
+          </a:xfrm>
+          <a:prstGeom prst="rect">
+            <a:avLst/>
+          </a:prstGeom>
+          <a:noFill/>
+        </p:spPr>
+        <p:txBody>
+          <a:bodyPr wrap="none" rtlCol="0">
+            <a:spAutoFit/>
+          </a:bodyPr>
+          <a:lstStyle/>
+          <a:p>
+            <a:r>
+              <a:rPr lang="en-US" dirty="0">
+                <a:solidFill>
+                  <a:srgbClr val="FF0000"/>
+                </a:solidFill>
+              </a:rPr>
+              <a:t>Trial 2</a:t>
+            </a:r>
+          </a:p>
+        </p:txBody>
+      </p:sp>
+      <p:sp>
+        <p:nvSpPr>
+          <p:cNvPr id="12" name="TextBox 11">
+            <a:extLst>
+              <a:ext uri="{FF2B5EF4-FFF2-40B4-BE49-F238E27FC236}">
+                <a16:creationId xmlns:a16="http://schemas.microsoft.com/office/drawing/2014/main" id="{49FDF794-7F06-08C9-593B-6AAC70C2C361}"/>
+              </a:ext>
+            </a:extLst>
+          </p:cNvPr>
+          <p:cNvSpPr txBox="1"/>
+          <p:nvPr/>
+        </p:nvSpPr>
+        <p:spPr>
+          <a:xfrm>
+            <a:off x="7358318" y="3319293"/>
+            <a:ext cx="2096151" cy="369332"/>
+          </a:xfrm>
+          <a:prstGeom prst="rect">
+            <a:avLst/>
+          </a:prstGeom>
+          <a:noFill/>
+        </p:spPr>
+        <p:txBody>
+          <a:bodyPr wrap="none" rtlCol="0">
+            <a:spAutoFit/>
+          </a:bodyPr>
+          <a:lstStyle/>
+          <a:p>
+            <a:r>
+              <a:rPr lang="en-US" dirty="0">
+                <a:solidFill>
+                  <a:srgbClr val="FF0000"/>
+                </a:solidFill>
+              </a:rPr>
+              <a:t>Random start point</a:t>
+            </a:r>
+          </a:p>
+        </p:txBody>
+      </p:sp>
+      <p:cxnSp>
+        <p:nvCxnSpPr>
+          <p:cNvPr id="14" name="Straight Arrow Connector 13">
+            <a:extLst>
+              <a:ext uri="{FF2B5EF4-FFF2-40B4-BE49-F238E27FC236}">
+                <a16:creationId xmlns:a16="http://schemas.microsoft.com/office/drawing/2014/main" id="{38DF3034-F972-AD1D-6C5C-C8E519EC1D5F}"/>
+              </a:ext>
+            </a:extLst>
+          </p:cNvPr>
+          <p:cNvCxnSpPr/>
+          <p:nvPr/>
+        </p:nvCxnSpPr>
+        <p:spPr>
+          <a:xfrm>
+            <a:off x="9134856" y="3694176"/>
+            <a:ext cx="402336" cy="462944"/>
+          </a:xfrm>
+          <a:prstGeom prst="straightConnector1">
+            <a:avLst/>
+          </a:prstGeom>
+          <a:ln>
+            <a:solidFill>
+              <a:srgbClr val="FF0000"/>
+            </a:solidFill>
+            <a:tailEnd type="triangle"/>
+          </a:ln>
+        </p:spPr>
+        <p:style>
+          <a:lnRef idx="2">
+            <a:schemeClr val="accent1"/>
+          </a:lnRef>
+          <a:fillRef idx="0">
+            <a:schemeClr val="accent1"/>
+          </a:fillRef>
+          <a:effectRef idx="1">
+            <a:schemeClr val="accent1"/>
+          </a:effectRef>
+          <a:fontRef idx="minor">
+            <a:schemeClr val="tx1"/>
+          </a:fontRef>
+        </p:style>
+      </p:cxnSp>
+      <p:cxnSp>
+        <p:nvCxnSpPr>
+          <p:cNvPr id="15" name="Straight Arrow Connector 14">
+            <a:extLst>
+              <a:ext uri="{FF2B5EF4-FFF2-40B4-BE49-F238E27FC236}">
+                <a16:creationId xmlns:a16="http://schemas.microsoft.com/office/drawing/2014/main" id="{27EB4C76-A3CD-F409-674F-B6A3244EDB95}"/>
+              </a:ext>
+            </a:extLst>
+          </p:cNvPr>
+          <p:cNvCxnSpPr>
+            <a:cxnSpLocks/>
+          </p:cNvCxnSpPr>
+          <p:nvPr/>
+        </p:nvCxnSpPr>
+        <p:spPr>
+          <a:xfrm>
+            <a:off x="9134856" y="3688625"/>
+            <a:ext cx="402336" cy="1468591"/>
+          </a:xfrm>
+          <a:prstGeom prst="straightConnector1">
+            <a:avLst/>
+          </a:prstGeom>
+          <a:ln>
+            <a:solidFill>
+              <a:srgbClr val="FF0000"/>
+            </a:solidFill>
+            <a:tailEnd type="triangle"/>
+          </a:ln>
+        </p:spPr>
+        <p:style>
+          <a:lnRef idx="2">
+            <a:schemeClr val="accent1"/>
+          </a:lnRef>
+          <a:fillRef idx="0">
+            <a:schemeClr val="accent1"/>
+          </a:fillRef>
+          <a:effectRef idx="1">
+            <a:schemeClr val="accent1"/>
+          </a:effectRef>
+          <a:fontRef idx="minor">
+            <a:schemeClr val="tx1"/>
+          </a:fontRef>
+        </p:style>
+      </p:cxnSp>
+      <p:sp>
+        <p:nvSpPr>
+          <p:cNvPr id="19" name="Rectangle 18">
+            <a:extLst>
+              <a:ext uri="{FF2B5EF4-FFF2-40B4-BE49-F238E27FC236}">
+                <a16:creationId xmlns:a16="http://schemas.microsoft.com/office/drawing/2014/main" id="{9D7EFCE0-1161-00AE-2917-C14839238041}"/>
+              </a:ext>
+            </a:extLst>
+          </p:cNvPr>
+          <p:cNvSpPr/>
+          <p:nvPr/>
+        </p:nvSpPr>
+        <p:spPr>
+          <a:xfrm>
+            <a:off x="3959351" y="4649724"/>
+            <a:ext cx="1222248" cy="256672"/>
+          </a:xfrm>
+          <a:prstGeom prst="rect">
+            <a:avLst/>
+          </a:prstGeom>
+          <a:noFill/>
+          <a:ln>
+            <a:solidFill>
+              <a:srgbClr val="FF0000"/>
+            </a:solidFill>
+          </a:ln>
+        </p:spPr>
+        <p:style>
+          <a:lnRef idx="2">
+            <a:schemeClr val="accent1">
+              <a:shade val="15000"/>
+            </a:schemeClr>
+          </a:lnRef>
+          <a:fillRef idx="1">
+            <a:schemeClr val="accent1"/>
+          </a:fillRef>
+          <a:effectRef idx="0">
+            <a:schemeClr val="accent1"/>
+          </a:effectRef>
+          <a:fontRef idx="minor">
+            <a:schemeClr val="lt1"/>
+          </a:fontRef>
+        </p:style>
+        <p:txBody>
+          <a:bodyPr rtlCol="0" anchor="ctr"/>
+          <a:lstStyle/>
+          <a:p>
+            <a:pPr algn="ctr"/>
+            <a:endParaRPr lang="en-US"/>
+          </a:p>
+        </p:txBody>
+      </p:sp>
+      <p:sp>
+        <p:nvSpPr>
+          <p:cNvPr id="20" name="Rectangle 19">
+            <a:extLst>
+              <a:ext uri="{FF2B5EF4-FFF2-40B4-BE49-F238E27FC236}">
+                <a16:creationId xmlns:a16="http://schemas.microsoft.com/office/drawing/2014/main" id="{22155DC1-DE4D-2B95-1547-BA0D3B398D5E}"/>
+              </a:ext>
+            </a:extLst>
+          </p:cNvPr>
+          <p:cNvSpPr/>
+          <p:nvPr/>
+        </p:nvSpPr>
+        <p:spPr>
+          <a:xfrm>
+            <a:off x="3959351" y="3632572"/>
+            <a:ext cx="1222248" cy="256672"/>
+          </a:xfrm>
+          <a:prstGeom prst="rect">
+            <a:avLst/>
+          </a:prstGeom>
+          <a:noFill/>
+          <a:ln>
+            <a:solidFill>
+              <a:srgbClr val="FF0000"/>
+            </a:solidFill>
+          </a:ln>
+        </p:spPr>
+        <p:style>
+          <a:lnRef idx="2">
+            <a:schemeClr val="accent1">
+              <a:shade val="15000"/>
+            </a:schemeClr>
+          </a:lnRef>
+          <a:fillRef idx="1">
+            <a:schemeClr val="accent1"/>
+          </a:fillRef>
+          <a:effectRef idx="0">
+            <a:schemeClr val="accent1"/>
+          </a:effectRef>
+          <a:fontRef idx="minor">
+            <a:schemeClr val="lt1"/>
+          </a:fontRef>
+        </p:style>
+        <p:txBody>
+          <a:bodyPr rtlCol="0" anchor="ctr"/>
+          <a:lstStyle/>
+          <a:p>
+            <a:pPr algn="ctr"/>
+            <a:endParaRPr lang="en-US"/>
+          </a:p>
+        </p:txBody>
+      </p:sp>
+      <p:pic>
+        <p:nvPicPr>
+          <p:cNvPr id="22" name="Picture 21">
+            <a:extLst>
+              <a:ext uri="{FF2B5EF4-FFF2-40B4-BE49-F238E27FC236}">
+                <a16:creationId xmlns:a16="http://schemas.microsoft.com/office/drawing/2014/main" id="{A0CC0D0C-3CD4-C67D-F784-BE480A3645E0}"/>
+              </a:ext>
+            </a:extLst>
+          </p:cNvPr>
+          <p:cNvPicPr>
+            <a:picLocks noChangeAspect="1"/>
+          </p:cNvPicPr>
+          <p:nvPr/>
+        </p:nvPicPr>
+        <p:blipFill>
+          <a:blip r:embed="rId3"/>
+          <a:stretch>
+            <a:fillRect/>
+          </a:stretch>
+        </p:blipFill>
+        <p:spPr>
+          <a:xfrm>
+            <a:off x="800293" y="5282526"/>
+            <a:ext cx="2762636" cy="1171739"/>
+          </a:xfrm>
+          <a:prstGeom prst="rect">
+            <a:avLst/>
+          </a:prstGeom>
+        </p:spPr>
+      </p:pic>
+      <p:sp>
+        <p:nvSpPr>
+          <p:cNvPr id="3" name="TextBox 2">
+            <a:extLst>
+              <a:ext uri="{FF2B5EF4-FFF2-40B4-BE49-F238E27FC236}">
+                <a16:creationId xmlns:a16="http://schemas.microsoft.com/office/drawing/2014/main" id="{5C9807C2-13B0-6B84-5046-4B2474150C7E}"/>
+              </a:ext>
+            </a:extLst>
+          </p:cNvPr>
+          <p:cNvSpPr txBox="1"/>
+          <p:nvPr/>
+        </p:nvSpPr>
+        <p:spPr>
+          <a:xfrm>
+            <a:off x="2299917" y="6427169"/>
+            <a:ext cx="2270558" cy="369332"/>
+          </a:xfrm>
+          <a:prstGeom prst="rect">
+            <a:avLst/>
+          </a:prstGeom>
+          <a:noFill/>
+        </p:spPr>
+        <p:txBody>
+          <a:bodyPr wrap="none" rtlCol="0">
+            <a:spAutoFit/>
+          </a:bodyPr>
+          <a:lstStyle/>
+          <a:p>
+            <a:r>
+              <a:rPr lang="en-US" dirty="0">
+                <a:solidFill>
+                  <a:srgbClr val="FF0000"/>
+                </a:solidFill>
+              </a:rPr>
+              <a:t>Failed trial if time out</a:t>
+            </a:r>
+          </a:p>
+        </p:txBody>
+      </p:sp>
+      <p:sp>
+        <p:nvSpPr>
+          <p:cNvPr id="4" name="Rectangle 3">
+            <a:extLst>
+              <a:ext uri="{FF2B5EF4-FFF2-40B4-BE49-F238E27FC236}">
+                <a16:creationId xmlns:a16="http://schemas.microsoft.com/office/drawing/2014/main" id="{62B42067-D157-53B2-DBB9-FC6F5BD567EF}"/>
+              </a:ext>
+            </a:extLst>
+          </p:cNvPr>
+          <p:cNvSpPr/>
+          <p:nvPr/>
+        </p:nvSpPr>
+        <p:spPr>
+          <a:xfrm>
+            <a:off x="5996312" y="5230368"/>
+            <a:ext cx="5836024" cy="1435944"/>
+          </a:xfrm>
+          <a:prstGeom prst="rect">
+            <a:avLst/>
+          </a:prstGeom>
+          <a:solidFill>
+            <a:schemeClr val="bg1"/>
+          </a:solidFill>
+        </p:spPr>
+        <p:style>
+          <a:lnRef idx="2">
+            <a:schemeClr val="accent1">
+              <a:shade val="15000"/>
+            </a:schemeClr>
+          </a:lnRef>
+          <a:fillRef idx="1">
+            <a:schemeClr val="accent1"/>
+          </a:fillRef>
+          <a:effectRef idx="0">
+            <a:schemeClr val="accent1"/>
+          </a:effectRef>
+          <a:fontRef idx="minor">
+            <a:schemeClr val="lt1"/>
+          </a:fontRef>
+        </p:style>
+        <p:txBody>
+          <a:bodyPr rtlCol="0" anchor="ctr"/>
+          <a:lstStyle/>
+          <a:p>
+            <a:r>
+              <a:rPr lang="en-US" dirty="0">
+                <a:solidFill>
+                  <a:schemeClr val="tx1"/>
+                </a:solidFill>
+              </a:rPr>
+              <a:t>There are also other parameters to tune the behavioral set up, e.g. Impulse, </a:t>
+            </a:r>
+            <a:r>
+              <a:rPr lang="en-US" dirty="0" err="1">
+                <a:solidFill>
+                  <a:schemeClr val="tx1"/>
+                </a:solidFill>
+              </a:rPr>
+              <a:t>max_velocity</a:t>
+            </a:r>
+            <a:r>
+              <a:rPr lang="en-US" dirty="0">
+                <a:solidFill>
+                  <a:schemeClr val="tx1"/>
+                </a:solidFill>
+              </a:rPr>
+              <a:t>, stop &amp; start threshold, </a:t>
+            </a:r>
+            <a:r>
+              <a:rPr lang="en-US" dirty="0" err="1">
+                <a:solidFill>
+                  <a:schemeClr val="tx1"/>
+                </a:solidFill>
+              </a:rPr>
+              <a:t>random_start_range</a:t>
+            </a:r>
+            <a:r>
+              <a:rPr lang="en-US" dirty="0">
+                <a:solidFill>
+                  <a:schemeClr val="tx1"/>
+                </a:solidFill>
+              </a:rPr>
+              <a:t>, ITI length…</a:t>
+            </a:r>
+            <a:r>
+              <a:rPr lang="en-US" dirty="0" err="1">
+                <a:solidFill>
+                  <a:schemeClr val="tx1"/>
+                </a:solidFill>
+              </a:rPr>
+              <a:t>etc</a:t>
+            </a:r>
+            <a:endParaRPr lang="en-US" dirty="0">
+              <a:solidFill>
+                <a:schemeClr val="tx1"/>
+              </a:solidFill>
+            </a:endParaRPr>
+          </a:p>
+        </p:txBody>
+      </p:sp>
+    </p:spTree>
+    <p:extLst>
+      <p:ext uri="{BB962C8B-B14F-4D97-AF65-F5344CB8AC3E}">
+        <p14:creationId xmlns:p14="http://schemas.microsoft.com/office/powerpoint/2010/main" val="2992687332"/>
+      </p:ext>
+    </p:extLst>
+  </p:cSld>
+  <p:clrMapOvr>
+    <a:masterClrMapping/>
+  </p:clrMapOvr>
+</p:sld>
+</file>
+
+<file path=ppt/slides/slide6.xml><?xml version="1.0" encoding="utf-8"?>
+<p:sld xmlns:a="http://schemas.openxmlformats.org/drawingml/2006/main" xmlns:r="http://schemas.openxmlformats.org/officeDocument/2006/relationships" xmlns:p="http://schemas.openxmlformats.org/presentationml/2006/main">
+  <p:cSld>
+    <p:spTree>
+      <p:nvGrpSpPr>
+        <p:cNvPr id="1" name=""/>
+        <p:cNvGrpSpPr/>
+        <p:nvPr/>
+      </p:nvGrpSpPr>
+      <p:grpSpPr>
+        <a:xfrm>
+          <a:off x="0" y="0"/>
+          <a:ext cx="0" cy="0"/>
+          <a:chOff x="0" y="0"/>
+          <a:chExt cx="0" cy="0"/>
+        </a:xfrm>
+      </p:grpSpPr>
+      <p:sp>
+        <p:nvSpPr>
+          <p:cNvPr id="2" name="Title 1">
+            <a:extLst>
+              <a:ext uri="{FF2B5EF4-FFF2-40B4-BE49-F238E27FC236}">
+                <a16:creationId xmlns:a16="http://schemas.microsoft.com/office/drawing/2014/main" id="{1F56903E-B7E6-F832-7A18-053F9E7771C2}"/>
+              </a:ext>
+            </a:extLst>
+          </p:cNvPr>
+          <p:cNvSpPr>
+            <a:spLocks noGrp="1"/>
+          </p:cNvSpPr>
+          <p:nvPr>
+            <p:ph type="title"/>
+          </p:nvPr>
+        </p:nvSpPr>
+        <p:spPr/>
+        <p:txBody>
+          <a:bodyPr/>
+          <a:lstStyle/>
+          <a:p>
+            <a:r>
+              <a:rPr lang="en-US" dirty="0"/>
+              <a:t>The purpose of original MATLAB code</a:t>
+            </a:r>
+          </a:p>
+        </p:txBody>
+      </p:sp>
+      <p:sp>
+        <p:nvSpPr>
+          <p:cNvPr id="3" name="Content Placeholder 2">
+            <a:extLst>
+              <a:ext uri="{FF2B5EF4-FFF2-40B4-BE49-F238E27FC236}">
+                <a16:creationId xmlns:a16="http://schemas.microsoft.com/office/drawing/2014/main" id="{E2A9E105-065C-26E1-0525-E00D091384FE}"/>
+              </a:ext>
+            </a:extLst>
+          </p:cNvPr>
+          <p:cNvSpPr>
+            <a:spLocks noGrp="1"/>
+          </p:cNvSpPr>
+          <p:nvPr>
+            <p:ph idx="1"/>
+          </p:nvPr>
+        </p:nvSpPr>
+        <p:spPr/>
+        <p:txBody>
+          <a:bodyPr/>
+          <a:lstStyle/>
+          <a:p>
+            <a:r>
+              <a:rPr lang="en-US" dirty="0"/>
+              <a:t>Extract the basic information: </a:t>
+            </a:r>
+            <a:br>
+              <a:rPr lang="en-US" dirty="0"/>
+            </a:br>
+            <a:r>
+              <a:rPr lang="en-US" dirty="0"/>
+              <a:t>1. Time of section duration</a:t>
+            </a:r>
+            <a:br>
+              <a:rPr lang="en-US" dirty="0"/>
+            </a:br>
+            <a:r>
+              <a:rPr lang="en-US" dirty="0"/>
+              <a:t>2. Total trials and successful trial count</a:t>
+            </a:r>
+            <a:br>
+              <a:rPr lang="en-US" dirty="0"/>
+            </a:br>
+            <a:r>
+              <a:rPr lang="en-US" dirty="0"/>
+              <a:t>3. Success rate and reward frequency</a:t>
+            </a:r>
+            <a:br>
+              <a:rPr lang="en-US" dirty="0"/>
+            </a:br>
+            <a:r>
+              <a:rPr lang="en-US" dirty="0"/>
+              <a:t>4. Average and standard deviation of trial duration</a:t>
+            </a:r>
+          </a:p>
+          <a:p>
+            <a:r>
+              <a:rPr lang="en-US" dirty="0"/>
+              <a:t>Visualization of trajectory: 1D &amp; 2D version, Trial path length.</a:t>
+            </a:r>
+          </a:p>
+          <a:p>
+            <a:r>
+              <a:rPr lang="en-US" dirty="0"/>
+              <a:t>Batch file analysis: Output a summarization file.</a:t>
+            </a:r>
+          </a:p>
+          <a:p>
+            <a:r>
+              <a:rPr lang="en-US" dirty="0"/>
+              <a:t>Ensemble-based group analysis: plot the bar chart of each neuron ensemble giving the statistics results. </a:t>
+            </a:r>
+          </a:p>
+        </p:txBody>
+      </p:sp>
+    </p:spTree>
+    <p:extLst>
+      <p:ext uri="{BB962C8B-B14F-4D97-AF65-F5344CB8AC3E}">
+        <p14:creationId xmlns:p14="http://schemas.microsoft.com/office/powerpoint/2010/main" val="624843863"/>
+      </p:ext>
+    </p:extLst>
+  </p:cSld>
+  <p:clrMapOvr>
+    <a:masterClrMapping/>
+  </p:clrMapOvr>
+</p:sld>
+</file>
+
+<file path=ppt/slides/slide7.xml><?xml version="1.0" encoding="utf-8"?>
+<p:sld xmlns:a="http://schemas.openxmlformats.org/drawingml/2006/main" xmlns:r="http://schemas.openxmlformats.org/officeDocument/2006/relationships" xmlns:p="http://schemas.openxmlformats.org/presentationml/2006/main">
+  <p:cSld>
+    <p:spTree>
+      <p:nvGrpSpPr>
+        <p:cNvPr id="1" name=""/>
+        <p:cNvGrpSpPr/>
+        <p:nvPr/>
+      </p:nvGrpSpPr>
+      <p:grpSpPr>
+        <a:xfrm>
+          <a:off x="0" y="0"/>
+          <a:ext cx="0" cy="0"/>
+          <a:chOff x="0" y="0"/>
+          <a:chExt cx="0" cy="0"/>
+        </a:xfrm>
+      </p:grpSpPr>
+      <p:sp>
+        <p:nvSpPr>
+          <p:cNvPr id="2" name="Title 1">
+            <a:extLst>
+              <a:ext uri="{FF2B5EF4-FFF2-40B4-BE49-F238E27FC236}">
+                <a16:creationId xmlns:a16="http://schemas.microsoft.com/office/drawing/2014/main" id="{89C3605F-CEC6-7CED-858E-E9E11A704D9A}"/>
+              </a:ext>
+            </a:extLst>
+          </p:cNvPr>
+          <p:cNvSpPr>
+            <a:spLocks noGrp="1"/>
+          </p:cNvSpPr>
+          <p:nvPr>
+            <p:ph type="title"/>
+          </p:nvPr>
+        </p:nvSpPr>
+        <p:spPr/>
+        <p:txBody>
+          <a:bodyPr/>
+          <a:lstStyle/>
+          <a:p>
+            <a:r>
+              <a:rPr lang="en-US" dirty="0"/>
+              <a:t>Project Goals</a:t>
+            </a:r>
+          </a:p>
+        </p:txBody>
+      </p:sp>
+      <p:sp>
+        <p:nvSpPr>
+          <p:cNvPr id="3" name="Content Placeholder 2">
+            <a:extLst>
+              <a:ext uri="{FF2B5EF4-FFF2-40B4-BE49-F238E27FC236}">
+                <a16:creationId xmlns:a16="http://schemas.microsoft.com/office/drawing/2014/main" id="{B18D5303-20E5-8B2D-FB2A-6077889BEF7D}"/>
+              </a:ext>
+            </a:extLst>
+          </p:cNvPr>
+          <p:cNvSpPr>
+            <a:spLocks noGrp="1"/>
+          </p:cNvSpPr>
+          <p:nvPr>
+            <p:ph idx="1"/>
+          </p:nvPr>
+        </p:nvSpPr>
+        <p:spPr>
+          <a:xfrm>
+            <a:off x="838200" y="1825625"/>
+            <a:ext cx="10515600" cy="4414401"/>
+          </a:xfrm>
+        </p:spPr>
+        <p:txBody>
+          <a:bodyPr/>
+          <a:lstStyle/>
+          <a:p>
+            <a:r>
+              <a:rPr lang="en-US" dirty="0"/>
+              <a:t>Output the same figures and files regarding the same input CSV file.</a:t>
+            </a:r>
+          </a:p>
+          <a:p>
+            <a:r>
+              <a:rPr lang="en-US" dirty="0"/>
+              <a:t>List the necessary functions for processing the data frame and write them as def functions.</a:t>
+            </a:r>
+          </a:p>
+          <a:p>
+            <a:r>
+              <a:rPr lang="en-US" dirty="0"/>
+              <a:t>Have the notation of each def function to ensure modification in the future. </a:t>
+            </a:r>
+          </a:p>
+          <a:p>
+            <a:endParaRPr lang="en-US" dirty="0"/>
+          </a:p>
+        </p:txBody>
+      </p:sp>
+    </p:spTree>
+    <p:extLst>
+      <p:ext uri="{BB962C8B-B14F-4D97-AF65-F5344CB8AC3E}">
+        <p14:creationId xmlns:p14="http://schemas.microsoft.com/office/powerpoint/2010/main" val="351085102"/>
+      </p:ext>
+    </p:extLst>
+  </p:cSld>
+  <p:clrMapOvr>
+    <a:masterClrMapping/>
+  </p:clrMapOvr>
+</p:sld>
+</file>
+
+<file path=ppt/slides/slide8.xml><?xml version="1.0" encoding="utf-8"?>
+<p:sld xmlns:a="http://schemas.openxmlformats.org/drawingml/2006/main" xmlns:r="http://schemas.openxmlformats.org/officeDocument/2006/relationships" xmlns:p="http://schemas.openxmlformats.org/presentationml/2006/main">
+  <p:cSld>
+    <p:spTree>
+      <p:nvGrpSpPr>
+        <p:cNvPr id="1" name=""/>
+        <p:cNvGrpSpPr/>
+        <p:nvPr/>
+      </p:nvGrpSpPr>
+      <p:grpSpPr>
+        <a:xfrm>
+          <a:off x="0" y="0"/>
+          <a:ext cx="0" cy="0"/>
+          <a:chOff x="0" y="0"/>
+          <a:chExt cx="0" cy="0"/>
+        </a:xfrm>
+      </p:grpSpPr>
+      <p:sp>
+        <p:nvSpPr>
+          <p:cNvPr id="2" name="Title 1">
+            <a:extLst>
+              <a:ext uri="{FF2B5EF4-FFF2-40B4-BE49-F238E27FC236}">
+                <a16:creationId xmlns:a16="http://schemas.microsoft.com/office/drawing/2014/main" id="{C999C60A-20D9-0E67-72B7-3DC3BE4C187E}"/>
+              </a:ext>
+            </a:extLst>
+          </p:cNvPr>
+          <p:cNvSpPr>
+            <a:spLocks noGrp="1"/>
+          </p:cNvSpPr>
+          <p:nvPr>
+            <p:ph type="title"/>
+          </p:nvPr>
+        </p:nvSpPr>
+        <p:spPr/>
+        <p:txBody>
+          <a:bodyPr/>
+          <a:lstStyle/>
+          <a:p>
+            <a:r>
+              <a:rPr lang="en-US" dirty="0"/>
+              <a:t>Function 1: </a:t>
+            </a:r>
+            <a:r>
+              <a:rPr lang="en-US" dirty="0" err="1"/>
+              <a:t>time_to_seconds</a:t>
+            </a:r>
+            <a:endParaRPr lang="en-US" dirty="0"/>
+          </a:p>
+        </p:txBody>
+      </p:sp>
+      <p:pic>
+        <p:nvPicPr>
+          <p:cNvPr id="5" name="內容版面配置區 4">
+            <a:extLst>
+              <a:ext uri="{FF2B5EF4-FFF2-40B4-BE49-F238E27FC236}">
+                <a16:creationId xmlns:a16="http://schemas.microsoft.com/office/drawing/2014/main" id="{B49BBAF1-16C4-2D1F-FD72-39429AEDA01E}"/>
+              </a:ext>
+            </a:extLst>
+          </p:cNvPr>
+          <p:cNvPicPr>
+            <a:picLocks noGrp="1" noChangeAspect="1"/>
+          </p:cNvPicPr>
+          <p:nvPr>
+            <p:ph idx="1"/>
+          </p:nvPr>
+        </p:nvPicPr>
+        <p:blipFill>
+          <a:blip r:embed="rId2">
+            <a:extLst>
+              <a:ext uri="{28A0092B-C50C-407E-A947-70E740481C1C}">
+                <a14:useLocalDpi xmlns:a14="http://schemas.microsoft.com/office/drawing/2010/main" val="0"/>
+              </a:ext>
+            </a:extLst>
+          </a:blip>
+          <a:stretch>
+            <a:fillRect/>
+          </a:stretch>
+        </p:blipFill>
+        <p:spPr>
+          <a:xfrm>
+            <a:off x="6458192" y="2007121"/>
+            <a:ext cx="5471085" cy="3886147"/>
+          </a:xfrm>
+        </p:spPr>
+      </p:pic>
+      <p:pic>
+        <p:nvPicPr>
+          <p:cNvPr id="6" name="Picture 4">
+            <a:extLst>
+              <a:ext uri="{FF2B5EF4-FFF2-40B4-BE49-F238E27FC236}">
+                <a16:creationId xmlns:a16="http://schemas.microsoft.com/office/drawing/2014/main" id="{EE9C8A1C-2058-A75D-4198-FD052EEC4EF2}"/>
+              </a:ext>
+            </a:extLst>
+          </p:cNvPr>
+          <p:cNvPicPr>
+            <a:picLocks noChangeAspect="1"/>
+          </p:cNvPicPr>
+          <p:nvPr/>
+        </p:nvPicPr>
+        <p:blipFill>
+          <a:blip r:embed="rId3"/>
+          <a:srcRect r="93659"/>
+          <a:stretch/>
+        </p:blipFill>
+        <p:spPr>
+          <a:xfrm>
+            <a:off x="5273745" y="1568155"/>
+            <a:ext cx="920128" cy="4740078"/>
+          </a:xfrm>
+          <a:prstGeom prst="rect">
+            <a:avLst/>
+          </a:prstGeom>
+        </p:spPr>
+      </p:pic>
+      <p:sp>
+        <p:nvSpPr>
+          <p:cNvPr id="9" name="Content Placeholder 2">
+            <a:extLst>
+              <a:ext uri="{FF2B5EF4-FFF2-40B4-BE49-F238E27FC236}">
+                <a16:creationId xmlns:a16="http://schemas.microsoft.com/office/drawing/2014/main" id="{15A4163C-AC32-2E41-DC97-144519E83A00}"/>
+              </a:ext>
+            </a:extLst>
+          </p:cNvPr>
+          <p:cNvSpPr txBox="1">
+            <a:spLocks/>
+          </p:cNvSpPr>
+          <p:nvPr/>
+        </p:nvSpPr>
+        <p:spPr>
+          <a:xfrm>
+            <a:off x="3219660" y="1858364"/>
+            <a:ext cx="5529105" cy="4351338"/>
+          </a:xfrm>
+          <a:prstGeom prst="rect">
+            <a:avLst/>
+          </a:prstGeom>
+        </p:spPr>
+        <p:txBody>
+          <a:bodyPr vert="horz" lIns="91440" tIns="45720" rIns="91440" bIns="45720" rtlCol="0">
+            <a:normAutofit/>
+          </a:bodyPr>
+          <a:lstStyle>
+            <a:lvl1pPr marL="228600" indent="-228600" algn="l" defTabSz="914400" rtl="0" eaLnBrk="1" latinLnBrk="0" hangingPunct="1">
+              <a:lnSpc>
+                <a:spcPct val="90000"/>
+              </a:lnSpc>
+              <a:spcBef>
+                <a:spcPts val="1000"/>
+              </a:spcBef>
+              <a:buFont typeface="Arial" panose="020B0604020202020204" pitchFamily="34" charset="0"/>
+              <a:buChar char="•"/>
+              <a:defRPr sz="2800" kern="1200">
+                <a:solidFill>
+                  <a:schemeClr val="tx1"/>
+                </a:solidFill>
+                <a:latin typeface="+mn-lt"/>
+                <a:ea typeface="+mn-ea"/>
+                <a:cs typeface="+mn-cs"/>
+              </a:defRPr>
+            </a:lvl1pPr>
+            <a:lvl2pPr marL="685800" indent="-228600" algn="l" defTabSz="914400" rtl="0" eaLnBrk="1" latinLnBrk="0" hangingPunct="1">
+              <a:lnSpc>
+                <a:spcPct val="90000"/>
+              </a:lnSpc>
+              <a:spcBef>
+                <a:spcPts val="500"/>
+              </a:spcBef>
+              <a:buFont typeface="Arial" panose="020B0604020202020204" pitchFamily="34" charset="0"/>
+              <a:buChar char="•"/>
+              <a:defRPr sz="2400" kern="1200">
+                <a:solidFill>
+                  <a:schemeClr val="tx1"/>
+                </a:solidFill>
+                <a:latin typeface="+mn-lt"/>
+                <a:ea typeface="+mn-ea"/>
+                <a:cs typeface="+mn-cs"/>
+              </a:defRPr>
+            </a:lvl2pPr>
+            <a:lvl3pPr marL="1143000" indent="-228600" algn="l" defTabSz="914400" rtl="0" eaLnBrk="1" latinLnBrk="0" hangingPunct="1">
+              <a:lnSpc>
+                <a:spcPct val="90000"/>
+              </a:lnSpc>
+              <a:spcBef>
+                <a:spcPts val="500"/>
+              </a:spcBef>
+              <a:buFont typeface="Arial" panose="020B0604020202020204" pitchFamily="34" charset="0"/>
+              <a:buChar char="•"/>
+              <a:defRPr sz="2000" kern="1200">
+                <a:solidFill>
+                  <a:schemeClr val="tx1"/>
+                </a:solidFill>
+                <a:latin typeface="+mn-lt"/>
+                <a:ea typeface="+mn-ea"/>
+                <a:cs typeface="+mn-cs"/>
+              </a:defRPr>
+            </a:lvl3pPr>
+            <a:lvl4pPr marL="1600200" indent="-228600" algn="l" defTabSz="914400" rtl="0" eaLnBrk="1" latinLnBrk="0" hangingPunct="1">
+              <a:lnSpc>
+                <a:spcPct val="90000"/>
+              </a:lnSpc>
+              <a:spcBef>
+                <a:spcPts val="500"/>
+              </a:spcBef>
+              <a:buFont typeface="Arial" panose="020B0604020202020204" pitchFamily="34" charset="0"/>
+              <a:buChar char="•"/>
+              <a:defRPr sz="1800" kern="1200">
+                <a:solidFill>
+                  <a:schemeClr val="tx1"/>
+                </a:solidFill>
+                <a:latin typeface="+mn-lt"/>
+                <a:ea typeface="+mn-ea"/>
+                <a:cs typeface="+mn-cs"/>
+              </a:defRPr>
+            </a:lvl4pPr>
+            <a:lvl5pPr marL="2057400" indent="-228600" algn="l" defTabSz="914400" rtl="0" eaLnBrk="1" latinLnBrk="0" hangingPunct="1">
+              <a:lnSpc>
+                <a:spcPct val="90000"/>
+              </a:lnSpc>
+              <a:spcBef>
+                <a:spcPts val="500"/>
+              </a:spcBef>
+              <a:buFont typeface="Arial" panose="020B0604020202020204" pitchFamily="34" charset="0"/>
+              <a:buChar char="•"/>
+              <a:defRPr sz="1800" kern="1200">
+                <a:solidFill>
+                  <a:schemeClr val="tx1"/>
+                </a:solidFill>
+                <a:latin typeface="+mn-lt"/>
+                <a:ea typeface="+mn-ea"/>
+                <a:cs typeface="+mn-cs"/>
+              </a:defRPr>
+            </a:lvl5pPr>
+            <a:lvl6pPr marL="2514600" indent="-228600" algn="l" defTabSz="914400" rtl="0" eaLnBrk="1" latinLnBrk="0" hangingPunct="1">
+              <a:lnSpc>
+                <a:spcPct val="90000"/>
+              </a:lnSpc>
+              <a:spcBef>
+                <a:spcPts val="500"/>
+              </a:spcBef>
+              <a:buFont typeface="Arial" panose="020B0604020202020204" pitchFamily="34" charset="0"/>
+              <a:buChar char="•"/>
+              <a:defRPr sz="1800" kern="1200">
+                <a:solidFill>
+                  <a:schemeClr val="tx1"/>
+                </a:solidFill>
+                <a:latin typeface="+mn-lt"/>
+                <a:ea typeface="+mn-ea"/>
+                <a:cs typeface="+mn-cs"/>
+              </a:defRPr>
+            </a:lvl6pPr>
+            <a:lvl7pPr marL="2971800" indent="-228600" algn="l" defTabSz="914400" rtl="0" eaLnBrk="1" latinLnBrk="0" hangingPunct="1">
+              <a:lnSpc>
+                <a:spcPct val="90000"/>
+              </a:lnSpc>
+              <a:spcBef>
+                <a:spcPts val="500"/>
+              </a:spcBef>
+              <a:buFont typeface="Arial" panose="020B0604020202020204" pitchFamily="34" charset="0"/>
+              <a:buChar char="•"/>
+              <a:defRPr sz="1800" kern="1200">
+                <a:solidFill>
+                  <a:schemeClr val="tx1"/>
+                </a:solidFill>
+                <a:latin typeface="+mn-lt"/>
+                <a:ea typeface="+mn-ea"/>
+                <a:cs typeface="+mn-cs"/>
+              </a:defRPr>
+            </a:lvl7pPr>
+            <a:lvl8pPr marL="3429000" indent="-228600" algn="l" defTabSz="914400" rtl="0" eaLnBrk="1" latinLnBrk="0" hangingPunct="1">
+              <a:lnSpc>
+                <a:spcPct val="90000"/>
+              </a:lnSpc>
+              <a:spcBef>
+                <a:spcPts val="500"/>
+              </a:spcBef>
+              <a:buFont typeface="Arial" panose="020B0604020202020204" pitchFamily="34" charset="0"/>
+              <a:buChar char="•"/>
+              <a:defRPr sz="1800" kern="1200">
+                <a:solidFill>
+                  <a:schemeClr val="tx1"/>
+                </a:solidFill>
+                <a:latin typeface="+mn-lt"/>
+                <a:ea typeface="+mn-ea"/>
+                <a:cs typeface="+mn-cs"/>
+              </a:defRPr>
+            </a:lvl8pPr>
+            <a:lvl9pPr marL="3886200" indent="-228600" algn="l" defTabSz="914400" rtl="0" eaLnBrk="1" latinLnBrk="0" hangingPunct="1">
+              <a:lnSpc>
+                <a:spcPct val="90000"/>
+              </a:lnSpc>
+              <a:spcBef>
+                <a:spcPts val="500"/>
+              </a:spcBef>
+              <a:buFont typeface="Arial" panose="020B0604020202020204" pitchFamily="34" charset="0"/>
+              <a:buChar char="•"/>
+              <a:defRPr sz="1800" kern="1200">
+                <a:solidFill>
+                  <a:schemeClr val="tx1"/>
+                </a:solidFill>
+                <a:latin typeface="+mn-lt"/>
+                <a:ea typeface="+mn-ea"/>
+                <a:cs typeface="+mn-cs"/>
+              </a:defRPr>
+            </a:lvl9pPr>
+          </a:lstStyle>
+          <a:p>
             <a:endParaRPr lang="en-US" dirty="0"/>
           </a:p>
         </p:txBody>
@@ -8867,8 +10705,8 @@
         </p:nvSpPr>
         <p:spPr>
           <a:xfrm>
-            <a:off x="2751992" y="4231175"/>
-            <a:ext cx="6527242" cy="2113329"/>
+            <a:off x="838200" y="4231175"/>
+            <a:ext cx="9975112" cy="2626825"/>
           </a:xfrm>
         </p:spPr>
         <p:txBody>
@@ -8885,13 +10723,27 @@
           <a:p>
             <a:r>
               <a:rPr lang="en" altLang="zh-TW" sz="2400" dirty="0"/>
-              <a:t>Convert ‘event’ column names to lowercase. (e.g. Target Reached -&gt; target reached)</a:t>
+              <a:t>Convert ‘event’ column names to lowercase (e.g. Target Reached -&gt; target reached) to avoid missing event.</a:t>
             </a:r>
           </a:p>
           <a:p>
             <a:r>
               <a:rPr lang="en" altLang="zh-TW" sz="2400" dirty="0"/>
-              <a:t>Convert ‘Trial’ column to numeric.</a:t>
+              <a:t>Convert ‘Trial’ column to numeric and find the total trial number by using “</a:t>
+            </a:r>
+            <a:r>
+              <a:rPr lang="en-US" altLang="zh-TW" sz="2400" dirty="0"/>
+              <a:t>.unique</a:t>
+            </a:r>
+            <a:r>
+              <a:rPr lang="en" altLang="zh-TW" sz="2400" dirty="0"/>
+              <a:t>”</a:t>
+            </a:r>
+          </a:p>
+          <a:p>
+            <a:r>
+              <a:rPr lang="en" altLang="zh-TW" sz="2400" dirty="0"/>
+              <a:t>Return the clean data frame</a:t>
             </a:r>
           </a:p>
           <a:p>
@@ -8914,7 +10766,7 @@
           <p:nvPr/>
         </p:nvPicPr>
         <p:blipFill>
-          <a:blip r:embed="rId2">
+          <a:blip r:embed="rId3">
             <a:extLst>
               <a:ext uri="{28A0092B-C50C-407E-A947-70E740481C1C}">
                 <a14:useLocalDpi xmlns:a14="http://schemas.microsoft.com/office/drawing/2010/main" val="0"/>
@@ -9261,4 +11113,319 @@
     </a:ext>
   </a:extLst>
 </a:theme>
+</file>
+
+<file path=ppt/theme/theme2.xml><?xml version="1.0" encoding="utf-8"?>
+<a:theme xmlns:a="http://schemas.openxmlformats.org/drawingml/2006/main" name="Office Theme">
+  <a:themeElements>
+    <a:clrScheme name="Office">
+      <a:dk1>
+        <a:sysClr val="windowText" lastClr="000000"/>
+      </a:dk1>
+      <a:lt1>
+        <a:sysClr val="window" lastClr="FFFFFF"/>
+      </a:lt1>
+      <a:dk2>
+        <a:srgbClr val="0E2841"/>
+      </a:dk2>
+      <a:lt2>
+        <a:srgbClr val="E8E8E8"/>
+      </a:lt2>
+      <a:accent1>
+        <a:srgbClr val="156082"/>
+      </a:accent1>
+      <a:accent2>
+        <a:srgbClr val="E97132"/>
+      </a:accent2>
+      <a:accent3>
+        <a:srgbClr val="196B24"/>
+      </a:accent3>
+      <a:accent4>
+        <a:srgbClr val="0F9ED5"/>
+      </a:accent4>
+      <a:accent5>
+        <a:srgbClr val="A02B93"/>
+      </a:accent5>
+      <a:accent6>
+        <a:srgbClr val="4EA72E"/>
+      </a:accent6>
+      <a:hlink>
+        <a:srgbClr val="467886"/>
+      </a:hlink>
+      <a:folHlink>
+        <a:srgbClr val="96607D"/>
+      </a:folHlink>
+    </a:clrScheme>
+    <a:fontScheme name="Office">
+      <a:majorFont>
+        <a:latin typeface="Aptos Display" panose="02110004020202020204"/>
+        <a:ea typeface=""/>
+        <a:cs typeface=""/>
+        <a:font script="Jpan" typeface="游ゴシック Light"/>
+        <a:font script="Hang" typeface="맑은 고딕"/>
+        <a:font script="Hans" typeface="等线 Light"/>
+        <a:font script="Hant" typeface="新細明體"/>
+        <a:font script="Arab" typeface="Times New Roman"/>
+        <a:font script="Hebr" typeface="Times New Roman"/>
+        <a:font script="Thai" typeface="Angsana New"/>
+        <a:font script="Ethi" typeface="Nyala"/>
+        <a:font script="Beng" typeface="Vrinda"/>
+        <a:font script="Gujr" typeface="Shruti"/>
+        <a:font script="Khmr" typeface="MoolBoran"/>
+        <a:font script="Knda" typeface="Tunga"/>
+        <a:font script="Guru" typeface="Raavi"/>
+        <a:font script="Cans" typeface="Euphemia"/>
+        <a:font script="Cher" typeface="Plantagenet Cherokee"/>
+        <a:font script="Yiii" typeface="Microsoft Yi Baiti"/>
+        <a:font script="Tibt" typeface="Microsoft Himalaya"/>
+        <a:font script="Thaa" typeface="MV Boli"/>
+        <a:font script="Deva" typeface="Mangal"/>
+        <a:font script="Telu" typeface="Gautami"/>
+        <a:font script="Taml" typeface="Latha"/>
+        <a:font script="Syrc" typeface="Estrangelo Edessa"/>
+        <a:font script="Orya" typeface="Kalinga"/>
+        <a:font script="Mlym" typeface="Kartika"/>
+        <a:font script="Laoo" typeface="DokChampa"/>
+        <a:font script="Sinh" typeface="Iskoola Pota"/>
+        <a:font script="Mong" typeface="Mongolian Baiti"/>
+        <a:font script="Viet" typeface="Times New Roman"/>
+        <a:font script="Uigh" typeface="Microsoft Uighur"/>
+        <a:font script="Geor" typeface="Sylfaen"/>
+        <a:font script="Armn" typeface="Arial"/>
+        <a:font script="Bugi" typeface="Leelawadee UI"/>
+        <a:font script="Bopo" typeface="Microsoft JhengHei"/>
+        <a:font script="Java" typeface="Javanese Text"/>
+        <a:font script="Lisu" typeface="Segoe UI"/>
+        <a:font script="Mymr" typeface="Myanmar Text"/>
+        <a:font script="Nkoo" typeface="Ebrima"/>
+        <a:font script="Olck" typeface="Nirmala UI"/>
+        <a:font script="Osma" typeface="Ebrima"/>
+        <a:font script="Phag" typeface="Phagspa"/>
+        <a:font script="Syrn" typeface="Estrangelo Edessa"/>
+        <a:font script="Syrj" typeface="Estrangelo Edessa"/>
+        <a:font script="Syre" typeface="Estrangelo Edessa"/>
+        <a:font script="Sora" typeface="Nirmala UI"/>
+        <a:font script="Tale" typeface="Microsoft Tai Le"/>
+        <a:font script="Talu" typeface="Microsoft New Tai Lue"/>
+        <a:font script="Tfng" typeface="Ebrima"/>
+      </a:majorFont>
+      <a:minorFont>
+        <a:latin typeface="Aptos" panose="02110004020202020204"/>
+        <a:ea typeface=""/>
+        <a:cs typeface=""/>
+        <a:font script="Jpan" typeface="游ゴシック"/>
+        <a:font script="Hang" typeface="맑은 고딕"/>
+        <a:font script="Hans" typeface="等线"/>
+        <a:font script="Hant" typeface="新細明體"/>
+        <a:font script="Arab" typeface="Arial"/>
+        <a:font script="Hebr" typeface="Arial"/>
+        <a:font script="Thai" typeface="Cordia New"/>
+        <a:font script="Ethi" typeface="Nyala"/>
+        <a:font script="Beng" typeface="Vrinda"/>
+        <a:font script="Gujr" typeface="Shruti"/>
+        <a:font script="Khmr" typeface="DaunPenh"/>
+        <a:font script="Knda" typeface="Tunga"/>
+        <a:font script="Guru" typeface="Raavi"/>
+        <a:font script="Cans" typeface="Euphemia"/>
+        <a:font script="Cher" typeface="Plantagenet Cherokee"/>
+        <a:font script="Yiii" typeface="Microsoft Yi Baiti"/>
+        <a:font script="Tibt" typeface="Microsoft Himalaya"/>
+        <a:font script="Thaa" typeface="MV Boli"/>
+        <a:font script="Deva" typeface="Mangal"/>
+        <a:font script="Telu" typeface="Gautami"/>
+        <a:font script="Taml" typeface="Latha"/>
+        <a:font script="Syrc" typeface="Estrangelo Edessa"/>
+        <a:font script="Orya" typeface="Kalinga"/>
+        <a:font script="Mlym" typeface="Kartika"/>
+        <a:font script="Laoo" typeface="DokChampa"/>
+        <a:font script="Sinh" typeface="Iskoola Pota"/>
+        <a:font script="Mong" typeface="Mongolian Baiti"/>
+        <a:font script="Viet" typeface="Arial"/>
+        <a:font script="Uigh" typeface="Microsoft Uighur"/>
+        <a:font script="Geor" typeface="Sylfaen"/>
+        <a:font script="Armn" typeface="Arial"/>
+        <a:font script="Bugi" typeface="Leelawadee UI"/>
+        <a:font script="Bopo" typeface="Microsoft JhengHei"/>
+        <a:font script="Java" typeface="Javanese Text"/>
+        <a:font script="Lisu" typeface="Segoe UI"/>
+        <a:font script="Mymr" typeface="Myanmar Text"/>
+        <a:font script="Nkoo" typeface="Ebrima"/>
+        <a:font script="Olck" typeface="Nirmala UI"/>
+        <a:font script="Osma" typeface="Ebrima"/>
+        <a:font script="Phag" typeface="Phagspa"/>
+        <a:font script="Syrn" typeface="Estrangelo Edessa"/>
+        <a:font script="Syrj" typeface="Estrangelo Edessa"/>
+        <a:font script="Syre" typeface="Estrangelo Edessa"/>
+        <a:font script="Sora" typeface="Nirmala UI"/>
+        <a:font script="Tale" typeface="Microsoft Tai Le"/>
+        <a:font script="Talu" typeface="Microsoft New Tai Lue"/>
+        <a:font script="Tfng" typeface="Ebrima"/>
+      </a:minorFont>
+    </a:fontScheme>
+    <a:fmtScheme name="Office">
+      <a:fillStyleLst>
+        <a:solidFill>
+          <a:schemeClr val="phClr"/>
+        </a:solidFill>
+        <a:gradFill rotWithShape="1">
+          <a:gsLst>
+            <a:gs pos="0">
+              <a:schemeClr val="phClr">
+                <a:lumMod val="110000"/>
+                <a:satMod val="105000"/>
+                <a:tint val="67000"/>
+              </a:schemeClr>
+            </a:gs>
+            <a:gs pos="50000">
+              <a:schemeClr val="phClr">
+                <a:lumMod val="105000"/>
+                <a:satMod val="103000"/>
+                <a:tint val="73000"/>
+              </a:schemeClr>
+            </a:gs>
+            <a:gs pos="100000">
+              <a:schemeClr val="phClr">
+                <a:lumMod val="105000"/>
+                <a:satMod val="109000"/>
+                <a:tint val="81000"/>
+              </a:schemeClr>
+            </a:gs>
+          </a:gsLst>
+          <a:lin ang="5400000" scaled="0"/>
+        </a:gradFill>
+        <a:gradFill rotWithShape="1">
+          <a:gsLst>
+            <a:gs pos="0">
+              <a:schemeClr val="phClr">
+                <a:satMod val="103000"/>
+                <a:lumMod val="102000"/>
+                <a:tint val="94000"/>
+              </a:schemeClr>
+            </a:gs>
+            <a:gs pos="50000">
+              <a:schemeClr val="phClr">
+                <a:satMod val="110000"/>
+                <a:lumMod val="100000"/>
+                <a:shade val="100000"/>
+              </a:schemeClr>
+            </a:gs>
+            <a:gs pos="100000">
+              <a:schemeClr val="phClr">
+                <a:lumMod val="99000"/>
+                <a:satMod val="120000"/>
+                <a:shade val="78000"/>
+              </a:schemeClr>
+            </a:gs>
+          </a:gsLst>
+          <a:lin ang="5400000" scaled="0"/>
+        </a:gradFill>
+      </a:fillStyleLst>
+      <a:lnStyleLst>
+        <a:ln w="12700" cap="flat" cmpd="sng" algn="ctr">
+          <a:solidFill>
+            <a:schemeClr val="phClr"/>
+          </a:solidFill>
+          <a:prstDash val="solid"/>
+          <a:miter lim="800000"/>
+        </a:ln>
+        <a:ln w="19050" cap="flat" cmpd="sng" algn="ctr">
+          <a:solidFill>
+            <a:schemeClr val="phClr"/>
+          </a:solidFill>
+          <a:prstDash val="solid"/>
+          <a:miter lim="800000"/>
+        </a:ln>
+        <a:ln w="25400" cap="flat" cmpd="sng" algn="ctr">
+          <a:solidFill>
+            <a:schemeClr val="phClr"/>
+          </a:solidFill>
+          <a:prstDash val="solid"/>
+          <a:miter lim="800000"/>
+        </a:ln>
+      </a:lnStyleLst>
+      <a:effectStyleLst>
+        <a:effectStyle>
+          <a:effectLst/>
+        </a:effectStyle>
+        <a:effectStyle>
+          <a:effectLst/>
+        </a:effectStyle>
+        <a:effectStyle>
+          <a:effectLst>
+            <a:outerShdw blurRad="57150" dist="19050" dir="5400000" algn="ctr" rotWithShape="0">
+              <a:srgbClr val="000000">
+                <a:alpha val="63000"/>
+              </a:srgbClr>
+            </a:outerShdw>
+          </a:effectLst>
+        </a:effectStyle>
+      </a:effectStyleLst>
+      <a:bgFillStyleLst>
+        <a:solidFill>
+          <a:schemeClr val="phClr"/>
+        </a:solidFill>
+        <a:solidFill>
+          <a:schemeClr val="phClr">
+            <a:tint val="95000"/>
+            <a:satMod val="170000"/>
+          </a:schemeClr>
+        </a:solidFill>
+        <a:gradFill rotWithShape="1">
+          <a:gsLst>
+            <a:gs pos="0">
+              <a:schemeClr val="phClr">
+                <a:tint val="93000"/>
+                <a:satMod val="150000"/>
+                <a:shade val="98000"/>
+                <a:lumMod val="102000"/>
+              </a:schemeClr>
+            </a:gs>
+            <a:gs pos="50000">
+              <a:schemeClr val="phClr">
+                <a:tint val="98000"/>
+                <a:satMod val="130000"/>
+                <a:shade val="90000"/>
+                <a:lumMod val="103000"/>
+              </a:schemeClr>
+            </a:gs>
+            <a:gs pos="100000">
+              <a:schemeClr val="phClr">
+                <a:shade val="63000"/>
+                <a:satMod val="120000"/>
+              </a:schemeClr>
+            </a:gs>
+          </a:gsLst>
+          <a:lin ang="5400000" scaled="0"/>
+        </a:gradFill>
+      </a:bgFillStyleLst>
+    </a:fmtScheme>
+  </a:themeElements>
+  <a:objectDefaults>
+    <a:lnDef>
+      <a:spPr/>
+      <a:bodyPr/>
+      <a:lstStyle/>
+      <a:style>
+        <a:lnRef idx="2">
+          <a:schemeClr val="accent1"/>
+        </a:lnRef>
+        <a:fillRef idx="0">
+          <a:schemeClr val="accent1"/>
+        </a:fillRef>
+        <a:effectRef idx="1">
+          <a:schemeClr val="accent1"/>
+        </a:effectRef>
+        <a:fontRef idx="minor">
+          <a:schemeClr val="tx1"/>
+        </a:fontRef>
+      </a:style>
+    </a:lnDef>
+  </a:objectDefaults>
+  <a:extraClrSchemeLst/>
+  <a:extLst>
+    <a:ext uri="{05A4C25C-085E-4340-85A3-A5531E510DB2}">
+      <thm15:themeFamily xmlns:thm15="http://schemas.microsoft.com/office/thememl/2012/main" name="Office Theme" id="{2E142A2C-CD16-42D6-873A-C26D2A0506FA}" vid="{1BDDFF52-6CD6-40A5-AB3C-68EB2F1E4D0A}"/>
+    </a:ext>
+  </a:extLst>
+</a:theme>
 </file>